--- a/PSE.pptx
+++ b/PSE.pptx
@@ -7,27 +7,25 @@
   <p:sldIdLst>
     <p:sldId id="256" r:id="rId2"/>
     <p:sldId id="308" r:id="rId3"/>
-    <p:sldId id="309" r:id="rId4"/>
-    <p:sldId id="310" r:id="rId5"/>
-    <p:sldId id="311" r:id="rId6"/>
-    <p:sldId id="312" r:id="rId7"/>
+    <p:sldId id="258" r:id="rId4"/>
+    <p:sldId id="312" r:id="rId5"/>
+    <p:sldId id="318" r:id="rId6"/>
+    <p:sldId id="319" r:id="rId7"/>
     <p:sldId id="313" r:id="rId8"/>
     <p:sldId id="314" r:id="rId9"/>
     <p:sldId id="315" r:id="rId10"/>
     <p:sldId id="316" r:id="rId11"/>
     <p:sldId id="317" r:id="rId12"/>
-    <p:sldId id="318" r:id="rId13"/>
-    <p:sldId id="258" r:id="rId14"/>
-    <p:sldId id="293" r:id="rId15"/>
-    <p:sldId id="298" r:id="rId16"/>
-    <p:sldId id="301" r:id="rId17"/>
-    <p:sldId id="302" r:id="rId18"/>
-    <p:sldId id="307" r:id="rId19"/>
-    <p:sldId id="299" r:id="rId20"/>
-    <p:sldId id="300" r:id="rId21"/>
-    <p:sldId id="303" r:id="rId22"/>
-    <p:sldId id="305" r:id="rId23"/>
-    <p:sldId id="306" r:id="rId24"/>
+    <p:sldId id="293" r:id="rId13"/>
+    <p:sldId id="298" r:id="rId14"/>
+    <p:sldId id="301" r:id="rId15"/>
+    <p:sldId id="302" r:id="rId16"/>
+    <p:sldId id="307" r:id="rId17"/>
+    <p:sldId id="299" r:id="rId18"/>
+    <p:sldId id="300" r:id="rId19"/>
+    <p:sldId id="303" r:id="rId20"/>
+    <p:sldId id="305" r:id="rId21"/>
+    <p:sldId id="306" r:id="rId22"/>
   </p:sldIdLst>
   <p:sldSz cx="12192000" cy="6858000"/>
   <p:notesSz cx="6858000" cy="9144000"/>
@@ -881,753 +879,6 @@
 </dgm:colorsDef>
 </file>
 
-<file path=ppt/diagrams/colors2.xml><?xml version="1.0" encoding="utf-8"?>
-<dgm:colorsDef xmlns:dgm="http://schemas.openxmlformats.org/drawingml/2006/diagram" xmlns:a="http://schemas.openxmlformats.org/drawingml/2006/main" uniqueId="urn:microsoft.com/office/officeart/2005/8/colors/accent4_2">
-  <dgm:title val=""/>
-  <dgm:desc val=""/>
-  <dgm:catLst>
-    <dgm:cat type="accent4" pri="11200"/>
-  </dgm:catLst>
-  <dgm:styleLbl name="node0">
-    <dgm:fillClrLst meth="repeat">
-      <a:schemeClr val="accent4"/>
-    </dgm:fillClrLst>
-    <dgm:linClrLst meth="repeat">
-      <a:schemeClr val="lt1"/>
-    </dgm:linClrLst>
-    <dgm:effectClrLst/>
-    <dgm:txLinClrLst/>
-    <dgm:txFillClrLst/>
-    <dgm:txEffectClrLst/>
-  </dgm:styleLbl>
-  <dgm:styleLbl name="node1">
-    <dgm:fillClrLst meth="repeat">
-      <a:schemeClr val="accent4"/>
-    </dgm:fillClrLst>
-    <dgm:linClrLst meth="repeat">
-      <a:schemeClr val="lt1"/>
-    </dgm:linClrLst>
-    <dgm:effectClrLst/>
-    <dgm:txLinClrLst/>
-    <dgm:txFillClrLst/>
-    <dgm:txEffectClrLst/>
-  </dgm:styleLbl>
-  <dgm:styleLbl name="alignNode1">
-    <dgm:fillClrLst meth="repeat">
-      <a:schemeClr val="accent4"/>
-    </dgm:fillClrLst>
-    <dgm:linClrLst meth="repeat">
-      <a:schemeClr val="accent4"/>
-    </dgm:linClrLst>
-    <dgm:effectClrLst/>
-    <dgm:txLinClrLst/>
-    <dgm:txFillClrLst/>
-    <dgm:txEffectClrLst/>
-  </dgm:styleLbl>
-  <dgm:styleLbl name="lnNode1">
-    <dgm:fillClrLst meth="repeat">
-      <a:schemeClr val="accent4"/>
-    </dgm:fillClrLst>
-    <dgm:linClrLst meth="repeat">
-      <a:schemeClr val="lt1"/>
-    </dgm:linClrLst>
-    <dgm:effectClrLst/>
-    <dgm:txLinClrLst/>
-    <dgm:txFillClrLst/>
-    <dgm:txEffectClrLst/>
-  </dgm:styleLbl>
-  <dgm:styleLbl name="vennNode1">
-    <dgm:fillClrLst meth="repeat">
-      <a:schemeClr val="accent4">
-        <a:alpha val="50000"/>
-      </a:schemeClr>
-    </dgm:fillClrLst>
-    <dgm:linClrLst meth="repeat">
-      <a:schemeClr val="lt1"/>
-    </dgm:linClrLst>
-    <dgm:effectClrLst/>
-    <dgm:txLinClrLst/>
-    <dgm:txFillClrLst/>
-    <dgm:txEffectClrLst/>
-  </dgm:styleLbl>
-  <dgm:styleLbl name="node2">
-    <dgm:fillClrLst meth="repeat">
-      <a:schemeClr val="accent4"/>
-    </dgm:fillClrLst>
-    <dgm:linClrLst meth="repeat">
-      <a:schemeClr val="lt1"/>
-    </dgm:linClrLst>
-    <dgm:effectClrLst/>
-    <dgm:txLinClrLst/>
-    <dgm:txFillClrLst/>
-    <dgm:txEffectClrLst/>
-  </dgm:styleLbl>
-  <dgm:styleLbl name="node3">
-    <dgm:fillClrLst meth="repeat">
-      <a:schemeClr val="accent4"/>
-    </dgm:fillClrLst>
-    <dgm:linClrLst meth="repeat">
-      <a:schemeClr val="lt1"/>
-    </dgm:linClrLst>
-    <dgm:effectClrLst/>
-    <dgm:txLinClrLst/>
-    <dgm:txFillClrLst/>
-    <dgm:txEffectClrLst/>
-  </dgm:styleLbl>
-  <dgm:styleLbl name="node4">
-    <dgm:fillClrLst meth="repeat">
-      <a:schemeClr val="accent4"/>
-    </dgm:fillClrLst>
-    <dgm:linClrLst meth="repeat">
-      <a:schemeClr val="lt1"/>
-    </dgm:linClrLst>
-    <dgm:effectClrLst/>
-    <dgm:txLinClrLst/>
-    <dgm:txFillClrLst/>
-    <dgm:txEffectClrLst/>
-  </dgm:styleLbl>
-  <dgm:styleLbl name="fgImgPlace1">
-    <dgm:fillClrLst meth="repeat">
-      <a:schemeClr val="accent4">
-        <a:tint val="50000"/>
-      </a:schemeClr>
-    </dgm:fillClrLst>
-    <dgm:linClrLst meth="repeat">
-      <a:schemeClr val="lt1"/>
-    </dgm:linClrLst>
-    <dgm:effectClrLst/>
-    <dgm:txLinClrLst/>
-    <dgm:txFillClrLst meth="repeat">
-      <a:schemeClr val="lt1"/>
-    </dgm:txFillClrLst>
-    <dgm:txEffectClrLst/>
-  </dgm:styleLbl>
-  <dgm:styleLbl name="alignImgPlace1">
-    <dgm:fillClrLst meth="repeat">
-      <a:schemeClr val="accent4">
-        <a:tint val="50000"/>
-      </a:schemeClr>
-    </dgm:fillClrLst>
-    <dgm:linClrLst meth="repeat">
-      <a:schemeClr val="lt1"/>
-    </dgm:linClrLst>
-    <dgm:effectClrLst/>
-    <dgm:txLinClrLst/>
-    <dgm:txFillClrLst meth="repeat">
-      <a:schemeClr val="lt1"/>
-    </dgm:txFillClrLst>
-    <dgm:txEffectClrLst/>
-  </dgm:styleLbl>
-  <dgm:styleLbl name="bgImgPlace1">
-    <dgm:fillClrLst meth="repeat">
-      <a:schemeClr val="accent4">
-        <a:tint val="50000"/>
-      </a:schemeClr>
-    </dgm:fillClrLst>
-    <dgm:linClrLst meth="repeat">
-      <a:schemeClr val="lt1"/>
-    </dgm:linClrLst>
-    <dgm:effectClrLst/>
-    <dgm:txLinClrLst/>
-    <dgm:txFillClrLst meth="repeat">
-      <a:schemeClr val="lt1"/>
-    </dgm:txFillClrLst>
-    <dgm:txEffectClrLst/>
-  </dgm:styleLbl>
-  <dgm:styleLbl name="sibTrans2D1">
-    <dgm:fillClrLst meth="repeat">
-      <a:schemeClr val="accent4">
-        <a:tint val="60000"/>
-      </a:schemeClr>
-    </dgm:fillClrLst>
-    <dgm:linClrLst meth="repeat">
-      <a:schemeClr val="accent4">
-        <a:tint val="60000"/>
-      </a:schemeClr>
-    </dgm:linClrLst>
-    <dgm:effectClrLst/>
-    <dgm:txLinClrLst/>
-    <dgm:txFillClrLst/>
-    <dgm:txEffectClrLst/>
-  </dgm:styleLbl>
-  <dgm:styleLbl name="fgSibTrans2D1">
-    <dgm:fillClrLst meth="repeat">
-      <a:schemeClr val="accent4">
-        <a:tint val="60000"/>
-      </a:schemeClr>
-    </dgm:fillClrLst>
-    <dgm:linClrLst meth="repeat">
-      <a:schemeClr val="accent4">
-        <a:tint val="60000"/>
-      </a:schemeClr>
-    </dgm:linClrLst>
-    <dgm:effectClrLst/>
-    <dgm:txLinClrLst/>
-    <dgm:txFillClrLst/>
-    <dgm:txEffectClrLst/>
-  </dgm:styleLbl>
-  <dgm:styleLbl name="bgSibTrans2D1">
-    <dgm:fillClrLst meth="repeat">
-      <a:schemeClr val="accent4">
-        <a:tint val="60000"/>
-      </a:schemeClr>
-    </dgm:fillClrLst>
-    <dgm:linClrLst meth="repeat">
-      <a:schemeClr val="accent4">
-        <a:tint val="60000"/>
-      </a:schemeClr>
-    </dgm:linClrLst>
-    <dgm:effectClrLst/>
-    <dgm:txLinClrLst/>
-    <dgm:txFillClrLst/>
-    <dgm:txEffectClrLst/>
-  </dgm:styleLbl>
-  <dgm:styleLbl name="sibTrans1D1">
-    <dgm:fillClrLst meth="repeat">
-      <a:schemeClr val="accent4"/>
-    </dgm:fillClrLst>
-    <dgm:linClrLst meth="repeat">
-      <a:schemeClr val="accent4"/>
-    </dgm:linClrLst>
-    <dgm:effectClrLst/>
-    <dgm:txLinClrLst/>
-    <dgm:txFillClrLst meth="repeat">
-      <a:schemeClr val="tx1"/>
-    </dgm:txFillClrLst>
-    <dgm:txEffectClrLst/>
-  </dgm:styleLbl>
-  <dgm:styleLbl name="callout">
-    <dgm:fillClrLst meth="repeat">
-      <a:schemeClr val="accent4"/>
-    </dgm:fillClrLst>
-    <dgm:linClrLst meth="repeat">
-      <a:schemeClr val="accent4">
-        <a:tint val="50000"/>
-      </a:schemeClr>
-    </dgm:linClrLst>
-    <dgm:effectClrLst/>
-    <dgm:txLinClrLst/>
-    <dgm:txFillClrLst meth="repeat">
-      <a:schemeClr val="tx1"/>
-    </dgm:txFillClrLst>
-    <dgm:txEffectClrLst/>
-  </dgm:styleLbl>
-  <dgm:styleLbl name="asst0">
-    <dgm:fillClrLst meth="repeat">
-      <a:schemeClr val="accent4"/>
-    </dgm:fillClrLst>
-    <dgm:linClrLst meth="repeat">
-      <a:schemeClr val="lt1"/>
-    </dgm:linClrLst>
-    <dgm:effectClrLst/>
-    <dgm:txLinClrLst/>
-    <dgm:txFillClrLst/>
-    <dgm:txEffectClrLst/>
-  </dgm:styleLbl>
-  <dgm:styleLbl name="asst1">
-    <dgm:fillClrLst meth="repeat">
-      <a:schemeClr val="accent4"/>
-    </dgm:fillClrLst>
-    <dgm:linClrLst meth="repeat">
-      <a:schemeClr val="lt1"/>
-    </dgm:linClrLst>
-    <dgm:effectClrLst/>
-    <dgm:txLinClrLst/>
-    <dgm:txFillClrLst/>
-    <dgm:txEffectClrLst/>
-  </dgm:styleLbl>
-  <dgm:styleLbl name="asst2">
-    <dgm:fillClrLst meth="repeat">
-      <a:schemeClr val="accent4"/>
-    </dgm:fillClrLst>
-    <dgm:linClrLst meth="repeat">
-      <a:schemeClr val="lt1"/>
-    </dgm:linClrLst>
-    <dgm:effectClrLst/>
-    <dgm:txLinClrLst/>
-    <dgm:txFillClrLst/>
-    <dgm:txEffectClrLst/>
-  </dgm:styleLbl>
-  <dgm:styleLbl name="asst3">
-    <dgm:fillClrLst meth="repeat">
-      <a:schemeClr val="accent4"/>
-    </dgm:fillClrLst>
-    <dgm:linClrLst meth="repeat">
-      <a:schemeClr val="lt1"/>
-    </dgm:linClrLst>
-    <dgm:effectClrLst/>
-    <dgm:txLinClrLst/>
-    <dgm:txFillClrLst/>
-    <dgm:txEffectClrLst/>
-  </dgm:styleLbl>
-  <dgm:styleLbl name="asst4">
-    <dgm:fillClrLst meth="repeat">
-      <a:schemeClr val="accent4"/>
-    </dgm:fillClrLst>
-    <dgm:linClrLst meth="repeat">
-      <a:schemeClr val="lt1"/>
-    </dgm:linClrLst>
-    <dgm:effectClrLst/>
-    <dgm:txLinClrLst/>
-    <dgm:txFillClrLst/>
-    <dgm:txEffectClrLst/>
-  </dgm:styleLbl>
-  <dgm:styleLbl name="parChTrans2D1">
-    <dgm:fillClrLst meth="repeat">
-      <a:schemeClr val="accent4">
-        <a:tint val="60000"/>
-      </a:schemeClr>
-    </dgm:fillClrLst>
-    <dgm:linClrLst meth="repeat">
-      <a:schemeClr val="accent4">
-        <a:tint val="60000"/>
-      </a:schemeClr>
-    </dgm:linClrLst>
-    <dgm:effectClrLst/>
-    <dgm:txLinClrLst/>
-    <dgm:txFillClrLst meth="repeat">
-      <a:schemeClr val="lt1"/>
-    </dgm:txFillClrLst>
-    <dgm:txEffectClrLst/>
-  </dgm:styleLbl>
-  <dgm:styleLbl name="parChTrans2D2">
-    <dgm:fillClrLst meth="repeat">
-      <a:schemeClr val="accent4"/>
-    </dgm:fillClrLst>
-    <dgm:linClrLst meth="repeat">
-      <a:schemeClr val="accent4"/>
-    </dgm:linClrLst>
-    <dgm:effectClrLst/>
-    <dgm:txLinClrLst/>
-    <dgm:txFillClrLst meth="repeat">
-      <a:schemeClr val="lt1"/>
-    </dgm:txFillClrLst>
-    <dgm:txEffectClrLst/>
-  </dgm:styleLbl>
-  <dgm:styleLbl name="parChTrans2D3">
-    <dgm:fillClrLst meth="repeat">
-      <a:schemeClr val="accent4"/>
-    </dgm:fillClrLst>
-    <dgm:linClrLst meth="repeat">
-      <a:schemeClr val="accent4"/>
-    </dgm:linClrLst>
-    <dgm:effectClrLst/>
-    <dgm:txLinClrLst/>
-    <dgm:txFillClrLst meth="repeat">
-      <a:schemeClr val="lt1"/>
-    </dgm:txFillClrLst>
-    <dgm:txEffectClrLst/>
-  </dgm:styleLbl>
-  <dgm:styleLbl name="parChTrans2D4">
-    <dgm:fillClrLst meth="repeat">
-      <a:schemeClr val="accent4"/>
-    </dgm:fillClrLst>
-    <dgm:linClrLst meth="repeat">
-      <a:schemeClr val="accent4"/>
-    </dgm:linClrLst>
-    <dgm:effectClrLst/>
-    <dgm:txLinClrLst/>
-    <dgm:txFillClrLst meth="repeat">
-      <a:schemeClr val="lt1"/>
-    </dgm:txFillClrLst>
-    <dgm:txEffectClrLst/>
-  </dgm:styleLbl>
-  <dgm:styleLbl name="parChTrans1D1">
-    <dgm:fillClrLst meth="repeat">
-      <a:schemeClr val="accent4"/>
-    </dgm:fillClrLst>
-    <dgm:linClrLst meth="repeat">
-      <a:schemeClr val="accent4">
-        <a:shade val="60000"/>
-      </a:schemeClr>
-    </dgm:linClrLst>
-    <dgm:effectClrLst/>
-    <dgm:txLinClrLst/>
-    <dgm:txFillClrLst meth="repeat">
-      <a:schemeClr val="tx1"/>
-    </dgm:txFillClrLst>
-    <dgm:txEffectClrLst/>
-  </dgm:styleLbl>
-  <dgm:styleLbl name="parChTrans1D2">
-    <dgm:fillClrLst meth="repeat">
-      <a:schemeClr val="accent4"/>
-    </dgm:fillClrLst>
-    <dgm:linClrLst meth="repeat">
-      <a:schemeClr val="accent4">
-        <a:shade val="60000"/>
-      </a:schemeClr>
-    </dgm:linClrLst>
-    <dgm:effectClrLst/>
-    <dgm:txLinClrLst/>
-    <dgm:txFillClrLst meth="repeat">
-      <a:schemeClr val="tx1"/>
-    </dgm:txFillClrLst>
-    <dgm:txEffectClrLst/>
-  </dgm:styleLbl>
-  <dgm:styleLbl name="parChTrans1D3">
-    <dgm:fillClrLst meth="repeat">
-      <a:schemeClr val="accent4"/>
-    </dgm:fillClrLst>
-    <dgm:linClrLst meth="repeat">
-      <a:schemeClr val="accent4">
-        <a:shade val="80000"/>
-      </a:schemeClr>
-    </dgm:linClrLst>
-    <dgm:effectClrLst/>
-    <dgm:txLinClrLst/>
-    <dgm:txFillClrLst meth="repeat">
-      <a:schemeClr val="tx1"/>
-    </dgm:txFillClrLst>
-    <dgm:txEffectClrLst/>
-  </dgm:styleLbl>
-  <dgm:styleLbl name="parChTrans1D4">
-    <dgm:fillClrLst meth="repeat">
-      <a:schemeClr val="accent4"/>
-    </dgm:fillClrLst>
-    <dgm:linClrLst meth="repeat">
-      <a:schemeClr val="accent4">
-        <a:shade val="80000"/>
-      </a:schemeClr>
-    </dgm:linClrLst>
-    <dgm:effectClrLst/>
-    <dgm:txLinClrLst/>
-    <dgm:txFillClrLst meth="repeat">
-      <a:schemeClr val="tx1"/>
-    </dgm:txFillClrLst>
-    <dgm:txEffectClrLst/>
-  </dgm:styleLbl>
-  <dgm:styleLbl name="fgAcc1">
-    <dgm:fillClrLst meth="repeat">
-      <a:schemeClr val="lt1">
-        <a:alpha val="90000"/>
-      </a:schemeClr>
-    </dgm:fillClrLst>
-    <dgm:linClrLst meth="repeat">
-      <a:schemeClr val="accent4"/>
-    </dgm:linClrLst>
-    <dgm:effectClrLst/>
-    <dgm:txLinClrLst/>
-    <dgm:txFillClrLst meth="repeat">
-      <a:schemeClr val="dk1"/>
-    </dgm:txFillClrLst>
-    <dgm:txEffectClrLst/>
-  </dgm:styleLbl>
-  <dgm:styleLbl name="conFgAcc1">
-    <dgm:fillClrLst meth="repeat">
-      <a:schemeClr val="lt1">
-        <a:alpha val="90000"/>
-      </a:schemeClr>
-    </dgm:fillClrLst>
-    <dgm:linClrLst meth="repeat">
-      <a:schemeClr val="accent4"/>
-    </dgm:linClrLst>
-    <dgm:effectClrLst/>
-    <dgm:txLinClrLst/>
-    <dgm:txFillClrLst meth="repeat">
-      <a:schemeClr val="dk1"/>
-    </dgm:txFillClrLst>
-    <dgm:txEffectClrLst/>
-  </dgm:styleLbl>
-  <dgm:styleLbl name="alignAcc1">
-    <dgm:fillClrLst meth="repeat">
-      <a:schemeClr val="lt1">
-        <a:alpha val="90000"/>
-      </a:schemeClr>
-    </dgm:fillClrLst>
-    <dgm:linClrLst meth="repeat">
-      <a:schemeClr val="accent4"/>
-    </dgm:linClrLst>
-    <dgm:effectClrLst/>
-    <dgm:txLinClrLst/>
-    <dgm:txFillClrLst meth="repeat">
-      <a:schemeClr val="dk1"/>
-    </dgm:txFillClrLst>
-    <dgm:txEffectClrLst/>
-  </dgm:styleLbl>
-  <dgm:styleLbl name="trAlignAcc1">
-    <dgm:fillClrLst meth="repeat">
-      <a:schemeClr val="lt1">
-        <a:alpha val="40000"/>
-      </a:schemeClr>
-    </dgm:fillClrLst>
-    <dgm:linClrLst meth="repeat">
-      <a:schemeClr val="accent4"/>
-    </dgm:linClrLst>
-    <dgm:effectClrLst/>
-    <dgm:txLinClrLst/>
-    <dgm:txFillClrLst meth="repeat">
-      <a:schemeClr val="dk1"/>
-    </dgm:txFillClrLst>
-    <dgm:txEffectClrLst/>
-  </dgm:styleLbl>
-  <dgm:styleLbl name="bgAcc1">
-    <dgm:fillClrLst meth="repeat">
-      <a:schemeClr val="lt1">
-        <a:alpha val="90000"/>
-      </a:schemeClr>
-    </dgm:fillClrLst>
-    <dgm:linClrLst meth="repeat">
-      <a:schemeClr val="accent4"/>
-    </dgm:linClrLst>
-    <dgm:effectClrLst/>
-    <dgm:txLinClrLst/>
-    <dgm:txFillClrLst meth="repeat">
-      <a:schemeClr val="dk1"/>
-    </dgm:txFillClrLst>
-    <dgm:txEffectClrLst/>
-  </dgm:styleLbl>
-  <dgm:styleLbl name="solidFgAcc1">
-    <dgm:fillClrLst meth="repeat">
-      <a:schemeClr val="lt1"/>
-    </dgm:fillClrLst>
-    <dgm:linClrLst meth="repeat">
-      <a:schemeClr val="accent4"/>
-    </dgm:linClrLst>
-    <dgm:effectClrLst/>
-    <dgm:txLinClrLst/>
-    <dgm:txFillClrLst meth="repeat">
-      <a:schemeClr val="dk1"/>
-    </dgm:txFillClrLst>
-    <dgm:txEffectClrLst/>
-  </dgm:styleLbl>
-  <dgm:styleLbl name="solidAlignAcc1">
-    <dgm:fillClrLst meth="repeat">
-      <a:schemeClr val="lt1"/>
-    </dgm:fillClrLst>
-    <dgm:linClrLst meth="repeat">
-      <a:schemeClr val="accent4"/>
-    </dgm:linClrLst>
-    <dgm:effectClrLst/>
-    <dgm:txLinClrLst/>
-    <dgm:txFillClrLst meth="repeat">
-      <a:schemeClr val="dk1"/>
-    </dgm:txFillClrLst>
-    <dgm:txEffectClrLst/>
-  </dgm:styleLbl>
-  <dgm:styleLbl name="solidBgAcc1">
-    <dgm:fillClrLst meth="repeat">
-      <a:schemeClr val="lt1"/>
-    </dgm:fillClrLst>
-    <dgm:linClrLst meth="repeat">
-      <a:schemeClr val="accent4"/>
-    </dgm:linClrLst>
-    <dgm:effectClrLst/>
-    <dgm:txLinClrLst/>
-    <dgm:txFillClrLst meth="repeat">
-      <a:schemeClr val="dk1"/>
-    </dgm:txFillClrLst>
-    <dgm:txEffectClrLst/>
-  </dgm:styleLbl>
-  <dgm:styleLbl name="fgAccFollowNode1">
-    <dgm:fillClrLst meth="repeat">
-      <a:schemeClr val="accent4">
-        <a:alpha val="90000"/>
-        <a:tint val="40000"/>
-      </a:schemeClr>
-    </dgm:fillClrLst>
-    <dgm:linClrLst meth="repeat">
-      <a:schemeClr val="accent4">
-        <a:alpha val="90000"/>
-        <a:tint val="40000"/>
-      </a:schemeClr>
-    </dgm:linClrLst>
-    <dgm:effectClrLst/>
-    <dgm:txLinClrLst/>
-    <dgm:txFillClrLst meth="repeat">
-      <a:schemeClr val="dk1"/>
-    </dgm:txFillClrLst>
-    <dgm:txEffectClrLst/>
-  </dgm:styleLbl>
-  <dgm:styleLbl name="alignAccFollowNode1">
-    <dgm:fillClrLst meth="repeat">
-      <a:schemeClr val="accent4">
-        <a:alpha val="90000"/>
-        <a:tint val="40000"/>
-      </a:schemeClr>
-    </dgm:fillClrLst>
-    <dgm:linClrLst meth="repeat">
-      <a:schemeClr val="accent4">
-        <a:alpha val="90000"/>
-        <a:tint val="40000"/>
-      </a:schemeClr>
-    </dgm:linClrLst>
-    <dgm:effectClrLst/>
-    <dgm:txLinClrLst/>
-    <dgm:txFillClrLst meth="repeat">
-      <a:schemeClr val="dk1"/>
-    </dgm:txFillClrLst>
-    <dgm:txEffectClrLst/>
-  </dgm:styleLbl>
-  <dgm:styleLbl name="bgAccFollowNode1">
-    <dgm:fillClrLst meth="repeat">
-      <a:schemeClr val="accent4">
-        <a:alpha val="90000"/>
-        <a:tint val="40000"/>
-      </a:schemeClr>
-    </dgm:fillClrLst>
-    <dgm:linClrLst meth="repeat">
-      <a:schemeClr val="accent4">
-        <a:alpha val="90000"/>
-        <a:tint val="40000"/>
-      </a:schemeClr>
-    </dgm:linClrLst>
-    <dgm:effectClrLst/>
-    <dgm:txLinClrLst/>
-    <dgm:txFillClrLst meth="repeat">
-      <a:schemeClr val="dk1"/>
-    </dgm:txFillClrLst>
-    <dgm:txEffectClrLst/>
-  </dgm:styleLbl>
-  <dgm:styleLbl name="fgAcc0">
-    <dgm:fillClrLst meth="repeat">
-      <a:schemeClr val="lt1">
-        <a:alpha val="90000"/>
-      </a:schemeClr>
-    </dgm:fillClrLst>
-    <dgm:linClrLst meth="repeat">
-      <a:schemeClr val="accent4"/>
-    </dgm:linClrLst>
-    <dgm:effectClrLst/>
-    <dgm:txLinClrLst/>
-    <dgm:txFillClrLst meth="repeat">
-      <a:schemeClr val="dk1"/>
-    </dgm:txFillClrLst>
-    <dgm:txEffectClrLst/>
-  </dgm:styleLbl>
-  <dgm:styleLbl name="fgAcc2">
-    <dgm:fillClrLst meth="repeat">
-      <a:schemeClr val="lt1">
-        <a:alpha val="90000"/>
-      </a:schemeClr>
-    </dgm:fillClrLst>
-    <dgm:linClrLst meth="repeat">
-      <a:schemeClr val="accent4"/>
-    </dgm:linClrLst>
-    <dgm:effectClrLst/>
-    <dgm:txLinClrLst/>
-    <dgm:txFillClrLst meth="repeat">
-      <a:schemeClr val="dk1"/>
-    </dgm:txFillClrLst>
-    <dgm:txEffectClrLst/>
-  </dgm:styleLbl>
-  <dgm:styleLbl name="fgAcc3">
-    <dgm:fillClrLst meth="repeat">
-      <a:schemeClr val="lt1">
-        <a:alpha val="90000"/>
-      </a:schemeClr>
-    </dgm:fillClrLst>
-    <dgm:linClrLst meth="repeat">
-      <a:schemeClr val="accent4"/>
-    </dgm:linClrLst>
-    <dgm:effectClrLst/>
-    <dgm:txLinClrLst/>
-    <dgm:txFillClrLst meth="repeat">
-      <a:schemeClr val="dk1"/>
-    </dgm:txFillClrLst>
-    <dgm:txEffectClrLst/>
-  </dgm:styleLbl>
-  <dgm:styleLbl name="fgAcc4">
-    <dgm:fillClrLst meth="repeat">
-      <a:schemeClr val="lt1">
-        <a:alpha val="90000"/>
-      </a:schemeClr>
-    </dgm:fillClrLst>
-    <dgm:linClrLst meth="repeat">
-      <a:schemeClr val="accent4"/>
-    </dgm:linClrLst>
-    <dgm:effectClrLst/>
-    <dgm:txLinClrLst/>
-    <dgm:txFillClrLst meth="repeat">
-      <a:schemeClr val="dk1"/>
-    </dgm:txFillClrLst>
-    <dgm:txEffectClrLst/>
-  </dgm:styleLbl>
-  <dgm:styleLbl name="bgShp">
-    <dgm:fillClrLst meth="repeat">
-      <a:schemeClr val="accent4">
-        <a:tint val="40000"/>
-      </a:schemeClr>
-    </dgm:fillClrLst>
-    <dgm:linClrLst meth="repeat">
-      <a:schemeClr val="accent4"/>
-    </dgm:linClrLst>
-    <dgm:effectClrLst/>
-    <dgm:txLinClrLst/>
-    <dgm:txFillClrLst meth="repeat">
-      <a:schemeClr val="dk1"/>
-    </dgm:txFillClrLst>
-    <dgm:txEffectClrLst/>
-  </dgm:styleLbl>
-  <dgm:styleLbl name="dkBgShp">
-    <dgm:fillClrLst meth="repeat">
-      <a:schemeClr val="accent4">
-        <a:shade val="80000"/>
-      </a:schemeClr>
-    </dgm:fillClrLst>
-    <dgm:linClrLst meth="repeat">
-      <a:schemeClr val="accent4"/>
-    </dgm:linClrLst>
-    <dgm:effectClrLst/>
-    <dgm:txLinClrLst/>
-    <dgm:txFillClrLst meth="repeat">
-      <a:schemeClr val="lt1"/>
-    </dgm:txFillClrLst>
-    <dgm:txEffectClrLst/>
-  </dgm:styleLbl>
-  <dgm:styleLbl name="trBgShp">
-    <dgm:fillClrLst meth="repeat">
-      <a:schemeClr val="accent4">
-        <a:tint val="50000"/>
-        <a:alpha val="40000"/>
-      </a:schemeClr>
-    </dgm:fillClrLst>
-    <dgm:linClrLst meth="repeat">
-      <a:schemeClr val="accent4"/>
-    </dgm:linClrLst>
-    <dgm:effectClrLst/>
-    <dgm:txLinClrLst/>
-    <dgm:txFillClrLst meth="repeat">
-      <a:schemeClr val="lt1"/>
-    </dgm:txFillClrLst>
-    <dgm:txEffectClrLst/>
-  </dgm:styleLbl>
-  <dgm:styleLbl name="fgShp">
-    <dgm:fillClrLst meth="repeat">
-      <a:schemeClr val="accent4">
-        <a:tint val="60000"/>
-      </a:schemeClr>
-    </dgm:fillClrLst>
-    <dgm:linClrLst meth="repeat">
-      <a:schemeClr val="lt1"/>
-    </dgm:linClrLst>
-    <dgm:effectClrLst/>
-    <dgm:txLinClrLst/>
-    <dgm:txFillClrLst meth="repeat">
-      <a:schemeClr val="dk1"/>
-    </dgm:txFillClrLst>
-    <dgm:txEffectClrLst/>
-  </dgm:styleLbl>
-  <dgm:styleLbl name="revTx">
-    <dgm:fillClrLst meth="repeat">
-      <a:schemeClr val="lt1">
-        <a:alpha val="0"/>
-      </a:schemeClr>
-    </dgm:fillClrLst>
-    <dgm:linClrLst meth="repeat">
-      <a:schemeClr val="dk1">
-        <a:alpha val="0"/>
-      </a:schemeClr>
-    </dgm:linClrLst>
-    <dgm:effectClrLst/>
-    <dgm:txLinClrLst/>
-    <dgm:txFillClrLst meth="repeat">
-      <a:schemeClr val="tx1"/>
-    </dgm:txFillClrLst>
-    <dgm:txEffectClrLst/>
-  </dgm:styleLbl>
-</dgm:colorsDef>
-</file>
-
 <file path=ppt/diagrams/data1.xml><?xml version="1.0" encoding="utf-8"?>
 <dgm:dataModel xmlns:dgm="http://schemas.openxmlformats.org/drawingml/2006/diagram" xmlns:a="http://schemas.openxmlformats.org/drawingml/2006/main">
   <dgm:ptLst>
@@ -1808,144 +1059,6 @@
   <dgm:bg>
     <a:noFill/>
   </dgm:bg>
-  <dgm:whole/>
-  <dgm:extLst>
-    <a:ext uri="http://schemas.microsoft.com/office/drawing/2008/diagram">
-      <dsp:dataModelExt xmlns:dsp="http://schemas.microsoft.com/office/drawing/2008/diagram" relId="rId6" minVer="http://schemas.openxmlformats.org/drawingml/2006/diagram"/>
-    </a:ext>
-  </dgm:extLst>
-</dgm:dataModel>
-</file>
-
-<file path=ppt/diagrams/data2.xml><?xml version="1.0" encoding="utf-8"?>
-<dgm:dataModel xmlns:dgm="http://schemas.openxmlformats.org/drawingml/2006/diagram" xmlns:a="http://schemas.openxmlformats.org/drawingml/2006/main">
-  <dgm:ptLst>
-    <dgm:pt modelId="{C538F542-3B19-49A5-918D-F7F9A892E1B1}" type="doc">
-      <dgm:prSet loTypeId="urn:microsoft.com/office/officeart/2005/8/layout/hList3" loCatId="list" qsTypeId="urn:microsoft.com/office/officeart/2005/8/quickstyle/simple1" qsCatId="simple" csTypeId="urn:microsoft.com/office/officeart/2005/8/colors/accent4_2" csCatId="accent4" phldr="1"/>
-      <dgm:spPr/>
-      <dgm:t>
-        <a:bodyPr/>
-        <a:lstStyle/>
-        <a:p>
-          <a:endParaRPr lang="pt-BR"/>
-        </a:p>
-      </dgm:t>
-    </dgm:pt>
-    <dgm:pt modelId="{C3025A11-16CA-4A25-AF3A-5C5DEB09E6E0}">
-      <dgm:prSet phldrT="[Texto]"/>
-      <dgm:spPr/>
-      <dgm:t>
-        <a:bodyPr/>
-        <a:lstStyle/>
-        <a:p>
-          <a:r>
-            <a:rPr lang="pt-BR" dirty="0"/>
-            <a:t>NOVIDADE!</a:t>
-          </a:r>
-        </a:p>
-      </dgm:t>
-    </dgm:pt>
-    <dgm:pt modelId="{5FF2E7D2-2A3E-45C7-818B-C08CDC81FBCD}" type="parTrans" cxnId="{4E05C02D-7120-4EB0-86BC-AB8B7A3A511B}">
-      <dgm:prSet/>
-      <dgm:spPr/>
-      <dgm:t>
-        <a:bodyPr/>
-        <a:lstStyle/>
-        <a:p>
-          <a:endParaRPr lang="pt-BR"/>
-        </a:p>
-      </dgm:t>
-    </dgm:pt>
-    <dgm:pt modelId="{FB6C2A3B-F6E6-4D8A-8CCA-0892AB74C242}" type="sibTrans" cxnId="{4E05C02D-7120-4EB0-86BC-AB8B7A3A511B}">
-      <dgm:prSet/>
-      <dgm:spPr/>
-      <dgm:t>
-        <a:bodyPr/>
-        <a:lstStyle/>
-        <a:p>
-          <a:endParaRPr lang="pt-BR"/>
-        </a:p>
-      </dgm:t>
-    </dgm:pt>
-    <dgm:pt modelId="{E8C0C94D-1340-4F9A-B800-15C5E5EF67E6}">
-      <dgm:prSet phldrT="[Texto]"/>
-      <dgm:spPr/>
-      <dgm:t>
-        <a:bodyPr/>
-        <a:lstStyle/>
-        <a:p>
-          <a:r>
-            <a:rPr lang="pt-BR" dirty="0"/>
-            <a:t>O crescer saudável foi incorporado ao PSE</a:t>
-          </a:r>
-        </a:p>
-      </dgm:t>
-    </dgm:pt>
-    <dgm:pt modelId="{A7F41042-873A-4747-9445-B2FB69EF10E2}" type="parTrans" cxnId="{37979E4D-67DF-4F89-90B2-1B087A201960}">
-      <dgm:prSet/>
-      <dgm:spPr/>
-      <dgm:t>
-        <a:bodyPr/>
-        <a:lstStyle/>
-        <a:p>
-          <a:endParaRPr lang="pt-BR"/>
-        </a:p>
-      </dgm:t>
-    </dgm:pt>
-    <dgm:pt modelId="{D81BE1C6-EC44-4B63-8FBF-D72790650E90}" type="sibTrans" cxnId="{37979E4D-67DF-4F89-90B2-1B087A201960}">
-      <dgm:prSet/>
-      <dgm:spPr/>
-      <dgm:t>
-        <a:bodyPr/>
-        <a:lstStyle/>
-        <a:p>
-          <a:endParaRPr lang="pt-BR"/>
-        </a:p>
-      </dgm:t>
-    </dgm:pt>
-    <dgm:pt modelId="{AB2C78C8-E685-4DC1-A1B2-194798798D4F}" type="pres">
-      <dgm:prSet presAssocID="{C538F542-3B19-49A5-918D-F7F9A892E1B1}" presName="composite" presStyleCnt="0">
-        <dgm:presLayoutVars>
-          <dgm:chMax val="1"/>
-          <dgm:dir/>
-          <dgm:resizeHandles val="exact"/>
-        </dgm:presLayoutVars>
-      </dgm:prSet>
-      <dgm:spPr/>
-    </dgm:pt>
-    <dgm:pt modelId="{8BD48201-2D41-423A-885B-851ECBCE3173}" type="pres">
-      <dgm:prSet presAssocID="{C3025A11-16CA-4A25-AF3A-5C5DEB09E6E0}" presName="roof" presStyleLbl="dkBgShp" presStyleIdx="0" presStyleCnt="2"/>
-      <dgm:spPr/>
-    </dgm:pt>
-    <dgm:pt modelId="{BDE576C7-B03B-45E2-970A-F2C6F7718BD3}" type="pres">
-      <dgm:prSet presAssocID="{C3025A11-16CA-4A25-AF3A-5C5DEB09E6E0}" presName="pillars" presStyleCnt="0"/>
-      <dgm:spPr/>
-    </dgm:pt>
-    <dgm:pt modelId="{B5C1A10D-9477-4051-8917-E1D01BE745F5}" type="pres">
-      <dgm:prSet presAssocID="{C3025A11-16CA-4A25-AF3A-5C5DEB09E6E0}" presName="pillar1" presStyleLbl="node1" presStyleIdx="0" presStyleCnt="1">
-        <dgm:presLayoutVars>
-          <dgm:bulletEnabled val="1"/>
-        </dgm:presLayoutVars>
-      </dgm:prSet>
-      <dgm:spPr/>
-    </dgm:pt>
-    <dgm:pt modelId="{39BBEBA9-2026-4BF4-B06C-A61616A6A580}" type="pres">
-      <dgm:prSet presAssocID="{C3025A11-16CA-4A25-AF3A-5C5DEB09E6E0}" presName="base" presStyleLbl="dkBgShp" presStyleIdx="1" presStyleCnt="2"/>
-      <dgm:spPr/>
-    </dgm:pt>
-  </dgm:ptLst>
-  <dgm:cxnLst>
-    <dgm:cxn modelId="{4E05C02D-7120-4EB0-86BC-AB8B7A3A511B}" srcId="{C538F542-3B19-49A5-918D-F7F9A892E1B1}" destId="{C3025A11-16CA-4A25-AF3A-5C5DEB09E6E0}" srcOrd="0" destOrd="0" parTransId="{5FF2E7D2-2A3E-45C7-818B-C08CDC81FBCD}" sibTransId="{FB6C2A3B-F6E6-4D8A-8CCA-0892AB74C242}"/>
-    <dgm:cxn modelId="{AC74643E-1B9C-4FB5-B8EE-1BBA79319AA1}" type="presOf" srcId="{E8C0C94D-1340-4F9A-B800-15C5E5EF67E6}" destId="{B5C1A10D-9477-4051-8917-E1D01BE745F5}" srcOrd="0" destOrd="0" presId="urn:microsoft.com/office/officeart/2005/8/layout/hList3"/>
-    <dgm:cxn modelId="{37979E4D-67DF-4F89-90B2-1B087A201960}" srcId="{C3025A11-16CA-4A25-AF3A-5C5DEB09E6E0}" destId="{E8C0C94D-1340-4F9A-B800-15C5E5EF67E6}" srcOrd="0" destOrd="0" parTransId="{A7F41042-873A-4747-9445-B2FB69EF10E2}" sibTransId="{D81BE1C6-EC44-4B63-8FBF-D72790650E90}"/>
-    <dgm:cxn modelId="{183AFF8D-07ED-4B4B-B175-FBB43DB45431}" type="presOf" srcId="{C538F542-3B19-49A5-918D-F7F9A892E1B1}" destId="{AB2C78C8-E685-4DC1-A1B2-194798798D4F}" srcOrd="0" destOrd="0" presId="urn:microsoft.com/office/officeart/2005/8/layout/hList3"/>
-    <dgm:cxn modelId="{2A3501AE-9854-4B49-813B-54B17DC4B5E0}" type="presOf" srcId="{C3025A11-16CA-4A25-AF3A-5C5DEB09E6E0}" destId="{8BD48201-2D41-423A-885B-851ECBCE3173}" srcOrd="0" destOrd="0" presId="urn:microsoft.com/office/officeart/2005/8/layout/hList3"/>
-    <dgm:cxn modelId="{7836C8CC-5FE1-460C-B013-208C30ABBABA}" type="presParOf" srcId="{AB2C78C8-E685-4DC1-A1B2-194798798D4F}" destId="{8BD48201-2D41-423A-885B-851ECBCE3173}" srcOrd="0" destOrd="0" presId="urn:microsoft.com/office/officeart/2005/8/layout/hList3"/>
-    <dgm:cxn modelId="{5655319E-5D36-44B9-9C52-A23A6CA8A90C}" type="presParOf" srcId="{AB2C78C8-E685-4DC1-A1B2-194798798D4F}" destId="{BDE576C7-B03B-45E2-970A-F2C6F7718BD3}" srcOrd="1" destOrd="0" presId="urn:microsoft.com/office/officeart/2005/8/layout/hList3"/>
-    <dgm:cxn modelId="{632AEA32-2EF5-4D58-BF59-08AEC81E4531}" type="presParOf" srcId="{BDE576C7-B03B-45E2-970A-F2C6F7718BD3}" destId="{B5C1A10D-9477-4051-8917-E1D01BE745F5}" srcOrd="0" destOrd="0" presId="urn:microsoft.com/office/officeart/2005/8/layout/hList3"/>
-    <dgm:cxn modelId="{7670EA5E-50BF-4847-8C04-5E7156AF310F}" type="presParOf" srcId="{AB2C78C8-E685-4DC1-A1B2-194798798D4F}" destId="{39BBEBA9-2026-4BF4-B06C-A61616A6A580}" srcOrd="2" destOrd="0" presId="urn:microsoft.com/office/officeart/2005/8/layout/hList3"/>
-  </dgm:cxnLst>
-  <dgm:bg/>
   <dgm:whole/>
   <dgm:extLst>
     <a:ext uri="http://schemas.microsoft.com/office/drawing/2008/diagram">
@@ -2269,204 +1382,6 @@
 </dsp:drawing>
 </file>
 
-<file path=ppt/diagrams/drawing2.xml><?xml version="1.0" encoding="utf-8"?>
-<dsp:drawing xmlns:dgm="http://schemas.openxmlformats.org/drawingml/2006/diagram" xmlns:dsp="http://schemas.microsoft.com/office/drawing/2008/diagram" xmlns:a="http://schemas.openxmlformats.org/drawingml/2006/main">
-  <dsp:spTree>
-    <dsp:nvGrpSpPr>
-      <dsp:cNvPr id="0" name=""/>
-      <dsp:cNvGrpSpPr/>
-    </dsp:nvGrpSpPr>
-    <dsp:grpSpPr/>
-    <dsp:sp modelId="{8BD48201-2D41-423A-885B-851ECBCE3173}">
-      <dsp:nvSpPr>
-        <dsp:cNvPr id="0" name=""/>
-        <dsp:cNvSpPr/>
-      </dsp:nvSpPr>
-      <dsp:spPr>
-        <a:xfrm>
-          <a:off x="0" y="0"/>
-          <a:ext cx="11626850" cy="1720380"/>
-        </a:xfrm>
-        <a:prstGeom prst="rect">
-          <a:avLst/>
-        </a:prstGeom>
-        <a:solidFill>
-          <a:schemeClr val="accent4">
-            <a:shade val="80000"/>
-            <a:hueOff val="0"/>
-            <a:satOff val="0"/>
-            <a:lumOff val="0"/>
-            <a:alphaOff val="0"/>
-          </a:schemeClr>
-        </a:solidFill>
-        <a:ln>
-          <a:noFill/>
-        </a:ln>
-        <a:effectLst/>
-      </dsp:spPr>
-      <dsp:style>
-        <a:lnRef idx="0">
-          <a:scrgbClr r="0" g="0" b="0"/>
-        </a:lnRef>
-        <a:fillRef idx="1">
-          <a:scrgbClr r="0" g="0" b="0"/>
-        </a:fillRef>
-        <a:effectRef idx="0">
-          <a:scrgbClr r="0" g="0" b="0"/>
-        </a:effectRef>
-        <a:fontRef idx="minor"/>
-      </dsp:style>
-      <dsp:txBody>
-        <a:bodyPr spcFirstLastPara="0" vert="horz" wrap="square" lIns="247650" tIns="247650" rIns="247650" bIns="247650" numCol="1" spcCol="1270" anchor="ctr" anchorCtr="0">
-          <a:noAutofit/>
-        </a:bodyPr>
-        <a:lstStyle/>
-        <a:p>
-          <a:pPr marL="0" lvl="0" indent="0" algn="ctr" defTabSz="2889250">
-            <a:lnSpc>
-              <a:spcPct val="90000"/>
-            </a:lnSpc>
-            <a:spcBef>
-              <a:spcPct val="0"/>
-            </a:spcBef>
-            <a:spcAft>
-              <a:spcPct val="35000"/>
-            </a:spcAft>
-            <a:buNone/>
-          </a:pPr>
-          <a:r>
-            <a:rPr lang="pt-BR" sz="6500" kern="1200" dirty="0"/>
-            <a:t>NOVIDADE!</a:t>
-          </a:r>
-        </a:p>
-      </dsp:txBody>
-      <dsp:txXfrm>
-        <a:off x="0" y="0"/>
-        <a:ext cx="11626850" cy="1720380"/>
-      </dsp:txXfrm>
-    </dsp:sp>
-    <dsp:sp modelId="{B5C1A10D-9477-4051-8917-E1D01BE745F5}">
-      <dsp:nvSpPr>
-        <dsp:cNvPr id="0" name=""/>
-        <dsp:cNvSpPr/>
-      </dsp:nvSpPr>
-      <dsp:spPr>
-        <a:xfrm>
-          <a:off x="0" y="1720380"/>
-          <a:ext cx="11626850" cy="3612799"/>
-        </a:xfrm>
-        <a:prstGeom prst="rect">
-          <a:avLst/>
-        </a:prstGeom>
-        <a:solidFill>
-          <a:schemeClr val="accent4">
-            <a:hueOff val="0"/>
-            <a:satOff val="0"/>
-            <a:lumOff val="0"/>
-            <a:alphaOff val="0"/>
-          </a:schemeClr>
-        </a:solidFill>
-        <a:ln w="12700" cap="flat" cmpd="sng" algn="ctr">
-          <a:solidFill>
-            <a:schemeClr val="lt1">
-              <a:hueOff val="0"/>
-              <a:satOff val="0"/>
-              <a:lumOff val="0"/>
-              <a:alphaOff val="0"/>
-            </a:schemeClr>
-          </a:solidFill>
-          <a:prstDash val="solid"/>
-          <a:miter lim="800000"/>
-        </a:ln>
-        <a:effectLst/>
-      </dsp:spPr>
-      <dsp:style>
-        <a:lnRef idx="2">
-          <a:scrgbClr r="0" g="0" b="0"/>
-        </a:lnRef>
-        <a:fillRef idx="1">
-          <a:scrgbClr r="0" g="0" b="0"/>
-        </a:fillRef>
-        <a:effectRef idx="0">
-          <a:scrgbClr r="0" g="0" b="0"/>
-        </a:effectRef>
-        <a:fontRef idx="minor">
-          <a:schemeClr val="lt1"/>
-        </a:fontRef>
-      </dsp:style>
-      <dsp:txBody>
-        <a:bodyPr spcFirstLastPara="0" vert="horz" wrap="square" lIns="247650" tIns="247650" rIns="247650" bIns="247650" numCol="1" spcCol="1270" anchor="ctr" anchorCtr="0">
-          <a:noAutofit/>
-        </a:bodyPr>
-        <a:lstStyle/>
-        <a:p>
-          <a:pPr marL="0" lvl="0" indent="0" algn="ctr" defTabSz="2889250">
-            <a:lnSpc>
-              <a:spcPct val="90000"/>
-            </a:lnSpc>
-            <a:spcBef>
-              <a:spcPct val="0"/>
-            </a:spcBef>
-            <a:spcAft>
-              <a:spcPct val="35000"/>
-            </a:spcAft>
-            <a:buNone/>
-          </a:pPr>
-          <a:r>
-            <a:rPr lang="pt-BR" sz="6500" kern="1200" dirty="0"/>
-            <a:t>O crescer saudável foi incorporado ao PSE</a:t>
-          </a:r>
-        </a:p>
-      </dsp:txBody>
-      <dsp:txXfrm>
-        <a:off x="0" y="1720380"/>
-        <a:ext cx="11626850" cy="3612799"/>
-      </dsp:txXfrm>
-    </dsp:sp>
-    <dsp:sp modelId="{39BBEBA9-2026-4BF4-B06C-A61616A6A580}">
-      <dsp:nvSpPr>
-        <dsp:cNvPr id="0" name=""/>
-        <dsp:cNvSpPr/>
-      </dsp:nvSpPr>
-      <dsp:spPr>
-        <a:xfrm>
-          <a:off x="0" y="5333179"/>
-          <a:ext cx="11626850" cy="401422"/>
-        </a:xfrm>
-        <a:prstGeom prst="rect">
-          <a:avLst/>
-        </a:prstGeom>
-        <a:solidFill>
-          <a:schemeClr val="accent4">
-            <a:shade val="80000"/>
-            <a:hueOff val="0"/>
-            <a:satOff val="0"/>
-            <a:lumOff val="0"/>
-            <a:alphaOff val="0"/>
-          </a:schemeClr>
-        </a:solidFill>
-        <a:ln>
-          <a:noFill/>
-        </a:ln>
-        <a:effectLst/>
-      </dsp:spPr>
-      <dsp:style>
-        <a:lnRef idx="0">
-          <a:scrgbClr r="0" g="0" b="0"/>
-        </a:lnRef>
-        <a:fillRef idx="1">
-          <a:scrgbClr r="0" g="0" b="0"/>
-        </a:fillRef>
-        <a:effectRef idx="0">
-          <a:scrgbClr r="0" g="0" b="0"/>
-        </a:effectRef>
-        <a:fontRef idx="minor"/>
-      </dsp:style>
-    </dsp:sp>
-  </dsp:spTree>
-</dsp:drawing>
-</file>
-
 <file path=ppt/diagrams/layout1.xml><?xml version="1.0" encoding="utf-8"?>
 <dgm:layoutDef xmlns:dgm="http://schemas.openxmlformats.org/drawingml/2006/diagram" xmlns:a="http://schemas.openxmlformats.org/drawingml/2006/main" uniqueId="urn:microsoft.com/office/officeart/2005/8/layout/cycle2">
   <dgm:title val=""/>
@@ -2678,1234 +1593,7 @@
 </dgm:layoutDef>
 </file>
 
-<file path=ppt/diagrams/layout2.xml><?xml version="1.0" encoding="utf-8"?>
-<dgm:layoutDef xmlns:dgm="http://schemas.openxmlformats.org/drawingml/2006/diagram" xmlns:a="http://schemas.openxmlformats.org/drawingml/2006/main" uniqueId="urn:microsoft.com/office/officeart/2005/8/layout/hList3">
-  <dgm:title val=""/>
-  <dgm:desc val=""/>
-  <dgm:catLst>
-    <dgm:cat type="list" pri="19000"/>
-  </dgm:catLst>
-  <dgm:sampData>
-    <dgm:dataModel>
-      <dgm:ptLst>
-        <dgm:pt modelId="0" type="doc"/>
-        <dgm:pt modelId="1">
-          <dgm:prSet phldr="1"/>
-        </dgm:pt>
-        <dgm:pt modelId="2">
-          <dgm:prSet phldr="1"/>
-        </dgm:pt>
-        <dgm:pt modelId="3">
-          <dgm:prSet phldr="1"/>
-        </dgm:pt>
-        <dgm:pt modelId="4">
-          <dgm:prSet phldr="1"/>
-        </dgm:pt>
-      </dgm:ptLst>
-      <dgm:cxnLst>
-        <dgm:cxn modelId="5" srcId="0" destId="1" srcOrd="0" destOrd="0"/>
-        <dgm:cxn modelId="6" srcId="1" destId="2" srcOrd="0" destOrd="0"/>
-        <dgm:cxn modelId="7" srcId="1" destId="3" srcOrd="1" destOrd="0"/>
-        <dgm:cxn modelId="8" srcId="1" destId="4" srcOrd="2" destOrd="0"/>
-      </dgm:cxnLst>
-      <dgm:bg/>
-      <dgm:whole/>
-    </dgm:dataModel>
-  </dgm:sampData>
-  <dgm:styleData>
-    <dgm:dataModel>
-      <dgm:ptLst>
-        <dgm:pt modelId="0" type="doc"/>
-        <dgm:pt modelId="1"/>
-        <dgm:pt modelId="2"/>
-        <dgm:pt modelId="3"/>
-      </dgm:ptLst>
-      <dgm:cxnLst>
-        <dgm:cxn modelId="5" srcId="0" destId="1" srcOrd="0" destOrd="0"/>
-        <dgm:cxn modelId="6" srcId="1" destId="2" srcOrd="0" destOrd="0"/>
-        <dgm:cxn modelId="7" srcId="1" destId="3" srcOrd="1" destOrd="0"/>
-      </dgm:cxnLst>
-      <dgm:bg/>
-      <dgm:whole/>
-    </dgm:dataModel>
-  </dgm:styleData>
-  <dgm:clrData>
-    <dgm:dataModel>
-      <dgm:ptLst>
-        <dgm:pt modelId="0" type="doc"/>
-        <dgm:pt modelId="1"/>
-        <dgm:pt modelId="2"/>
-        <dgm:pt modelId="3"/>
-        <dgm:pt modelId="4"/>
-        <dgm:pt modelId="5"/>
-      </dgm:ptLst>
-      <dgm:cxnLst>
-        <dgm:cxn modelId="6" srcId="0" destId="1" srcOrd="0" destOrd="0"/>
-        <dgm:cxn modelId="7" srcId="1" destId="2" srcOrd="0" destOrd="0"/>
-        <dgm:cxn modelId="8" srcId="1" destId="3" srcOrd="1" destOrd="0"/>
-        <dgm:cxn modelId="9" srcId="1" destId="4" srcOrd="2" destOrd="0"/>
-        <dgm:cxn modelId="10" srcId="1" destId="5" srcOrd="3" destOrd="0"/>
-      </dgm:cxnLst>
-      <dgm:bg/>
-      <dgm:whole/>
-    </dgm:dataModel>
-  </dgm:clrData>
-  <dgm:layoutNode name="composite">
-    <dgm:varLst>
-      <dgm:chMax val="1"/>
-      <dgm:dir/>
-      <dgm:resizeHandles val="exact"/>
-    </dgm:varLst>
-    <dgm:alg type="composite"/>
-    <dgm:shape xmlns:r="http://schemas.openxmlformats.org/officeDocument/2006/relationships" r:blip="">
-      <dgm:adjLst/>
-    </dgm:shape>
-    <dgm:presOf/>
-    <dgm:constrLst>
-      <dgm:constr type="w" for="ch" forName="roof" refType="w"/>
-      <dgm:constr type="h" for="ch" forName="roof" refType="h" fact="0.3"/>
-      <dgm:constr type="primFontSz" for="ch" forName="roof" val="65"/>
-      <dgm:constr type="w" for="ch" forName="pillars" refType="w"/>
-      <dgm:constr type="h" for="ch" forName="pillars" refType="h" fact="0.63"/>
-      <dgm:constr type="t" for="ch" forName="pillars" refType="h" fact="0.3"/>
-      <dgm:constr type="primFontSz" for="des" forName="pillar1" val="65"/>
-      <dgm:constr type="primFontSz" for="des" forName="pillarX" refType="primFontSz" refFor="des" refForName="pillar1" op="equ"/>
-      <dgm:constr type="w" for="ch" forName="base" refType="w"/>
-      <dgm:constr type="h" for="ch" forName="base" refType="h" fact="0.07"/>
-      <dgm:constr type="t" for="ch" forName="base" refType="h" fact="0.93"/>
-    </dgm:constrLst>
-    <dgm:ruleLst/>
-    <dgm:forEach name="Name0" axis="ch" ptType="node" cnt="1">
-      <dgm:layoutNode name="roof" styleLbl="dkBgShp">
-        <dgm:alg type="tx"/>
-        <dgm:shape xmlns:r="http://schemas.openxmlformats.org/officeDocument/2006/relationships" type="rect" r:blip="">
-          <dgm:adjLst/>
-        </dgm:shape>
-        <dgm:presOf axis="self"/>
-        <dgm:constrLst>
-          <dgm:constr type="lMarg" refType="primFontSz" fact="0.3"/>
-          <dgm:constr type="rMarg" refType="primFontSz" fact="0.3"/>
-          <dgm:constr type="tMarg" refType="primFontSz" fact="0.3"/>
-          <dgm:constr type="bMarg" refType="primFontSz" fact="0.3"/>
-        </dgm:constrLst>
-        <dgm:ruleLst>
-          <dgm:rule type="primFontSz" val="5" fact="NaN" max="NaN"/>
-        </dgm:ruleLst>
-      </dgm:layoutNode>
-      <dgm:layoutNode name="pillars" styleLbl="node1">
-        <dgm:choose name="Name1">
-          <dgm:if name="Name2" func="var" arg="dir" op="equ" val="norm">
-            <dgm:alg type="lin">
-              <dgm:param type="linDir" val="fromL"/>
-            </dgm:alg>
-          </dgm:if>
-          <dgm:else name="Name3">
-            <dgm:alg type="lin">
-              <dgm:param type="linDir" val="fromR"/>
-            </dgm:alg>
-          </dgm:else>
-        </dgm:choose>
-        <dgm:shape xmlns:r="http://schemas.openxmlformats.org/officeDocument/2006/relationships" r:blip="">
-          <dgm:adjLst/>
-        </dgm:shape>
-        <dgm:presOf/>
-        <dgm:constrLst>
-          <dgm:constr type="w" for="ch" forName="pillar1" refType="w"/>
-          <dgm:constr type="h" for="ch" forName="pillar1" refType="h"/>
-          <dgm:constr type="w" for="ch" forName="pillarX" refType="w"/>
-          <dgm:constr type="h" for="ch" forName="pillarX" refType="h"/>
-        </dgm:constrLst>
-        <dgm:ruleLst/>
-        <dgm:layoutNode name="pillar1" styleLbl="node1">
-          <dgm:varLst>
-            <dgm:bulletEnabled val="1"/>
-          </dgm:varLst>
-          <dgm:alg type="tx"/>
-          <dgm:shape xmlns:r="http://schemas.openxmlformats.org/officeDocument/2006/relationships" type="rect" r:blip="">
-            <dgm:adjLst/>
-          </dgm:shape>
-          <dgm:presOf axis="ch desOrSelf" ptType="node node" st="1 1" cnt="1 0"/>
-          <dgm:constrLst>
-            <dgm:constr type="lMarg" refType="primFontSz" fact="0.3"/>
-            <dgm:constr type="rMarg" refType="primFontSz" fact="0.3"/>
-            <dgm:constr type="tMarg" refType="primFontSz" fact="0.3"/>
-            <dgm:constr type="bMarg" refType="primFontSz" fact="0.3"/>
-          </dgm:constrLst>
-          <dgm:ruleLst>
-            <dgm:rule type="primFontSz" val="5" fact="NaN" max="NaN"/>
-          </dgm:ruleLst>
-        </dgm:layoutNode>
-        <dgm:forEach name="Name4" axis="ch" ptType="node" st="2">
-          <dgm:layoutNode name="pillarX" styleLbl="node1">
-            <dgm:varLst>
-              <dgm:bulletEnabled val="1"/>
-            </dgm:varLst>
-            <dgm:alg type="tx"/>
-            <dgm:shape xmlns:r="http://schemas.openxmlformats.org/officeDocument/2006/relationships" type="rect" r:blip="">
-              <dgm:adjLst/>
-            </dgm:shape>
-            <dgm:presOf axis="desOrSelf" ptType="node"/>
-            <dgm:constrLst>
-              <dgm:constr type="lMarg" refType="primFontSz" fact="0.3"/>
-              <dgm:constr type="rMarg" refType="primFontSz" fact="0.3"/>
-              <dgm:constr type="tMarg" refType="primFontSz" fact="0.3"/>
-              <dgm:constr type="bMarg" refType="primFontSz" fact="0.3"/>
-            </dgm:constrLst>
-            <dgm:ruleLst>
-              <dgm:rule type="primFontSz" val="5" fact="NaN" max="NaN"/>
-            </dgm:ruleLst>
-          </dgm:layoutNode>
-        </dgm:forEach>
-      </dgm:layoutNode>
-      <dgm:layoutNode name="base" styleLbl="dkBgShp">
-        <dgm:alg type="sp"/>
-        <dgm:shape xmlns:r="http://schemas.openxmlformats.org/officeDocument/2006/relationships" type="rect" r:blip="">
-          <dgm:adjLst/>
-        </dgm:shape>
-        <dgm:presOf/>
-        <dgm:constrLst/>
-        <dgm:ruleLst/>
-      </dgm:layoutNode>
-    </dgm:forEach>
-  </dgm:layoutNode>
-</dgm:layoutDef>
-</file>
-
 <file path=ppt/diagrams/quickStyle1.xml><?xml version="1.0" encoding="utf-8"?>
-<dgm:styleDef xmlns:dgm="http://schemas.openxmlformats.org/drawingml/2006/diagram" xmlns:a="http://schemas.openxmlformats.org/drawingml/2006/main" uniqueId="urn:microsoft.com/office/officeart/2005/8/quickstyle/simple1">
-  <dgm:title val=""/>
-  <dgm:desc val=""/>
-  <dgm:catLst>
-    <dgm:cat type="simple" pri="10100"/>
-  </dgm:catLst>
-  <dgm:scene3d>
-    <a:camera prst="orthographicFront"/>
-    <a:lightRig rig="threePt" dir="t"/>
-  </dgm:scene3d>
-  <dgm:styleLbl name="node0">
-    <dgm:scene3d>
-      <a:camera prst="orthographicFront"/>
-      <a:lightRig rig="threePt" dir="t"/>
-    </dgm:scene3d>
-    <dgm:sp3d/>
-    <dgm:txPr/>
-    <dgm:style>
-      <a:lnRef idx="2">
-        <a:scrgbClr r="0" g="0" b="0"/>
-      </a:lnRef>
-      <a:fillRef idx="1">
-        <a:scrgbClr r="0" g="0" b="0"/>
-      </a:fillRef>
-      <a:effectRef idx="0">
-        <a:scrgbClr r="0" g="0" b="0"/>
-      </a:effectRef>
-      <a:fontRef idx="minor">
-        <a:schemeClr val="lt1"/>
-      </a:fontRef>
-    </dgm:style>
-  </dgm:styleLbl>
-  <dgm:styleLbl name="lnNode1">
-    <dgm:scene3d>
-      <a:camera prst="orthographicFront"/>
-      <a:lightRig rig="threePt" dir="t"/>
-    </dgm:scene3d>
-    <dgm:sp3d/>
-    <dgm:txPr/>
-    <dgm:style>
-      <a:lnRef idx="2">
-        <a:scrgbClr r="0" g="0" b="0"/>
-      </a:lnRef>
-      <a:fillRef idx="1">
-        <a:scrgbClr r="0" g="0" b="0"/>
-      </a:fillRef>
-      <a:effectRef idx="0">
-        <a:scrgbClr r="0" g="0" b="0"/>
-      </a:effectRef>
-      <a:fontRef idx="minor">
-        <a:schemeClr val="lt1"/>
-      </a:fontRef>
-    </dgm:style>
-  </dgm:styleLbl>
-  <dgm:styleLbl name="vennNode1">
-    <dgm:scene3d>
-      <a:camera prst="orthographicFront"/>
-      <a:lightRig rig="threePt" dir="t"/>
-    </dgm:scene3d>
-    <dgm:sp3d/>
-    <dgm:txPr/>
-    <dgm:style>
-      <a:lnRef idx="2">
-        <a:scrgbClr r="0" g="0" b="0"/>
-      </a:lnRef>
-      <a:fillRef idx="1">
-        <a:scrgbClr r="0" g="0" b="0"/>
-      </a:fillRef>
-      <a:effectRef idx="0">
-        <a:scrgbClr r="0" g="0" b="0"/>
-      </a:effectRef>
-      <a:fontRef idx="minor">
-        <a:schemeClr val="tx1"/>
-      </a:fontRef>
-    </dgm:style>
-  </dgm:styleLbl>
-  <dgm:styleLbl name="alignNode1">
-    <dgm:scene3d>
-      <a:camera prst="orthographicFront"/>
-      <a:lightRig rig="threePt" dir="t"/>
-    </dgm:scene3d>
-    <dgm:sp3d/>
-    <dgm:txPr/>
-    <dgm:style>
-      <a:lnRef idx="2">
-        <a:scrgbClr r="0" g="0" b="0"/>
-      </a:lnRef>
-      <a:fillRef idx="1">
-        <a:scrgbClr r="0" g="0" b="0"/>
-      </a:fillRef>
-      <a:effectRef idx="0">
-        <a:scrgbClr r="0" g="0" b="0"/>
-      </a:effectRef>
-      <a:fontRef idx="minor">
-        <a:schemeClr val="lt1"/>
-      </a:fontRef>
-    </dgm:style>
-  </dgm:styleLbl>
-  <dgm:styleLbl name="node1">
-    <dgm:scene3d>
-      <a:camera prst="orthographicFront"/>
-      <a:lightRig rig="threePt" dir="t"/>
-    </dgm:scene3d>
-    <dgm:sp3d/>
-    <dgm:txPr/>
-    <dgm:style>
-      <a:lnRef idx="2">
-        <a:scrgbClr r="0" g="0" b="0"/>
-      </a:lnRef>
-      <a:fillRef idx="1">
-        <a:scrgbClr r="0" g="0" b="0"/>
-      </a:fillRef>
-      <a:effectRef idx="0">
-        <a:scrgbClr r="0" g="0" b="0"/>
-      </a:effectRef>
-      <a:fontRef idx="minor">
-        <a:schemeClr val="lt1"/>
-      </a:fontRef>
-    </dgm:style>
-  </dgm:styleLbl>
-  <dgm:styleLbl name="node2">
-    <dgm:scene3d>
-      <a:camera prst="orthographicFront"/>
-      <a:lightRig rig="threePt" dir="t"/>
-    </dgm:scene3d>
-    <dgm:sp3d/>
-    <dgm:txPr/>
-    <dgm:style>
-      <a:lnRef idx="2">
-        <a:scrgbClr r="0" g="0" b="0"/>
-      </a:lnRef>
-      <a:fillRef idx="1">
-        <a:scrgbClr r="0" g="0" b="0"/>
-      </a:fillRef>
-      <a:effectRef idx="0">
-        <a:scrgbClr r="0" g="0" b="0"/>
-      </a:effectRef>
-      <a:fontRef idx="minor">
-        <a:schemeClr val="lt1"/>
-      </a:fontRef>
-    </dgm:style>
-  </dgm:styleLbl>
-  <dgm:styleLbl name="node3">
-    <dgm:scene3d>
-      <a:camera prst="orthographicFront"/>
-      <a:lightRig rig="threePt" dir="t"/>
-    </dgm:scene3d>
-    <dgm:sp3d/>
-    <dgm:txPr/>
-    <dgm:style>
-      <a:lnRef idx="2">
-        <a:scrgbClr r="0" g="0" b="0"/>
-      </a:lnRef>
-      <a:fillRef idx="1">
-        <a:scrgbClr r="0" g="0" b="0"/>
-      </a:fillRef>
-      <a:effectRef idx="0">
-        <a:scrgbClr r="0" g="0" b="0"/>
-      </a:effectRef>
-      <a:fontRef idx="minor">
-        <a:schemeClr val="lt1"/>
-      </a:fontRef>
-    </dgm:style>
-  </dgm:styleLbl>
-  <dgm:styleLbl name="node4">
-    <dgm:scene3d>
-      <a:camera prst="orthographicFront"/>
-      <a:lightRig rig="threePt" dir="t"/>
-    </dgm:scene3d>
-    <dgm:sp3d/>
-    <dgm:txPr/>
-    <dgm:style>
-      <a:lnRef idx="2">
-        <a:scrgbClr r="0" g="0" b="0"/>
-      </a:lnRef>
-      <a:fillRef idx="1">
-        <a:scrgbClr r="0" g="0" b="0"/>
-      </a:fillRef>
-      <a:effectRef idx="0">
-        <a:scrgbClr r="0" g="0" b="0"/>
-      </a:effectRef>
-      <a:fontRef idx="minor">
-        <a:schemeClr val="lt1"/>
-      </a:fontRef>
-    </dgm:style>
-  </dgm:styleLbl>
-  <dgm:styleLbl name="fgImgPlace1">
-    <dgm:scene3d>
-      <a:camera prst="orthographicFront"/>
-      <a:lightRig rig="threePt" dir="t"/>
-    </dgm:scene3d>
-    <dgm:sp3d/>
-    <dgm:txPr/>
-    <dgm:style>
-      <a:lnRef idx="2">
-        <a:scrgbClr r="0" g="0" b="0"/>
-      </a:lnRef>
-      <a:fillRef idx="1">
-        <a:scrgbClr r="0" g="0" b="0"/>
-      </a:fillRef>
-      <a:effectRef idx="0">
-        <a:scrgbClr r="0" g="0" b="0"/>
-      </a:effectRef>
-      <a:fontRef idx="minor"/>
-    </dgm:style>
-  </dgm:styleLbl>
-  <dgm:styleLbl name="alignImgPlace1">
-    <dgm:scene3d>
-      <a:camera prst="orthographicFront"/>
-      <a:lightRig rig="threePt" dir="t"/>
-    </dgm:scene3d>
-    <dgm:sp3d/>
-    <dgm:txPr/>
-    <dgm:style>
-      <a:lnRef idx="2">
-        <a:scrgbClr r="0" g="0" b="0"/>
-      </a:lnRef>
-      <a:fillRef idx="1">
-        <a:scrgbClr r="0" g="0" b="0"/>
-      </a:fillRef>
-      <a:effectRef idx="0">
-        <a:scrgbClr r="0" g="0" b="0"/>
-      </a:effectRef>
-      <a:fontRef idx="minor"/>
-    </dgm:style>
-  </dgm:styleLbl>
-  <dgm:styleLbl name="bgImgPlace1">
-    <dgm:scene3d>
-      <a:camera prst="orthographicFront"/>
-      <a:lightRig rig="threePt" dir="t"/>
-    </dgm:scene3d>
-    <dgm:sp3d/>
-    <dgm:txPr/>
-    <dgm:style>
-      <a:lnRef idx="2">
-        <a:scrgbClr r="0" g="0" b="0"/>
-      </a:lnRef>
-      <a:fillRef idx="1">
-        <a:scrgbClr r="0" g="0" b="0"/>
-      </a:fillRef>
-      <a:effectRef idx="0">
-        <a:scrgbClr r="0" g="0" b="0"/>
-      </a:effectRef>
-      <a:fontRef idx="minor"/>
-    </dgm:style>
-  </dgm:styleLbl>
-  <dgm:styleLbl name="sibTrans2D1">
-    <dgm:scene3d>
-      <a:camera prst="orthographicFront"/>
-      <a:lightRig rig="threePt" dir="t"/>
-    </dgm:scene3d>
-    <dgm:sp3d/>
-    <dgm:txPr/>
-    <dgm:style>
-      <a:lnRef idx="0">
-        <a:scrgbClr r="0" g="0" b="0"/>
-      </a:lnRef>
-      <a:fillRef idx="1">
-        <a:scrgbClr r="0" g="0" b="0"/>
-      </a:fillRef>
-      <a:effectRef idx="0">
-        <a:scrgbClr r="0" g="0" b="0"/>
-      </a:effectRef>
-      <a:fontRef idx="minor">
-        <a:schemeClr val="lt1"/>
-      </a:fontRef>
-    </dgm:style>
-  </dgm:styleLbl>
-  <dgm:styleLbl name="fgSibTrans2D1">
-    <dgm:scene3d>
-      <a:camera prst="orthographicFront"/>
-      <a:lightRig rig="threePt" dir="t"/>
-    </dgm:scene3d>
-    <dgm:sp3d/>
-    <dgm:txPr/>
-    <dgm:style>
-      <a:lnRef idx="0">
-        <a:scrgbClr r="0" g="0" b="0"/>
-      </a:lnRef>
-      <a:fillRef idx="1">
-        <a:scrgbClr r="0" g="0" b="0"/>
-      </a:fillRef>
-      <a:effectRef idx="0">
-        <a:scrgbClr r="0" g="0" b="0"/>
-      </a:effectRef>
-      <a:fontRef idx="minor">
-        <a:schemeClr val="lt1"/>
-      </a:fontRef>
-    </dgm:style>
-  </dgm:styleLbl>
-  <dgm:styleLbl name="bgSibTrans2D1">
-    <dgm:scene3d>
-      <a:camera prst="orthographicFront"/>
-      <a:lightRig rig="threePt" dir="t"/>
-    </dgm:scene3d>
-    <dgm:sp3d/>
-    <dgm:txPr/>
-    <dgm:style>
-      <a:lnRef idx="0">
-        <a:scrgbClr r="0" g="0" b="0"/>
-      </a:lnRef>
-      <a:fillRef idx="1">
-        <a:scrgbClr r="0" g="0" b="0"/>
-      </a:fillRef>
-      <a:effectRef idx="0">
-        <a:scrgbClr r="0" g="0" b="0"/>
-      </a:effectRef>
-      <a:fontRef idx="minor">
-        <a:schemeClr val="lt1"/>
-      </a:fontRef>
-    </dgm:style>
-  </dgm:styleLbl>
-  <dgm:styleLbl name="sibTrans1D1">
-    <dgm:scene3d>
-      <a:camera prst="orthographicFront"/>
-      <a:lightRig rig="threePt" dir="t"/>
-    </dgm:scene3d>
-    <dgm:sp3d/>
-    <dgm:txPr/>
-    <dgm:style>
-      <a:lnRef idx="1">
-        <a:scrgbClr r="0" g="0" b="0"/>
-      </a:lnRef>
-      <a:fillRef idx="0">
-        <a:scrgbClr r="0" g="0" b="0"/>
-      </a:fillRef>
-      <a:effectRef idx="0">
-        <a:scrgbClr r="0" g="0" b="0"/>
-      </a:effectRef>
-      <a:fontRef idx="minor"/>
-    </dgm:style>
-  </dgm:styleLbl>
-  <dgm:styleLbl name="callout">
-    <dgm:scene3d>
-      <a:camera prst="orthographicFront"/>
-      <a:lightRig rig="threePt" dir="t"/>
-    </dgm:scene3d>
-    <dgm:sp3d/>
-    <dgm:txPr/>
-    <dgm:style>
-      <a:lnRef idx="2">
-        <a:scrgbClr r="0" g="0" b="0"/>
-      </a:lnRef>
-      <a:fillRef idx="1">
-        <a:scrgbClr r="0" g="0" b="0"/>
-      </a:fillRef>
-      <a:effectRef idx="0">
-        <a:scrgbClr r="0" g="0" b="0"/>
-      </a:effectRef>
-      <a:fontRef idx="minor"/>
-    </dgm:style>
-  </dgm:styleLbl>
-  <dgm:styleLbl name="asst0">
-    <dgm:scene3d>
-      <a:camera prst="orthographicFront"/>
-      <a:lightRig rig="threePt" dir="t"/>
-    </dgm:scene3d>
-    <dgm:sp3d/>
-    <dgm:txPr/>
-    <dgm:style>
-      <a:lnRef idx="2">
-        <a:scrgbClr r="0" g="0" b="0"/>
-      </a:lnRef>
-      <a:fillRef idx="1">
-        <a:scrgbClr r="0" g="0" b="0"/>
-      </a:fillRef>
-      <a:effectRef idx="0">
-        <a:scrgbClr r="0" g="0" b="0"/>
-      </a:effectRef>
-      <a:fontRef idx="minor">
-        <a:schemeClr val="lt1"/>
-      </a:fontRef>
-    </dgm:style>
-  </dgm:styleLbl>
-  <dgm:styleLbl name="asst1">
-    <dgm:scene3d>
-      <a:camera prst="orthographicFront"/>
-      <a:lightRig rig="threePt" dir="t"/>
-    </dgm:scene3d>
-    <dgm:sp3d/>
-    <dgm:txPr/>
-    <dgm:style>
-      <a:lnRef idx="2">
-        <a:scrgbClr r="0" g="0" b="0"/>
-      </a:lnRef>
-      <a:fillRef idx="1">
-        <a:scrgbClr r="0" g="0" b="0"/>
-      </a:fillRef>
-      <a:effectRef idx="0">
-        <a:scrgbClr r="0" g="0" b="0"/>
-      </a:effectRef>
-      <a:fontRef idx="minor">
-        <a:schemeClr val="lt1"/>
-      </a:fontRef>
-    </dgm:style>
-  </dgm:styleLbl>
-  <dgm:styleLbl name="asst2">
-    <dgm:scene3d>
-      <a:camera prst="orthographicFront"/>
-      <a:lightRig rig="threePt" dir="t"/>
-    </dgm:scene3d>
-    <dgm:sp3d/>
-    <dgm:txPr/>
-    <dgm:style>
-      <a:lnRef idx="2">
-        <a:scrgbClr r="0" g="0" b="0"/>
-      </a:lnRef>
-      <a:fillRef idx="1">
-        <a:scrgbClr r="0" g="0" b="0"/>
-      </a:fillRef>
-      <a:effectRef idx="0">
-        <a:scrgbClr r="0" g="0" b="0"/>
-      </a:effectRef>
-      <a:fontRef idx="minor">
-        <a:schemeClr val="lt1"/>
-      </a:fontRef>
-    </dgm:style>
-  </dgm:styleLbl>
-  <dgm:styleLbl name="asst3">
-    <dgm:scene3d>
-      <a:camera prst="orthographicFront"/>
-      <a:lightRig rig="threePt" dir="t"/>
-    </dgm:scene3d>
-    <dgm:sp3d/>
-    <dgm:txPr/>
-    <dgm:style>
-      <a:lnRef idx="2">
-        <a:scrgbClr r="0" g="0" b="0"/>
-      </a:lnRef>
-      <a:fillRef idx="1">
-        <a:scrgbClr r="0" g="0" b="0"/>
-      </a:fillRef>
-      <a:effectRef idx="0">
-        <a:scrgbClr r="0" g="0" b="0"/>
-      </a:effectRef>
-      <a:fontRef idx="minor">
-        <a:schemeClr val="lt1"/>
-      </a:fontRef>
-    </dgm:style>
-  </dgm:styleLbl>
-  <dgm:styleLbl name="asst4">
-    <dgm:scene3d>
-      <a:camera prst="orthographicFront"/>
-      <a:lightRig rig="threePt" dir="t"/>
-    </dgm:scene3d>
-    <dgm:sp3d/>
-    <dgm:txPr/>
-    <dgm:style>
-      <a:lnRef idx="2">
-        <a:scrgbClr r="0" g="0" b="0"/>
-      </a:lnRef>
-      <a:fillRef idx="1">
-        <a:scrgbClr r="0" g="0" b="0"/>
-      </a:fillRef>
-      <a:effectRef idx="0">
-        <a:scrgbClr r="0" g="0" b="0"/>
-      </a:effectRef>
-      <a:fontRef idx="minor">
-        <a:schemeClr val="lt1"/>
-      </a:fontRef>
-    </dgm:style>
-  </dgm:styleLbl>
-  <dgm:styleLbl name="parChTrans2D1">
-    <dgm:scene3d>
-      <a:camera prst="orthographicFront"/>
-      <a:lightRig rig="threePt" dir="t"/>
-    </dgm:scene3d>
-    <dgm:sp3d/>
-    <dgm:txPr/>
-    <dgm:style>
-      <a:lnRef idx="2">
-        <a:scrgbClr r="0" g="0" b="0"/>
-      </a:lnRef>
-      <a:fillRef idx="1">
-        <a:scrgbClr r="0" g="0" b="0"/>
-      </a:fillRef>
-      <a:effectRef idx="0">
-        <a:scrgbClr r="0" g="0" b="0"/>
-      </a:effectRef>
-      <a:fontRef idx="minor">
-        <a:schemeClr val="lt1"/>
-      </a:fontRef>
-    </dgm:style>
-  </dgm:styleLbl>
-  <dgm:styleLbl name="parChTrans2D2">
-    <dgm:scene3d>
-      <a:camera prst="orthographicFront"/>
-      <a:lightRig rig="threePt" dir="t"/>
-    </dgm:scene3d>
-    <dgm:sp3d/>
-    <dgm:txPr/>
-    <dgm:style>
-      <a:lnRef idx="2">
-        <a:scrgbClr r="0" g="0" b="0"/>
-      </a:lnRef>
-      <a:fillRef idx="1">
-        <a:scrgbClr r="0" g="0" b="0"/>
-      </a:fillRef>
-      <a:effectRef idx="0">
-        <a:scrgbClr r="0" g="0" b="0"/>
-      </a:effectRef>
-      <a:fontRef idx="minor">
-        <a:schemeClr val="lt1"/>
-      </a:fontRef>
-    </dgm:style>
-  </dgm:styleLbl>
-  <dgm:styleLbl name="parChTrans2D3">
-    <dgm:scene3d>
-      <a:camera prst="orthographicFront"/>
-      <a:lightRig rig="threePt" dir="t"/>
-    </dgm:scene3d>
-    <dgm:sp3d/>
-    <dgm:txPr/>
-    <dgm:style>
-      <a:lnRef idx="2">
-        <a:scrgbClr r="0" g="0" b="0"/>
-      </a:lnRef>
-      <a:fillRef idx="1">
-        <a:scrgbClr r="0" g="0" b="0"/>
-      </a:fillRef>
-      <a:effectRef idx="0">
-        <a:scrgbClr r="0" g="0" b="0"/>
-      </a:effectRef>
-      <a:fontRef idx="minor">
-        <a:schemeClr val="lt1"/>
-      </a:fontRef>
-    </dgm:style>
-  </dgm:styleLbl>
-  <dgm:styleLbl name="parChTrans2D4">
-    <dgm:scene3d>
-      <a:camera prst="orthographicFront"/>
-      <a:lightRig rig="threePt" dir="t"/>
-    </dgm:scene3d>
-    <dgm:sp3d/>
-    <dgm:txPr/>
-    <dgm:style>
-      <a:lnRef idx="2">
-        <a:scrgbClr r="0" g="0" b="0"/>
-      </a:lnRef>
-      <a:fillRef idx="1">
-        <a:scrgbClr r="0" g="0" b="0"/>
-      </a:fillRef>
-      <a:effectRef idx="0">
-        <a:scrgbClr r="0" g="0" b="0"/>
-      </a:effectRef>
-      <a:fontRef idx="minor">
-        <a:schemeClr val="lt1"/>
-      </a:fontRef>
-    </dgm:style>
-  </dgm:styleLbl>
-  <dgm:styleLbl name="parChTrans1D1">
-    <dgm:scene3d>
-      <a:camera prst="orthographicFront"/>
-      <a:lightRig rig="threePt" dir="t"/>
-    </dgm:scene3d>
-    <dgm:sp3d/>
-    <dgm:txPr/>
-    <dgm:style>
-      <a:lnRef idx="2">
-        <a:scrgbClr r="0" g="0" b="0"/>
-      </a:lnRef>
-      <a:fillRef idx="0">
-        <a:scrgbClr r="0" g="0" b="0"/>
-      </a:fillRef>
-      <a:effectRef idx="0">
-        <a:scrgbClr r="0" g="0" b="0"/>
-      </a:effectRef>
-      <a:fontRef idx="minor"/>
-    </dgm:style>
-  </dgm:styleLbl>
-  <dgm:styleLbl name="parChTrans1D2">
-    <dgm:scene3d>
-      <a:camera prst="orthographicFront"/>
-      <a:lightRig rig="threePt" dir="t"/>
-    </dgm:scene3d>
-    <dgm:sp3d/>
-    <dgm:txPr/>
-    <dgm:style>
-      <a:lnRef idx="2">
-        <a:scrgbClr r="0" g="0" b="0"/>
-      </a:lnRef>
-      <a:fillRef idx="0">
-        <a:scrgbClr r="0" g="0" b="0"/>
-      </a:fillRef>
-      <a:effectRef idx="0">
-        <a:scrgbClr r="0" g="0" b="0"/>
-      </a:effectRef>
-      <a:fontRef idx="minor"/>
-    </dgm:style>
-  </dgm:styleLbl>
-  <dgm:styleLbl name="parChTrans1D3">
-    <dgm:scene3d>
-      <a:camera prst="orthographicFront"/>
-      <a:lightRig rig="threePt" dir="t"/>
-    </dgm:scene3d>
-    <dgm:sp3d/>
-    <dgm:txPr/>
-    <dgm:style>
-      <a:lnRef idx="2">
-        <a:scrgbClr r="0" g="0" b="0"/>
-      </a:lnRef>
-      <a:fillRef idx="0">
-        <a:scrgbClr r="0" g="0" b="0"/>
-      </a:fillRef>
-      <a:effectRef idx="0">
-        <a:scrgbClr r="0" g="0" b="0"/>
-      </a:effectRef>
-      <a:fontRef idx="minor"/>
-    </dgm:style>
-  </dgm:styleLbl>
-  <dgm:styleLbl name="parChTrans1D4">
-    <dgm:scene3d>
-      <a:camera prst="orthographicFront"/>
-      <a:lightRig rig="threePt" dir="t"/>
-    </dgm:scene3d>
-    <dgm:sp3d/>
-    <dgm:txPr/>
-    <dgm:style>
-      <a:lnRef idx="2">
-        <a:scrgbClr r="0" g="0" b="0"/>
-      </a:lnRef>
-      <a:fillRef idx="0">
-        <a:scrgbClr r="0" g="0" b="0"/>
-      </a:fillRef>
-      <a:effectRef idx="0">
-        <a:scrgbClr r="0" g="0" b="0"/>
-      </a:effectRef>
-      <a:fontRef idx="minor"/>
-    </dgm:style>
-  </dgm:styleLbl>
-  <dgm:styleLbl name="fgAcc1">
-    <dgm:scene3d>
-      <a:camera prst="orthographicFront"/>
-      <a:lightRig rig="threePt" dir="t"/>
-    </dgm:scene3d>
-    <dgm:sp3d/>
-    <dgm:txPr/>
-    <dgm:style>
-      <a:lnRef idx="2">
-        <a:scrgbClr r="0" g="0" b="0"/>
-      </a:lnRef>
-      <a:fillRef idx="1">
-        <a:scrgbClr r="0" g="0" b="0"/>
-      </a:fillRef>
-      <a:effectRef idx="0">
-        <a:scrgbClr r="0" g="0" b="0"/>
-      </a:effectRef>
-      <a:fontRef idx="minor"/>
-    </dgm:style>
-  </dgm:styleLbl>
-  <dgm:styleLbl name="conFgAcc1">
-    <dgm:scene3d>
-      <a:camera prst="orthographicFront"/>
-      <a:lightRig rig="threePt" dir="t"/>
-    </dgm:scene3d>
-    <dgm:sp3d/>
-    <dgm:txPr/>
-    <dgm:style>
-      <a:lnRef idx="2">
-        <a:scrgbClr r="0" g="0" b="0"/>
-      </a:lnRef>
-      <a:fillRef idx="1">
-        <a:scrgbClr r="0" g="0" b="0"/>
-      </a:fillRef>
-      <a:effectRef idx="0">
-        <a:scrgbClr r="0" g="0" b="0"/>
-      </a:effectRef>
-      <a:fontRef idx="minor"/>
-    </dgm:style>
-  </dgm:styleLbl>
-  <dgm:styleLbl name="alignAcc1">
-    <dgm:scene3d>
-      <a:camera prst="orthographicFront"/>
-      <a:lightRig rig="threePt" dir="t"/>
-    </dgm:scene3d>
-    <dgm:sp3d/>
-    <dgm:txPr/>
-    <dgm:style>
-      <a:lnRef idx="2">
-        <a:scrgbClr r="0" g="0" b="0"/>
-      </a:lnRef>
-      <a:fillRef idx="1">
-        <a:scrgbClr r="0" g="0" b="0"/>
-      </a:fillRef>
-      <a:effectRef idx="0">
-        <a:scrgbClr r="0" g="0" b="0"/>
-      </a:effectRef>
-      <a:fontRef idx="minor"/>
-    </dgm:style>
-  </dgm:styleLbl>
-  <dgm:styleLbl name="trAlignAcc1">
-    <dgm:scene3d>
-      <a:camera prst="orthographicFront"/>
-      <a:lightRig rig="threePt" dir="t"/>
-    </dgm:scene3d>
-    <dgm:sp3d/>
-    <dgm:txPr/>
-    <dgm:style>
-      <a:lnRef idx="1">
-        <a:scrgbClr r="0" g="0" b="0"/>
-      </a:lnRef>
-      <a:fillRef idx="1">
-        <a:scrgbClr r="0" g="0" b="0"/>
-      </a:fillRef>
-      <a:effectRef idx="0">
-        <a:scrgbClr r="0" g="0" b="0"/>
-      </a:effectRef>
-      <a:fontRef idx="minor"/>
-    </dgm:style>
-  </dgm:styleLbl>
-  <dgm:styleLbl name="bgAcc1">
-    <dgm:scene3d>
-      <a:camera prst="orthographicFront"/>
-      <a:lightRig rig="threePt" dir="t"/>
-    </dgm:scene3d>
-    <dgm:sp3d/>
-    <dgm:txPr/>
-    <dgm:style>
-      <a:lnRef idx="2">
-        <a:scrgbClr r="0" g="0" b="0"/>
-      </a:lnRef>
-      <a:fillRef idx="1">
-        <a:scrgbClr r="0" g="0" b="0"/>
-      </a:fillRef>
-      <a:effectRef idx="0">
-        <a:scrgbClr r="0" g="0" b="0"/>
-      </a:effectRef>
-      <a:fontRef idx="minor"/>
-    </dgm:style>
-  </dgm:styleLbl>
-  <dgm:styleLbl name="solidFgAcc1">
-    <dgm:scene3d>
-      <a:camera prst="orthographicFront"/>
-      <a:lightRig rig="threePt" dir="t"/>
-    </dgm:scene3d>
-    <dgm:sp3d/>
-    <dgm:txPr/>
-    <dgm:style>
-      <a:lnRef idx="2">
-        <a:scrgbClr r="0" g="0" b="0"/>
-      </a:lnRef>
-      <a:fillRef idx="1">
-        <a:scrgbClr r="0" g="0" b="0"/>
-      </a:fillRef>
-      <a:effectRef idx="0">
-        <a:scrgbClr r="0" g="0" b="0"/>
-      </a:effectRef>
-      <a:fontRef idx="minor"/>
-    </dgm:style>
-  </dgm:styleLbl>
-  <dgm:styleLbl name="solidAlignAcc1">
-    <dgm:scene3d>
-      <a:camera prst="orthographicFront"/>
-      <a:lightRig rig="threePt" dir="t"/>
-    </dgm:scene3d>
-    <dgm:sp3d/>
-    <dgm:txPr/>
-    <dgm:style>
-      <a:lnRef idx="2">
-        <a:scrgbClr r="0" g="0" b="0"/>
-      </a:lnRef>
-      <a:fillRef idx="1">
-        <a:scrgbClr r="0" g="0" b="0"/>
-      </a:fillRef>
-      <a:effectRef idx="0">
-        <a:scrgbClr r="0" g="0" b="0"/>
-      </a:effectRef>
-      <a:fontRef idx="minor"/>
-    </dgm:style>
-  </dgm:styleLbl>
-  <dgm:styleLbl name="solidBgAcc1">
-    <dgm:scene3d>
-      <a:camera prst="orthographicFront"/>
-      <a:lightRig rig="threePt" dir="t"/>
-    </dgm:scene3d>
-    <dgm:sp3d/>
-    <dgm:txPr/>
-    <dgm:style>
-      <a:lnRef idx="2">
-        <a:scrgbClr r="0" g="0" b="0"/>
-      </a:lnRef>
-      <a:fillRef idx="1">
-        <a:scrgbClr r="0" g="0" b="0"/>
-      </a:fillRef>
-      <a:effectRef idx="0">
-        <a:scrgbClr r="0" g="0" b="0"/>
-      </a:effectRef>
-      <a:fontRef idx="minor"/>
-    </dgm:style>
-  </dgm:styleLbl>
-  <dgm:styleLbl name="fgAccFollowNode1">
-    <dgm:scene3d>
-      <a:camera prst="orthographicFront"/>
-      <a:lightRig rig="threePt" dir="t"/>
-    </dgm:scene3d>
-    <dgm:sp3d/>
-    <dgm:txPr/>
-    <dgm:style>
-      <a:lnRef idx="2">
-        <a:scrgbClr r="0" g="0" b="0"/>
-      </a:lnRef>
-      <a:fillRef idx="1">
-        <a:scrgbClr r="0" g="0" b="0"/>
-      </a:fillRef>
-      <a:effectRef idx="0">
-        <a:scrgbClr r="0" g="0" b="0"/>
-      </a:effectRef>
-      <a:fontRef idx="minor"/>
-    </dgm:style>
-  </dgm:styleLbl>
-  <dgm:styleLbl name="alignAccFollowNode1">
-    <dgm:scene3d>
-      <a:camera prst="orthographicFront"/>
-      <a:lightRig rig="threePt" dir="t"/>
-    </dgm:scene3d>
-    <dgm:sp3d/>
-    <dgm:txPr/>
-    <dgm:style>
-      <a:lnRef idx="2">
-        <a:scrgbClr r="0" g="0" b="0"/>
-      </a:lnRef>
-      <a:fillRef idx="1">
-        <a:scrgbClr r="0" g="0" b="0"/>
-      </a:fillRef>
-      <a:effectRef idx="0">
-        <a:scrgbClr r="0" g="0" b="0"/>
-      </a:effectRef>
-      <a:fontRef idx="minor"/>
-    </dgm:style>
-  </dgm:styleLbl>
-  <dgm:styleLbl name="bgAccFollowNode1">
-    <dgm:scene3d>
-      <a:camera prst="orthographicFront"/>
-      <a:lightRig rig="threePt" dir="t"/>
-    </dgm:scene3d>
-    <dgm:sp3d/>
-    <dgm:txPr/>
-    <dgm:style>
-      <a:lnRef idx="2">
-        <a:scrgbClr r="0" g="0" b="0"/>
-      </a:lnRef>
-      <a:fillRef idx="1">
-        <a:scrgbClr r="0" g="0" b="0"/>
-      </a:fillRef>
-      <a:effectRef idx="0">
-        <a:scrgbClr r="0" g="0" b="0"/>
-      </a:effectRef>
-      <a:fontRef idx="minor"/>
-    </dgm:style>
-  </dgm:styleLbl>
-  <dgm:styleLbl name="fgAcc0">
-    <dgm:scene3d>
-      <a:camera prst="orthographicFront"/>
-      <a:lightRig rig="threePt" dir="t"/>
-    </dgm:scene3d>
-    <dgm:sp3d/>
-    <dgm:txPr/>
-    <dgm:style>
-      <a:lnRef idx="2">
-        <a:scrgbClr r="0" g="0" b="0"/>
-      </a:lnRef>
-      <a:fillRef idx="1">
-        <a:scrgbClr r="0" g="0" b="0"/>
-      </a:fillRef>
-      <a:effectRef idx="0">
-        <a:scrgbClr r="0" g="0" b="0"/>
-      </a:effectRef>
-      <a:fontRef idx="minor"/>
-    </dgm:style>
-  </dgm:styleLbl>
-  <dgm:styleLbl name="fgAcc2">
-    <dgm:scene3d>
-      <a:camera prst="orthographicFront"/>
-      <a:lightRig rig="threePt" dir="t"/>
-    </dgm:scene3d>
-    <dgm:sp3d/>
-    <dgm:txPr/>
-    <dgm:style>
-      <a:lnRef idx="2">
-        <a:scrgbClr r="0" g="0" b="0"/>
-      </a:lnRef>
-      <a:fillRef idx="1">
-        <a:scrgbClr r="0" g="0" b="0"/>
-      </a:fillRef>
-      <a:effectRef idx="0">
-        <a:scrgbClr r="0" g="0" b="0"/>
-      </a:effectRef>
-      <a:fontRef idx="minor"/>
-    </dgm:style>
-  </dgm:styleLbl>
-  <dgm:styleLbl name="fgAcc3">
-    <dgm:scene3d>
-      <a:camera prst="orthographicFront"/>
-      <a:lightRig rig="threePt" dir="t"/>
-    </dgm:scene3d>
-    <dgm:sp3d/>
-    <dgm:txPr/>
-    <dgm:style>
-      <a:lnRef idx="2">
-        <a:scrgbClr r="0" g="0" b="0"/>
-      </a:lnRef>
-      <a:fillRef idx="1">
-        <a:scrgbClr r="0" g="0" b="0"/>
-      </a:fillRef>
-      <a:effectRef idx="0">
-        <a:scrgbClr r="0" g="0" b="0"/>
-      </a:effectRef>
-      <a:fontRef idx="minor"/>
-    </dgm:style>
-  </dgm:styleLbl>
-  <dgm:styleLbl name="fgAcc4">
-    <dgm:scene3d>
-      <a:camera prst="orthographicFront"/>
-      <a:lightRig rig="threePt" dir="t"/>
-    </dgm:scene3d>
-    <dgm:sp3d/>
-    <dgm:txPr/>
-    <dgm:style>
-      <a:lnRef idx="2">
-        <a:scrgbClr r="0" g="0" b="0"/>
-      </a:lnRef>
-      <a:fillRef idx="1">
-        <a:scrgbClr r="0" g="0" b="0"/>
-      </a:fillRef>
-      <a:effectRef idx="0">
-        <a:scrgbClr r="0" g="0" b="0"/>
-      </a:effectRef>
-      <a:fontRef idx="minor"/>
-    </dgm:style>
-  </dgm:styleLbl>
-  <dgm:styleLbl name="bgShp">
-    <dgm:scene3d>
-      <a:camera prst="orthographicFront"/>
-      <a:lightRig rig="threePt" dir="t"/>
-    </dgm:scene3d>
-    <dgm:sp3d/>
-    <dgm:txPr/>
-    <dgm:style>
-      <a:lnRef idx="0">
-        <a:scrgbClr r="0" g="0" b="0"/>
-      </a:lnRef>
-      <a:fillRef idx="1">
-        <a:scrgbClr r="0" g="0" b="0"/>
-      </a:fillRef>
-      <a:effectRef idx="0">
-        <a:scrgbClr r="0" g="0" b="0"/>
-      </a:effectRef>
-      <a:fontRef idx="minor"/>
-    </dgm:style>
-  </dgm:styleLbl>
-  <dgm:styleLbl name="dkBgShp">
-    <dgm:scene3d>
-      <a:camera prst="orthographicFront"/>
-      <a:lightRig rig="threePt" dir="t"/>
-    </dgm:scene3d>
-    <dgm:sp3d/>
-    <dgm:txPr/>
-    <dgm:style>
-      <a:lnRef idx="0">
-        <a:scrgbClr r="0" g="0" b="0"/>
-      </a:lnRef>
-      <a:fillRef idx="1">
-        <a:scrgbClr r="0" g="0" b="0"/>
-      </a:fillRef>
-      <a:effectRef idx="0">
-        <a:scrgbClr r="0" g="0" b="0"/>
-      </a:effectRef>
-      <a:fontRef idx="minor"/>
-    </dgm:style>
-  </dgm:styleLbl>
-  <dgm:styleLbl name="trBgShp">
-    <dgm:scene3d>
-      <a:camera prst="orthographicFront"/>
-      <a:lightRig rig="threePt" dir="t"/>
-    </dgm:scene3d>
-    <dgm:sp3d/>
-    <dgm:txPr/>
-    <dgm:style>
-      <a:lnRef idx="0">
-        <a:scrgbClr r="0" g="0" b="0"/>
-      </a:lnRef>
-      <a:fillRef idx="1">
-        <a:scrgbClr r="0" g="0" b="0"/>
-      </a:fillRef>
-      <a:effectRef idx="0">
-        <a:scrgbClr r="0" g="0" b="0"/>
-      </a:effectRef>
-      <a:fontRef idx="minor"/>
-    </dgm:style>
-  </dgm:styleLbl>
-  <dgm:styleLbl name="fgShp">
-    <dgm:scene3d>
-      <a:camera prst="orthographicFront"/>
-      <a:lightRig rig="threePt" dir="t"/>
-    </dgm:scene3d>
-    <dgm:sp3d/>
-    <dgm:txPr/>
-    <dgm:style>
-      <a:lnRef idx="2">
-        <a:scrgbClr r="0" g="0" b="0"/>
-      </a:lnRef>
-      <a:fillRef idx="1">
-        <a:scrgbClr r="0" g="0" b="0"/>
-      </a:fillRef>
-      <a:effectRef idx="0">
-        <a:scrgbClr r="0" g="0" b="0"/>
-      </a:effectRef>
-      <a:fontRef idx="minor"/>
-    </dgm:style>
-  </dgm:styleLbl>
-  <dgm:styleLbl name="revTx">
-    <dgm:scene3d>
-      <a:camera prst="orthographicFront"/>
-      <a:lightRig rig="threePt" dir="t"/>
-    </dgm:scene3d>
-    <dgm:sp3d/>
-    <dgm:txPr/>
-    <dgm:style>
-      <a:lnRef idx="0">
-        <a:scrgbClr r="0" g="0" b="0"/>
-      </a:lnRef>
-      <a:fillRef idx="0">
-        <a:scrgbClr r="0" g="0" b="0"/>
-      </a:fillRef>
-      <a:effectRef idx="0">
-        <a:scrgbClr r="0" g="0" b="0"/>
-      </a:effectRef>
-      <a:fontRef idx="minor"/>
-    </dgm:style>
-  </dgm:styleLbl>
-</dgm:styleDef>
-</file>
-
-<file path=ppt/diagrams/quickStyle2.xml><?xml version="1.0" encoding="utf-8"?>
 <dgm:styleDef xmlns:dgm="http://schemas.openxmlformats.org/drawingml/2006/diagram" xmlns:a="http://schemas.openxmlformats.org/drawingml/2006/main" uniqueId="urn:microsoft.com/office/officeart/2005/8/quickstyle/simple1">
   <dgm:title val=""/>
   <dgm:desc val=""/>
@@ -5132,7 +2820,7 @@
           <a:p>
             <a:fld id="{0917E91C-AB65-4EB7-BC03-0D16B68FEED2}" type="datetimeFigureOut">
               <a:rPr lang="pt-BR" smtClean="0"/>
-              <a:t>05/04/2023</a:t>
+              <a:t>22/06/2023</a:t>
             </a:fld>
             <a:endParaRPr lang="pt-BR"/>
           </a:p>
@@ -5364,7 +3052,7 @@
           <a:p>
             <a:fld id="{0917E91C-AB65-4EB7-BC03-0D16B68FEED2}" type="datetimeFigureOut">
               <a:rPr lang="pt-BR" smtClean="0"/>
-              <a:t>05/04/2023</a:t>
+              <a:t>22/06/2023</a:t>
             </a:fld>
             <a:endParaRPr lang="pt-BR"/>
           </a:p>
@@ -7028,7 +4716,7 @@
           <a:p>
             <a:fld id="{0917E91C-AB65-4EB7-BC03-0D16B68FEED2}" type="datetimeFigureOut">
               <a:rPr lang="pt-BR" smtClean="0"/>
-              <a:t>05/04/2023</a:t>
+              <a:t>22/06/2023</a:t>
             </a:fld>
             <a:endParaRPr lang="pt-BR"/>
           </a:p>
@@ -7521,7 +5209,7 @@
           <a:p>
             <a:fld id="{0917E91C-AB65-4EB7-BC03-0D16B68FEED2}" type="datetimeFigureOut">
               <a:rPr lang="pt-BR" smtClean="0"/>
-              <a:t>05/04/2023</a:t>
+              <a:t>22/06/2023</a:t>
             </a:fld>
             <a:endParaRPr lang="pt-BR"/>
           </a:p>
@@ -7957,7 +5645,7 @@
           <a:p>
             <a:fld id="{0917E91C-AB65-4EB7-BC03-0D16B68FEED2}" type="datetimeFigureOut">
               <a:rPr lang="pt-BR" smtClean="0"/>
-              <a:t>05/04/2023</a:t>
+              <a:t>22/06/2023</a:t>
             </a:fld>
             <a:endParaRPr lang="pt-BR"/>
           </a:p>
@@ -8122,7 +5810,7 @@
           <a:p>
             <a:fld id="{0917E91C-AB65-4EB7-BC03-0D16B68FEED2}" type="datetimeFigureOut">
               <a:rPr lang="pt-BR" smtClean="0"/>
-              <a:t>05/04/2023</a:t>
+              <a:t>22/06/2023</a:t>
             </a:fld>
             <a:endParaRPr lang="pt-BR"/>
           </a:p>
@@ -8259,7 +5947,7 @@
           <a:p>
             <a:fld id="{0917E91C-AB65-4EB7-BC03-0D16B68FEED2}" type="datetimeFigureOut">
               <a:rPr lang="pt-BR" smtClean="0"/>
-              <a:t>05/04/2023</a:t>
+              <a:t>22/06/2023</a:t>
             </a:fld>
             <a:endParaRPr lang="pt-BR"/>
           </a:p>
@@ -8594,7 +6282,7 @@
           <a:p>
             <a:fld id="{0917E91C-AB65-4EB7-BC03-0D16B68FEED2}" type="datetimeFigureOut">
               <a:rPr lang="pt-BR" smtClean="0"/>
-              <a:t>05/04/2023</a:t>
+              <a:t>22/06/2023</a:t>
             </a:fld>
             <a:endParaRPr lang="pt-BR"/>
           </a:p>
@@ -8906,7 +6594,7 @@
           <a:p>
             <a:fld id="{0917E91C-AB65-4EB7-BC03-0D16B68FEED2}" type="datetimeFigureOut">
               <a:rPr lang="pt-BR" smtClean="0"/>
-              <a:t>05/04/2023</a:t>
+              <a:t>22/06/2023</a:t>
             </a:fld>
             <a:endParaRPr lang="pt-BR"/>
           </a:p>
@@ -9618,1651 +7306,65 @@
           <a:p>
             <a:r>
               <a:rPr lang="pt-BR" dirty="0"/>
-              <a:t>Sugestão de Cronograma Geral por INEP</a:t>
+              <a:t>Cronograma</a:t>
             </a:r>
           </a:p>
         </p:txBody>
       </p:sp>
-      <p:graphicFrame>
-        <p:nvGraphicFramePr>
-          <p:cNvPr id="4" name="Tabela 4">
+      <p:sp>
+        <p:nvSpPr>
+          <p:cNvPr id="5" name="Espaço Reservado para Conteúdo 4">
             <a:extLst>
               <a:ext uri="{FF2B5EF4-FFF2-40B4-BE49-F238E27FC236}">
-                <a16:creationId xmlns:a16="http://schemas.microsoft.com/office/drawing/2014/main" id="{DBB47EA7-3873-72CF-0C10-7C58926E22C4}"/>
+                <a16:creationId xmlns:a16="http://schemas.microsoft.com/office/drawing/2014/main" id="{FF2528D2-C15E-5763-6CA6-DF7009D8650E}"/>
               </a:ext>
             </a:extLst>
           </p:cNvPr>
-          <p:cNvGraphicFramePr>
-            <a:graphicFrameLocks noGrp="1"/>
-          </p:cNvGraphicFramePr>
+          <p:cNvSpPr>
+            <a:spLocks noGrp="1"/>
+          </p:cNvSpPr>
           <p:nvPr>
             <p:ph idx="1"/>
-            <p:extLst>
-              <p:ext uri="{D42A27DB-BD31-4B8C-83A1-F6EECF244321}">
-                <p14:modId xmlns:p14="http://schemas.microsoft.com/office/powerpoint/2010/main" val="3216879318"/>
-              </p:ext>
-            </p:extLst>
           </p:nvPr>
-        </p:nvGraphicFramePr>
-        <p:xfrm>
-          <a:off x="274638" y="1271588"/>
-          <a:ext cx="11626845" cy="1940560"/>
-        </p:xfrm>
-        <a:graphic>
-          <a:graphicData uri="http://schemas.openxmlformats.org/drawingml/2006/table">
-            <a:tbl>
-              <a:tblPr firstRow="1" bandRow="1">
-                <a:tableStyleId>{5C22544A-7EE6-4342-B048-85BDC9FD1C3A}</a:tableStyleId>
-              </a:tblPr>
-              <a:tblGrid>
-                <a:gridCol w="775123">
-                  <a:extLst>
-                    <a:ext uri="{9D8B030D-6E8A-4147-A177-3AD203B41FA5}">
-                      <a16:colId xmlns:a16="http://schemas.microsoft.com/office/drawing/2014/main" val="2478741890"/>
-                    </a:ext>
-                  </a:extLst>
-                </a:gridCol>
-                <a:gridCol w="775123">
-                  <a:extLst>
-                    <a:ext uri="{9D8B030D-6E8A-4147-A177-3AD203B41FA5}">
-                      <a16:colId xmlns:a16="http://schemas.microsoft.com/office/drawing/2014/main" val="2063970886"/>
-                    </a:ext>
-                  </a:extLst>
-                </a:gridCol>
-                <a:gridCol w="775123">
-                  <a:extLst>
-                    <a:ext uri="{9D8B030D-6E8A-4147-A177-3AD203B41FA5}">
-                      <a16:colId xmlns:a16="http://schemas.microsoft.com/office/drawing/2014/main" val="1260197228"/>
-                    </a:ext>
-                  </a:extLst>
-                </a:gridCol>
-                <a:gridCol w="775123">
-                  <a:extLst>
-                    <a:ext uri="{9D8B030D-6E8A-4147-A177-3AD203B41FA5}">
-                      <a16:colId xmlns:a16="http://schemas.microsoft.com/office/drawing/2014/main" val="3151102929"/>
-                    </a:ext>
-                  </a:extLst>
-                </a:gridCol>
-                <a:gridCol w="775123">
-                  <a:extLst>
-                    <a:ext uri="{9D8B030D-6E8A-4147-A177-3AD203B41FA5}">
-                      <a16:colId xmlns:a16="http://schemas.microsoft.com/office/drawing/2014/main" val="2187324423"/>
-                    </a:ext>
-                  </a:extLst>
-                </a:gridCol>
-                <a:gridCol w="775123">
-                  <a:extLst>
-                    <a:ext uri="{9D8B030D-6E8A-4147-A177-3AD203B41FA5}">
-                      <a16:colId xmlns:a16="http://schemas.microsoft.com/office/drawing/2014/main" val="3011517189"/>
-                    </a:ext>
-                  </a:extLst>
-                </a:gridCol>
-                <a:gridCol w="775123">
-                  <a:extLst>
-                    <a:ext uri="{9D8B030D-6E8A-4147-A177-3AD203B41FA5}">
-                      <a16:colId xmlns:a16="http://schemas.microsoft.com/office/drawing/2014/main" val="2151661742"/>
-                    </a:ext>
-                  </a:extLst>
-                </a:gridCol>
-                <a:gridCol w="775123">
-                  <a:extLst>
-                    <a:ext uri="{9D8B030D-6E8A-4147-A177-3AD203B41FA5}">
-                      <a16:colId xmlns:a16="http://schemas.microsoft.com/office/drawing/2014/main" val="2686567516"/>
-                    </a:ext>
-                  </a:extLst>
-                </a:gridCol>
-                <a:gridCol w="775123">
-                  <a:extLst>
-                    <a:ext uri="{9D8B030D-6E8A-4147-A177-3AD203B41FA5}">
-                      <a16:colId xmlns:a16="http://schemas.microsoft.com/office/drawing/2014/main" val="639755042"/>
-                    </a:ext>
-                  </a:extLst>
-                </a:gridCol>
-                <a:gridCol w="775123">
-                  <a:extLst>
-                    <a:ext uri="{9D8B030D-6E8A-4147-A177-3AD203B41FA5}">
-                      <a16:colId xmlns:a16="http://schemas.microsoft.com/office/drawing/2014/main" val="1403127346"/>
-                    </a:ext>
-                  </a:extLst>
-                </a:gridCol>
-                <a:gridCol w="775123">
-                  <a:extLst>
-                    <a:ext uri="{9D8B030D-6E8A-4147-A177-3AD203B41FA5}">
-                      <a16:colId xmlns:a16="http://schemas.microsoft.com/office/drawing/2014/main" val="1728055935"/>
-                    </a:ext>
-                  </a:extLst>
-                </a:gridCol>
-                <a:gridCol w="775123">
-                  <a:extLst>
-                    <a:ext uri="{9D8B030D-6E8A-4147-A177-3AD203B41FA5}">
-                      <a16:colId xmlns:a16="http://schemas.microsoft.com/office/drawing/2014/main" val="4095836886"/>
-                    </a:ext>
-                  </a:extLst>
-                </a:gridCol>
-                <a:gridCol w="775123">
-                  <a:extLst>
-                    <a:ext uri="{9D8B030D-6E8A-4147-A177-3AD203B41FA5}">
-                      <a16:colId xmlns:a16="http://schemas.microsoft.com/office/drawing/2014/main" val="3974629827"/>
-                    </a:ext>
-                  </a:extLst>
-                </a:gridCol>
-                <a:gridCol w="775123">
-                  <a:extLst>
-                    <a:ext uri="{9D8B030D-6E8A-4147-A177-3AD203B41FA5}">
-                      <a16:colId xmlns:a16="http://schemas.microsoft.com/office/drawing/2014/main" val="1009291869"/>
-                    </a:ext>
-                  </a:extLst>
-                </a:gridCol>
-                <a:gridCol w="775123">
-                  <a:extLst>
-                    <a:ext uri="{9D8B030D-6E8A-4147-A177-3AD203B41FA5}">
-                      <a16:colId xmlns:a16="http://schemas.microsoft.com/office/drawing/2014/main" val="1958390207"/>
-                    </a:ext>
-                  </a:extLst>
-                </a:gridCol>
-              </a:tblGrid>
-              <a:tr h="370840">
-                <a:tc>
-                  <a:txBody>
-                    <a:bodyPr/>
-                    <a:lstStyle/>
-                    <a:p>
-                      <a:pPr algn="ctr"/>
-                      <a:r>
-                        <a:rPr lang="pt-BR" dirty="0"/>
-                        <a:t>INEP</a:t>
-                      </a:r>
-                    </a:p>
-                  </a:txBody>
-                  <a:tcPr>
-                    <a:lnL w="12700" cap="flat" cmpd="sng" algn="ctr">
-                      <a:solidFill>
-                        <a:schemeClr val="tx1"/>
-                      </a:solidFill>
-                      <a:prstDash val="solid"/>
-                      <a:round/>
-                      <a:headEnd type="none" w="med" len="med"/>
-                      <a:tailEnd type="none" w="med" len="med"/>
-                    </a:lnL>
-                    <a:lnR w="12700" cap="flat" cmpd="sng" algn="ctr">
-                      <a:solidFill>
-                        <a:schemeClr val="tx1"/>
-                      </a:solidFill>
-                      <a:prstDash val="solid"/>
-                      <a:round/>
-                      <a:headEnd type="none" w="med" len="med"/>
-                      <a:tailEnd type="none" w="med" len="med"/>
-                    </a:lnR>
-                    <a:lnT w="12700" cap="flat" cmpd="sng" algn="ctr">
-                      <a:solidFill>
-                        <a:schemeClr val="tx1"/>
-                      </a:solidFill>
-                      <a:prstDash val="solid"/>
-                      <a:round/>
-                      <a:headEnd type="none" w="med" len="med"/>
-                      <a:tailEnd type="none" w="med" len="med"/>
-                    </a:lnT>
-                    <a:lnB w="12700" cap="flat" cmpd="sng" algn="ctr">
-                      <a:solidFill>
-                        <a:schemeClr val="tx1"/>
-                      </a:solidFill>
-                      <a:prstDash val="solid"/>
-                      <a:round/>
-                      <a:headEnd type="none" w="med" len="med"/>
-                      <a:tailEnd type="none" w="med" len="med"/>
-                    </a:lnB>
-                    <a:solidFill>
-                      <a:srgbClr val="FFD803"/>
-                    </a:solidFill>
-                  </a:tcPr>
-                </a:tc>
-                <a:tc>
-                  <a:txBody>
-                    <a:bodyPr/>
-                    <a:lstStyle/>
-                    <a:p>
-                      <a:pPr algn="ctr"/>
-                      <a:r>
-                        <a:rPr lang="pt-BR" sz="1200" dirty="0"/>
-                        <a:t>Tema 1 </a:t>
-                      </a:r>
-                    </a:p>
-                  </a:txBody>
-                  <a:tcPr>
-                    <a:lnL w="12700" cap="flat" cmpd="sng" algn="ctr">
-                      <a:solidFill>
-                        <a:schemeClr val="tx1"/>
-                      </a:solidFill>
-                      <a:prstDash val="solid"/>
-                      <a:round/>
-                      <a:headEnd type="none" w="med" len="med"/>
-                      <a:tailEnd type="none" w="med" len="med"/>
-                    </a:lnL>
-                  </a:tcPr>
-                </a:tc>
-                <a:tc>
-                  <a:txBody>
-                    <a:bodyPr/>
-                    <a:lstStyle/>
-                    <a:p>
-                      <a:pPr marL="0" marR="0" lvl="0" indent="0" algn="ctr" defTabSz="914400" rtl="0" eaLnBrk="1" fontAlgn="auto" latinLnBrk="0" hangingPunct="1">
-                        <a:lnSpc>
-                          <a:spcPct val="100000"/>
-                        </a:lnSpc>
-                        <a:spcBef>
-                          <a:spcPts val="0"/>
-                        </a:spcBef>
-                        <a:spcAft>
-                          <a:spcPts val="0"/>
-                        </a:spcAft>
-                        <a:buClrTx/>
-                        <a:buSzTx/>
-                        <a:buFontTx/>
-                        <a:buNone/>
-                        <a:tabLst/>
-                        <a:defRPr/>
-                      </a:pPr>
-                      <a:r>
-                        <a:rPr lang="pt-BR" sz="1200" dirty="0"/>
-                        <a:t>Tema 2</a:t>
-                      </a:r>
-                    </a:p>
-                    <a:p>
-                      <a:pPr algn="ctr"/>
-                      <a:endParaRPr lang="pt-BR" sz="1200" dirty="0"/>
-                    </a:p>
-                  </a:txBody>
-                  <a:tcPr/>
-                </a:tc>
-                <a:tc>
-                  <a:txBody>
-                    <a:bodyPr/>
-                    <a:lstStyle/>
-                    <a:p>
-                      <a:pPr marL="0" marR="0" lvl="0" indent="0" algn="ctr" defTabSz="914400" rtl="0" eaLnBrk="1" fontAlgn="auto" latinLnBrk="0" hangingPunct="1">
-                        <a:lnSpc>
-                          <a:spcPct val="100000"/>
-                        </a:lnSpc>
-                        <a:spcBef>
-                          <a:spcPts val="0"/>
-                        </a:spcBef>
-                        <a:spcAft>
-                          <a:spcPts val="0"/>
-                        </a:spcAft>
-                        <a:buClrTx/>
-                        <a:buSzTx/>
-                        <a:buFontTx/>
-                        <a:buNone/>
-                        <a:tabLst/>
-                        <a:defRPr/>
-                      </a:pPr>
-                      <a:r>
-                        <a:rPr lang="pt-BR" sz="1200" dirty="0"/>
-                        <a:t>Tema 3 </a:t>
-                      </a:r>
-                    </a:p>
-                    <a:p>
-                      <a:pPr algn="ctr"/>
-                      <a:endParaRPr lang="pt-BR" sz="1200" dirty="0"/>
-                    </a:p>
-                  </a:txBody>
-                  <a:tcPr/>
-                </a:tc>
-                <a:tc>
-                  <a:txBody>
-                    <a:bodyPr/>
-                    <a:lstStyle/>
-                    <a:p>
-                      <a:pPr marL="0" marR="0" lvl="0" indent="0" algn="ctr" defTabSz="914400" rtl="0" eaLnBrk="1" fontAlgn="auto" latinLnBrk="0" hangingPunct="1">
-                        <a:lnSpc>
-                          <a:spcPct val="100000"/>
-                        </a:lnSpc>
-                        <a:spcBef>
-                          <a:spcPts val="0"/>
-                        </a:spcBef>
-                        <a:spcAft>
-                          <a:spcPts val="0"/>
-                        </a:spcAft>
-                        <a:buClrTx/>
-                        <a:buSzTx/>
-                        <a:buFontTx/>
-                        <a:buNone/>
-                        <a:tabLst/>
-                        <a:defRPr/>
-                      </a:pPr>
-                      <a:r>
-                        <a:rPr lang="pt-BR" sz="1200" dirty="0"/>
-                        <a:t>Tema 4 </a:t>
-                      </a:r>
-                    </a:p>
-                    <a:p>
-                      <a:pPr algn="ctr"/>
-                      <a:endParaRPr lang="pt-BR" sz="1200" dirty="0"/>
-                    </a:p>
-                  </a:txBody>
-                  <a:tcPr/>
-                </a:tc>
-                <a:tc>
-                  <a:txBody>
-                    <a:bodyPr/>
-                    <a:lstStyle/>
-                    <a:p>
-                      <a:pPr marL="0" marR="0" lvl="0" indent="0" algn="ctr" defTabSz="914400" rtl="0" eaLnBrk="1" fontAlgn="auto" latinLnBrk="0" hangingPunct="1">
-                        <a:lnSpc>
-                          <a:spcPct val="100000"/>
-                        </a:lnSpc>
-                        <a:spcBef>
-                          <a:spcPts val="0"/>
-                        </a:spcBef>
-                        <a:spcAft>
-                          <a:spcPts val="0"/>
-                        </a:spcAft>
-                        <a:buClrTx/>
-                        <a:buSzTx/>
-                        <a:buFontTx/>
-                        <a:buNone/>
-                        <a:tabLst/>
-                        <a:defRPr/>
-                      </a:pPr>
-                      <a:r>
-                        <a:rPr lang="pt-BR" sz="1200" dirty="0"/>
-                        <a:t>Tema 5 </a:t>
-                      </a:r>
-                    </a:p>
-                    <a:p>
-                      <a:pPr algn="ctr"/>
-                      <a:endParaRPr lang="pt-BR" sz="1200" dirty="0"/>
-                    </a:p>
-                  </a:txBody>
-                  <a:tcPr/>
-                </a:tc>
-                <a:tc>
-                  <a:txBody>
-                    <a:bodyPr/>
-                    <a:lstStyle/>
-                    <a:p>
-                      <a:pPr marL="0" marR="0" lvl="0" indent="0" algn="ctr" defTabSz="914400" rtl="0" eaLnBrk="1" fontAlgn="auto" latinLnBrk="0" hangingPunct="1">
-                        <a:lnSpc>
-                          <a:spcPct val="100000"/>
-                        </a:lnSpc>
-                        <a:spcBef>
-                          <a:spcPts val="0"/>
-                        </a:spcBef>
-                        <a:spcAft>
-                          <a:spcPts val="0"/>
-                        </a:spcAft>
-                        <a:buClrTx/>
-                        <a:buSzTx/>
-                        <a:buFontTx/>
-                        <a:buNone/>
-                        <a:tabLst/>
-                        <a:defRPr/>
-                      </a:pPr>
-                      <a:r>
-                        <a:rPr lang="pt-BR" sz="1200" dirty="0"/>
-                        <a:t>Tema 6 </a:t>
-                      </a:r>
-                    </a:p>
-                    <a:p>
-                      <a:pPr algn="ctr"/>
-                      <a:endParaRPr lang="pt-BR" sz="1200" dirty="0"/>
-                    </a:p>
-                  </a:txBody>
-                  <a:tcPr/>
-                </a:tc>
-                <a:tc>
-                  <a:txBody>
-                    <a:bodyPr/>
-                    <a:lstStyle/>
-                    <a:p>
-                      <a:pPr marL="0" marR="0" lvl="0" indent="0" algn="ctr" defTabSz="914400" rtl="0" eaLnBrk="1" fontAlgn="auto" latinLnBrk="0" hangingPunct="1">
-                        <a:lnSpc>
-                          <a:spcPct val="100000"/>
-                        </a:lnSpc>
-                        <a:spcBef>
-                          <a:spcPts val="0"/>
-                        </a:spcBef>
-                        <a:spcAft>
-                          <a:spcPts val="0"/>
-                        </a:spcAft>
-                        <a:buClrTx/>
-                        <a:buSzTx/>
-                        <a:buFontTx/>
-                        <a:buNone/>
-                        <a:tabLst/>
-                        <a:defRPr/>
-                      </a:pPr>
-                      <a:r>
-                        <a:rPr lang="pt-BR" sz="1200" dirty="0"/>
-                        <a:t>Tema 7 </a:t>
-                      </a:r>
-                    </a:p>
-                    <a:p>
-                      <a:pPr algn="ctr"/>
-                      <a:endParaRPr lang="pt-BR" sz="1200" dirty="0"/>
-                    </a:p>
-                  </a:txBody>
-                  <a:tcPr/>
-                </a:tc>
-                <a:tc>
-                  <a:txBody>
-                    <a:bodyPr/>
-                    <a:lstStyle/>
-                    <a:p>
-                      <a:pPr marL="0" marR="0" lvl="0" indent="0" algn="ctr" defTabSz="914400" rtl="0" eaLnBrk="1" fontAlgn="auto" latinLnBrk="0" hangingPunct="1">
-                        <a:lnSpc>
-                          <a:spcPct val="100000"/>
-                        </a:lnSpc>
-                        <a:spcBef>
-                          <a:spcPts val="0"/>
-                        </a:spcBef>
-                        <a:spcAft>
-                          <a:spcPts val="0"/>
-                        </a:spcAft>
-                        <a:buClrTx/>
-                        <a:buSzTx/>
-                        <a:buFontTx/>
-                        <a:buNone/>
-                        <a:tabLst/>
-                        <a:defRPr/>
-                      </a:pPr>
-                      <a:r>
-                        <a:rPr lang="pt-BR" sz="1200" dirty="0"/>
-                        <a:t>Tema 8 </a:t>
-                      </a:r>
-                    </a:p>
-                    <a:p>
-                      <a:pPr algn="ctr"/>
-                      <a:endParaRPr lang="pt-BR" sz="1200" dirty="0"/>
-                    </a:p>
-                  </a:txBody>
-                  <a:tcPr/>
-                </a:tc>
-                <a:tc>
-                  <a:txBody>
-                    <a:bodyPr/>
-                    <a:lstStyle/>
-                    <a:p>
-                      <a:pPr marL="0" marR="0" lvl="0" indent="0" algn="ctr" defTabSz="914400" rtl="0" eaLnBrk="1" fontAlgn="auto" latinLnBrk="0" hangingPunct="1">
-                        <a:lnSpc>
-                          <a:spcPct val="100000"/>
-                        </a:lnSpc>
-                        <a:spcBef>
-                          <a:spcPts val="0"/>
-                        </a:spcBef>
-                        <a:spcAft>
-                          <a:spcPts val="0"/>
-                        </a:spcAft>
-                        <a:buClrTx/>
-                        <a:buSzTx/>
-                        <a:buFontTx/>
-                        <a:buNone/>
-                        <a:tabLst/>
-                        <a:defRPr/>
-                      </a:pPr>
-                      <a:r>
-                        <a:rPr lang="pt-BR" sz="1200" dirty="0"/>
-                        <a:t>Tema 9 </a:t>
-                      </a:r>
-                    </a:p>
-                    <a:p>
-                      <a:pPr algn="ctr"/>
-                      <a:endParaRPr lang="pt-BR" sz="1200" dirty="0"/>
-                    </a:p>
-                  </a:txBody>
-                  <a:tcPr/>
-                </a:tc>
-                <a:tc>
-                  <a:txBody>
-                    <a:bodyPr/>
-                    <a:lstStyle/>
-                    <a:p>
-                      <a:pPr marL="0" marR="0" lvl="0" indent="0" algn="ctr" defTabSz="914400" rtl="0" eaLnBrk="1" fontAlgn="auto" latinLnBrk="0" hangingPunct="1">
-                        <a:lnSpc>
-                          <a:spcPct val="100000"/>
-                        </a:lnSpc>
-                        <a:spcBef>
-                          <a:spcPts val="0"/>
-                        </a:spcBef>
-                        <a:spcAft>
-                          <a:spcPts val="0"/>
-                        </a:spcAft>
-                        <a:buClrTx/>
-                        <a:buSzTx/>
-                        <a:buFontTx/>
-                        <a:buNone/>
-                        <a:tabLst/>
-                        <a:defRPr/>
-                      </a:pPr>
-                      <a:r>
-                        <a:rPr lang="pt-BR" sz="1200" dirty="0"/>
-                        <a:t>Tema 10 </a:t>
-                      </a:r>
-                    </a:p>
-                    <a:p>
-                      <a:pPr algn="ctr"/>
-                      <a:endParaRPr lang="pt-BR" sz="1200" dirty="0"/>
-                    </a:p>
-                  </a:txBody>
-                  <a:tcPr/>
-                </a:tc>
-                <a:tc>
-                  <a:txBody>
-                    <a:bodyPr/>
-                    <a:lstStyle/>
-                    <a:p>
-                      <a:pPr marL="0" marR="0" lvl="0" indent="0" algn="ctr" defTabSz="914400" rtl="0" eaLnBrk="1" fontAlgn="auto" latinLnBrk="0" hangingPunct="1">
-                        <a:lnSpc>
-                          <a:spcPct val="100000"/>
-                        </a:lnSpc>
-                        <a:spcBef>
-                          <a:spcPts val="0"/>
-                        </a:spcBef>
-                        <a:spcAft>
-                          <a:spcPts val="0"/>
-                        </a:spcAft>
-                        <a:buClrTx/>
-                        <a:buSzTx/>
-                        <a:buFontTx/>
-                        <a:buNone/>
-                        <a:tabLst/>
-                        <a:defRPr/>
-                      </a:pPr>
-                      <a:r>
-                        <a:rPr lang="pt-BR" sz="1200" dirty="0"/>
-                        <a:t>Tema 11 </a:t>
-                      </a:r>
-                    </a:p>
-                    <a:p>
-                      <a:pPr algn="ctr"/>
-                      <a:endParaRPr lang="pt-BR" sz="1200" dirty="0"/>
-                    </a:p>
-                  </a:txBody>
-                  <a:tcPr/>
-                </a:tc>
-                <a:tc>
-                  <a:txBody>
-                    <a:bodyPr/>
-                    <a:lstStyle/>
-                    <a:p>
-                      <a:pPr marL="0" marR="0" lvl="0" indent="0" algn="ctr" defTabSz="914400" rtl="0" eaLnBrk="1" fontAlgn="auto" latinLnBrk="0" hangingPunct="1">
-                        <a:lnSpc>
-                          <a:spcPct val="100000"/>
-                        </a:lnSpc>
-                        <a:spcBef>
-                          <a:spcPts val="0"/>
-                        </a:spcBef>
-                        <a:spcAft>
-                          <a:spcPts val="0"/>
-                        </a:spcAft>
-                        <a:buClrTx/>
-                        <a:buSzTx/>
-                        <a:buFontTx/>
-                        <a:buNone/>
-                        <a:tabLst/>
-                        <a:defRPr/>
-                      </a:pPr>
-                      <a:r>
-                        <a:rPr lang="pt-BR" sz="1200" dirty="0"/>
-                        <a:t>Tema 12 </a:t>
-                      </a:r>
-                    </a:p>
-                    <a:p>
-                      <a:pPr algn="ctr"/>
-                      <a:endParaRPr lang="pt-BR" sz="1200" dirty="0"/>
-                    </a:p>
-                  </a:txBody>
-                  <a:tcPr/>
-                </a:tc>
-                <a:tc>
-                  <a:txBody>
-                    <a:bodyPr/>
-                    <a:lstStyle/>
-                    <a:p>
-                      <a:pPr marL="0" marR="0" lvl="0" indent="0" algn="ctr" defTabSz="914400" rtl="0" eaLnBrk="1" fontAlgn="auto" latinLnBrk="0" hangingPunct="1">
-                        <a:lnSpc>
-                          <a:spcPct val="100000"/>
-                        </a:lnSpc>
-                        <a:spcBef>
-                          <a:spcPts val="0"/>
-                        </a:spcBef>
-                        <a:spcAft>
-                          <a:spcPts val="0"/>
-                        </a:spcAft>
-                        <a:buClrTx/>
-                        <a:buSzTx/>
-                        <a:buFontTx/>
-                        <a:buNone/>
-                        <a:tabLst/>
-                        <a:defRPr/>
-                      </a:pPr>
-                      <a:r>
-                        <a:rPr lang="pt-BR" sz="1200" dirty="0"/>
-                        <a:t>Tema 13 </a:t>
-                      </a:r>
-                    </a:p>
-                  </a:txBody>
-                  <a:tcPr/>
-                </a:tc>
-                <a:tc>
-                  <a:txBody>
-                    <a:bodyPr/>
-                    <a:lstStyle/>
-                    <a:p>
-                      <a:pPr algn="ctr"/>
-                      <a:r>
-                        <a:rPr lang="pt-BR" dirty="0"/>
-                        <a:t>TOTAL</a:t>
-                      </a:r>
-                    </a:p>
-                  </a:txBody>
-                  <a:tcPr>
-                    <a:solidFill>
-                      <a:srgbClr val="056D31"/>
-                    </a:solidFill>
-                  </a:tcPr>
-                </a:tc>
-                <a:extLst>
-                  <a:ext uri="{0D108BD9-81ED-4DB2-BD59-A6C34878D82A}">
-                    <a16:rowId xmlns:a16="http://schemas.microsoft.com/office/drawing/2014/main" val="2833221975"/>
-                  </a:ext>
-                </a:extLst>
-              </a:tr>
-              <a:tr h="370840">
-                <a:tc>
-                  <a:txBody>
-                    <a:bodyPr/>
-                    <a:lstStyle/>
-                    <a:p>
-                      <a:pPr algn="ctr"/>
-                      <a:r>
-                        <a:rPr lang="pt-BR" dirty="0"/>
-                        <a:t>11111</a:t>
-                      </a:r>
-                    </a:p>
-                  </a:txBody>
-                  <a:tcPr>
-                    <a:lnL w="12700" cap="flat" cmpd="sng" algn="ctr">
-                      <a:solidFill>
-                        <a:schemeClr val="tx1"/>
-                      </a:solidFill>
-                      <a:prstDash val="solid"/>
-                      <a:round/>
-                      <a:headEnd type="none" w="med" len="med"/>
-                      <a:tailEnd type="none" w="med" len="med"/>
-                    </a:lnL>
-                    <a:lnR w="12700" cap="flat" cmpd="sng" algn="ctr">
-                      <a:solidFill>
-                        <a:schemeClr val="tx1"/>
-                      </a:solidFill>
-                      <a:prstDash val="solid"/>
-                      <a:round/>
-                      <a:headEnd type="none" w="med" len="med"/>
-                      <a:tailEnd type="none" w="med" len="med"/>
-                    </a:lnR>
-                    <a:lnT w="12700" cap="flat" cmpd="sng" algn="ctr">
-                      <a:solidFill>
-                        <a:schemeClr val="tx1"/>
-                      </a:solidFill>
-                      <a:prstDash val="solid"/>
-                      <a:round/>
-                      <a:headEnd type="none" w="med" len="med"/>
-                      <a:tailEnd type="none" w="med" len="med"/>
-                    </a:lnT>
-                    <a:lnB w="12700" cap="flat" cmpd="sng" algn="ctr">
-                      <a:solidFill>
-                        <a:schemeClr val="tx1"/>
-                      </a:solidFill>
-                      <a:prstDash val="solid"/>
-                      <a:round/>
-                      <a:headEnd type="none" w="med" len="med"/>
-                      <a:tailEnd type="none" w="med" len="med"/>
-                    </a:lnB>
-                    <a:solidFill>
-                      <a:schemeClr val="accent4">
-                        <a:lumMod val="20000"/>
-                        <a:lumOff val="80000"/>
-                      </a:schemeClr>
-                    </a:solidFill>
-                  </a:tcPr>
-                </a:tc>
-                <a:tc>
-                  <a:txBody>
-                    <a:bodyPr/>
-                    <a:lstStyle/>
-                    <a:p>
-                      <a:pPr algn="ctr"/>
-                      <a:r>
-                        <a:rPr lang="pt-BR" dirty="0"/>
-                        <a:t>1</a:t>
-                      </a:r>
-                    </a:p>
-                  </a:txBody>
-                  <a:tcPr>
-                    <a:lnL w="12700" cap="flat" cmpd="sng" algn="ctr">
-                      <a:solidFill>
-                        <a:schemeClr val="tx1"/>
-                      </a:solidFill>
-                      <a:prstDash val="solid"/>
-                      <a:round/>
-                      <a:headEnd type="none" w="med" len="med"/>
-                      <a:tailEnd type="none" w="med" len="med"/>
-                    </a:lnL>
-                  </a:tcPr>
-                </a:tc>
-                <a:tc>
-                  <a:txBody>
-                    <a:bodyPr/>
-                    <a:lstStyle/>
-                    <a:p>
-                      <a:pPr algn="ctr"/>
-                      <a:endParaRPr lang="pt-BR" dirty="0"/>
-                    </a:p>
-                  </a:txBody>
-                  <a:tcPr/>
-                </a:tc>
-                <a:tc>
-                  <a:txBody>
-                    <a:bodyPr/>
-                    <a:lstStyle/>
-                    <a:p>
-                      <a:pPr algn="ctr"/>
-                      <a:endParaRPr lang="pt-BR" dirty="0"/>
-                    </a:p>
-                  </a:txBody>
-                  <a:tcPr/>
-                </a:tc>
-                <a:tc>
-                  <a:txBody>
-                    <a:bodyPr/>
-                    <a:lstStyle/>
-                    <a:p>
-                      <a:pPr algn="ctr"/>
-                      <a:r>
-                        <a:rPr lang="pt-BR" dirty="0"/>
-                        <a:t>1</a:t>
-                      </a:r>
-                    </a:p>
-                  </a:txBody>
-                  <a:tcPr/>
-                </a:tc>
-                <a:tc>
-                  <a:txBody>
-                    <a:bodyPr/>
-                    <a:lstStyle/>
-                    <a:p>
-                      <a:pPr algn="ctr"/>
-                      <a:endParaRPr lang="pt-BR"/>
-                    </a:p>
-                  </a:txBody>
-                  <a:tcPr/>
-                </a:tc>
-                <a:tc>
-                  <a:txBody>
-                    <a:bodyPr/>
-                    <a:lstStyle/>
-                    <a:p>
-                      <a:pPr algn="ctr"/>
-                      <a:endParaRPr lang="pt-BR"/>
-                    </a:p>
-                  </a:txBody>
-                  <a:tcPr/>
-                </a:tc>
-                <a:tc>
-                  <a:txBody>
-                    <a:bodyPr/>
-                    <a:lstStyle/>
-                    <a:p>
-                      <a:pPr algn="ctr"/>
-                      <a:endParaRPr lang="pt-BR"/>
-                    </a:p>
-                  </a:txBody>
-                  <a:tcPr/>
-                </a:tc>
-                <a:tc>
-                  <a:txBody>
-                    <a:bodyPr/>
-                    <a:lstStyle/>
-                    <a:p>
-                      <a:pPr algn="ctr"/>
-                      <a:endParaRPr lang="pt-BR" dirty="0"/>
-                    </a:p>
-                  </a:txBody>
-                  <a:tcPr/>
-                </a:tc>
-                <a:tc>
-                  <a:txBody>
-                    <a:bodyPr/>
-                    <a:lstStyle/>
-                    <a:p>
-                      <a:pPr algn="ctr"/>
-                      <a:endParaRPr lang="pt-BR" dirty="0"/>
-                    </a:p>
-                  </a:txBody>
-                  <a:tcPr/>
-                </a:tc>
-                <a:tc>
-                  <a:txBody>
-                    <a:bodyPr/>
-                    <a:lstStyle/>
-                    <a:p>
-                      <a:pPr algn="ctr"/>
-                      <a:endParaRPr lang="pt-BR" dirty="0"/>
-                    </a:p>
-                  </a:txBody>
-                  <a:tcPr/>
-                </a:tc>
-                <a:tc>
-                  <a:txBody>
-                    <a:bodyPr/>
-                    <a:lstStyle/>
-                    <a:p>
-                      <a:pPr algn="ctr"/>
-                      <a:endParaRPr lang="pt-BR" dirty="0"/>
-                    </a:p>
-                  </a:txBody>
-                  <a:tcPr/>
-                </a:tc>
-                <a:tc>
-                  <a:txBody>
-                    <a:bodyPr/>
-                    <a:lstStyle/>
-                    <a:p>
-                      <a:pPr algn="ctr"/>
-                      <a:endParaRPr lang="pt-BR" dirty="0"/>
-                    </a:p>
-                  </a:txBody>
-                  <a:tcPr/>
-                </a:tc>
-                <a:tc>
-                  <a:txBody>
-                    <a:bodyPr/>
-                    <a:lstStyle/>
-                    <a:p>
-                      <a:pPr algn="ctr"/>
-                      <a:endParaRPr lang="pt-BR" dirty="0"/>
-                    </a:p>
-                  </a:txBody>
-                  <a:tcPr/>
-                </a:tc>
-                <a:tc>
-                  <a:txBody>
-                    <a:bodyPr/>
-                    <a:lstStyle/>
-                    <a:p>
-                      <a:pPr algn="ctr"/>
-                      <a:r>
-                        <a:rPr lang="pt-BR" dirty="0"/>
-                        <a:t>2</a:t>
-                      </a:r>
-                    </a:p>
-                  </a:txBody>
-                  <a:tcPr>
-                    <a:solidFill>
-                      <a:schemeClr val="accent6">
-                        <a:lumMod val="20000"/>
-                        <a:lumOff val="80000"/>
-                      </a:schemeClr>
-                    </a:solidFill>
-                  </a:tcPr>
-                </a:tc>
-                <a:extLst>
-                  <a:ext uri="{0D108BD9-81ED-4DB2-BD59-A6C34878D82A}">
-                    <a16:rowId xmlns:a16="http://schemas.microsoft.com/office/drawing/2014/main" val="1181623631"/>
-                  </a:ext>
-                </a:extLst>
-              </a:tr>
-              <a:tr h="370840">
-                <a:tc>
-                  <a:txBody>
-                    <a:bodyPr/>
-                    <a:lstStyle/>
-                    <a:p>
-                      <a:pPr algn="ctr"/>
-                      <a:r>
-                        <a:rPr lang="pt-BR" dirty="0"/>
-                        <a:t>22222</a:t>
-                      </a:r>
-                    </a:p>
-                  </a:txBody>
-                  <a:tcPr>
-                    <a:lnL w="12700" cap="flat" cmpd="sng" algn="ctr">
-                      <a:solidFill>
-                        <a:schemeClr val="tx1"/>
-                      </a:solidFill>
-                      <a:prstDash val="solid"/>
-                      <a:round/>
-                      <a:headEnd type="none" w="med" len="med"/>
-                      <a:tailEnd type="none" w="med" len="med"/>
-                    </a:lnL>
-                    <a:lnR w="12700" cap="flat" cmpd="sng" algn="ctr">
-                      <a:solidFill>
-                        <a:schemeClr val="tx1"/>
-                      </a:solidFill>
-                      <a:prstDash val="solid"/>
-                      <a:round/>
-                      <a:headEnd type="none" w="med" len="med"/>
-                      <a:tailEnd type="none" w="med" len="med"/>
-                    </a:lnR>
-                    <a:lnT w="12700" cap="flat" cmpd="sng" algn="ctr">
-                      <a:solidFill>
-                        <a:schemeClr val="tx1"/>
-                      </a:solidFill>
-                      <a:prstDash val="solid"/>
-                      <a:round/>
-                      <a:headEnd type="none" w="med" len="med"/>
-                      <a:tailEnd type="none" w="med" len="med"/>
-                    </a:lnT>
-                    <a:lnB w="12700" cap="flat" cmpd="sng" algn="ctr">
-                      <a:solidFill>
-                        <a:schemeClr val="tx1"/>
-                      </a:solidFill>
-                      <a:prstDash val="solid"/>
-                      <a:round/>
-                      <a:headEnd type="none" w="med" len="med"/>
-                      <a:tailEnd type="none" w="med" len="med"/>
-                    </a:lnB>
-                    <a:solidFill>
-                      <a:schemeClr val="accent4">
-                        <a:lumMod val="20000"/>
-                        <a:lumOff val="80000"/>
-                      </a:schemeClr>
-                    </a:solidFill>
-                  </a:tcPr>
-                </a:tc>
-                <a:tc>
-                  <a:txBody>
-                    <a:bodyPr/>
-                    <a:lstStyle/>
-                    <a:p>
-                      <a:pPr algn="ctr"/>
-                      <a:endParaRPr lang="pt-BR"/>
-                    </a:p>
-                  </a:txBody>
-                  <a:tcPr>
-                    <a:lnL w="12700" cap="flat" cmpd="sng" algn="ctr">
-                      <a:solidFill>
-                        <a:schemeClr val="tx1"/>
-                      </a:solidFill>
-                      <a:prstDash val="solid"/>
-                      <a:round/>
-                      <a:headEnd type="none" w="med" len="med"/>
-                      <a:tailEnd type="none" w="med" len="med"/>
-                    </a:lnL>
-                  </a:tcPr>
-                </a:tc>
-                <a:tc>
-                  <a:txBody>
-                    <a:bodyPr/>
-                    <a:lstStyle/>
-                    <a:p>
-                      <a:pPr algn="ctr"/>
-                      <a:endParaRPr lang="pt-BR"/>
-                    </a:p>
-                  </a:txBody>
-                  <a:tcPr/>
-                </a:tc>
-                <a:tc>
-                  <a:txBody>
-                    <a:bodyPr/>
-                    <a:lstStyle/>
-                    <a:p>
-                      <a:pPr algn="ctr"/>
-                      <a:endParaRPr lang="pt-BR"/>
-                    </a:p>
-                  </a:txBody>
-                  <a:tcPr/>
-                </a:tc>
-                <a:tc>
-                  <a:txBody>
-                    <a:bodyPr/>
-                    <a:lstStyle/>
-                    <a:p>
-                      <a:pPr algn="ctr"/>
-                      <a:endParaRPr lang="pt-BR" dirty="0"/>
-                    </a:p>
-                  </a:txBody>
-                  <a:tcPr/>
-                </a:tc>
-                <a:tc>
-                  <a:txBody>
-                    <a:bodyPr/>
-                    <a:lstStyle/>
-                    <a:p>
-                      <a:pPr algn="ctr"/>
-                      <a:r>
-                        <a:rPr lang="pt-BR" dirty="0"/>
-                        <a:t>1</a:t>
-                      </a:r>
-                    </a:p>
-                  </a:txBody>
-                  <a:tcPr/>
-                </a:tc>
-                <a:tc>
-                  <a:txBody>
-                    <a:bodyPr/>
-                    <a:lstStyle/>
-                    <a:p>
-                      <a:pPr algn="ctr"/>
-                      <a:r>
-                        <a:rPr lang="pt-BR" dirty="0"/>
-                        <a:t>1</a:t>
-                      </a:r>
-                    </a:p>
-                  </a:txBody>
-                  <a:tcPr/>
-                </a:tc>
-                <a:tc>
-                  <a:txBody>
-                    <a:bodyPr/>
-                    <a:lstStyle/>
-                    <a:p>
-                      <a:pPr algn="ctr"/>
-                      <a:endParaRPr lang="pt-BR" dirty="0"/>
-                    </a:p>
-                  </a:txBody>
-                  <a:tcPr/>
-                </a:tc>
-                <a:tc>
-                  <a:txBody>
-                    <a:bodyPr/>
-                    <a:lstStyle/>
-                    <a:p>
-                      <a:pPr algn="ctr"/>
-                      <a:endParaRPr lang="pt-BR" dirty="0"/>
-                    </a:p>
-                  </a:txBody>
-                  <a:tcPr/>
-                </a:tc>
-                <a:tc>
-                  <a:txBody>
-                    <a:bodyPr/>
-                    <a:lstStyle/>
-                    <a:p>
-                      <a:pPr algn="ctr"/>
-                      <a:endParaRPr lang="pt-BR"/>
-                    </a:p>
-                  </a:txBody>
-                  <a:tcPr/>
-                </a:tc>
-                <a:tc>
-                  <a:txBody>
-                    <a:bodyPr/>
-                    <a:lstStyle/>
-                    <a:p>
-                      <a:pPr algn="ctr"/>
-                      <a:endParaRPr lang="pt-BR"/>
-                    </a:p>
-                  </a:txBody>
-                  <a:tcPr/>
-                </a:tc>
-                <a:tc>
-                  <a:txBody>
-                    <a:bodyPr/>
-                    <a:lstStyle/>
-                    <a:p>
-                      <a:pPr algn="ctr"/>
-                      <a:endParaRPr lang="pt-BR"/>
-                    </a:p>
-                  </a:txBody>
-                  <a:tcPr/>
-                </a:tc>
-                <a:tc>
-                  <a:txBody>
-                    <a:bodyPr/>
-                    <a:lstStyle/>
-                    <a:p>
-                      <a:pPr algn="ctr"/>
-                      <a:endParaRPr lang="pt-BR"/>
-                    </a:p>
-                  </a:txBody>
-                  <a:tcPr/>
-                </a:tc>
-                <a:tc>
-                  <a:txBody>
-                    <a:bodyPr/>
-                    <a:lstStyle/>
-                    <a:p>
-                      <a:pPr algn="ctr"/>
-                      <a:endParaRPr lang="pt-BR"/>
-                    </a:p>
-                  </a:txBody>
-                  <a:tcPr/>
-                </a:tc>
-                <a:tc>
-                  <a:txBody>
-                    <a:bodyPr/>
-                    <a:lstStyle/>
-                    <a:p>
-                      <a:pPr algn="ctr"/>
-                      <a:r>
-                        <a:rPr lang="pt-BR" dirty="0"/>
-                        <a:t>2</a:t>
-                      </a:r>
-                    </a:p>
-                  </a:txBody>
-                  <a:tcPr>
-                    <a:solidFill>
-                      <a:schemeClr val="accent6">
-                        <a:lumMod val="20000"/>
-                        <a:lumOff val="80000"/>
-                      </a:schemeClr>
-                    </a:solidFill>
-                  </a:tcPr>
-                </a:tc>
-                <a:extLst>
-                  <a:ext uri="{0D108BD9-81ED-4DB2-BD59-A6C34878D82A}">
-                    <a16:rowId xmlns:a16="http://schemas.microsoft.com/office/drawing/2014/main" val="2847522057"/>
-                  </a:ext>
-                </a:extLst>
-              </a:tr>
-              <a:tr h="370840">
-                <a:tc>
-                  <a:txBody>
-                    <a:bodyPr/>
-                    <a:lstStyle/>
-                    <a:p>
-                      <a:pPr algn="ctr"/>
-                      <a:r>
-                        <a:rPr lang="pt-BR" dirty="0"/>
-                        <a:t>33333</a:t>
-                      </a:r>
-                    </a:p>
-                  </a:txBody>
-                  <a:tcPr>
-                    <a:lnL w="12700" cap="flat" cmpd="sng" algn="ctr">
-                      <a:solidFill>
-                        <a:schemeClr val="tx1"/>
-                      </a:solidFill>
-                      <a:prstDash val="solid"/>
-                      <a:round/>
-                      <a:headEnd type="none" w="med" len="med"/>
-                      <a:tailEnd type="none" w="med" len="med"/>
-                    </a:lnL>
-                    <a:lnR w="12700" cap="flat" cmpd="sng" algn="ctr">
-                      <a:solidFill>
-                        <a:schemeClr val="tx1"/>
-                      </a:solidFill>
-                      <a:prstDash val="solid"/>
-                      <a:round/>
-                      <a:headEnd type="none" w="med" len="med"/>
-                      <a:tailEnd type="none" w="med" len="med"/>
-                    </a:lnR>
-                    <a:lnT w="12700" cap="flat" cmpd="sng" algn="ctr">
-                      <a:solidFill>
-                        <a:schemeClr val="tx1"/>
-                      </a:solidFill>
-                      <a:prstDash val="solid"/>
-                      <a:round/>
-                      <a:headEnd type="none" w="med" len="med"/>
-                      <a:tailEnd type="none" w="med" len="med"/>
-                    </a:lnT>
-                    <a:lnB w="12700" cap="flat" cmpd="sng" algn="ctr">
-                      <a:solidFill>
-                        <a:schemeClr val="tx1"/>
-                      </a:solidFill>
-                      <a:prstDash val="solid"/>
-                      <a:round/>
-                      <a:headEnd type="none" w="med" len="med"/>
-                      <a:tailEnd type="none" w="med" len="med"/>
-                    </a:lnB>
-                    <a:solidFill>
-                      <a:schemeClr val="accent4">
-                        <a:lumMod val="20000"/>
-                        <a:lumOff val="80000"/>
-                      </a:schemeClr>
-                    </a:solidFill>
-                  </a:tcPr>
-                </a:tc>
-                <a:tc>
-                  <a:txBody>
-                    <a:bodyPr/>
-                    <a:lstStyle/>
-                    <a:p>
-                      <a:pPr algn="ctr"/>
-                      <a:endParaRPr lang="pt-BR"/>
-                    </a:p>
-                  </a:txBody>
-                  <a:tcPr>
-                    <a:lnL w="12700" cap="flat" cmpd="sng" algn="ctr">
-                      <a:solidFill>
-                        <a:schemeClr val="tx1"/>
-                      </a:solidFill>
-                      <a:prstDash val="solid"/>
-                      <a:round/>
-                      <a:headEnd type="none" w="med" len="med"/>
-                      <a:tailEnd type="none" w="med" len="med"/>
-                    </a:lnL>
-                  </a:tcPr>
-                </a:tc>
-                <a:tc>
-                  <a:txBody>
-                    <a:bodyPr/>
-                    <a:lstStyle/>
-                    <a:p>
-                      <a:pPr algn="ctr"/>
-                      <a:endParaRPr lang="pt-BR"/>
-                    </a:p>
-                  </a:txBody>
-                  <a:tcPr/>
-                </a:tc>
-                <a:tc>
-                  <a:txBody>
-                    <a:bodyPr/>
-                    <a:lstStyle/>
-                    <a:p>
-                      <a:pPr algn="ctr"/>
-                      <a:endParaRPr lang="pt-BR"/>
-                    </a:p>
-                  </a:txBody>
-                  <a:tcPr/>
-                </a:tc>
-                <a:tc>
-                  <a:txBody>
-                    <a:bodyPr/>
-                    <a:lstStyle/>
-                    <a:p>
-                      <a:pPr algn="ctr"/>
-                      <a:endParaRPr lang="pt-BR"/>
-                    </a:p>
-                  </a:txBody>
-                  <a:tcPr/>
-                </a:tc>
-                <a:tc>
-                  <a:txBody>
-                    <a:bodyPr/>
-                    <a:lstStyle/>
-                    <a:p>
-                      <a:pPr algn="ctr"/>
-                      <a:endParaRPr lang="pt-BR"/>
-                    </a:p>
-                  </a:txBody>
-                  <a:tcPr/>
-                </a:tc>
-                <a:tc>
-                  <a:txBody>
-                    <a:bodyPr/>
-                    <a:lstStyle/>
-                    <a:p>
-                      <a:pPr algn="ctr"/>
-                      <a:endParaRPr lang="pt-BR"/>
-                    </a:p>
-                  </a:txBody>
-                  <a:tcPr/>
-                </a:tc>
-                <a:tc>
-                  <a:txBody>
-                    <a:bodyPr/>
-                    <a:lstStyle/>
-                    <a:p>
-                      <a:pPr algn="ctr"/>
-                      <a:r>
-                        <a:rPr lang="pt-BR" dirty="0"/>
-                        <a:t>1</a:t>
-                      </a:r>
-                    </a:p>
-                  </a:txBody>
-                  <a:tcPr/>
-                </a:tc>
-                <a:tc>
-                  <a:txBody>
-                    <a:bodyPr/>
-                    <a:lstStyle/>
-                    <a:p>
-                      <a:pPr algn="ctr"/>
-                      <a:endParaRPr lang="pt-BR" dirty="0"/>
-                    </a:p>
-                  </a:txBody>
-                  <a:tcPr/>
-                </a:tc>
-                <a:tc>
-                  <a:txBody>
-                    <a:bodyPr/>
-                    <a:lstStyle/>
-                    <a:p>
-                      <a:pPr algn="ctr"/>
-                      <a:r>
-                        <a:rPr lang="pt-BR" dirty="0"/>
-                        <a:t>1</a:t>
-                      </a:r>
-                    </a:p>
-                  </a:txBody>
-                  <a:tcPr/>
-                </a:tc>
-                <a:tc>
-                  <a:txBody>
-                    <a:bodyPr/>
-                    <a:lstStyle/>
-                    <a:p>
-                      <a:pPr algn="ctr"/>
-                      <a:endParaRPr lang="pt-BR" dirty="0"/>
-                    </a:p>
-                  </a:txBody>
-                  <a:tcPr/>
-                </a:tc>
-                <a:tc>
-                  <a:txBody>
-                    <a:bodyPr/>
-                    <a:lstStyle/>
-                    <a:p>
-                      <a:pPr algn="ctr"/>
-                      <a:r>
-                        <a:rPr lang="pt-BR" dirty="0"/>
-                        <a:t>1</a:t>
-                      </a:r>
-                    </a:p>
-                  </a:txBody>
-                  <a:tcPr/>
-                </a:tc>
-                <a:tc>
-                  <a:txBody>
-                    <a:bodyPr/>
-                    <a:lstStyle/>
-                    <a:p>
-                      <a:pPr algn="ctr"/>
-                      <a:endParaRPr lang="pt-BR"/>
-                    </a:p>
-                  </a:txBody>
-                  <a:tcPr/>
-                </a:tc>
-                <a:tc>
-                  <a:txBody>
-                    <a:bodyPr/>
-                    <a:lstStyle/>
-                    <a:p>
-                      <a:pPr algn="ctr"/>
-                      <a:endParaRPr lang="pt-BR"/>
-                    </a:p>
-                  </a:txBody>
-                  <a:tcPr/>
-                </a:tc>
-                <a:tc>
-                  <a:txBody>
-                    <a:bodyPr/>
-                    <a:lstStyle/>
-                    <a:p>
-                      <a:pPr algn="ctr"/>
-                      <a:r>
-                        <a:rPr lang="pt-BR" dirty="0"/>
-                        <a:t>3</a:t>
-                      </a:r>
-                    </a:p>
-                  </a:txBody>
-                  <a:tcPr>
-                    <a:solidFill>
-                      <a:schemeClr val="accent6">
-                        <a:lumMod val="20000"/>
-                        <a:lumOff val="80000"/>
-                      </a:schemeClr>
-                    </a:solidFill>
-                  </a:tcPr>
-                </a:tc>
-                <a:extLst>
-                  <a:ext uri="{0D108BD9-81ED-4DB2-BD59-A6C34878D82A}">
-                    <a16:rowId xmlns:a16="http://schemas.microsoft.com/office/drawing/2014/main" val="360418724"/>
-                  </a:ext>
-                </a:extLst>
-              </a:tr>
-              <a:tr h="370840">
-                <a:tc>
-                  <a:txBody>
-                    <a:bodyPr/>
-                    <a:lstStyle/>
-                    <a:p>
-                      <a:pPr algn="ctr"/>
-                      <a:r>
-                        <a:rPr lang="pt-BR" dirty="0"/>
-                        <a:t>44444</a:t>
-                      </a:r>
-                    </a:p>
-                  </a:txBody>
-                  <a:tcPr>
-                    <a:lnL w="12700" cap="flat" cmpd="sng" algn="ctr">
-                      <a:solidFill>
-                        <a:schemeClr val="tx1"/>
-                      </a:solidFill>
-                      <a:prstDash val="solid"/>
-                      <a:round/>
-                      <a:headEnd type="none" w="med" len="med"/>
-                      <a:tailEnd type="none" w="med" len="med"/>
-                    </a:lnL>
-                    <a:lnR w="12700" cap="flat" cmpd="sng" algn="ctr">
-                      <a:solidFill>
-                        <a:schemeClr val="tx1"/>
-                      </a:solidFill>
-                      <a:prstDash val="solid"/>
-                      <a:round/>
-                      <a:headEnd type="none" w="med" len="med"/>
-                      <a:tailEnd type="none" w="med" len="med"/>
-                    </a:lnR>
-                    <a:lnT w="12700" cap="flat" cmpd="sng" algn="ctr">
-                      <a:solidFill>
-                        <a:schemeClr val="tx1"/>
-                      </a:solidFill>
-                      <a:prstDash val="solid"/>
-                      <a:round/>
-                      <a:headEnd type="none" w="med" len="med"/>
-                      <a:tailEnd type="none" w="med" len="med"/>
-                    </a:lnT>
-                    <a:lnB w="12700" cap="flat" cmpd="sng" algn="ctr">
-                      <a:solidFill>
-                        <a:schemeClr val="tx1"/>
-                      </a:solidFill>
-                      <a:prstDash val="solid"/>
-                      <a:round/>
-                      <a:headEnd type="none" w="med" len="med"/>
-                      <a:tailEnd type="none" w="med" len="med"/>
-                    </a:lnB>
-                    <a:solidFill>
-                      <a:schemeClr val="accent4">
-                        <a:lumMod val="20000"/>
-                        <a:lumOff val="80000"/>
-                      </a:schemeClr>
-                    </a:solidFill>
-                  </a:tcPr>
-                </a:tc>
-                <a:tc>
-                  <a:txBody>
-                    <a:bodyPr/>
-                    <a:lstStyle/>
-                    <a:p>
-                      <a:pPr algn="ctr"/>
-                      <a:endParaRPr lang="pt-BR"/>
-                    </a:p>
-                  </a:txBody>
-                  <a:tcPr>
-                    <a:lnL w="12700" cap="flat" cmpd="sng" algn="ctr">
-                      <a:solidFill>
-                        <a:schemeClr val="tx1"/>
-                      </a:solidFill>
-                      <a:prstDash val="solid"/>
-                      <a:round/>
-                      <a:headEnd type="none" w="med" len="med"/>
-                      <a:tailEnd type="none" w="med" len="med"/>
-                    </a:lnL>
-                  </a:tcPr>
-                </a:tc>
-                <a:tc>
-                  <a:txBody>
-                    <a:bodyPr/>
-                    <a:lstStyle/>
-                    <a:p>
-                      <a:pPr algn="ctr"/>
-                      <a:r>
-                        <a:rPr lang="pt-BR" dirty="0"/>
-                        <a:t>1</a:t>
-                      </a:r>
-                    </a:p>
-                  </a:txBody>
-                  <a:tcPr/>
-                </a:tc>
-                <a:tc>
-                  <a:txBody>
-                    <a:bodyPr/>
-                    <a:lstStyle/>
-                    <a:p>
-                      <a:pPr algn="ctr"/>
-                      <a:r>
-                        <a:rPr lang="pt-BR" dirty="0"/>
-                        <a:t>1</a:t>
-                      </a:r>
-                    </a:p>
-                  </a:txBody>
-                  <a:tcPr/>
-                </a:tc>
-                <a:tc>
-                  <a:txBody>
-                    <a:bodyPr/>
-                    <a:lstStyle/>
-                    <a:p>
-                      <a:pPr algn="ctr"/>
-                      <a:endParaRPr lang="pt-BR" dirty="0"/>
-                    </a:p>
-                  </a:txBody>
-                  <a:tcPr/>
-                </a:tc>
-                <a:tc>
-                  <a:txBody>
-                    <a:bodyPr/>
-                    <a:lstStyle/>
-                    <a:p>
-                      <a:pPr algn="ctr"/>
-                      <a:endParaRPr lang="pt-BR" dirty="0"/>
-                    </a:p>
-                  </a:txBody>
-                  <a:tcPr/>
-                </a:tc>
-                <a:tc>
-                  <a:txBody>
-                    <a:bodyPr/>
-                    <a:lstStyle/>
-                    <a:p>
-                      <a:pPr algn="ctr"/>
-                      <a:endParaRPr lang="pt-BR" dirty="0"/>
-                    </a:p>
-                  </a:txBody>
-                  <a:tcPr/>
-                </a:tc>
-                <a:tc>
-                  <a:txBody>
-                    <a:bodyPr/>
-                    <a:lstStyle/>
-                    <a:p>
-                      <a:pPr algn="ctr"/>
-                      <a:endParaRPr lang="pt-BR" dirty="0"/>
-                    </a:p>
-                  </a:txBody>
-                  <a:tcPr/>
-                </a:tc>
-                <a:tc>
-                  <a:txBody>
-                    <a:bodyPr/>
-                    <a:lstStyle/>
-                    <a:p>
-                      <a:pPr algn="ctr"/>
-                      <a:r>
-                        <a:rPr lang="pt-BR" dirty="0"/>
-                        <a:t>1</a:t>
-                      </a:r>
-                    </a:p>
-                  </a:txBody>
-                  <a:tcPr/>
-                </a:tc>
-                <a:tc>
-                  <a:txBody>
-                    <a:bodyPr/>
-                    <a:lstStyle/>
-                    <a:p>
-                      <a:pPr algn="ctr"/>
-                      <a:endParaRPr lang="pt-BR" dirty="0"/>
-                    </a:p>
-                  </a:txBody>
-                  <a:tcPr/>
-                </a:tc>
-                <a:tc>
-                  <a:txBody>
-                    <a:bodyPr/>
-                    <a:lstStyle/>
-                    <a:p>
-                      <a:pPr algn="ctr"/>
-                      <a:r>
-                        <a:rPr lang="pt-BR" dirty="0"/>
-                        <a:t>1</a:t>
-                      </a:r>
-                    </a:p>
-                  </a:txBody>
-                  <a:tcPr/>
-                </a:tc>
-                <a:tc>
-                  <a:txBody>
-                    <a:bodyPr/>
-                    <a:lstStyle/>
-                    <a:p>
-                      <a:pPr algn="ctr"/>
-                      <a:endParaRPr lang="pt-BR" dirty="0"/>
-                    </a:p>
-                  </a:txBody>
-                  <a:tcPr/>
-                </a:tc>
-                <a:tc>
-                  <a:txBody>
-                    <a:bodyPr/>
-                    <a:lstStyle/>
-                    <a:p>
-                      <a:pPr algn="ctr"/>
-                      <a:r>
-                        <a:rPr lang="pt-BR" dirty="0"/>
-                        <a:t>1</a:t>
-                      </a:r>
-                    </a:p>
-                  </a:txBody>
-                  <a:tcPr/>
-                </a:tc>
-                <a:tc>
-                  <a:txBody>
-                    <a:bodyPr/>
-                    <a:lstStyle/>
-                    <a:p>
-                      <a:pPr algn="ctr"/>
-                      <a:r>
-                        <a:rPr lang="pt-BR" dirty="0"/>
-                        <a:t>1</a:t>
-                      </a:r>
-                    </a:p>
-                  </a:txBody>
-                  <a:tcPr/>
-                </a:tc>
-                <a:tc>
-                  <a:txBody>
-                    <a:bodyPr/>
-                    <a:lstStyle/>
-                    <a:p>
-                      <a:pPr algn="ctr"/>
-                      <a:r>
-                        <a:rPr lang="pt-BR" dirty="0"/>
-                        <a:t>6</a:t>
-                      </a:r>
-                    </a:p>
-                  </a:txBody>
-                  <a:tcPr>
-                    <a:solidFill>
-                      <a:schemeClr val="accent6">
-                        <a:lumMod val="20000"/>
-                        <a:lumOff val="80000"/>
-                      </a:schemeClr>
-                    </a:solidFill>
-                  </a:tcPr>
-                </a:tc>
-                <a:extLst>
-                  <a:ext uri="{0D108BD9-81ED-4DB2-BD59-A6C34878D82A}">
-                    <a16:rowId xmlns:a16="http://schemas.microsoft.com/office/drawing/2014/main" val="2765496003"/>
-                  </a:ext>
-                </a:extLst>
-              </a:tr>
-            </a:tbl>
-          </a:graphicData>
-        </a:graphic>
-      </p:graphicFrame>
+        </p:nvSpPr>
+        <p:spPr/>
+        <p:txBody>
+          <a:bodyPr/>
+          <a:lstStyle/>
+          <a:p>
+            <a:endParaRPr lang="pt-BR"/>
+          </a:p>
+        </p:txBody>
+      </p:sp>
+      <p:pic>
+        <p:nvPicPr>
+          <p:cNvPr id="7" name="Imagem 6">
+            <a:extLst>
+              <a:ext uri="{FF2B5EF4-FFF2-40B4-BE49-F238E27FC236}">
+                <a16:creationId xmlns:a16="http://schemas.microsoft.com/office/drawing/2014/main" id="{F38F3997-D99E-6E9D-5D04-284351F34A0C}"/>
+              </a:ext>
+            </a:extLst>
+          </p:cNvPr>
+          <p:cNvPicPr>
+            <a:picLocks noChangeAspect="1"/>
+          </p:cNvPicPr>
+          <p:nvPr/>
+        </p:nvPicPr>
+        <p:blipFill rotWithShape="1">
+          <a:blip r:embed="rId2"/>
+          <a:srcRect l="17174" t="30715" r="38913" b="18519"/>
+          <a:stretch/>
+        </p:blipFill>
+        <p:spPr>
+          <a:xfrm>
+            <a:off x="290732" y="1271115"/>
+            <a:ext cx="11610536" cy="4754879"/>
+          </a:xfrm>
+          <a:prstGeom prst="rect">
+            <a:avLst/>
+          </a:prstGeom>
+        </p:spPr>
+      </p:pic>
     </p:spTree>
     <p:extLst>
       <p:ext uri="{BB962C8B-B14F-4D97-AF65-F5344CB8AC3E}">
@@ -11294,7 +7396,7 @@
                             </p:stCondLst>
                             <p:childTnLst>
                               <p:par>
-                                <p:cTn id="5" presetID="1" presetClass="entr" presetSubtype="0" fill="hold" nodeType="clickEffect">
+                                <p:cTn id="5" presetID="1" presetClass="entr" presetSubtype="0" fill="hold" grpId="0" nodeType="clickEffect">
                                   <p:stCondLst>
                                     <p:cond delay="0"/>
                                   </p:stCondLst>
@@ -11307,7 +7409,61 @@
                                           </p:stCondLst>
                                         </p:cTn>
                                         <p:tgtEl>
-                                          <p:spTgt spid="4"/>
+                                          <p:spTgt spid="2"/>
+                                        </p:tgtEl>
+                                        <p:attrNameLst>
+                                          <p:attrName>style.visibility</p:attrName>
+                                        </p:attrNameLst>
+                                      </p:cBhvr>
+                                      <p:to>
+                                        <p:strVal val="visible"/>
+                                      </p:to>
+                                    </p:set>
+                                  </p:childTnLst>
+                                </p:cTn>
+                              </p:par>
+                            </p:childTnLst>
+                          </p:cTn>
+                        </p:par>
+                      </p:childTnLst>
+                    </p:cTn>
+                  </p:par>
+                  <p:par>
+                    <p:cTn id="7" fill="hold">
+                      <p:stCondLst>
+                        <p:cond delay="indefinite"/>
+                      </p:stCondLst>
+                      <p:childTnLst>
+                        <p:par>
+                          <p:cTn id="8" fill="hold">
+                            <p:stCondLst>
+                              <p:cond delay="0"/>
+                            </p:stCondLst>
+                            <p:childTnLst>
+                              <p:par>
+                                <p:cTn id="9" presetID="1" presetClass="entr" presetSubtype="0" fill="hold" grpId="0" nodeType="clickEffect" nodePh="1">
+                                  <p:stCondLst>
+                                    <p:cond delay="0"/>
+                                  </p:stCondLst>
+                                  <p:endCondLst>
+                                    <p:cond evt="begin" delay="0">
+                                      <p:tn val="9"/>
+                                    </p:cond>
+                                  </p:endCondLst>
+                                  <p:childTnLst>
+                                    <p:set>
+                                      <p:cBhvr>
+                                        <p:cTn id="10" dur="1" fill="hold">
+                                          <p:stCondLst>
+                                            <p:cond delay="0"/>
+                                          </p:stCondLst>
+                                        </p:cTn>
+                                        <p:tgtEl>
+                                          <p:spTgt spid="5">
+                                            <p:txEl>
+                                              <p:pRg st="0" end="0"/>
+                                            </p:txEl>
+                                          </p:spTgt>
                                         </p:tgtEl>
                                         <p:attrNameLst>
                                           <p:attrName>style.visibility</p:attrName>
@@ -11347,3227 +7503,15 @@
         </p:cTn>
       </p:par>
     </p:tnLst>
+    <p:bldLst>
+      <p:bldP spid="2" grpId="0"/>
+      <p:bldP spid="5" grpId="0" build="p"/>
+    </p:bldLst>
   </p:timing>
 </p:sld>
 </file>
 
 <file path=ppt/slides/slide11.xml><?xml version="1.0" encoding="utf-8"?>
-<p:sld xmlns:a="http://schemas.openxmlformats.org/drawingml/2006/main" xmlns:r="http://schemas.openxmlformats.org/officeDocument/2006/relationships" xmlns:p="http://schemas.openxmlformats.org/presentationml/2006/main">
-  <p:cSld>
-    <p:spTree>
-      <p:nvGrpSpPr>
-        <p:cNvPr id="1" name=""/>
-        <p:cNvGrpSpPr/>
-        <p:nvPr/>
-      </p:nvGrpSpPr>
-      <p:grpSpPr>
-        <a:xfrm>
-          <a:off x="0" y="0"/>
-          <a:ext cx="0" cy="0"/>
-          <a:chOff x="0" y="0"/>
-          <a:chExt cx="0" cy="0"/>
-        </a:xfrm>
-      </p:grpSpPr>
-      <p:sp>
-        <p:nvSpPr>
-          <p:cNvPr id="2" name="Título 1">
-            <a:extLst>
-              <a:ext uri="{FF2B5EF4-FFF2-40B4-BE49-F238E27FC236}">
-                <a16:creationId xmlns:a16="http://schemas.microsoft.com/office/drawing/2014/main" id="{390FEACD-2662-52B8-9DDA-A268FE9E0E07}"/>
-              </a:ext>
-            </a:extLst>
-          </p:cNvPr>
-          <p:cNvSpPr>
-            <a:spLocks noGrp="1"/>
-          </p:cNvSpPr>
-          <p:nvPr>
-            <p:ph type="title"/>
-          </p:nvPr>
-        </p:nvSpPr>
-        <p:spPr/>
-        <p:txBody>
-          <a:bodyPr/>
-          <a:lstStyle/>
-          <a:p>
-            <a:r>
-              <a:rPr lang="pt-BR" dirty="0"/>
-              <a:t>Sugestão de Cronograma Geral por Quadrimestre  </a:t>
-            </a:r>
-          </a:p>
-        </p:txBody>
-      </p:sp>
-      <p:graphicFrame>
-        <p:nvGraphicFramePr>
-          <p:cNvPr id="4" name="Tabela 4">
-            <a:extLst>
-              <a:ext uri="{FF2B5EF4-FFF2-40B4-BE49-F238E27FC236}">
-                <a16:creationId xmlns:a16="http://schemas.microsoft.com/office/drawing/2014/main" id="{DBB47EA7-3873-72CF-0C10-7C58926E22C4}"/>
-              </a:ext>
-            </a:extLst>
-          </p:cNvPr>
-          <p:cNvGraphicFramePr>
-            <a:graphicFrameLocks noGrp="1"/>
-          </p:cNvGraphicFramePr>
-          <p:nvPr>
-            <p:ph idx="1"/>
-            <p:extLst>
-              <p:ext uri="{D42A27DB-BD31-4B8C-83A1-F6EECF244321}">
-                <p14:modId xmlns:p14="http://schemas.microsoft.com/office/powerpoint/2010/main" val="1563993011"/>
-              </p:ext>
-            </p:extLst>
-          </p:nvPr>
-        </p:nvGraphicFramePr>
-        <p:xfrm>
-          <a:off x="274638" y="1271588"/>
-          <a:ext cx="11626845" cy="1940560"/>
-        </p:xfrm>
-        <a:graphic>
-          <a:graphicData uri="http://schemas.openxmlformats.org/drawingml/2006/table">
-            <a:tbl>
-              <a:tblPr firstRow="1" bandRow="1">
-                <a:tableStyleId>{5C22544A-7EE6-4342-B048-85BDC9FD1C3A}</a:tableStyleId>
-              </a:tblPr>
-              <a:tblGrid>
-                <a:gridCol w="775123">
-                  <a:extLst>
-                    <a:ext uri="{9D8B030D-6E8A-4147-A177-3AD203B41FA5}">
-                      <a16:colId xmlns:a16="http://schemas.microsoft.com/office/drawing/2014/main" val="2478741890"/>
-                    </a:ext>
-                  </a:extLst>
-                </a:gridCol>
-                <a:gridCol w="775123">
-                  <a:extLst>
-                    <a:ext uri="{9D8B030D-6E8A-4147-A177-3AD203B41FA5}">
-                      <a16:colId xmlns:a16="http://schemas.microsoft.com/office/drawing/2014/main" val="2063970886"/>
-                    </a:ext>
-                  </a:extLst>
-                </a:gridCol>
-                <a:gridCol w="775123">
-                  <a:extLst>
-                    <a:ext uri="{9D8B030D-6E8A-4147-A177-3AD203B41FA5}">
-                      <a16:colId xmlns:a16="http://schemas.microsoft.com/office/drawing/2014/main" val="1260197228"/>
-                    </a:ext>
-                  </a:extLst>
-                </a:gridCol>
-                <a:gridCol w="775123">
-                  <a:extLst>
-                    <a:ext uri="{9D8B030D-6E8A-4147-A177-3AD203B41FA5}">
-                      <a16:colId xmlns:a16="http://schemas.microsoft.com/office/drawing/2014/main" val="3151102929"/>
-                    </a:ext>
-                  </a:extLst>
-                </a:gridCol>
-                <a:gridCol w="775123">
-                  <a:extLst>
-                    <a:ext uri="{9D8B030D-6E8A-4147-A177-3AD203B41FA5}">
-                      <a16:colId xmlns:a16="http://schemas.microsoft.com/office/drawing/2014/main" val="2187324423"/>
-                    </a:ext>
-                  </a:extLst>
-                </a:gridCol>
-                <a:gridCol w="775123">
-                  <a:extLst>
-                    <a:ext uri="{9D8B030D-6E8A-4147-A177-3AD203B41FA5}">
-                      <a16:colId xmlns:a16="http://schemas.microsoft.com/office/drawing/2014/main" val="3011517189"/>
-                    </a:ext>
-                  </a:extLst>
-                </a:gridCol>
-                <a:gridCol w="775123">
-                  <a:extLst>
-                    <a:ext uri="{9D8B030D-6E8A-4147-A177-3AD203B41FA5}">
-                      <a16:colId xmlns:a16="http://schemas.microsoft.com/office/drawing/2014/main" val="2151661742"/>
-                    </a:ext>
-                  </a:extLst>
-                </a:gridCol>
-                <a:gridCol w="775123">
-                  <a:extLst>
-                    <a:ext uri="{9D8B030D-6E8A-4147-A177-3AD203B41FA5}">
-                      <a16:colId xmlns:a16="http://schemas.microsoft.com/office/drawing/2014/main" val="2686567516"/>
-                    </a:ext>
-                  </a:extLst>
-                </a:gridCol>
-                <a:gridCol w="775123">
-                  <a:extLst>
-                    <a:ext uri="{9D8B030D-6E8A-4147-A177-3AD203B41FA5}">
-                      <a16:colId xmlns:a16="http://schemas.microsoft.com/office/drawing/2014/main" val="639755042"/>
-                    </a:ext>
-                  </a:extLst>
-                </a:gridCol>
-                <a:gridCol w="775123">
-                  <a:extLst>
-                    <a:ext uri="{9D8B030D-6E8A-4147-A177-3AD203B41FA5}">
-                      <a16:colId xmlns:a16="http://schemas.microsoft.com/office/drawing/2014/main" val="1403127346"/>
-                    </a:ext>
-                  </a:extLst>
-                </a:gridCol>
-                <a:gridCol w="775123">
-                  <a:extLst>
-                    <a:ext uri="{9D8B030D-6E8A-4147-A177-3AD203B41FA5}">
-                      <a16:colId xmlns:a16="http://schemas.microsoft.com/office/drawing/2014/main" val="1728055935"/>
-                    </a:ext>
-                  </a:extLst>
-                </a:gridCol>
-                <a:gridCol w="775123">
-                  <a:extLst>
-                    <a:ext uri="{9D8B030D-6E8A-4147-A177-3AD203B41FA5}">
-                      <a16:colId xmlns:a16="http://schemas.microsoft.com/office/drawing/2014/main" val="4095836886"/>
-                    </a:ext>
-                  </a:extLst>
-                </a:gridCol>
-                <a:gridCol w="775123">
-                  <a:extLst>
-                    <a:ext uri="{9D8B030D-6E8A-4147-A177-3AD203B41FA5}">
-                      <a16:colId xmlns:a16="http://schemas.microsoft.com/office/drawing/2014/main" val="3974629827"/>
-                    </a:ext>
-                  </a:extLst>
-                </a:gridCol>
-                <a:gridCol w="775123">
-                  <a:extLst>
-                    <a:ext uri="{9D8B030D-6E8A-4147-A177-3AD203B41FA5}">
-                      <a16:colId xmlns:a16="http://schemas.microsoft.com/office/drawing/2014/main" val="1009291869"/>
-                    </a:ext>
-                  </a:extLst>
-                </a:gridCol>
-                <a:gridCol w="775123">
-                  <a:extLst>
-                    <a:ext uri="{9D8B030D-6E8A-4147-A177-3AD203B41FA5}">
-                      <a16:colId xmlns:a16="http://schemas.microsoft.com/office/drawing/2014/main" val="1958390207"/>
-                    </a:ext>
-                  </a:extLst>
-                </a:gridCol>
-              </a:tblGrid>
-              <a:tr h="370840">
-                <a:tc>
-                  <a:txBody>
-                    <a:bodyPr/>
-                    <a:lstStyle/>
-                    <a:p>
-                      <a:pPr algn="ctr"/>
-                      <a:r>
-                        <a:rPr lang="pt-BR" dirty="0"/>
-                        <a:t>MÊS</a:t>
-                      </a:r>
-                    </a:p>
-                  </a:txBody>
-                  <a:tcPr>
-                    <a:lnL w="12700" cap="flat" cmpd="sng" algn="ctr">
-                      <a:solidFill>
-                        <a:schemeClr val="tx1"/>
-                      </a:solidFill>
-                      <a:prstDash val="solid"/>
-                      <a:round/>
-                      <a:headEnd type="none" w="med" len="med"/>
-                      <a:tailEnd type="none" w="med" len="med"/>
-                    </a:lnL>
-                    <a:lnR w="12700" cap="flat" cmpd="sng" algn="ctr">
-                      <a:solidFill>
-                        <a:schemeClr val="tx1"/>
-                      </a:solidFill>
-                      <a:prstDash val="solid"/>
-                      <a:round/>
-                      <a:headEnd type="none" w="med" len="med"/>
-                      <a:tailEnd type="none" w="med" len="med"/>
-                    </a:lnR>
-                    <a:lnT w="12700" cap="flat" cmpd="sng" algn="ctr">
-                      <a:solidFill>
-                        <a:schemeClr val="tx1"/>
-                      </a:solidFill>
-                      <a:prstDash val="solid"/>
-                      <a:round/>
-                      <a:headEnd type="none" w="med" len="med"/>
-                      <a:tailEnd type="none" w="med" len="med"/>
-                    </a:lnT>
-                    <a:lnB w="12700" cap="flat" cmpd="sng" algn="ctr">
-                      <a:solidFill>
-                        <a:schemeClr val="tx1"/>
-                      </a:solidFill>
-                      <a:prstDash val="solid"/>
-                      <a:round/>
-                      <a:headEnd type="none" w="med" len="med"/>
-                      <a:tailEnd type="none" w="med" len="med"/>
-                    </a:lnB>
-                    <a:solidFill>
-                      <a:srgbClr val="FFD803"/>
-                    </a:solidFill>
-                  </a:tcPr>
-                </a:tc>
-                <a:tc>
-                  <a:txBody>
-                    <a:bodyPr/>
-                    <a:lstStyle/>
-                    <a:p>
-                      <a:pPr algn="ctr"/>
-                      <a:r>
-                        <a:rPr lang="pt-BR" sz="1200" dirty="0"/>
-                        <a:t>Tema 1 </a:t>
-                      </a:r>
-                    </a:p>
-                  </a:txBody>
-                  <a:tcPr>
-                    <a:lnL w="12700" cap="flat" cmpd="sng" algn="ctr">
-                      <a:solidFill>
-                        <a:schemeClr val="tx1"/>
-                      </a:solidFill>
-                      <a:prstDash val="solid"/>
-                      <a:round/>
-                      <a:headEnd type="none" w="med" len="med"/>
-                      <a:tailEnd type="none" w="med" len="med"/>
-                    </a:lnL>
-                  </a:tcPr>
-                </a:tc>
-                <a:tc>
-                  <a:txBody>
-                    <a:bodyPr/>
-                    <a:lstStyle/>
-                    <a:p>
-                      <a:pPr marL="0" marR="0" lvl="0" indent="0" algn="ctr" defTabSz="914400" rtl="0" eaLnBrk="1" fontAlgn="auto" latinLnBrk="0" hangingPunct="1">
-                        <a:lnSpc>
-                          <a:spcPct val="100000"/>
-                        </a:lnSpc>
-                        <a:spcBef>
-                          <a:spcPts val="0"/>
-                        </a:spcBef>
-                        <a:spcAft>
-                          <a:spcPts val="0"/>
-                        </a:spcAft>
-                        <a:buClrTx/>
-                        <a:buSzTx/>
-                        <a:buFontTx/>
-                        <a:buNone/>
-                        <a:tabLst/>
-                        <a:defRPr/>
-                      </a:pPr>
-                      <a:r>
-                        <a:rPr lang="pt-BR" sz="1200" dirty="0"/>
-                        <a:t>Tema 2</a:t>
-                      </a:r>
-                    </a:p>
-                    <a:p>
-                      <a:pPr algn="ctr"/>
-                      <a:endParaRPr lang="pt-BR" sz="1200" dirty="0"/>
-                    </a:p>
-                  </a:txBody>
-                  <a:tcPr/>
-                </a:tc>
-                <a:tc>
-                  <a:txBody>
-                    <a:bodyPr/>
-                    <a:lstStyle/>
-                    <a:p>
-                      <a:pPr marL="0" marR="0" lvl="0" indent="0" algn="ctr" defTabSz="914400" rtl="0" eaLnBrk="1" fontAlgn="auto" latinLnBrk="0" hangingPunct="1">
-                        <a:lnSpc>
-                          <a:spcPct val="100000"/>
-                        </a:lnSpc>
-                        <a:spcBef>
-                          <a:spcPts val="0"/>
-                        </a:spcBef>
-                        <a:spcAft>
-                          <a:spcPts val="0"/>
-                        </a:spcAft>
-                        <a:buClrTx/>
-                        <a:buSzTx/>
-                        <a:buFontTx/>
-                        <a:buNone/>
-                        <a:tabLst/>
-                        <a:defRPr/>
-                      </a:pPr>
-                      <a:r>
-                        <a:rPr lang="pt-BR" sz="1200" dirty="0"/>
-                        <a:t>Tema 3 </a:t>
-                      </a:r>
-                    </a:p>
-                    <a:p>
-                      <a:pPr algn="ctr"/>
-                      <a:endParaRPr lang="pt-BR" sz="1200" dirty="0"/>
-                    </a:p>
-                  </a:txBody>
-                  <a:tcPr/>
-                </a:tc>
-                <a:tc>
-                  <a:txBody>
-                    <a:bodyPr/>
-                    <a:lstStyle/>
-                    <a:p>
-                      <a:pPr marL="0" marR="0" lvl="0" indent="0" algn="ctr" defTabSz="914400" rtl="0" eaLnBrk="1" fontAlgn="auto" latinLnBrk="0" hangingPunct="1">
-                        <a:lnSpc>
-                          <a:spcPct val="100000"/>
-                        </a:lnSpc>
-                        <a:spcBef>
-                          <a:spcPts val="0"/>
-                        </a:spcBef>
-                        <a:spcAft>
-                          <a:spcPts val="0"/>
-                        </a:spcAft>
-                        <a:buClrTx/>
-                        <a:buSzTx/>
-                        <a:buFontTx/>
-                        <a:buNone/>
-                        <a:tabLst/>
-                        <a:defRPr/>
-                      </a:pPr>
-                      <a:r>
-                        <a:rPr lang="pt-BR" sz="1200" dirty="0"/>
-                        <a:t>Tema 4 </a:t>
-                      </a:r>
-                    </a:p>
-                    <a:p>
-                      <a:pPr algn="ctr"/>
-                      <a:endParaRPr lang="pt-BR" sz="1200" dirty="0"/>
-                    </a:p>
-                  </a:txBody>
-                  <a:tcPr/>
-                </a:tc>
-                <a:tc>
-                  <a:txBody>
-                    <a:bodyPr/>
-                    <a:lstStyle/>
-                    <a:p>
-                      <a:pPr marL="0" marR="0" lvl="0" indent="0" algn="ctr" defTabSz="914400" rtl="0" eaLnBrk="1" fontAlgn="auto" latinLnBrk="0" hangingPunct="1">
-                        <a:lnSpc>
-                          <a:spcPct val="100000"/>
-                        </a:lnSpc>
-                        <a:spcBef>
-                          <a:spcPts val="0"/>
-                        </a:spcBef>
-                        <a:spcAft>
-                          <a:spcPts val="0"/>
-                        </a:spcAft>
-                        <a:buClrTx/>
-                        <a:buSzTx/>
-                        <a:buFontTx/>
-                        <a:buNone/>
-                        <a:tabLst/>
-                        <a:defRPr/>
-                      </a:pPr>
-                      <a:r>
-                        <a:rPr lang="pt-BR" sz="1200" dirty="0"/>
-                        <a:t>Tema 5 </a:t>
-                      </a:r>
-                    </a:p>
-                    <a:p>
-                      <a:pPr algn="ctr"/>
-                      <a:endParaRPr lang="pt-BR" sz="1200" dirty="0"/>
-                    </a:p>
-                  </a:txBody>
-                  <a:tcPr/>
-                </a:tc>
-                <a:tc>
-                  <a:txBody>
-                    <a:bodyPr/>
-                    <a:lstStyle/>
-                    <a:p>
-                      <a:pPr marL="0" marR="0" lvl="0" indent="0" algn="ctr" defTabSz="914400" rtl="0" eaLnBrk="1" fontAlgn="auto" latinLnBrk="0" hangingPunct="1">
-                        <a:lnSpc>
-                          <a:spcPct val="100000"/>
-                        </a:lnSpc>
-                        <a:spcBef>
-                          <a:spcPts val="0"/>
-                        </a:spcBef>
-                        <a:spcAft>
-                          <a:spcPts val="0"/>
-                        </a:spcAft>
-                        <a:buClrTx/>
-                        <a:buSzTx/>
-                        <a:buFontTx/>
-                        <a:buNone/>
-                        <a:tabLst/>
-                        <a:defRPr/>
-                      </a:pPr>
-                      <a:r>
-                        <a:rPr lang="pt-BR" sz="1200" dirty="0"/>
-                        <a:t>Tema 6 </a:t>
-                      </a:r>
-                    </a:p>
-                    <a:p>
-                      <a:pPr algn="ctr"/>
-                      <a:endParaRPr lang="pt-BR" sz="1200" dirty="0"/>
-                    </a:p>
-                  </a:txBody>
-                  <a:tcPr/>
-                </a:tc>
-                <a:tc>
-                  <a:txBody>
-                    <a:bodyPr/>
-                    <a:lstStyle/>
-                    <a:p>
-                      <a:pPr marL="0" marR="0" lvl="0" indent="0" algn="ctr" defTabSz="914400" rtl="0" eaLnBrk="1" fontAlgn="auto" latinLnBrk="0" hangingPunct="1">
-                        <a:lnSpc>
-                          <a:spcPct val="100000"/>
-                        </a:lnSpc>
-                        <a:spcBef>
-                          <a:spcPts val="0"/>
-                        </a:spcBef>
-                        <a:spcAft>
-                          <a:spcPts val="0"/>
-                        </a:spcAft>
-                        <a:buClrTx/>
-                        <a:buSzTx/>
-                        <a:buFontTx/>
-                        <a:buNone/>
-                        <a:tabLst/>
-                        <a:defRPr/>
-                      </a:pPr>
-                      <a:r>
-                        <a:rPr lang="pt-BR" sz="1200" dirty="0"/>
-                        <a:t>Tema 7 </a:t>
-                      </a:r>
-                    </a:p>
-                    <a:p>
-                      <a:pPr algn="ctr"/>
-                      <a:endParaRPr lang="pt-BR" sz="1200" dirty="0"/>
-                    </a:p>
-                  </a:txBody>
-                  <a:tcPr/>
-                </a:tc>
-                <a:tc>
-                  <a:txBody>
-                    <a:bodyPr/>
-                    <a:lstStyle/>
-                    <a:p>
-                      <a:pPr marL="0" marR="0" lvl="0" indent="0" algn="ctr" defTabSz="914400" rtl="0" eaLnBrk="1" fontAlgn="auto" latinLnBrk="0" hangingPunct="1">
-                        <a:lnSpc>
-                          <a:spcPct val="100000"/>
-                        </a:lnSpc>
-                        <a:spcBef>
-                          <a:spcPts val="0"/>
-                        </a:spcBef>
-                        <a:spcAft>
-                          <a:spcPts val="0"/>
-                        </a:spcAft>
-                        <a:buClrTx/>
-                        <a:buSzTx/>
-                        <a:buFontTx/>
-                        <a:buNone/>
-                        <a:tabLst/>
-                        <a:defRPr/>
-                      </a:pPr>
-                      <a:r>
-                        <a:rPr lang="pt-BR" sz="1200" dirty="0"/>
-                        <a:t>Tema 8 </a:t>
-                      </a:r>
-                    </a:p>
-                    <a:p>
-                      <a:pPr algn="ctr"/>
-                      <a:endParaRPr lang="pt-BR" sz="1200" dirty="0"/>
-                    </a:p>
-                  </a:txBody>
-                  <a:tcPr/>
-                </a:tc>
-                <a:tc>
-                  <a:txBody>
-                    <a:bodyPr/>
-                    <a:lstStyle/>
-                    <a:p>
-                      <a:pPr marL="0" marR="0" lvl="0" indent="0" algn="ctr" defTabSz="914400" rtl="0" eaLnBrk="1" fontAlgn="auto" latinLnBrk="0" hangingPunct="1">
-                        <a:lnSpc>
-                          <a:spcPct val="100000"/>
-                        </a:lnSpc>
-                        <a:spcBef>
-                          <a:spcPts val="0"/>
-                        </a:spcBef>
-                        <a:spcAft>
-                          <a:spcPts val="0"/>
-                        </a:spcAft>
-                        <a:buClrTx/>
-                        <a:buSzTx/>
-                        <a:buFontTx/>
-                        <a:buNone/>
-                        <a:tabLst/>
-                        <a:defRPr/>
-                      </a:pPr>
-                      <a:r>
-                        <a:rPr lang="pt-BR" sz="1200" dirty="0"/>
-                        <a:t>Tema 9 </a:t>
-                      </a:r>
-                    </a:p>
-                    <a:p>
-                      <a:pPr algn="ctr"/>
-                      <a:endParaRPr lang="pt-BR" sz="1200" dirty="0"/>
-                    </a:p>
-                  </a:txBody>
-                  <a:tcPr/>
-                </a:tc>
-                <a:tc>
-                  <a:txBody>
-                    <a:bodyPr/>
-                    <a:lstStyle/>
-                    <a:p>
-                      <a:pPr marL="0" marR="0" lvl="0" indent="0" algn="ctr" defTabSz="914400" rtl="0" eaLnBrk="1" fontAlgn="auto" latinLnBrk="0" hangingPunct="1">
-                        <a:lnSpc>
-                          <a:spcPct val="100000"/>
-                        </a:lnSpc>
-                        <a:spcBef>
-                          <a:spcPts val="0"/>
-                        </a:spcBef>
-                        <a:spcAft>
-                          <a:spcPts val="0"/>
-                        </a:spcAft>
-                        <a:buClrTx/>
-                        <a:buSzTx/>
-                        <a:buFontTx/>
-                        <a:buNone/>
-                        <a:tabLst/>
-                        <a:defRPr/>
-                      </a:pPr>
-                      <a:r>
-                        <a:rPr lang="pt-BR" sz="1200" dirty="0"/>
-                        <a:t>Tema 10 </a:t>
-                      </a:r>
-                    </a:p>
-                    <a:p>
-                      <a:pPr algn="ctr"/>
-                      <a:endParaRPr lang="pt-BR" sz="1200" dirty="0"/>
-                    </a:p>
-                  </a:txBody>
-                  <a:tcPr/>
-                </a:tc>
-                <a:tc>
-                  <a:txBody>
-                    <a:bodyPr/>
-                    <a:lstStyle/>
-                    <a:p>
-                      <a:pPr marL="0" marR="0" lvl="0" indent="0" algn="ctr" defTabSz="914400" rtl="0" eaLnBrk="1" fontAlgn="auto" latinLnBrk="0" hangingPunct="1">
-                        <a:lnSpc>
-                          <a:spcPct val="100000"/>
-                        </a:lnSpc>
-                        <a:spcBef>
-                          <a:spcPts val="0"/>
-                        </a:spcBef>
-                        <a:spcAft>
-                          <a:spcPts val="0"/>
-                        </a:spcAft>
-                        <a:buClrTx/>
-                        <a:buSzTx/>
-                        <a:buFontTx/>
-                        <a:buNone/>
-                        <a:tabLst/>
-                        <a:defRPr/>
-                      </a:pPr>
-                      <a:r>
-                        <a:rPr lang="pt-BR" sz="1200" dirty="0"/>
-                        <a:t>Tema 11 </a:t>
-                      </a:r>
-                    </a:p>
-                    <a:p>
-                      <a:pPr algn="ctr"/>
-                      <a:endParaRPr lang="pt-BR" sz="1200" dirty="0"/>
-                    </a:p>
-                  </a:txBody>
-                  <a:tcPr/>
-                </a:tc>
-                <a:tc>
-                  <a:txBody>
-                    <a:bodyPr/>
-                    <a:lstStyle/>
-                    <a:p>
-                      <a:pPr marL="0" marR="0" lvl="0" indent="0" algn="ctr" defTabSz="914400" rtl="0" eaLnBrk="1" fontAlgn="auto" latinLnBrk="0" hangingPunct="1">
-                        <a:lnSpc>
-                          <a:spcPct val="100000"/>
-                        </a:lnSpc>
-                        <a:spcBef>
-                          <a:spcPts val="0"/>
-                        </a:spcBef>
-                        <a:spcAft>
-                          <a:spcPts val="0"/>
-                        </a:spcAft>
-                        <a:buClrTx/>
-                        <a:buSzTx/>
-                        <a:buFontTx/>
-                        <a:buNone/>
-                        <a:tabLst/>
-                        <a:defRPr/>
-                      </a:pPr>
-                      <a:r>
-                        <a:rPr lang="pt-BR" sz="1200" dirty="0"/>
-                        <a:t>Tema 12 </a:t>
-                      </a:r>
-                    </a:p>
-                    <a:p>
-                      <a:pPr algn="ctr"/>
-                      <a:endParaRPr lang="pt-BR" sz="1200" dirty="0"/>
-                    </a:p>
-                  </a:txBody>
-                  <a:tcPr/>
-                </a:tc>
-                <a:tc>
-                  <a:txBody>
-                    <a:bodyPr/>
-                    <a:lstStyle/>
-                    <a:p>
-                      <a:pPr marL="0" marR="0" lvl="0" indent="0" algn="ctr" defTabSz="914400" rtl="0" eaLnBrk="1" fontAlgn="auto" latinLnBrk="0" hangingPunct="1">
-                        <a:lnSpc>
-                          <a:spcPct val="100000"/>
-                        </a:lnSpc>
-                        <a:spcBef>
-                          <a:spcPts val="0"/>
-                        </a:spcBef>
-                        <a:spcAft>
-                          <a:spcPts val="0"/>
-                        </a:spcAft>
-                        <a:buClrTx/>
-                        <a:buSzTx/>
-                        <a:buFontTx/>
-                        <a:buNone/>
-                        <a:tabLst/>
-                        <a:defRPr/>
-                      </a:pPr>
-                      <a:r>
-                        <a:rPr lang="pt-BR" sz="1200" dirty="0"/>
-                        <a:t>Tema 13 </a:t>
-                      </a:r>
-                    </a:p>
-                  </a:txBody>
-                  <a:tcPr/>
-                </a:tc>
-                <a:tc>
-                  <a:txBody>
-                    <a:bodyPr/>
-                    <a:lstStyle/>
-                    <a:p>
-                      <a:pPr algn="ctr"/>
-                      <a:r>
-                        <a:rPr lang="pt-BR" dirty="0"/>
-                        <a:t>TOTAL</a:t>
-                      </a:r>
-                    </a:p>
-                  </a:txBody>
-                  <a:tcPr>
-                    <a:solidFill>
-                      <a:srgbClr val="056D31"/>
-                    </a:solidFill>
-                  </a:tcPr>
-                </a:tc>
-                <a:extLst>
-                  <a:ext uri="{0D108BD9-81ED-4DB2-BD59-A6C34878D82A}">
-                    <a16:rowId xmlns:a16="http://schemas.microsoft.com/office/drawing/2014/main" val="2833221975"/>
-                  </a:ext>
-                </a:extLst>
-              </a:tr>
-              <a:tr h="370840">
-                <a:tc>
-                  <a:txBody>
-                    <a:bodyPr/>
-                    <a:lstStyle/>
-                    <a:p>
-                      <a:pPr algn="ctr"/>
-                      <a:r>
-                        <a:rPr lang="pt-BR" dirty="0"/>
-                        <a:t>MAI</a:t>
-                      </a:r>
-                    </a:p>
-                  </a:txBody>
-                  <a:tcPr>
-                    <a:lnL w="12700" cap="flat" cmpd="sng" algn="ctr">
-                      <a:solidFill>
-                        <a:schemeClr val="tx1"/>
-                      </a:solidFill>
-                      <a:prstDash val="solid"/>
-                      <a:round/>
-                      <a:headEnd type="none" w="med" len="med"/>
-                      <a:tailEnd type="none" w="med" len="med"/>
-                    </a:lnL>
-                    <a:lnR w="12700" cap="flat" cmpd="sng" algn="ctr">
-                      <a:solidFill>
-                        <a:schemeClr val="tx1"/>
-                      </a:solidFill>
-                      <a:prstDash val="solid"/>
-                      <a:round/>
-                      <a:headEnd type="none" w="med" len="med"/>
-                      <a:tailEnd type="none" w="med" len="med"/>
-                    </a:lnR>
-                    <a:lnT w="12700" cap="flat" cmpd="sng" algn="ctr">
-                      <a:solidFill>
-                        <a:schemeClr val="tx1"/>
-                      </a:solidFill>
-                      <a:prstDash val="solid"/>
-                      <a:round/>
-                      <a:headEnd type="none" w="med" len="med"/>
-                      <a:tailEnd type="none" w="med" len="med"/>
-                    </a:lnT>
-                    <a:lnB w="12700" cap="flat" cmpd="sng" algn="ctr">
-                      <a:solidFill>
-                        <a:schemeClr val="tx1"/>
-                      </a:solidFill>
-                      <a:prstDash val="solid"/>
-                      <a:round/>
-                      <a:headEnd type="none" w="med" len="med"/>
-                      <a:tailEnd type="none" w="med" len="med"/>
-                    </a:lnB>
-                    <a:solidFill>
-                      <a:schemeClr val="accent4">
-                        <a:lumMod val="20000"/>
-                        <a:lumOff val="80000"/>
-                      </a:schemeClr>
-                    </a:solidFill>
-                  </a:tcPr>
-                </a:tc>
-                <a:tc>
-                  <a:txBody>
-                    <a:bodyPr/>
-                    <a:lstStyle/>
-                    <a:p>
-                      <a:pPr algn="ctr"/>
-                      <a:r>
-                        <a:rPr lang="pt-BR" dirty="0"/>
-                        <a:t>1</a:t>
-                      </a:r>
-                    </a:p>
-                  </a:txBody>
-                  <a:tcPr>
-                    <a:lnL w="12700" cap="flat" cmpd="sng" algn="ctr">
-                      <a:solidFill>
-                        <a:schemeClr val="tx1"/>
-                      </a:solidFill>
-                      <a:prstDash val="solid"/>
-                      <a:round/>
-                      <a:headEnd type="none" w="med" len="med"/>
-                      <a:tailEnd type="none" w="med" len="med"/>
-                    </a:lnL>
-                  </a:tcPr>
-                </a:tc>
-                <a:tc>
-                  <a:txBody>
-                    <a:bodyPr/>
-                    <a:lstStyle/>
-                    <a:p>
-                      <a:pPr algn="ctr"/>
-                      <a:endParaRPr lang="pt-BR" dirty="0"/>
-                    </a:p>
-                  </a:txBody>
-                  <a:tcPr/>
-                </a:tc>
-                <a:tc>
-                  <a:txBody>
-                    <a:bodyPr/>
-                    <a:lstStyle/>
-                    <a:p>
-                      <a:pPr algn="ctr"/>
-                      <a:endParaRPr lang="pt-BR" dirty="0"/>
-                    </a:p>
-                  </a:txBody>
-                  <a:tcPr/>
-                </a:tc>
-                <a:tc>
-                  <a:txBody>
-                    <a:bodyPr/>
-                    <a:lstStyle/>
-                    <a:p>
-                      <a:pPr algn="ctr"/>
-                      <a:r>
-                        <a:rPr lang="pt-BR" dirty="0"/>
-                        <a:t>1</a:t>
-                      </a:r>
-                    </a:p>
-                  </a:txBody>
-                  <a:tcPr/>
-                </a:tc>
-                <a:tc>
-                  <a:txBody>
-                    <a:bodyPr/>
-                    <a:lstStyle/>
-                    <a:p>
-                      <a:pPr algn="ctr"/>
-                      <a:endParaRPr lang="pt-BR"/>
-                    </a:p>
-                  </a:txBody>
-                  <a:tcPr/>
-                </a:tc>
-                <a:tc>
-                  <a:txBody>
-                    <a:bodyPr/>
-                    <a:lstStyle/>
-                    <a:p>
-                      <a:pPr algn="ctr"/>
-                      <a:endParaRPr lang="pt-BR"/>
-                    </a:p>
-                  </a:txBody>
-                  <a:tcPr/>
-                </a:tc>
-                <a:tc>
-                  <a:txBody>
-                    <a:bodyPr/>
-                    <a:lstStyle/>
-                    <a:p>
-                      <a:pPr algn="ctr"/>
-                      <a:endParaRPr lang="pt-BR"/>
-                    </a:p>
-                  </a:txBody>
-                  <a:tcPr/>
-                </a:tc>
-                <a:tc>
-                  <a:txBody>
-                    <a:bodyPr/>
-                    <a:lstStyle/>
-                    <a:p>
-                      <a:pPr algn="ctr"/>
-                      <a:endParaRPr lang="pt-BR" dirty="0"/>
-                    </a:p>
-                  </a:txBody>
-                  <a:tcPr/>
-                </a:tc>
-                <a:tc>
-                  <a:txBody>
-                    <a:bodyPr/>
-                    <a:lstStyle/>
-                    <a:p>
-                      <a:pPr algn="ctr"/>
-                      <a:endParaRPr lang="pt-BR" dirty="0"/>
-                    </a:p>
-                  </a:txBody>
-                  <a:tcPr/>
-                </a:tc>
-                <a:tc>
-                  <a:txBody>
-                    <a:bodyPr/>
-                    <a:lstStyle/>
-                    <a:p>
-                      <a:pPr algn="ctr"/>
-                      <a:endParaRPr lang="pt-BR" dirty="0"/>
-                    </a:p>
-                  </a:txBody>
-                  <a:tcPr/>
-                </a:tc>
-                <a:tc>
-                  <a:txBody>
-                    <a:bodyPr/>
-                    <a:lstStyle/>
-                    <a:p>
-                      <a:pPr algn="ctr"/>
-                      <a:endParaRPr lang="pt-BR" dirty="0"/>
-                    </a:p>
-                  </a:txBody>
-                  <a:tcPr/>
-                </a:tc>
-                <a:tc>
-                  <a:txBody>
-                    <a:bodyPr/>
-                    <a:lstStyle/>
-                    <a:p>
-                      <a:pPr algn="ctr"/>
-                      <a:endParaRPr lang="pt-BR" dirty="0"/>
-                    </a:p>
-                  </a:txBody>
-                  <a:tcPr/>
-                </a:tc>
-                <a:tc>
-                  <a:txBody>
-                    <a:bodyPr/>
-                    <a:lstStyle/>
-                    <a:p>
-                      <a:pPr algn="ctr"/>
-                      <a:endParaRPr lang="pt-BR" dirty="0"/>
-                    </a:p>
-                  </a:txBody>
-                  <a:tcPr/>
-                </a:tc>
-                <a:tc>
-                  <a:txBody>
-                    <a:bodyPr/>
-                    <a:lstStyle/>
-                    <a:p>
-                      <a:pPr algn="ctr"/>
-                      <a:r>
-                        <a:rPr lang="pt-BR" dirty="0"/>
-                        <a:t>2</a:t>
-                      </a:r>
-                    </a:p>
-                  </a:txBody>
-                  <a:tcPr>
-                    <a:solidFill>
-                      <a:schemeClr val="accent6">
-                        <a:lumMod val="20000"/>
-                        <a:lumOff val="80000"/>
-                      </a:schemeClr>
-                    </a:solidFill>
-                  </a:tcPr>
-                </a:tc>
-                <a:extLst>
-                  <a:ext uri="{0D108BD9-81ED-4DB2-BD59-A6C34878D82A}">
-                    <a16:rowId xmlns:a16="http://schemas.microsoft.com/office/drawing/2014/main" val="1181623631"/>
-                  </a:ext>
-                </a:extLst>
-              </a:tr>
-              <a:tr h="370840">
-                <a:tc>
-                  <a:txBody>
-                    <a:bodyPr/>
-                    <a:lstStyle/>
-                    <a:p>
-                      <a:pPr algn="ctr"/>
-                      <a:r>
-                        <a:rPr lang="pt-BR" dirty="0"/>
-                        <a:t>JUN</a:t>
-                      </a:r>
-                    </a:p>
-                  </a:txBody>
-                  <a:tcPr>
-                    <a:lnL w="12700" cap="flat" cmpd="sng" algn="ctr">
-                      <a:solidFill>
-                        <a:schemeClr val="tx1"/>
-                      </a:solidFill>
-                      <a:prstDash val="solid"/>
-                      <a:round/>
-                      <a:headEnd type="none" w="med" len="med"/>
-                      <a:tailEnd type="none" w="med" len="med"/>
-                    </a:lnL>
-                    <a:lnR w="12700" cap="flat" cmpd="sng" algn="ctr">
-                      <a:solidFill>
-                        <a:schemeClr val="tx1"/>
-                      </a:solidFill>
-                      <a:prstDash val="solid"/>
-                      <a:round/>
-                      <a:headEnd type="none" w="med" len="med"/>
-                      <a:tailEnd type="none" w="med" len="med"/>
-                    </a:lnR>
-                    <a:lnT w="12700" cap="flat" cmpd="sng" algn="ctr">
-                      <a:solidFill>
-                        <a:schemeClr val="tx1"/>
-                      </a:solidFill>
-                      <a:prstDash val="solid"/>
-                      <a:round/>
-                      <a:headEnd type="none" w="med" len="med"/>
-                      <a:tailEnd type="none" w="med" len="med"/>
-                    </a:lnT>
-                    <a:lnB w="12700" cap="flat" cmpd="sng" algn="ctr">
-                      <a:solidFill>
-                        <a:schemeClr val="tx1"/>
-                      </a:solidFill>
-                      <a:prstDash val="solid"/>
-                      <a:round/>
-                      <a:headEnd type="none" w="med" len="med"/>
-                      <a:tailEnd type="none" w="med" len="med"/>
-                    </a:lnB>
-                    <a:solidFill>
-                      <a:schemeClr val="accent4">
-                        <a:lumMod val="20000"/>
-                        <a:lumOff val="80000"/>
-                      </a:schemeClr>
-                    </a:solidFill>
-                  </a:tcPr>
-                </a:tc>
-                <a:tc>
-                  <a:txBody>
-                    <a:bodyPr/>
-                    <a:lstStyle/>
-                    <a:p>
-                      <a:pPr algn="ctr"/>
-                      <a:endParaRPr lang="pt-BR"/>
-                    </a:p>
-                  </a:txBody>
-                  <a:tcPr>
-                    <a:lnL w="12700" cap="flat" cmpd="sng" algn="ctr">
-                      <a:solidFill>
-                        <a:schemeClr val="tx1"/>
-                      </a:solidFill>
-                      <a:prstDash val="solid"/>
-                      <a:round/>
-                      <a:headEnd type="none" w="med" len="med"/>
-                      <a:tailEnd type="none" w="med" len="med"/>
-                    </a:lnL>
-                  </a:tcPr>
-                </a:tc>
-                <a:tc>
-                  <a:txBody>
-                    <a:bodyPr/>
-                    <a:lstStyle/>
-                    <a:p>
-                      <a:pPr algn="ctr"/>
-                      <a:endParaRPr lang="pt-BR"/>
-                    </a:p>
-                  </a:txBody>
-                  <a:tcPr/>
-                </a:tc>
-                <a:tc>
-                  <a:txBody>
-                    <a:bodyPr/>
-                    <a:lstStyle/>
-                    <a:p>
-                      <a:pPr algn="ctr"/>
-                      <a:endParaRPr lang="pt-BR"/>
-                    </a:p>
-                  </a:txBody>
-                  <a:tcPr/>
-                </a:tc>
-                <a:tc>
-                  <a:txBody>
-                    <a:bodyPr/>
-                    <a:lstStyle/>
-                    <a:p>
-                      <a:pPr algn="ctr"/>
-                      <a:endParaRPr lang="pt-BR" dirty="0"/>
-                    </a:p>
-                  </a:txBody>
-                  <a:tcPr/>
-                </a:tc>
-                <a:tc>
-                  <a:txBody>
-                    <a:bodyPr/>
-                    <a:lstStyle/>
-                    <a:p>
-                      <a:pPr algn="ctr"/>
-                      <a:r>
-                        <a:rPr lang="pt-BR" dirty="0"/>
-                        <a:t>1</a:t>
-                      </a:r>
-                    </a:p>
-                  </a:txBody>
-                  <a:tcPr/>
-                </a:tc>
-                <a:tc>
-                  <a:txBody>
-                    <a:bodyPr/>
-                    <a:lstStyle/>
-                    <a:p>
-                      <a:pPr algn="ctr"/>
-                      <a:r>
-                        <a:rPr lang="pt-BR" dirty="0"/>
-                        <a:t>1</a:t>
-                      </a:r>
-                    </a:p>
-                  </a:txBody>
-                  <a:tcPr/>
-                </a:tc>
-                <a:tc>
-                  <a:txBody>
-                    <a:bodyPr/>
-                    <a:lstStyle/>
-                    <a:p>
-                      <a:pPr algn="ctr"/>
-                      <a:endParaRPr lang="pt-BR" dirty="0"/>
-                    </a:p>
-                  </a:txBody>
-                  <a:tcPr/>
-                </a:tc>
-                <a:tc>
-                  <a:txBody>
-                    <a:bodyPr/>
-                    <a:lstStyle/>
-                    <a:p>
-                      <a:pPr algn="ctr"/>
-                      <a:endParaRPr lang="pt-BR" dirty="0"/>
-                    </a:p>
-                  </a:txBody>
-                  <a:tcPr/>
-                </a:tc>
-                <a:tc>
-                  <a:txBody>
-                    <a:bodyPr/>
-                    <a:lstStyle/>
-                    <a:p>
-                      <a:pPr algn="ctr"/>
-                      <a:endParaRPr lang="pt-BR"/>
-                    </a:p>
-                  </a:txBody>
-                  <a:tcPr/>
-                </a:tc>
-                <a:tc>
-                  <a:txBody>
-                    <a:bodyPr/>
-                    <a:lstStyle/>
-                    <a:p>
-                      <a:pPr algn="ctr"/>
-                      <a:endParaRPr lang="pt-BR"/>
-                    </a:p>
-                  </a:txBody>
-                  <a:tcPr/>
-                </a:tc>
-                <a:tc>
-                  <a:txBody>
-                    <a:bodyPr/>
-                    <a:lstStyle/>
-                    <a:p>
-                      <a:pPr algn="ctr"/>
-                      <a:endParaRPr lang="pt-BR"/>
-                    </a:p>
-                  </a:txBody>
-                  <a:tcPr/>
-                </a:tc>
-                <a:tc>
-                  <a:txBody>
-                    <a:bodyPr/>
-                    <a:lstStyle/>
-                    <a:p>
-                      <a:pPr algn="ctr"/>
-                      <a:endParaRPr lang="pt-BR"/>
-                    </a:p>
-                  </a:txBody>
-                  <a:tcPr/>
-                </a:tc>
-                <a:tc>
-                  <a:txBody>
-                    <a:bodyPr/>
-                    <a:lstStyle/>
-                    <a:p>
-                      <a:pPr algn="ctr"/>
-                      <a:endParaRPr lang="pt-BR"/>
-                    </a:p>
-                  </a:txBody>
-                  <a:tcPr/>
-                </a:tc>
-                <a:tc>
-                  <a:txBody>
-                    <a:bodyPr/>
-                    <a:lstStyle/>
-                    <a:p>
-                      <a:pPr algn="ctr"/>
-                      <a:r>
-                        <a:rPr lang="pt-BR" dirty="0"/>
-                        <a:t>2</a:t>
-                      </a:r>
-                    </a:p>
-                  </a:txBody>
-                  <a:tcPr>
-                    <a:solidFill>
-                      <a:schemeClr val="accent6">
-                        <a:lumMod val="20000"/>
-                        <a:lumOff val="80000"/>
-                      </a:schemeClr>
-                    </a:solidFill>
-                  </a:tcPr>
-                </a:tc>
-                <a:extLst>
-                  <a:ext uri="{0D108BD9-81ED-4DB2-BD59-A6C34878D82A}">
-                    <a16:rowId xmlns:a16="http://schemas.microsoft.com/office/drawing/2014/main" val="2847522057"/>
-                  </a:ext>
-                </a:extLst>
-              </a:tr>
-              <a:tr h="370840">
-                <a:tc>
-                  <a:txBody>
-                    <a:bodyPr/>
-                    <a:lstStyle/>
-                    <a:p>
-                      <a:pPr algn="ctr"/>
-                      <a:r>
-                        <a:rPr lang="pt-BR" dirty="0"/>
-                        <a:t>JUL</a:t>
-                      </a:r>
-                    </a:p>
-                  </a:txBody>
-                  <a:tcPr>
-                    <a:lnL w="12700" cap="flat" cmpd="sng" algn="ctr">
-                      <a:solidFill>
-                        <a:schemeClr val="tx1"/>
-                      </a:solidFill>
-                      <a:prstDash val="solid"/>
-                      <a:round/>
-                      <a:headEnd type="none" w="med" len="med"/>
-                      <a:tailEnd type="none" w="med" len="med"/>
-                    </a:lnL>
-                    <a:lnR w="12700" cap="flat" cmpd="sng" algn="ctr">
-                      <a:solidFill>
-                        <a:schemeClr val="tx1"/>
-                      </a:solidFill>
-                      <a:prstDash val="solid"/>
-                      <a:round/>
-                      <a:headEnd type="none" w="med" len="med"/>
-                      <a:tailEnd type="none" w="med" len="med"/>
-                    </a:lnR>
-                    <a:lnT w="12700" cap="flat" cmpd="sng" algn="ctr">
-                      <a:solidFill>
-                        <a:schemeClr val="tx1"/>
-                      </a:solidFill>
-                      <a:prstDash val="solid"/>
-                      <a:round/>
-                      <a:headEnd type="none" w="med" len="med"/>
-                      <a:tailEnd type="none" w="med" len="med"/>
-                    </a:lnT>
-                    <a:lnB w="12700" cap="flat" cmpd="sng" algn="ctr">
-                      <a:solidFill>
-                        <a:schemeClr val="tx1"/>
-                      </a:solidFill>
-                      <a:prstDash val="solid"/>
-                      <a:round/>
-                      <a:headEnd type="none" w="med" len="med"/>
-                      <a:tailEnd type="none" w="med" len="med"/>
-                    </a:lnB>
-                    <a:solidFill>
-                      <a:schemeClr val="accent4">
-                        <a:lumMod val="20000"/>
-                        <a:lumOff val="80000"/>
-                      </a:schemeClr>
-                    </a:solidFill>
-                  </a:tcPr>
-                </a:tc>
-                <a:tc>
-                  <a:txBody>
-                    <a:bodyPr/>
-                    <a:lstStyle/>
-                    <a:p>
-                      <a:pPr algn="ctr"/>
-                      <a:endParaRPr lang="pt-BR"/>
-                    </a:p>
-                  </a:txBody>
-                  <a:tcPr>
-                    <a:lnL w="12700" cap="flat" cmpd="sng" algn="ctr">
-                      <a:solidFill>
-                        <a:schemeClr val="tx1"/>
-                      </a:solidFill>
-                      <a:prstDash val="solid"/>
-                      <a:round/>
-                      <a:headEnd type="none" w="med" len="med"/>
-                      <a:tailEnd type="none" w="med" len="med"/>
-                    </a:lnL>
-                  </a:tcPr>
-                </a:tc>
-                <a:tc>
-                  <a:txBody>
-                    <a:bodyPr/>
-                    <a:lstStyle/>
-                    <a:p>
-                      <a:pPr algn="ctr"/>
-                      <a:endParaRPr lang="pt-BR"/>
-                    </a:p>
-                  </a:txBody>
-                  <a:tcPr/>
-                </a:tc>
-                <a:tc>
-                  <a:txBody>
-                    <a:bodyPr/>
-                    <a:lstStyle/>
-                    <a:p>
-                      <a:pPr algn="ctr"/>
-                      <a:endParaRPr lang="pt-BR"/>
-                    </a:p>
-                  </a:txBody>
-                  <a:tcPr/>
-                </a:tc>
-                <a:tc>
-                  <a:txBody>
-                    <a:bodyPr/>
-                    <a:lstStyle/>
-                    <a:p>
-                      <a:pPr algn="ctr"/>
-                      <a:endParaRPr lang="pt-BR"/>
-                    </a:p>
-                  </a:txBody>
-                  <a:tcPr/>
-                </a:tc>
-                <a:tc>
-                  <a:txBody>
-                    <a:bodyPr/>
-                    <a:lstStyle/>
-                    <a:p>
-                      <a:pPr algn="ctr"/>
-                      <a:endParaRPr lang="pt-BR"/>
-                    </a:p>
-                  </a:txBody>
-                  <a:tcPr/>
-                </a:tc>
-                <a:tc>
-                  <a:txBody>
-                    <a:bodyPr/>
-                    <a:lstStyle/>
-                    <a:p>
-                      <a:pPr algn="ctr"/>
-                      <a:endParaRPr lang="pt-BR"/>
-                    </a:p>
-                  </a:txBody>
-                  <a:tcPr/>
-                </a:tc>
-                <a:tc>
-                  <a:txBody>
-                    <a:bodyPr/>
-                    <a:lstStyle/>
-                    <a:p>
-                      <a:pPr algn="ctr"/>
-                      <a:r>
-                        <a:rPr lang="pt-BR" dirty="0"/>
-                        <a:t>1</a:t>
-                      </a:r>
-                    </a:p>
-                  </a:txBody>
-                  <a:tcPr/>
-                </a:tc>
-                <a:tc>
-                  <a:txBody>
-                    <a:bodyPr/>
-                    <a:lstStyle/>
-                    <a:p>
-                      <a:pPr algn="ctr"/>
-                      <a:endParaRPr lang="pt-BR" dirty="0"/>
-                    </a:p>
-                  </a:txBody>
-                  <a:tcPr/>
-                </a:tc>
-                <a:tc>
-                  <a:txBody>
-                    <a:bodyPr/>
-                    <a:lstStyle/>
-                    <a:p>
-                      <a:pPr algn="ctr"/>
-                      <a:r>
-                        <a:rPr lang="pt-BR" dirty="0"/>
-                        <a:t>1</a:t>
-                      </a:r>
-                    </a:p>
-                  </a:txBody>
-                  <a:tcPr/>
-                </a:tc>
-                <a:tc>
-                  <a:txBody>
-                    <a:bodyPr/>
-                    <a:lstStyle/>
-                    <a:p>
-                      <a:pPr algn="ctr"/>
-                      <a:endParaRPr lang="pt-BR" dirty="0"/>
-                    </a:p>
-                  </a:txBody>
-                  <a:tcPr/>
-                </a:tc>
-                <a:tc>
-                  <a:txBody>
-                    <a:bodyPr/>
-                    <a:lstStyle/>
-                    <a:p>
-                      <a:pPr algn="ctr"/>
-                      <a:r>
-                        <a:rPr lang="pt-BR" dirty="0"/>
-                        <a:t>1</a:t>
-                      </a:r>
-                    </a:p>
-                  </a:txBody>
-                  <a:tcPr/>
-                </a:tc>
-                <a:tc>
-                  <a:txBody>
-                    <a:bodyPr/>
-                    <a:lstStyle/>
-                    <a:p>
-                      <a:pPr algn="ctr"/>
-                      <a:endParaRPr lang="pt-BR"/>
-                    </a:p>
-                  </a:txBody>
-                  <a:tcPr/>
-                </a:tc>
-                <a:tc>
-                  <a:txBody>
-                    <a:bodyPr/>
-                    <a:lstStyle/>
-                    <a:p>
-                      <a:pPr algn="ctr"/>
-                      <a:endParaRPr lang="pt-BR"/>
-                    </a:p>
-                  </a:txBody>
-                  <a:tcPr/>
-                </a:tc>
-                <a:tc>
-                  <a:txBody>
-                    <a:bodyPr/>
-                    <a:lstStyle/>
-                    <a:p>
-                      <a:pPr algn="ctr"/>
-                      <a:r>
-                        <a:rPr lang="pt-BR" dirty="0"/>
-                        <a:t>3</a:t>
-                      </a:r>
-                    </a:p>
-                  </a:txBody>
-                  <a:tcPr>
-                    <a:solidFill>
-                      <a:schemeClr val="accent6">
-                        <a:lumMod val="20000"/>
-                        <a:lumOff val="80000"/>
-                      </a:schemeClr>
-                    </a:solidFill>
-                  </a:tcPr>
-                </a:tc>
-                <a:extLst>
-                  <a:ext uri="{0D108BD9-81ED-4DB2-BD59-A6C34878D82A}">
-                    <a16:rowId xmlns:a16="http://schemas.microsoft.com/office/drawing/2014/main" val="360418724"/>
-                  </a:ext>
-                </a:extLst>
-              </a:tr>
-              <a:tr h="370840">
-                <a:tc>
-                  <a:txBody>
-                    <a:bodyPr/>
-                    <a:lstStyle/>
-                    <a:p>
-                      <a:pPr algn="ctr"/>
-                      <a:r>
-                        <a:rPr lang="pt-BR" dirty="0"/>
-                        <a:t>AGO</a:t>
-                      </a:r>
-                    </a:p>
-                  </a:txBody>
-                  <a:tcPr>
-                    <a:lnL w="12700" cap="flat" cmpd="sng" algn="ctr">
-                      <a:solidFill>
-                        <a:schemeClr val="tx1"/>
-                      </a:solidFill>
-                      <a:prstDash val="solid"/>
-                      <a:round/>
-                      <a:headEnd type="none" w="med" len="med"/>
-                      <a:tailEnd type="none" w="med" len="med"/>
-                    </a:lnL>
-                    <a:lnR w="12700" cap="flat" cmpd="sng" algn="ctr">
-                      <a:solidFill>
-                        <a:schemeClr val="tx1"/>
-                      </a:solidFill>
-                      <a:prstDash val="solid"/>
-                      <a:round/>
-                      <a:headEnd type="none" w="med" len="med"/>
-                      <a:tailEnd type="none" w="med" len="med"/>
-                    </a:lnR>
-                    <a:lnT w="12700" cap="flat" cmpd="sng" algn="ctr">
-                      <a:solidFill>
-                        <a:schemeClr val="tx1"/>
-                      </a:solidFill>
-                      <a:prstDash val="solid"/>
-                      <a:round/>
-                      <a:headEnd type="none" w="med" len="med"/>
-                      <a:tailEnd type="none" w="med" len="med"/>
-                    </a:lnT>
-                    <a:lnB w="12700" cap="flat" cmpd="sng" algn="ctr">
-                      <a:solidFill>
-                        <a:schemeClr val="tx1"/>
-                      </a:solidFill>
-                      <a:prstDash val="solid"/>
-                      <a:round/>
-                      <a:headEnd type="none" w="med" len="med"/>
-                      <a:tailEnd type="none" w="med" len="med"/>
-                    </a:lnB>
-                    <a:solidFill>
-                      <a:schemeClr val="accent4">
-                        <a:lumMod val="20000"/>
-                        <a:lumOff val="80000"/>
-                      </a:schemeClr>
-                    </a:solidFill>
-                  </a:tcPr>
-                </a:tc>
-                <a:tc>
-                  <a:txBody>
-                    <a:bodyPr/>
-                    <a:lstStyle/>
-                    <a:p>
-                      <a:pPr algn="ctr"/>
-                      <a:endParaRPr lang="pt-BR"/>
-                    </a:p>
-                  </a:txBody>
-                  <a:tcPr>
-                    <a:lnL w="12700" cap="flat" cmpd="sng" algn="ctr">
-                      <a:solidFill>
-                        <a:schemeClr val="tx1"/>
-                      </a:solidFill>
-                      <a:prstDash val="solid"/>
-                      <a:round/>
-                      <a:headEnd type="none" w="med" len="med"/>
-                      <a:tailEnd type="none" w="med" len="med"/>
-                    </a:lnL>
-                  </a:tcPr>
-                </a:tc>
-                <a:tc>
-                  <a:txBody>
-                    <a:bodyPr/>
-                    <a:lstStyle/>
-                    <a:p>
-                      <a:pPr algn="ctr"/>
-                      <a:r>
-                        <a:rPr lang="pt-BR" dirty="0"/>
-                        <a:t>1</a:t>
-                      </a:r>
-                    </a:p>
-                  </a:txBody>
-                  <a:tcPr/>
-                </a:tc>
-                <a:tc>
-                  <a:txBody>
-                    <a:bodyPr/>
-                    <a:lstStyle/>
-                    <a:p>
-                      <a:pPr algn="ctr"/>
-                      <a:r>
-                        <a:rPr lang="pt-BR" dirty="0"/>
-                        <a:t>1</a:t>
-                      </a:r>
-                    </a:p>
-                  </a:txBody>
-                  <a:tcPr/>
-                </a:tc>
-                <a:tc>
-                  <a:txBody>
-                    <a:bodyPr/>
-                    <a:lstStyle/>
-                    <a:p>
-                      <a:pPr algn="ctr"/>
-                      <a:endParaRPr lang="pt-BR" dirty="0"/>
-                    </a:p>
-                  </a:txBody>
-                  <a:tcPr/>
-                </a:tc>
-                <a:tc>
-                  <a:txBody>
-                    <a:bodyPr/>
-                    <a:lstStyle/>
-                    <a:p>
-                      <a:pPr algn="ctr"/>
-                      <a:endParaRPr lang="pt-BR" dirty="0"/>
-                    </a:p>
-                  </a:txBody>
-                  <a:tcPr/>
-                </a:tc>
-                <a:tc>
-                  <a:txBody>
-                    <a:bodyPr/>
-                    <a:lstStyle/>
-                    <a:p>
-                      <a:pPr algn="ctr"/>
-                      <a:endParaRPr lang="pt-BR" dirty="0"/>
-                    </a:p>
-                  </a:txBody>
-                  <a:tcPr/>
-                </a:tc>
-                <a:tc>
-                  <a:txBody>
-                    <a:bodyPr/>
-                    <a:lstStyle/>
-                    <a:p>
-                      <a:pPr algn="ctr"/>
-                      <a:endParaRPr lang="pt-BR" dirty="0"/>
-                    </a:p>
-                  </a:txBody>
-                  <a:tcPr/>
-                </a:tc>
-                <a:tc>
-                  <a:txBody>
-                    <a:bodyPr/>
-                    <a:lstStyle/>
-                    <a:p>
-                      <a:pPr algn="ctr"/>
-                      <a:r>
-                        <a:rPr lang="pt-BR" dirty="0"/>
-                        <a:t>1</a:t>
-                      </a:r>
-                    </a:p>
-                  </a:txBody>
-                  <a:tcPr/>
-                </a:tc>
-                <a:tc>
-                  <a:txBody>
-                    <a:bodyPr/>
-                    <a:lstStyle/>
-                    <a:p>
-                      <a:pPr algn="ctr"/>
-                      <a:endParaRPr lang="pt-BR" dirty="0"/>
-                    </a:p>
-                  </a:txBody>
-                  <a:tcPr/>
-                </a:tc>
-                <a:tc>
-                  <a:txBody>
-                    <a:bodyPr/>
-                    <a:lstStyle/>
-                    <a:p>
-                      <a:pPr algn="ctr"/>
-                      <a:r>
-                        <a:rPr lang="pt-BR" dirty="0"/>
-                        <a:t>1</a:t>
-                      </a:r>
-                    </a:p>
-                  </a:txBody>
-                  <a:tcPr/>
-                </a:tc>
-                <a:tc>
-                  <a:txBody>
-                    <a:bodyPr/>
-                    <a:lstStyle/>
-                    <a:p>
-                      <a:pPr algn="ctr"/>
-                      <a:endParaRPr lang="pt-BR" dirty="0"/>
-                    </a:p>
-                  </a:txBody>
-                  <a:tcPr/>
-                </a:tc>
-                <a:tc>
-                  <a:txBody>
-                    <a:bodyPr/>
-                    <a:lstStyle/>
-                    <a:p>
-                      <a:pPr algn="ctr"/>
-                      <a:r>
-                        <a:rPr lang="pt-BR" dirty="0"/>
-                        <a:t>1</a:t>
-                      </a:r>
-                    </a:p>
-                  </a:txBody>
-                  <a:tcPr/>
-                </a:tc>
-                <a:tc>
-                  <a:txBody>
-                    <a:bodyPr/>
-                    <a:lstStyle/>
-                    <a:p>
-                      <a:pPr algn="ctr"/>
-                      <a:r>
-                        <a:rPr lang="pt-BR" dirty="0"/>
-                        <a:t>1</a:t>
-                      </a:r>
-                    </a:p>
-                  </a:txBody>
-                  <a:tcPr/>
-                </a:tc>
-                <a:tc>
-                  <a:txBody>
-                    <a:bodyPr/>
-                    <a:lstStyle/>
-                    <a:p>
-                      <a:pPr algn="ctr"/>
-                      <a:r>
-                        <a:rPr lang="pt-BR" dirty="0"/>
-                        <a:t>6</a:t>
-                      </a:r>
-                    </a:p>
-                  </a:txBody>
-                  <a:tcPr>
-                    <a:solidFill>
-                      <a:schemeClr val="accent6">
-                        <a:lumMod val="20000"/>
-                        <a:lumOff val="80000"/>
-                      </a:schemeClr>
-                    </a:solidFill>
-                  </a:tcPr>
-                </a:tc>
-                <a:extLst>
-                  <a:ext uri="{0D108BD9-81ED-4DB2-BD59-A6C34878D82A}">
-                    <a16:rowId xmlns:a16="http://schemas.microsoft.com/office/drawing/2014/main" val="2765496003"/>
-                  </a:ext>
-                </a:extLst>
-              </a:tr>
-            </a:tbl>
-          </a:graphicData>
-        </a:graphic>
-      </p:graphicFrame>
-    </p:spTree>
-    <p:extLst>
-      <p:ext uri="{BB962C8B-B14F-4D97-AF65-F5344CB8AC3E}">
-        <p14:creationId xmlns:p14="http://schemas.microsoft.com/office/powerpoint/2010/main" val="993112940"/>
-      </p:ext>
-    </p:extLst>
-  </p:cSld>
-  <p:clrMapOvr>
-    <a:masterClrMapping/>
-  </p:clrMapOvr>
-  <p:timing>
-    <p:tnLst>
-      <p:par>
-        <p:cTn id="1" dur="indefinite" restart="never" nodeType="tmRoot">
-          <p:childTnLst>
-            <p:seq concurrent="1" nextAc="seek">
-              <p:cTn id="2" dur="indefinite" nodeType="mainSeq">
-                <p:childTnLst>
-                  <p:par>
-                    <p:cTn id="3" fill="hold">
-                      <p:stCondLst>
-                        <p:cond delay="indefinite"/>
-                      </p:stCondLst>
-                      <p:childTnLst>
-                        <p:par>
-                          <p:cTn id="4" fill="hold">
-                            <p:stCondLst>
-                              <p:cond delay="0"/>
-                            </p:stCondLst>
-                            <p:childTnLst>
-                              <p:par>
-                                <p:cTn id="5" presetID="1" presetClass="entr" presetSubtype="0" fill="hold" nodeType="clickEffect">
-                                  <p:stCondLst>
-                                    <p:cond delay="0"/>
-                                  </p:stCondLst>
-                                  <p:childTnLst>
-                                    <p:set>
-                                      <p:cBhvr>
-                                        <p:cTn id="6" dur="1" fill="hold">
-                                          <p:stCondLst>
-                                            <p:cond delay="0"/>
-                                          </p:stCondLst>
-                                        </p:cTn>
-                                        <p:tgtEl>
-                                          <p:spTgt spid="4"/>
-                                        </p:tgtEl>
-                                        <p:attrNameLst>
-                                          <p:attrName>style.visibility</p:attrName>
-                                        </p:attrNameLst>
-                                      </p:cBhvr>
-                                      <p:to>
-                                        <p:strVal val="visible"/>
-                                      </p:to>
-                                    </p:set>
-                                  </p:childTnLst>
-                                </p:cTn>
-                              </p:par>
-                            </p:childTnLst>
-                          </p:cTn>
-                        </p:par>
-                      </p:childTnLst>
-                    </p:cTn>
-                  </p:par>
-                </p:childTnLst>
-              </p:cTn>
-              <p:prevCondLst>
-                <p:cond evt="onPrev" delay="0">
-                  <p:tgtEl>
-                    <p:sldTgt/>
-                  </p:tgtEl>
-                </p:cond>
-              </p:prevCondLst>
-              <p:nextCondLst>
-                <p:cond evt="onNext" delay="0">
-                  <p:tgtEl>
-                    <p:sldTgt/>
-                  </p:tgtEl>
-                </p:cond>
-              </p:nextCondLst>
-            </p:seq>
-          </p:childTnLst>
-        </p:cTn>
-      </p:par>
-    </p:tnLst>
-  </p:timing>
-</p:sld>
-</file>
-
-<file path=ppt/slides/slide12.xml><?xml version="1.0" encoding="utf-8"?>
-<p:sld xmlns:a="http://schemas.openxmlformats.org/drawingml/2006/main" xmlns:r="http://schemas.openxmlformats.org/officeDocument/2006/relationships" xmlns:p="http://schemas.openxmlformats.org/presentationml/2006/main">
-  <p:cSld>
-    <p:spTree>
-      <p:nvGrpSpPr>
-        <p:cNvPr id="1" name=""/>
-        <p:cNvGrpSpPr/>
-        <p:nvPr/>
-      </p:nvGrpSpPr>
-      <p:grpSpPr>
-        <a:xfrm>
-          <a:off x="0" y="0"/>
-          <a:ext cx="0" cy="0"/>
-          <a:chOff x="0" y="0"/>
-          <a:chExt cx="0" cy="0"/>
-        </a:xfrm>
-      </p:grpSpPr>
-      <p:sp>
-        <p:nvSpPr>
-          <p:cNvPr id="2" name="Título 1">
-            <a:extLst>
-              <a:ext uri="{FF2B5EF4-FFF2-40B4-BE49-F238E27FC236}">
-                <a16:creationId xmlns:a16="http://schemas.microsoft.com/office/drawing/2014/main" id="{390FEACD-2662-52B8-9DDA-A268FE9E0E07}"/>
-              </a:ext>
-            </a:extLst>
-          </p:cNvPr>
-          <p:cNvSpPr>
-            <a:spLocks noGrp="1"/>
-          </p:cNvSpPr>
-          <p:nvPr>
-            <p:ph type="title"/>
-          </p:nvPr>
-        </p:nvSpPr>
-        <p:spPr/>
-        <p:txBody>
-          <a:bodyPr/>
-          <a:lstStyle/>
-          <a:p>
-            <a:r>
-              <a:rPr lang="pt-BR" dirty="0"/>
-              <a:t>Sugestão de Planilha de Planejamento de Temas  </a:t>
-            </a:r>
-          </a:p>
-        </p:txBody>
-      </p:sp>
-      <p:graphicFrame>
-        <p:nvGraphicFramePr>
-          <p:cNvPr id="6" name="Tabela 6">
-            <a:extLst>
-              <a:ext uri="{FF2B5EF4-FFF2-40B4-BE49-F238E27FC236}">
-                <a16:creationId xmlns:a16="http://schemas.microsoft.com/office/drawing/2014/main" id="{0D86FD1B-61CC-AF6D-DC47-0F80E46B1B8F}"/>
-              </a:ext>
-            </a:extLst>
-          </p:cNvPr>
-          <p:cNvGraphicFramePr>
-            <a:graphicFrameLocks noGrp="1"/>
-          </p:cNvGraphicFramePr>
-          <p:nvPr>
-            <p:ph idx="1"/>
-            <p:extLst>
-              <p:ext uri="{D42A27DB-BD31-4B8C-83A1-F6EECF244321}">
-                <p14:modId xmlns:p14="http://schemas.microsoft.com/office/powerpoint/2010/main" val="2124917004"/>
-              </p:ext>
-            </p:extLst>
-          </p:nvPr>
-        </p:nvGraphicFramePr>
-        <p:xfrm>
-          <a:off x="274638" y="1271588"/>
-          <a:ext cx="11626850" cy="2667000"/>
-        </p:xfrm>
-        <a:graphic>
-          <a:graphicData uri="http://schemas.openxmlformats.org/drawingml/2006/table">
-            <a:tbl>
-              <a:tblPr firstRow="1" bandRow="1">
-                <a:tableStyleId>{3B4B98B0-60AC-42C2-AFA5-B58CD77FA1E5}</a:tableStyleId>
-              </a:tblPr>
-              <a:tblGrid>
-                <a:gridCol w="2325370">
-                  <a:extLst>
-                    <a:ext uri="{9D8B030D-6E8A-4147-A177-3AD203B41FA5}">
-                      <a16:colId xmlns:a16="http://schemas.microsoft.com/office/drawing/2014/main" val="2123723270"/>
-                    </a:ext>
-                  </a:extLst>
-                </a:gridCol>
-                <a:gridCol w="2325370">
-                  <a:extLst>
-                    <a:ext uri="{9D8B030D-6E8A-4147-A177-3AD203B41FA5}">
-                      <a16:colId xmlns:a16="http://schemas.microsoft.com/office/drawing/2014/main" val="1290110173"/>
-                    </a:ext>
-                  </a:extLst>
-                </a:gridCol>
-                <a:gridCol w="2325370">
-                  <a:extLst>
-                    <a:ext uri="{9D8B030D-6E8A-4147-A177-3AD203B41FA5}">
-                      <a16:colId xmlns:a16="http://schemas.microsoft.com/office/drawing/2014/main" val="2659374325"/>
-                    </a:ext>
-                  </a:extLst>
-                </a:gridCol>
-                <a:gridCol w="2325370">
-                  <a:extLst>
-                    <a:ext uri="{9D8B030D-6E8A-4147-A177-3AD203B41FA5}">
-                      <a16:colId xmlns:a16="http://schemas.microsoft.com/office/drawing/2014/main" val="3841608295"/>
-                    </a:ext>
-                  </a:extLst>
-                </a:gridCol>
-                <a:gridCol w="2325370">
-                  <a:extLst>
-                    <a:ext uri="{9D8B030D-6E8A-4147-A177-3AD203B41FA5}">
-                      <a16:colId xmlns:a16="http://schemas.microsoft.com/office/drawing/2014/main" val="2698209595"/>
-                    </a:ext>
-                  </a:extLst>
-                </a:gridCol>
-              </a:tblGrid>
-              <a:tr h="370840">
-                <a:tc>
-                  <a:txBody>
-                    <a:bodyPr/>
-                    <a:lstStyle/>
-                    <a:p>
-                      <a:pPr algn="ctr"/>
-                      <a:r>
-                        <a:rPr lang="pt-BR" dirty="0"/>
-                        <a:t>ESCOLA</a:t>
-                      </a:r>
-                    </a:p>
-                  </a:txBody>
-                  <a:tcPr>
-                    <a:lnL w="12700" cap="flat" cmpd="sng" algn="ctr">
-                      <a:solidFill>
-                        <a:schemeClr val="tx1"/>
-                      </a:solidFill>
-                      <a:prstDash val="solid"/>
-                      <a:round/>
-                      <a:headEnd type="none" w="med" len="med"/>
-                      <a:tailEnd type="none" w="med" len="med"/>
-                    </a:lnL>
-                    <a:lnR w="12700" cap="flat" cmpd="sng" algn="ctr">
-                      <a:solidFill>
-                        <a:schemeClr val="tx1"/>
-                      </a:solidFill>
-                      <a:prstDash val="solid"/>
-                      <a:round/>
-                      <a:headEnd type="none" w="med" len="med"/>
-                      <a:tailEnd type="none" w="med" len="med"/>
-                    </a:lnR>
-                    <a:lnT w="12700" cap="flat" cmpd="sng" algn="ctr">
-                      <a:solidFill>
-                        <a:schemeClr val="tx1"/>
-                      </a:solidFill>
-                      <a:prstDash val="solid"/>
-                      <a:round/>
-                      <a:headEnd type="none" w="med" len="med"/>
-                      <a:tailEnd type="none" w="med" len="med"/>
-                    </a:lnT>
-                    <a:lnB w="12700" cap="flat" cmpd="sng" algn="ctr">
-                      <a:solidFill>
-                        <a:schemeClr val="tx1"/>
-                      </a:solidFill>
-                      <a:prstDash val="solid"/>
-                      <a:round/>
-                      <a:headEnd type="none" w="med" len="med"/>
-                      <a:tailEnd type="none" w="med" len="med"/>
-                    </a:lnB>
-                    <a:solidFill>
-                      <a:schemeClr val="tx1">
-                        <a:lumMod val="50000"/>
-                        <a:lumOff val="50000"/>
-                      </a:schemeClr>
-                    </a:solidFill>
-                  </a:tcPr>
-                </a:tc>
-                <a:tc>
-                  <a:txBody>
-                    <a:bodyPr/>
-                    <a:lstStyle/>
-                    <a:p>
-                      <a:pPr algn="ctr"/>
-                      <a:r>
-                        <a:rPr lang="pt-BR" dirty="0"/>
-                        <a:t>QUANTIDADE DE TURMAS</a:t>
-                      </a:r>
-                    </a:p>
-                  </a:txBody>
-                  <a:tcPr>
-                    <a:lnL w="12700" cap="flat" cmpd="sng" algn="ctr">
-                      <a:solidFill>
-                        <a:schemeClr val="tx1"/>
-                      </a:solidFill>
-                      <a:prstDash val="solid"/>
-                      <a:round/>
-                      <a:headEnd type="none" w="med" len="med"/>
-                      <a:tailEnd type="none" w="med" len="med"/>
-                    </a:lnL>
-                    <a:lnR w="12700" cap="flat" cmpd="sng" algn="ctr">
-                      <a:solidFill>
-                        <a:schemeClr val="tx1"/>
-                      </a:solidFill>
-                      <a:prstDash val="solid"/>
-                      <a:round/>
-                      <a:headEnd type="none" w="med" len="med"/>
-                      <a:tailEnd type="none" w="med" len="med"/>
-                    </a:lnR>
-                    <a:lnT w="12700" cap="flat" cmpd="sng" algn="ctr">
-                      <a:solidFill>
-                        <a:schemeClr val="tx1"/>
-                      </a:solidFill>
-                      <a:prstDash val="solid"/>
-                      <a:round/>
-                      <a:headEnd type="none" w="med" len="med"/>
-                      <a:tailEnd type="none" w="med" len="med"/>
-                    </a:lnT>
-                    <a:lnB w="12700" cap="flat" cmpd="sng" algn="ctr">
-                      <a:solidFill>
-                        <a:schemeClr val="tx1"/>
-                      </a:solidFill>
-                      <a:prstDash val="solid"/>
-                      <a:round/>
-                      <a:headEnd type="none" w="med" len="med"/>
-                      <a:tailEnd type="none" w="med" len="med"/>
-                    </a:lnB>
-                    <a:solidFill>
-                      <a:schemeClr val="tx1">
-                        <a:lumMod val="50000"/>
-                        <a:lumOff val="50000"/>
-                      </a:schemeClr>
-                    </a:solidFill>
-                  </a:tcPr>
-                </a:tc>
-                <a:tc>
-                  <a:txBody>
-                    <a:bodyPr/>
-                    <a:lstStyle/>
-                    <a:p>
-                      <a:pPr algn="ctr"/>
-                      <a:r>
-                        <a:rPr lang="pt-BR" dirty="0"/>
-                        <a:t>PRIORIDADES DA ESCOLA</a:t>
-                      </a:r>
-                    </a:p>
-                  </a:txBody>
-                  <a:tcPr>
-                    <a:lnL w="12700" cap="flat" cmpd="sng" algn="ctr">
-                      <a:solidFill>
-                        <a:schemeClr val="tx1"/>
-                      </a:solidFill>
-                      <a:prstDash val="solid"/>
-                      <a:round/>
-                      <a:headEnd type="none" w="med" len="med"/>
-                      <a:tailEnd type="none" w="med" len="med"/>
-                    </a:lnL>
-                    <a:lnR w="12700" cap="flat" cmpd="sng" algn="ctr">
-                      <a:solidFill>
-                        <a:schemeClr val="tx1"/>
-                      </a:solidFill>
-                      <a:prstDash val="solid"/>
-                      <a:round/>
-                      <a:headEnd type="none" w="med" len="med"/>
-                      <a:tailEnd type="none" w="med" len="med"/>
-                    </a:lnR>
-                    <a:lnT w="12700" cap="flat" cmpd="sng" algn="ctr">
-                      <a:solidFill>
-                        <a:schemeClr val="tx1"/>
-                      </a:solidFill>
-                      <a:prstDash val="solid"/>
-                      <a:round/>
-                      <a:headEnd type="none" w="med" len="med"/>
-                      <a:tailEnd type="none" w="med" len="med"/>
-                    </a:lnT>
-                    <a:lnB w="12700" cap="flat" cmpd="sng" algn="ctr">
-                      <a:solidFill>
-                        <a:schemeClr val="tx1"/>
-                      </a:solidFill>
-                      <a:prstDash val="solid"/>
-                      <a:round/>
-                      <a:headEnd type="none" w="med" len="med"/>
-                      <a:tailEnd type="none" w="med" len="med"/>
-                    </a:lnB>
-                    <a:solidFill>
-                      <a:schemeClr val="tx1">
-                        <a:lumMod val="50000"/>
-                        <a:lumOff val="50000"/>
-                      </a:schemeClr>
-                    </a:solidFill>
-                  </a:tcPr>
-                </a:tc>
-                <a:tc>
-                  <a:txBody>
-                    <a:bodyPr/>
-                    <a:lstStyle/>
-                    <a:p>
-                      <a:pPr algn="ctr"/>
-                      <a:r>
-                        <a:rPr lang="pt-BR" dirty="0"/>
-                        <a:t>TEMAS DO PSE</a:t>
-                      </a:r>
-                    </a:p>
-                  </a:txBody>
-                  <a:tcPr>
-                    <a:lnL w="12700" cap="flat" cmpd="sng" algn="ctr">
-                      <a:solidFill>
-                        <a:schemeClr val="tx1"/>
-                      </a:solidFill>
-                      <a:prstDash val="solid"/>
-                      <a:round/>
-                      <a:headEnd type="none" w="med" len="med"/>
-                      <a:tailEnd type="none" w="med" len="med"/>
-                    </a:lnL>
-                    <a:lnR w="12700" cap="flat" cmpd="sng" algn="ctr">
-                      <a:solidFill>
-                        <a:schemeClr val="tx1"/>
-                      </a:solidFill>
-                      <a:prstDash val="solid"/>
-                      <a:round/>
-                      <a:headEnd type="none" w="med" len="med"/>
-                      <a:tailEnd type="none" w="med" len="med"/>
-                    </a:lnR>
-                    <a:lnT w="12700" cap="flat" cmpd="sng" algn="ctr">
-                      <a:solidFill>
-                        <a:schemeClr val="tx1"/>
-                      </a:solidFill>
-                      <a:prstDash val="solid"/>
-                      <a:round/>
-                      <a:headEnd type="none" w="med" len="med"/>
-                      <a:tailEnd type="none" w="med" len="med"/>
-                    </a:lnT>
-                    <a:lnB w="12700" cap="flat" cmpd="sng" algn="ctr">
-                      <a:solidFill>
-                        <a:schemeClr val="tx1"/>
-                      </a:solidFill>
-                      <a:prstDash val="solid"/>
-                      <a:round/>
-                      <a:headEnd type="none" w="med" len="med"/>
-                      <a:tailEnd type="none" w="med" len="med"/>
-                    </a:lnB>
-                    <a:solidFill>
-                      <a:schemeClr val="tx1">
-                        <a:lumMod val="50000"/>
-                        <a:lumOff val="50000"/>
-                      </a:schemeClr>
-                    </a:solidFill>
-                  </a:tcPr>
-                </a:tc>
-                <a:tc>
-                  <a:txBody>
-                    <a:bodyPr/>
-                    <a:lstStyle/>
-                    <a:p>
-                      <a:pPr algn="ctr"/>
-                      <a:r>
-                        <a:rPr lang="pt-BR" dirty="0"/>
-                        <a:t>RESPONSÁVEIS</a:t>
-                      </a:r>
-                    </a:p>
-                  </a:txBody>
-                  <a:tcPr>
-                    <a:lnL w="12700" cap="flat" cmpd="sng" algn="ctr">
-                      <a:solidFill>
-                        <a:schemeClr val="tx1"/>
-                      </a:solidFill>
-                      <a:prstDash val="solid"/>
-                      <a:round/>
-                      <a:headEnd type="none" w="med" len="med"/>
-                      <a:tailEnd type="none" w="med" len="med"/>
-                    </a:lnL>
-                    <a:lnR w="12700" cap="flat" cmpd="sng" algn="ctr">
-                      <a:solidFill>
-                        <a:schemeClr val="tx1"/>
-                      </a:solidFill>
-                      <a:prstDash val="solid"/>
-                      <a:round/>
-                      <a:headEnd type="none" w="med" len="med"/>
-                      <a:tailEnd type="none" w="med" len="med"/>
-                    </a:lnR>
-                    <a:lnT w="12700" cap="flat" cmpd="sng" algn="ctr">
-                      <a:solidFill>
-                        <a:schemeClr val="tx1"/>
-                      </a:solidFill>
-                      <a:prstDash val="solid"/>
-                      <a:round/>
-                      <a:headEnd type="none" w="med" len="med"/>
-                      <a:tailEnd type="none" w="med" len="med"/>
-                    </a:lnT>
-                    <a:lnB w="12700" cap="flat" cmpd="sng" algn="ctr">
-                      <a:solidFill>
-                        <a:schemeClr val="tx1"/>
-                      </a:solidFill>
-                      <a:prstDash val="solid"/>
-                      <a:round/>
-                      <a:headEnd type="none" w="med" len="med"/>
-                      <a:tailEnd type="none" w="med" len="med"/>
-                    </a:lnB>
-                    <a:solidFill>
-                      <a:schemeClr val="tx1">
-                        <a:lumMod val="50000"/>
-                        <a:lumOff val="50000"/>
-                      </a:schemeClr>
-                    </a:solidFill>
-                  </a:tcPr>
-                </a:tc>
-                <a:extLst>
-                  <a:ext uri="{0D108BD9-81ED-4DB2-BD59-A6C34878D82A}">
-                    <a16:rowId xmlns:a16="http://schemas.microsoft.com/office/drawing/2014/main" val="1582788265"/>
-                  </a:ext>
-                </a:extLst>
-              </a:tr>
-              <a:tr h="370840">
-                <a:tc>
-                  <a:txBody>
-                    <a:bodyPr/>
-                    <a:lstStyle/>
-                    <a:p>
-                      <a:pPr algn="ctr"/>
-                      <a:r>
-                        <a:rPr lang="pt-BR" dirty="0"/>
-                        <a:t>XXXXXXX</a:t>
-                      </a:r>
-                    </a:p>
-                  </a:txBody>
-                  <a:tcPr>
-                    <a:lnL w="12700" cap="flat" cmpd="sng" algn="ctr">
-                      <a:solidFill>
-                        <a:schemeClr val="tx1"/>
-                      </a:solidFill>
-                      <a:prstDash val="solid"/>
-                      <a:round/>
-                      <a:headEnd type="none" w="med" len="med"/>
-                      <a:tailEnd type="none" w="med" len="med"/>
-                    </a:lnL>
-                    <a:lnR w="12700" cap="flat" cmpd="sng" algn="ctr">
-                      <a:solidFill>
-                        <a:schemeClr val="tx1"/>
-                      </a:solidFill>
-                      <a:prstDash val="solid"/>
-                      <a:round/>
-                      <a:headEnd type="none" w="med" len="med"/>
-                      <a:tailEnd type="none" w="med" len="med"/>
-                    </a:lnR>
-                    <a:lnT w="12700" cap="flat" cmpd="sng" algn="ctr">
-                      <a:solidFill>
-                        <a:schemeClr val="tx1"/>
-                      </a:solidFill>
-                      <a:prstDash val="solid"/>
-                      <a:round/>
-                      <a:headEnd type="none" w="med" len="med"/>
-                      <a:tailEnd type="none" w="med" len="med"/>
-                    </a:lnT>
-                    <a:lnB w="12700" cap="flat" cmpd="sng" algn="ctr">
-                      <a:solidFill>
-                        <a:schemeClr val="tx1"/>
-                      </a:solidFill>
-                      <a:prstDash val="solid"/>
-                      <a:round/>
-                      <a:headEnd type="none" w="med" len="med"/>
-                      <a:tailEnd type="none" w="med" len="med"/>
-                    </a:lnB>
-                  </a:tcPr>
-                </a:tc>
-                <a:tc>
-                  <a:txBody>
-                    <a:bodyPr/>
-                    <a:lstStyle/>
-                    <a:p>
-                      <a:pPr algn="ctr"/>
-                      <a:r>
-                        <a:rPr lang="pt-BR" dirty="0"/>
-                        <a:t>8</a:t>
-                      </a:r>
-                    </a:p>
-                  </a:txBody>
-                  <a:tcPr>
-                    <a:lnL w="12700" cap="flat" cmpd="sng" algn="ctr">
-                      <a:solidFill>
-                        <a:schemeClr val="tx1"/>
-                      </a:solidFill>
-                      <a:prstDash val="solid"/>
-                      <a:round/>
-                      <a:headEnd type="none" w="med" len="med"/>
-                      <a:tailEnd type="none" w="med" len="med"/>
-                    </a:lnL>
-                    <a:lnR w="12700" cap="flat" cmpd="sng" algn="ctr">
-                      <a:solidFill>
-                        <a:schemeClr val="tx1"/>
-                      </a:solidFill>
-                      <a:prstDash val="solid"/>
-                      <a:round/>
-                      <a:headEnd type="none" w="med" len="med"/>
-                      <a:tailEnd type="none" w="med" len="med"/>
-                    </a:lnR>
-                    <a:lnT w="12700" cap="flat" cmpd="sng" algn="ctr">
-                      <a:solidFill>
-                        <a:schemeClr val="tx1"/>
-                      </a:solidFill>
-                      <a:prstDash val="solid"/>
-                      <a:round/>
-                      <a:headEnd type="none" w="med" len="med"/>
-                      <a:tailEnd type="none" w="med" len="med"/>
-                    </a:lnT>
-                    <a:lnB w="12700" cap="flat" cmpd="sng" algn="ctr">
-                      <a:solidFill>
-                        <a:schemeClr val="tx1"/>
-                      </a:solidFill>
-                      <a:prstDash val="solid"/>
-                      <a:round/>
-                      <a:headEnd type="none" w="med" len="med"/>
-                      <a:tailEnd type="none" w="med" len="med"/>
-                    </a:lnB>
-                  </a:tcPr>
-                </a:tc>
-                <a:tc>
-                  <a:txBody>
-                    <a:bodyPr/>
-                    <a:lstStyle/>
-                    <a:p>
-                      <a:pPr algn="ctr"/>
-                      <a:r>
-                        <a:rPr lang="pt-BR" dirty="0"/>
-                        <a:t>Saúde mental, obesidade, álcool e droga</a:t>
-                      </a:r>
-                    </a:p>
-                  </a:txBody>
-                  <a:tcPr>
-                    <a:lnL w="12700" cap="flat" cmpd="sng" algn="ctr">
-                      <a:solidFill>
-                        <a:schemeClr val="tx1"/>
-                      </a:solidFill>
-                      <a:prstDash val="solid"/>
-                      <a:round/>
-                      <a:headEnd type="none" w="med" len="med"/>
-                      <a:tailEnd type="none" w="med" len="med"/>
-                    </a:lnL>
-                    <a:lnR w="12700" cap="flat" cmpd="sng" algn="ctr">
-                      <a:solidFill>
-                        <a:schemeClr val="tx1"/>
-                      </a:solidFill>
-                      <a:prstDash val="solid"/>
-                      <a:round/>
-                      <a:headEnd type="none" w="med" len="med"/>
-                      <a:tailEnd type="none" w="med" len="med"/>
-                    </a:lnR>
-                    <a:lnT w="12700" cap="flat" cmpd="sng" algn="ctr">
-                      <a:solidFill>
-                        <a:schemeClr val="tx1"/>
-                      </a:solidFill>
-                      <a:prstDash val="solid"/>
-                      <a:round/>
-                      <a:headEnd type="none" w="med" len="med"/>
-                      <a:tailEnd type="none" w="med" len="med"/>
-                    </a:lnT>
-                    <a:lnB w="12700" cap="flat" cmpd="sng" algn="ctr">
-                      <a:solidFill>
-                        <a:schemeClr val="tx1"/>
-                      </a:solidFill>
-                      <a:prstDash val="solid"/>
-                      <a:round/>
-                      <a:headEnd type="none" w="med" len="med"/>
-                      <a:tailEnd type="none" w="med" len="med"/>
-                    </a:lnB>
-                  </a:tcPr>
-                </a:tc>
-                <a:tc>
-                  <a:txBody>
-                    <a:bodyPr/>
-                    <a:lstStyle/>
-                    <a:p>
-                      <a:pPr algn="ctr"/>
-                      <a:r>
-                        <a:rPr lang="pt-BR" dirty="0"/>
-                        <a:t>2, 3, 5  e 9</a:t>
-                      </a:r>
-                    </a:p>
-                  </a:txBody>
-                  <a:tcPr>
-                    <a:lnL w="12700" cap="flat" cmpd="sng" algn="ctr">
-                      <a:solidFill>
-                        <a:schemeClr val="tx1"/>
-                      </a:solidFill>
-                      <a:prstDash val="solid"/>
-                      <a:round/>
-                      <a:headEnd type="none" w="med" len="med"/>
-                      <a:tailEnd type="none" w="med" len="med"/>
-                    </a:lnL>
-                    <a:lnR w="12700" cap="flat" cmpd="sng" algn="ctr">
-                      <a:solidFill>
-                        <a:schemeClr val="tx1"/>
-                      </a:solidFill>
-                      <a:prstDash val="solid"/>
-                      <a:round/>
-                      <a:headEnd type="none" w="med" len="med"/>
-                      <a:tailEnd type="none" w="med" len="med"/>
-                    </a:lnR>
-                    <a:lnT w="12700" cap="flat" cmpd="sng" algn="ctr">
-                      <a:solidFill>
-                        <a:schemeClr val="tx1"/>
-                      </a:solidFill>
-                      <a:prstDash val="solid"/>
-                      <a:round/>
-                      <a:headEnd type="none" w="med" len="med"/>
-                      <a:tailEnd type="none" w="med" len="med"/>
-                    </a:lnT>
-                    <a:lnB w="12700" cap="flat" cmpd="sng" algn="ctr">
-                      <a:solidFill>
-                        <a:schemeClr val="tx1"/>
-                      </a:solidFill>
-                      <a:prstDash val="solid"/>
-                      <a:round/>
-                      <a:headEnd type="none" w="med" len="med"/>
-                      <a:tailEnd type="none" w="med" len="med"/>
-                    </a:lnB>
-                  </a:tcPr>
-                </a:tc>
-                <a:tc>
-                  <a:txBody>
-                    <a:bodyPr/>
-                    <a:lstStyle/>
-                    <a:p>
-                      <a:pPr algn="ctr"/>
-                      <a:r>
-                        <a:rPr lang="pt-BR" dirty="0"/>
-                        <a:t>NASF(2,3); ESB(5) e ESF(9)</a:t>
-                      </a:r>
-                    </a:p>
-                  </a:txBody>
-                  <a:tcPr>
-                    <a:lnL w="12700" cap="flat" cmpd="sng" algn="ctr">
-                      <a:solidFill>
-                        <a:schemeClr val="tx1"/>
-                      </a:solidFill>
-                      <a:prstDash val="solid"/>
-                      <a:round/>
-                      <a:headEnd type="none" w="med" len="med"/>
-                      <a:tailEnd type="none" w="med" len="med"/>
-                    </a:lnL>
-                    <a:lnR w="12700" cap="flat" cmpd="sng" algn="ctr">
-                      <a:solidFill>
-                        <a:schemeClr val="tx1"/>
-                      </a:solidFill>
-                      <a:prstDash val="solid"/>
-                      <a:round/>
-                      <a:headEnd type="none" w="med" len="med"/>
-                      <a:tailEnd type="none" w="med" len="med"/>
-                    </a:lnR>
-                    <a:lnT w="12700" cap="flat" cmpd="sng" algn="ctr">
-                      <a:solidFill>
-                        <a:schemeClr val="tx1"/>
-                      </a:solidFill>
-                      <a:prstDash val="solid"/>
-                      <a:round/>
-                      <a:headEnd type="none" w="med" len="med"/>
-                      <a:tailEnd type="none" w="med" len="med"/>
-                    </a:lnT>
-                    <a:lnB w="12700" cap="flat" cmpd="sng" algn="ctr">
-                      <a:solidFill>
-                        <a:schemeClr val="tx1"/>
-                      </a:solidFill>
-                      <a:prstDash val="solid"/>
-                      <a:round/>
-                      <a:headEnd type="none" w="med" len="med"/>
-                      <a:tailEnd type="none" w="med" len="med"/>
-                    </a:lnB>
-                  </a:tcPr>
-                </a:tc>
-                <a:extLst>
-                  <a:ext uri="{0D108BD9-81ED-4DB2-BD59-A6C34878D82A}">
-                    <a16:rowId xmlns:a16="http://schemas.microsoft.com/office/drawing/2014/main" val="468635688"/>
-                  </a:ext>
-                </a:extLst>
-              </a:tr>
-              <a:tr h="370840">
-                <a:tc>
-                  <a:txBody>
-                    <a:bodyPr/>
-                    <a:lstStyle/>
-                    <a:p>
-                      <a:pPr algn="ctr"/>
-                      <a:r>
-                        <a:rPr lang="pt-BR" dirty="0"/>
-                        <a:t>YYYYYYY</a:t>
-                      </a:r>
-                    </a:p>
-                  </a:txBody>
-                  <a:tcPr>
-                    <a:lnL w="12700" cap="flat" cmpd="sng" algn="ctr">
-                      <a:solidFill>
-                        <a:schemeClr val="tx1"/>
-                      </a:solidFill>
-                      <a:prstDash val="solid"/>
-                      <a:round/>
-                      <a:headEnd type="none" w="med" len="med"/>
-                      <a:tailEnd type="none" w="med" len="med"/>
-                    </a:lnL>
-                    <a:lnR w="12700" cap="flat" cmpd="sng" algn="ctr">
-                      <a:solidFill>
-                        <a:schemeClr val="tx1"/>
-                      </a:solidFill>
-                      <a:prstDash val="solid"/>
-                      <a:round/>
-                      <a:headEnd type="none" w="med" len="med"/>
-                      <a:tailEnd type="none" w="med" len="med"/>
-                    </a:lnR>
-                    <a:lnT w="12700" cap="flat" cmpd="sng" algn="ctr">
-                      <a:solidFill>
-                        <a:schemeClr val="tx1"/>
-                      </a:solidFill>
-                      <a:prstDash val="solid"/>
-                      <a:round/>
-                      <a:headEnd type="none" w="med" len="med"/>
-                      <a:tailEnd type="none" w="med" len="med"/>
-                    </a:lnT>
-                    <a:lnB w="12700" cap="flat" cmpd="sng" algn="ctr">
-                      <a:solidFill>
-                        <a:schemeClr val="tx1"/>
-                      </a:solidFill>
-                      <a:prstDash val="solid"/>
-                      <a:round/>
-                      <a:headEnd type="none" w="med" len="med"/>
-                      <a:tailEnd type="none" w="med" len="med"/>
-                    </a:lnB>
-                  </a:tcPr>
-                </a:tc>
-                <a:tc>
-                  <a:txBody>
-                    <a:bodyPr/>
-                    <a:lstStyle/>
-                    <a:p>
-                      <a:pPr algn="ctr"/>
-                      <a:r>
-                        <a:rPr lang="pt-BR" dirty="0"/>
-                        <a:t>2</a:t>
-                      </a:r>
-                    </a:p>
-                  </a:txBody>
-                  <a:tcPr>
-                    <a:lnL w="12700" cap="flat" cmpd="sng" algn="ctr">
-                      <a:solidFill>
-                        <a:schemeClr val="tx1"/>
-                      </a:solidFill>
-                      <a:prstDash val="solid"/>
-                      <a:round/>
-                      <a:headEnd type="none" w="med" len="med"/>
-                      <a:tailEnd type="none" w="med" len="med"/>
-                    </a:lnL>
-                    <a:lnR w="12700" cap="flat" cmpd="sng" algn="ctr">
-                      <a:solidFill>
-                        <a:schemeClr val="tx1"/>
-                      </a:solidFill>
-                      <a:prstDash val="solid"/>
-                      <a:round/>
-                      <a:headEnd type="none" w="med" len="med"/>
-                      <a:tailEnd type="none" w="med" len="med"/>
-                    </a:lnR>
-                    <a:lnT w="12700" cap="flat" cmpd="sng" algn="ctr">
-                      <a:solidFill>
-                        <a:schemeClr val="tx1"/>
-                      </a:solidFill>
-                      <a:prstDash val="solid"/>
-                      <a:round/>
-                      <a:headEnd type="none" w="med" len="med"/>
-                      <a:tailEnd type="none" w="med" len="med"/>
-                    </a:lnT>
-                    <a:lnB w="12700" cap="flat" cmpd="sng" algn="ctr">
-                      <a:solidFill>
-                        <a:schemeClr val="tx1"/>
-                      </a:solidFill>
-                      <a:prstDash val="solid"/>
-                      <a:round/>
-                      <a:headEnd type="none" w="med" len="med"/>
-                      <a:tailEnd type="none" w="med" len="med"/>
-                    </a:lnB>
-                  </a:tcPr>
-                </a:tc>
-                <a:tc>
-                  <a:txBody>
-                    <a:bodyPr/>
-                    <a:lstStyle/>
-                    <a:p>
-                      <a:pPr algn="ctr"/>
-                      <a:endParaRPr lang="pt-BR" dirty="0"/>
-                    </a:p>
-                  </a:txBody>
-                  <a:tcPr>
-                    <a:lnL w="12700" cap="flat" cmpd="sng" algn="ctr">
-                      <a:solidFill>
-                        <a:schemeClr val="tx1"/>
-                      </a:solidFill>
-                      <a:prstDash val="solid"/>
-                      <a:round/>
-                      <a:headEnd type="none" w="med" len="med"/>
-                      <a:tailEnd type="none" w="med" len="med"/>
-                    </a:lnL>
-                    <a:lnR w="12700" cap="flat" cmpd="sng" algn="ctr">
-                      <a:solidFill>
-                        <a:schemeClr val="tx1"/>
-                      </a:solidFill>
-                      <a:prstDash val="solid"/>
-                      <a:round/>
-                      <a:headEnd type="none" w="med" len="med"/>
-                      <a:tailEnd type="none" w="med" len="med"/>
-                    </a:lnR>
-                    <a:lnT w="12700" cap="flat" cmpd="sng" algn="ctr">
-                      <a:solidFill>
-                        <a:schemeClr val="tx1"/>
-                      </a:solidFill>
-                      <a:prstDash val="solid"/>
-                      <a:round/>
-                      <a:headEnd type="none" w="med" len="med"/>
-                      <a:tailEnd type="none" w="med" len="med"/>
-                    </a:lnT>
-                    <a:lnB w="12700" cap="flat" cmpd="sng" algn="ctr">
-                      <a:solidFill>
-                        <a:schemeClr val="tx1"/>
-                      </a:solidFill>
-                      <a:prstDash val="solid"/>
-                      <a:round/>
-                      <a:headEnd type="none" w="med" len="med"/>
-                      <a:tailEnd type="none" w="med" len="med"/>
-                    </a:lnB>
-                  </a:tcPr>
-                </a:tc>
-                <a:tc>
-                  <a:txBody>
-                    <a:bodyPr/>
-                    <a:lstStyle/>
-                    <a:p>
-                      <a:pPr algn="ctr"/>
-                      <a:endParaRPr lang="pt-BR"/>
-                    </a:p>
-                  </a:txBody>
-                  <a:tcPr>
-                    <a:lnL w="12700" cap="flat" cmpd="sng" algn="ctr">
-                      <a:solidFill>
-                        <a:schemeClr val="tx1"/>
-                      </a:solidFill>
-                      <a:prstDash val="solid"/>
-                      <a:round/>
-                      <a:headEnd type="none" w="med" len="med"/>
-                      <a:tailEnd type="none" w="med" len="med"/>
-                    </a:lnL>
-                    <a:lnR w="12700" cap="flat" cmpd="sng" algn="ctr">
-                      <a:solidFill>
-                        <a:schemeClr val="tx1"/>
-                      </a:solidFill>
-                      <a:prstDash val="solid"/>
-                      <a:round/>
-                      <a:headEnd type="none" w="med" len="med"/>
-                      <a:tailEnd type="none" w="med" len="med"/>
-                    </a:lnR>
-                    <a:lnT w="12700" cap="flat" cmpd="sng" algn="ctr">
-                      <a:solidFill>
-                        <a:schemeClr val="tx1"/>
-                      </a:solidFill>
-                      <a:prstDash val="solid"/>
-                      <a:round/>
-                      <a:headEnd type="none" w="med" len="med"/>
-                      <a:tailEnd type="none" w="med" len="med"/>
-                    </a:lnT>
-                    <a:lnB w="12700" cap="flat" cmpd="sng" algn="ctr">
-                      <a:solidFill>
-                        <a:schemeClr val="tx1"/>
-                      </a:solidFill>
-                      <a:prstDash val="solid"/>
-                      <a:round/>
-                      <a:headEnd type="none" w="med" len="med"/>
-                      <a:tailEnd type="none" w="med" len="med"/>
-                    </a:lnB>
-                  </a:tcPr>
-                </a:tc>
-                <a:tc>
-                  <a:txBody>
-                    <a:bodyPr/>
-                    <a:lstStyle/>
-                    <a:p>
-                      <a:pPr algn="ctr"/>
-                      <a:endParaRPr lang="pt-BR" dirty="0"/>
-                    </a:p>
-                  </a:txBody>
-                  <a:tcPr>
-                    <a:lnL w="12700" cap="flat" cmpd="sng" algn="ctr">
-                      <a:solidFill>
-                        <a:schemeClr val="tx1"/>
-                      </a:solidFill>
-                      <a:prstDash val="solid"/>
-                      <a:round/>
-                      <a:headEnd type="none" w="med" len="med"/>
-                      <a:tailEnd type="none" w="med" len="med"/>
-                    </a:lnL>
-                    <a:lnR w="12700" cap="flat" cmpd="sng" algn="ctr">
-                      <a:solidFill>
-                        <a:schemeClr val="tx1"/>
-                      </a:solidFill>
-                      <a:prstDash val="solid"/>
-                      <a:round/>
-                      <a:headEnd type="none" w="med" len="med"/>
-                      <a:tailEnd type="none" w="med" len="med"/>
-                    </a:lnR>
-                    <a:lnT w="12700" cap="flat" cmpd="sng" algn="ctr">
-                      <a:solidFill>
-                        <a:schemeClr val="tx1"/>
-                      </a:solidFill>
-                      <a:prstDash val="solid"/>
-                      <a:round/>
-                      <a:headEnd type="none" w="med" len="med"/>
-                      <a:tailEnd type="none" w="med" len="med"/>
-                    </a:lnT>
-                    <a:lnB w="12700" cap="flat" cmpd="sng" algn="ctr">
-                      <a:solidFill>
-                        <a:schemeClr val="tx1"/>
-                      </a:solidFill>
-                      <a:prstDash val="solid"/>
-                      <a:round/>
-                      <a:headEnd type="none" w="med" len="med"/>
-                      <a:tailEnd type="none" w="med" len="med"/>
-                    </a:lnB>
-                  </a:tcPr>
-                </a:tc>
-                <a:extLst>
-                  <a:ext uri="{0D108BD9-81ED-4DB2-BD59-A6C34878D82A}">
-                    <a16:rowId xmlns:a16="http://schemas.microsoft.com/office/drawing/2014/main" val="3945350206"/>
-                  </a:ext>
-                </a:extLst>
-              </a:tr>
-              <a:tr h="370840">
-                <a:tc>
-                  <a:txBody>
-                    <a:bodyPr/>
-                    <a:lstStyle/>
-                    <a:p>
-                      <a:pPr algn="ctr"/>
-                      <a:r>
-                        <a:rPr lang="pt-BR" dirty="0"/>
-                        <a:t>ZZZZZZZ</a:t>
-                      </a:r>
-                    </a:p>
-                  </a:txBody>
-                  <a:tcPr>
-                    <a:lnL w="12700" cap="flat" cmpd="sng" algn="ctr">
-                      <a:solidFill>
-                        <a:schemeClr val="tx1"/>
-                      </a:solidFill>
-                      <a:prstDash val="solid"/>
-                      <a:round/>
-                      <a:headEnd type="none" w="med" len="med"/>
-                      <a:tailEnd type="none" w="med" len="med"/>
-                    </a:lnL>
-                    <a:lnR w="12700" cap="flat" cmpd="sng" algn="ctr">
-                      <a:solidFill>
-                        <a:schemeClr val="tx1"/>
-                      </a:solidFill>
-                      <a:prstDash val="solid"/>
-                      <a:round/>
-                      <a:headEnd type="none" w="med" len="med"/>
-                      <a:tailEnd type="none" w="med" len="med"/>
-                    </a:lnR>
-                    <a:lnT w="12700" cap="flat" cmpd="sng" algn="ctr">
-                      <a:solidFill>
-                        <a:schemeClr val="tx1"/>
-                      </a:solidFill>
-                      <a:prstDash val="solid"/>
-                      <a:round/>
-                      <a:headEnd type="none" w="med" len="med"/>
-                      <a:tailEnd type="none" w="med" len="med"/>
-                    </a:lnT>
-                    <a:lnB w="12700" cap="flat" cmpd="sng" algn="ctr">
-                      <a:solidFill>
-                        <a:schemeClr val="tx1"/>
-                      </a:solidFill>
-                      <a:prstDash val="solid"/>
-                      <a:round/>
-                      <a:headEnd type="none" w="med" len="med"/>
-                      <a:tailEnd type="none" w="med" len="med"/>
-                    </a:lnB>
-                  </a:tcPr>
-                </a:tc>
-                <a:tc>
-                  <a:txBody>
-                    <a:bodyPr/>
-                    <a:lstStyle/>
-                    <a:p>
-                      <a:pPr algn="ctr"/>
-                      <a:r>
-                        <a:rPr lang="pt-BR" dirty="0"/>
-                        <a:t>13</a:t>
-                      </a:r>
-                    </a:p>
-                  </a:txBody>
-                  <a:tcPr>
-                    <a:lnL w="12700" cap="flat" cmpd="sng" algn="ctr">
-                      <a:solidFill>
-                        <a:schemeClr val="tx1"/>
-                      </a:solidFill>
-                      <a:prstDash val="solid"/>
-                      <a:round/>
-                      <a:headEnd type="none" w="med" len="med"/>
-                      <a:tailEnd type="none" w="med" len="med"/>
-                    </a:lnL>
-                    <a:lnR w="12700" cap="flat" cmpd="sng" algn="ctr">
-                      <a:solidFill>
-                        <a:schemeClr val="tx1"/>
-                      </a:solidFill>
-                      <a:prstDash val="solid"/>
-                      <a:round/>
-                      <a:headEnd type="none" w="med" len="med"/>
-                      <a:tailEnd type="none" w="med" len="med"/>
-                    </a:lnR>
-                    <a:lnT w="12700" cap="flat" cmpd="sng" algn="ctr">
-                      <a:solidFill>
-                        <a:schemeClr val="tx1"/>
-                      </a:solidFill>
-                      <a:prstDash val="solid"/>
-                      <a:round/>
-                      <a:headEnd type="none" w="med" len="med"/>
-                      <a:tailEnd type="none" w="med" len="med"/>
-                    </a:lnT>
-                    <a:lnB w="12700" cap="flat" cmpd="sng" algn="ctr">
-                      <a:solidFill>
-                        <a:schemeClr val="tx1"/>
-                      </a:solidFill>
-                      <a:prstDash val="solid"/>
-                      <a:round/>
-                      <a:headEnd type="none" w="med" len="med"/>
-                      <a:tailEnd type="none" w="med" len="med"/>
-                    </a:lnB>
-                  </a:tcPr>
-                </a:tc>
-                <a:tc>
-                  <a:txBody>
-                    <a:bodyPr/>
-                    <a:lstStyle/>
-                    <a:p>
-                      <a:pPr algn="ctr"/>
-                      <a:endParaRPr lang="pt-BR" dirty="0"/>
-                    </a:p>
-                  </a:txBody>
-                  <a:tcPr>
-                    <a:lnL w="12700" cap="flat" cmpd="sng" algn="ctr">
-                      <a:solidFill>
-                        <a:schemeClr val="tx1"/>
-                      </a:solidFill>
-                      <a:prstDash val="solid"/>
-                      <a:round/>
-                      <a:headEnd type="none" w="med" len="med"/>
-                      <a:tailEnd type="none" w="med" len="med"/>
-                    </a:lnL>
-                    <a:lnR w="12700" cap="flat" cmpd="sng" algn="ctr">
-                      <a:solidFill>
-                        <a:schemeClr val="tx1"/>
-                      </a:solidFill>
-                      <a:prstDash val="solid"/>
-                      <a:round/>
-                      <a:headEnd type="none" w="med" len="med"/>
-                      <a:tailEnd type="none" w="med" len="med"/>
-                    </a:lnR>
-                    <a:lnT w="12700" cap="flat" cmpd="sng" algn="ctr">
-                      <a:solidFill>
-                        <a:schemeClr val="tx1"/>
-                      </a:solidFill>
-                      <a:prstDash val="solid"/>
-                      <a:round/>
-                      <a:headEnd type="none" w="med" len="med"/>
-                      <a:tailEnd type="none" w="med" len="med"/>
-                    </a:lnT>
-                    <a:lnB w="12700" cap="flat" cmpd="sng" algn="ctr">
-                      <a:solidFill>
-                        <a:schemeClr val="tx1"/>
-                      </a:solidFill>
-                      <a:prstDash val="solid"/>
-                      <a:round/>
-                      <a:headEnd type="none" w="med" len="med"/>
-                      <a:tailEnd type="none" w="med" len="med"/>
-                    </a:lnB>
-                  </a:tcPr>
-                </a:tc>
-                <a:tc>
-                  <a:txBody>
-                    <a:bodyPr/>
-                    <a:lstStyle/>
-                    <a:p>
-                      <a:pPr algn="ctr"/>
-                      <a:endParaRPr lang="pt-BR"/>
-                    </a:p>
-                  </a:txBody>
-                  <a:tcPr>
-                    <a:lnL w="12700" cap="flat" cmpd="sng" algn="ctr">
-                      <a:solidFill>
-                        <a:schemeClr val="tx1"/>
-                      </a:solidFill>
-                      <a:prstDash val="solid"/>
-                      <a:round/>
-                      <a:headEnd type="none" w="med" len="med"/>
-                      <a:tailEnd type="none" w="med" len="med"/>
-                    </a:lnL>
-                    <a:lnR w="12700" cap="flat" cmpd="sng" algn="ctr">
-                      <a:solidFill>
-                        <a:schemeClr val="tx1"/>
-                      </a:solidFill>
-                      <a:prstDash val="solid"/>
-                      <a:round/>
-                      <a:headEnd type="none" w="med" len="med"/>
-                      <a:tailEnd type="none" w="med" len="med"/>
-                    </a:lnR>
-                    <a:lnT w="12700" cap="flat" cmpd="sng" algn="ctr">
-                      <a:solidFill>
-                        <a:schemeClr val="tx1"/>
-                      </a:solidFill>
-                      <a:prstDash val="solid"/>
-                      <a:round/>
-                      <a:headEnd type="none" w="med" len="med"/>
-                      <a:tailEnd type="none" w="med" len="med"/>
-                    </a:lnT>
-                    <a:lnB w="12700" cap="flat" cmpd="sng" algn="ctr">
-                      <a:solidFill>
-                        <a:schemeClr val="tx1"/>
-                      </a:solidFill>
-                      <a:prstDash val="solid"/>
-                      <a:round/>
-                      <a:headEnd type="none" w="med" len="med"/>
-                      <a:tailEnd type="none" w="med" len="med"/>
-                    </a:lnB>
-                  </a:tcPr>
-                </a:tc>
-                <a:tc>
-                  <a:txBody>
-                    <a:bodyPr/>
-                    <a:lstStyle/>
-                    <a:p>
-                      <a:pPr algn="ctr"/>
-                      <a:endParaRPr lang="pt-BR" dirty="0"/>
-                    </a:p>
-                  </a:txBody>
-                  <a:tcPr>
-                    <a:lnL w="12700" cap="flat" cmpd="sng" algn="ctr">
-                      <a:solidFill>
-                        <a:schemeClr val="tx1"/>
-                      </a:solidFill>
-                      <a:prstDash val="solid"/>
-                      <a:round/>
-                      <a:headEnd type="none" w="med" len="med"/>
-                      <a:tailEnd type="none" w="med" len="med"/>
-                    </a:lnL>
-                    <a:lnR w="12700" cap="flat" cmpd="sng" algn="ctr">
-                      <a:solidFill>
-                        <a:schemeClr val="tx1"/>
-                      </a:solidFill>
-                      <a:prstDash val="solid"/>
-                      <a:round/>
-                      <a:headEnd type="none" w="med" len="med"/>
-                      <a:tailEnd type="none" w="med" len="med"/>
-                    </a:lnR>
-                    <a:lnT w="12700" cap="flat" cmpd="sng" algn="ctr">
-                      <a:solidFill>
-                        <a:schemeClr val="tx1"/>
-                      </a:solidFill>
-                      <a:prstDash val="solid"/>
-                      <a:round/>
-                      <a:headEnd type="none" w="med" len="med"/>
-                      <a:tailEnd type="none" w="med" len="med"/>
-                    </a:lnT>
-                    <a:lnB w="12700" cap="flat" cmpd="sng" algn="ctr">
-                      <a:solidFill>
-                        <a:schemeClr val="tx1"/>
-                      </a:solidFill>
-                      <a:prstDash val="solid"/>
-                      <a:round/>
-                      <a:headEnd type="none" w="med" len="med"/>
-                      <a:tailEnd type="none" w="med" len="med"/>
-                    </a:lnB>
-                  </a:tcPr>
-                </a:tc>
-                <a:extLst>
-                  <a:ext uri="{0D108BD9-81ED-4DB2-BD59-A6C34878D82A}">
-                    <a16:rowId xmlns:a16="http://schemas.microsoft.com/office/drawing/2014/main" val="2074823456"/>
-                  </a:ext>
-                </a:extLst>
-              </a:tr>
-              <a:tr h="370840">
-                <a:tc>
-                  <a:txBody>
-                    <a:bodyPr/>
-                    <a:lstStyle/>
-                    <a:p>
-                      <a:pPr algn="ctr"/>
-                      <a:r>
-                        <a:rPr lang="pt-BR" dirty="0"/>
-                        <a:t>WWWW</a:t>
-                      </a:r>
-                    </a:p>
-                  </a:txBody>
-                  <a:tcPr>
-                    <a:lnL w="12700" cap="flat" cmpd="sng" algn="ctr">
-                      <a:solidFill>
-                        <a:schemeClr val="tx1"/>
-                      </a:solidFill>
-                      <a:prstDash val="solid"/>
-                      <a:round/>
-                      <a:headEnd type="none" w="med" len="med"/>
-                      <a:tailEnd type="none" w="med" len="med"/>
-                    </a:lnL>
-                    <a:lnR w="12700" cap="flat" cmpd="sng" algn="ctr">
-                      <a:solidFill>
-                        <a:schemeClr val="tx1"/>
-                      </a:solidFill>
-                      <a:prstDash val="solid"/>
-                      <a:round/>
-                      <a:headEnd type="none" w="med" len="med"/>
-                      <a:tailEnd type="none" w="med" len="med"/>
-                    </a:lnR>
-                    <a:lnT w="12700" cap="flat" cmpd="sng" algn="ctr">
-                      <a:solidFill>
-                        <a:schemeClr val="tx1"/>
-                      </a:solidFill>
-                      <a:prstDash val="solid"/>
-                      <a:round/>
-                      <a:headEnd type="none" w="med" len="med"/>
-                      <a:tailEnd type="none" w="med" len="med"/>
-                    </a:lnT>
-                    <a:lnB w="12700" cap="flat" cmpd="sng" algn="ctr">
-                      <a:solidFill>
-                        <a:schemeClr val="tx1"/>
-                      </a:solidFill>
-                      <a:prstDash val="solid"/>
-                      <a:round/>
-                      <a:headEnd type="none" w="med" len="med"/>
-                      <a:tailEnd type="none" w="med" len="med"/>
-                    </a:lnB>
-                  </a:tcPr>
-                </a:tc>
-                <a:tc>
-                  <a:txBody>
-                    <a:bodyPr/>
-                    <a:lstStyle/>
-                    <a:p>
-                      <a:pPr algn="ctr"/>
-                      <a:r>
-                        <a:rPr lang="pt-BR" dirty="0"/>
-                        <a:t>5</a:t>
-                      </a:r>
-                    </a:p>
-                  </a:txBody>
-                  <a:tcPr>
-                    <a:lnL w="12700" cap="flat" cmpd="sng" algn="ctr">
-                      <a:solidFill>
-                        <a:schemeClr val="tx1"/>
-                      </a:solidFill>
-                      <a:prstDash val="solid"/>
-                      <a:round/>
-                      <a:headEnd type="none" w="med" len="med"/>
-                      <a:tailEnd type="none" w="med" len="med"/>
-                    </a:lnL>
-                    <a:lnR w="12700" cap="flat" cmpd="sng" algn="ctr">
-                      <a:solidFill>
-                        <a:schemeClr val="tx1"/>
-                      </a:solidFill>
-                      <a:prstDash val="solid"/>
-                      <a:round/>
-                      <a:headEnd type="none" w="med" len="med"/>
-                      <a:tailEnd type="none" w="med" len="med"/>
-                    </a:lnR>
-                    <a:lnT w="12700" cap="flat" cmpd="sng" algn="ctr">
-                      <a:solidFill>
-                        <a:schemeClr val="tx1"/>
-                      </a:solidFill>
-                      <a:prstDash val="solid"/>
-                      <a:round/>
-                      <a:headEnd type="none" w="med" len="med"/>
-                      <a:tailEnd type="none" w="med" len="med"/>
-                    </a:lnT>
-                    <a:lnB w="12700" cap="flat" cmpd="sng" algn="ctr">
-                      <a:solidFill>
-                        <a:schemeClr val="tx1"/>
-                      </a:solidFill>
-                      <a:prstDash val="solid"/>
-                      <a:round/>
-                      <a:headEnd type="none" w="med" len="med"/>
-                      <a:tailEnd type="none" w="med" len="med"/>
-                    </a:lnB>
-                  </a:tcPr>
-                </a:tc>
-                <a:tc>
-                  <a:txBody>
-                    <a:bodyPr/>
-                    <a:lstStyle/>
-                    <a:p>
-                      <a:pPr algn="ctr"/>
-                      <a:endParaRPr lang="pt-BR" dirty="0"/>
-                    </a:p>
-                  </a:txBody>
-                  <a:tcPr>
-                    <a:lnL w="12700" cap="flat" cmpd="sng" algn="ctr">
-                      <a:solidFill>
-                        <a:schemeClr val="tx1"/>
-                      </a:solidFill>
-                      <a:prstDash val="solid"/>
-                      <a:round/>
-                      <a:headEnd type="none" w="med" len="med"/>
-                      <a:tailEnd type="none" w="med" len="med"/>
-                    </a:lnL>
-                    <a:lnR w="12700" cap="flat" cmpd="sng" algn="ctr">
-                      <a:solidFill>
-                        <a:schemeClr val="tx1"/>
-                      </a:solidFill>
-                      <a:prstDash val="solid"/>
-                      <a:round/>
-                      <a:headEnd type="none" w="med" len="med"/>
-                      <a:tailEnd type="none" w="med" len="med"/>
-                    </a:lnR>
-                    <a:lnT w="12700" cap="flat" cmpd="sng" algn="ctr">
-                      <a:solidFill>
-                        <a:schemeClr val="tx1"/>
-                      </a:solidFill>
-                      <a:prstDash val="solid"/>
-                      <a:round/>
-                      <a:headEnd type="none" w="med" len="med"/>
-                      <a:tailEnd type="none" w="med" len="med"/>
-                    </a:lnT>
-                    <a:lnB w="12700" cap="flat" cmpd="sng" algn="ctr">
-                      <a:solidFill>
-                        <a:schemeClr val="tx1"/>
-                      </a:solidFill>
-                      <a:prstDash val="solid"/>
-                      <a:round/>
-                      <a:headEnd type="none" w="med" len="med"/>
-                      <a:tailEnd type="none" w="med" len="med"/>
-                    </a:lnB>
-                  </a:tcPr>
-                </a:tc>
-                <a:tc>
-                  <a:txBody>
-                    <a:bodyPr/>
-                    <a:lstStyle/>
-                    <a:p>
-                      <a:pPr algn="ctr"/>
-                      <a:endParaRPr lang="pt-BR"/>
-                    </a:p>
-                  </a:txBody>
-                  <a:tcPr>
-                    <a:lnL w="12700" cap="flat" cmpd="sng" algn="ctr">
-                      <a:solidFill>
-                        <a:schemeClr val="tx1"/>
-                      </a:solidFill>
-                      <a:prstDash val="solid"/>
-                      <a:round/>
-                      <a:headEnd type="none" w="med" len="med"/>
-                      <a:tailEnd type="none" w="med" len="med"/>
-                    </a:lnL>
-                    <a:lnR w="12700" cap="flat" cmpd="sng" algn="ctr">
-                      <a:solidFill>
-                        <a:schemeClr val="tx1"/>
-                      </a:solidFill>
-                      <a:prstDash val="solid"/>
-                      <a:round/>
-                      <a:headEnd type="none" w="med" len="med"/>
-                      <a:tailEnd type="none" w="med" len="med"/>
-                    </a:lnR>
-                    <a:lnT w="12700" cap="flat" cmpd="sng" algn="ctr">
-                      <a:solidFill>
-                        <a:schemeClr val="tx1"/>
-                      </a:solidFill>
-                      <a:prstDash val="solid"/>
-                      <a:round/>
-                      <a:headEnd type="none" w="med" len="med"/>
-                      <a:tailEnd type="none" w="med" len="med"/>
-                    </a:lnT>
-                    <a:lnB w="12700" cap="flat" cmpd="sng" algn="ctr">
-                      <a:solidFill>
-                        <a:schemeClr val="tx1"/>
-                      </a:solidFill>
-                      <a:prstDash val="solid"/>
-                      <a:round/>
-                      <a:headEnd type="none" w="med" len="med"/>
-                      <a:tailEnd type="none" w="med" len="med"/>
-                    </a:lnB>
-                  </a:tcPr>
-                </a:tc>
-                <a:tc>
-                  <a:txBody>
-                    <a:bodyPr/>
-                    <a:lstStyle/>
-                    <a:p>
-                      <a:pPr algn="ctr"/>
-                      <a:endParaRPr lang="pt-BR" dirty="0"/>
-                    </a:p>
-                  </a:txBody>
-                  <a:tcPr>
-                    <a:lnL w="12700" cap="flat" cmpd="sng" algn="ctr">
-                      <a:solidFill>
-                        <a:schemeClr val="tx1"/>
-                      </a:solidFill>
-                      <a:prstDash val="solid"/>
-                      <a:round/>
-                      <a:headEnd type="none" w="med" len="med"/>
-                      <a:tailEnd type="none" w="med" len="med"/>
-                    </a:lnL>
-                    <a:lnR w="12700" cap="flat" cmpd="sng" algn="ctr">
-                      <a:solidFill>
-                        <a:schemeClr val="tx1"/>
-                      </a:solidFill>
-                      <a:prstDash val="solid"/>
-                      <a:round/>
-                      <a:headEnd type="none" w="med" len="med"/>
-                      <a:tailEnd type="none" w="med" len="med"/>
-                    </a:lnR>
-                    <a:lnT w="12700" cap="flat" cmpd="sng" algn="ctr">
-                      <a:solidFill>
-                        <a:schemeClr val="tx1"/>
-                      </a:solidFill>
-                      <a:prstDash val="solid"/>
-                      <a:round/>
-                      <a:headEnd type="none" w="med" len="med"/>
-                      <a:tailEnd type="none" w="med" len="med"/>
-                    </a:lnT>
-                    <a:lnB w="12700" cap="flat" cmpd="sng" algn="ctr">
-                      <a:solidFill>
-                        <a:schemeClr val="tx1"/>
-                      </a:solidFill>
-                      <a:prstDash val="solid"/>
-                      <a:round/>
-                      <a:headEnd type="none" w="med" len="med"/>
-                      <a:tailEnd type="none" w="med" len="med"/>
-                    </a:lnB>
-                  </a:tcPr>
-                </a:tc>
-                <a:extLst>
-                  <a:ext uri="{0D108BD9-81ED-4DB2-BD59-A6C34878D82A}">
-                    <a16:rowId xmlns:a16="http://schemas.microsoft.com/office/drawing/2014/main" val="1804736708"/>
-                  </a:ext>
-                </a:extLst>
-              </a:tr>
-            </a:tbl>
-          </a:graphicData>
-        </a:graphic>
-      </p:graphicFrame>
-    </p:spTree>
-    <p:extLst>
-      <p:ext uri="{BB962C8B-B14F-4D97-AF65-F5344CB8AC3E}">
-        <p14:creationId xmlns:p14="http://schemas.microsoft.com/office/powerpoint/2010/main" val="2913642063"/>
-      </p:ext>
-    </p:extLst>
-  </p:cSld>
-  <p:clrMapOvr>
-    <a:masterClrMapping/>
-  </p:clrMapOvr>
-</p:sld>
-</file>
-
-<file path=ppt/slides/slide13.xml><?xml version="1.0" encoding="utf-8"?>
 <p:sld xmlns:a="http://schemas.openxmlformats.org/drawingml/2006/main" xmlns:r="http://schemas.openxmlformats.org/officeDocument/2006/relationships" xmlns:p="http://schemas.openxmlformats.org/presentationml/2006/main">
   <p:cSld>
     <p:spTree>
@@ -14643,7 +7587,7 @@
     </p:spTree>
     <p:extLst>
       <p:ext uri="{BB962C8B-B14F-4D97-AF65-F5344CB8AC3E}">
-        <p14:creationId xmlns:p14="http://schemas.microsoft.com/office/powerpoint/2010/main" val="821727624"/>
+        <p14:creationId xmlns:p14="http://schemas.microsoft.com/office/powerpoint/2010/main" val="3211832456"/>
       </p:ext>
     </p:extLst>
   </p:cSld>
@@ -14653,7 +7597,7 @@
 </p:sld>
 </file>
 
-<file path=ppt/slides/slide14.xml><?xml version="1.0" encoding="utf-8"?>
+<file path=ppt/slides/slide12.xml><?xml version="1.0" encoding="utf-8"?>
 <p:sld xmlns:a="http://schemas.openxmlformats.org/drawingml/2006/main" xmlns:r="http://schemas.openxmlformats.org/officeDocument/2006/relationships" xmlns:p="http://schemas.openxmlformats.org/presentationml/2006/main">
   <p:cSld>
     <p:spTree>
@@ -15011,7 +7955,7 @@
 </p:sld>
 </file>
 
-<file path=ppt/slides/slide15.xml><?xml version="1.0" encoding="utf-8"?>
+<file path=ppt/slides/slide13.xml><?xml version="1.0" encoding="utf-8"?>
 <p:sld xmlns:a="http://schemas.openxmlformats.org/drawingml/2006/main" xmlns:r="http://schemas.openxmlformats.org/officeDocument/2006/relationships" xmlns:p="http://schemas.openxmlformats.org/presentationml/2006/main">
   <p:cSld>
     <p:spTree>
@@ -16711,7 +9655,7 @@
 </p:sld>
 </file>
 
-<file path=ppt/slides/slide16.xml><?xml version="1.0" encoding="utf-8"?>
+<file path=ppt/slides/slide14.xml><?xml version="1.0" encoding="utf-8"?>
 <p:sld xmlns:a="http://schemas.openxmlformats.org/drawingml/2006/main" xmlns:r="http://schemas.openxmlformats.org/officeDocument/2006/relationships" xmlns:p="http://schemas.openxmlformats.org/presentationml/2006/main">
   <p:cSld>
     <p:spTree>
@@ -16797,7 +9741,7 @@
 </p:sld>
 </file>
 
-<file path=ppt/slides/slide17.xml><?xml version="1.0" encoding="utf-8"?>
+<file path=ppt/slides/slide15.xml><?xml version="1.0" encoding="utf-8"?>
 <p:sld xmlns:a="http://schemas.openxmlformats.org/drawingml/2006/main" xmlns:r="http://schemas.openxmlformats.org/officeDocument/2006/relationships" xmlns:p="http://schemas.openxmlformats.org/presentationml/2006/main">
   <p:cSld>
     <p:spTree>
@@ -18595,7 +11539,7 @@
 </p:sld>
 </file>
 
-<file path=ppt/slides/slide18.xml><?xml version="1.0" encoding="utf-8"?>
+<file path=ppt/slides/slide16.xml><?xml version="1.0" encoding="utf-8"?>
 <p:sld xmlns:a="http://schemas.openxmlformats.org/drawingml/2006/main" xmlns:r="http://schemas.openxmlformats.org/officeDocument/2006/relationships" xmlns:p="http://schemas.openxmlformats.org/presentationml/2006/main">
   <p:cSld>
     <p:spTree>
@@ -19249,7 +12193,7 @@
 </p:sld>
 </file>
 
-<file path=ppt/slides/slide19.xml><?xml version="1.0" encoding="utf-8"?>
+<file path=ppt/slides/slide17.xml><?xml version="1.0" encoding="utf-8"?>
 <p:sld xmlns:a="http://schemas.openxmlformats.org/drawingml/2006/main" xmlns:r="http://schemas.openxmlformats.org/officeDocument/2006/relationships" xmlns:p="http://schemas.openxmlformats.org/presentationml/2006/main">
   <p:cSld>
     <p:spTree>
@@ -19323,6 +12267,426 @@
     <p:extLst>
       <p:ext uri="{BB962C8B-B14F-4D97-AF65-F5344CB8AC3E}">
         <p14:creationId xmlns:p14="http://schemas.microsoft.com/office/powerpoint/2010/main" val="3052858273"/>
+      </p:ext>
+    </p:extLst>
+  </p:cSld>
+  <p:clrMapOvr>
+    <a:masterClrMapping/>
+  </p:clrMapOvr>
+</p:sld>
+</file>
+
+<file path=ppt/slides/slide18.xml><?xml version="1.0" encoding="utf-8"?>
+<p:sld xmlns:a="http://schemas.openxmlformats.org/drawingml/2006/main" xmlns:r="http://schemas.openxmlformats.org/officeDocument/2006/relationships" xmlns:p="http://schemas.openxmlformats.org/presentationml/2006/main">
+  <p:cSld>
+    <p:spTree>
+      <p:nvGrpSpPr>
+        <p:cNvPr id="1" name=""/>
+        <p:cNvGrpSpPr/>
+        <p:nvPr/>
+      </p:nvGrpSpPr>
+      <p:grpSpPr>
+        <a:xfrm>
+          <a:off x="0" y="0"/>
+          <a:ext cx="0" cy="0"/>
+          <a:chOff x="0" y="0"/>
+          <a:chExt cx="0" cy="0"/>
+        </a:xfrm>
+      </p:grpSpPr>
+      <p:sp>
+        <p:nvSpPr>
+          <p:cNvPr id="2" name="Título 1">
+            <a:extLst>
+              <a:ext uri="{FF2B5EF4-FFF2-40B4-BE49-F238E27FC236}">
+                <a16:creationId xmlns:a16="http://schemas.microsoft.com/office/drawing/2014/main" id="{B19D2DD2-BA3D-6505-9DCC-05610CD426E8}"/>
+              </a:ext>
+            </a:extLst>
+          </p:cNvPr>
+          <p:cNvSpPr>
+            <a:spLocks noGrp="1"/>
+          </p:cNvSpPr>
+          <p:nvPr>
+            <p:ph type="title"/>
+          </p:nvPr>
+        </p:nvSpPr>
+        <p:spPr/>
+        <p:txBody>
+          <a:bodyPr/>
+          <a:lstStyle/>
+          <a:p>
+            <a:r>
+              <a:rPr lang="pt-BR" dirty="0"/>
+              <a:t>Temas</a:t>
+            </a:r>
+          </a:p>
+        </p:txBody>
+      </p:sp>
+      <p:sp>
+        <p:nvSpPr>
+          <p:cNvPr id="3" name="Espaço Reservado para Conteúdo 2">
+            <a:extLst>
+              <a:ext uri="{FF2B5EF4-FFF2-40B4-BE49-F238E27FC236}">
+                <a16:creationId xmlns:a16="http://schemas.microsoft.com/office/drawing/2014/main" id="{A39CF151-C0AA-449B-C2E3-D80C397FB96D}"/>
+              </a:ext>
+            </a:extLst>
+          </p:cNvPr>
+          <p:cNvSpPr>
+            <a:spLocks noGrp="1"/>
+          </p:cNvSpPr>
+          <p:nvPr>
+            <p:ph idx="1"/>
+          </p:nvPr>
+        </p:nvSpPr>
+        <p:spPr/>
+        <p:txBody>
+          <a:bodyPr>
+            <a:normAutofit fontScale="92500" lnSpcReduction="20000"/>
+          </a:bodyPr>
+          <a:lstStyle/>
+          <a:p>
+            <a:pPr marL="457200" indent="-457200">
+              <a:buFont typeface="+mj-lt"/>
+              <a:buAutoNum type="arabicPeriod"/>
+            </a:pPr>
+            <a:r>
+              <a:rPr lang="pt-BR" sz="2000" dirty="0"/>
+              <a:t>Alimentação saudável e prevenção da obesidade</a:t>
+            </a:r>
+          </a:p>
+          <a:p>
+            <a:pPr marL="457200" indent="-457200">
+              <a:buFont typeface="+mj-lt"/>
+              <a:buAutoNum type="arabicPeriod"/>
+            </a:pPr>
+            <a:r>
+              <a:rPr lang="pt-BR" sz="2000" dirty="0"/>
+              <a:t>Promoção da atividade física</a:t>
+            </a:r>
+          </a:p>
+          <a:p>
+            <a:pPr marL="457200" indent="-457200">
+              <a:buFont typeface="+mj-lt"/>
+              <a:buAutoNum type="arabicPeriod"/>
+            </a:pPr>
+            <a:r>
+              <a:rPr lang="pt-BR" sz="2000" dirty="0"/>
+              <a:t>Promoção da cultura de paz e direitos humanos</a:t>
+            </a:r>
+          </a:p>
+          <a:p>
+            <a:pPr marL="457200" indent="-457200">
+              <a:buFont typeface="+mj-lt"/>
+              <a:buAutoNum type="arabicPeriod"/>
+            </a:pPr>
+            <a:r>
+              <a:rPr lang="pt-BR" sz="2000" dirty="0"/>
+              <a:t>Prevenção das violências e dos acidentes</a:t>
+            </a:r>
+          </a:p>
+          <a:p>
+            <a:pPr marL="457200" indent="-457200">
+              <a:buFont typeface="+mj-lt"/>
+              <a:buAutoNum type="arabicPeriod"/>
+            </a:pPr>
+            <a:r>
+              <a:rPr lang="pt-BR" sz="2000" dirty="0"/>
+              <a:t>Prevenção de doenças negligenciadas</a:t>
+            </a:r>
+          </a:p>
+          <a:p>
+            <a:pPr marL="457200" indent="-457200">
+              <a:buFont typeface="+mj-lt"/>
+              <a:buAutoNum type="arabicPeriod"/>
+            </a:pPr>
+            <a:r>
+              <a:rPr lang="pt-BR" sz="2000" dirty="0"/>
+              <a:t>Prevenção ao uso de álcool, tabaco e outras drogas</a:t>
+            </a:r>
+          </a:p>
+          <a:p>
+            <a:pPr marL="457200" indent="-457200">
+              <a:buFont typeface="+mj-lt"/>
+              <a:buAutoNum type="arabicPeriod"/>
+            </a:pPr>
+            <a:r>
+              <a:rPr lang="pt-BR" sz="2000" dirty="0"/>
+              <a:t>Prevenção à covid-19</a:t>
+            </a:r>
+          </a:p>
+          <a:p>
+            <a:pPr marL="457200" indent="-457200">
+              <a:buFont typeface="+mj-lt"/>
+              <a:buAutoNum type="arabicPeriod"/>
+            </a:pPr>
+            <a:r>
+              <a:rPr lang="pt-BR" sz="2000" dirty="0"/>
+              <a:t>Saúde ambiental</a:t>
+            </a:r>
+          </a:p>
+          <a:p>
+            <a:pPr marL="457200" indent="-457200">
+              <a:buFont typeface="+mj-lt"/>
+              <a:buAutoNum type="arabicPeriod"/>
+            </a:pPr>
+            <a:r>
+              <a:rPr lang="pt-BR" sz="2000" dirty="0"/>
+              <a:t>Saúde bucal</a:t>
+            </a:r>
+          </a:p>
+          <a:p>
+            <a:pPr marL="457200" indent="-457200">
+              <a:buFont typeface="+mj-lt"/>
+              <a:buAutoNum type="arabicPeriod"/>
+            </a:pPr>
+            <a:r>
+              <a:rPr lang="pt-BR" sz="2000" dirty="0"/>
+              <a:t>Saúde auditiva</a:t>
+            </a:r>
+          </a:p>
+          <a:p>
+            <a:pPr marL="457200" indent="-457200">
+              <a:buFont typeface="+mj-lt"/>
+              <a:buAutoNum type="arabicPeriod"/>
+            </a:pPr>
+            <a:r>
+              <a:rPr lang="pt-BR" sz="2000" dirty="0"/>
+              <a:t>Saúde ocular</a:t>
+            </a:r>
+          </a:p>
+          <a:p>
+            <a:pPr marL="457200" indent="-457200">
+              <a:buFont typeface="+mj-lt"/>
+              <a:buAutoNum type="arabicPeriod"/>
+            </a:pPr>
+            <a:r>
+              <a:rPr lang="pt-BR" sz="2000" dirty="0"/>
+              <a:t>Saúde mental</a:t>
+            </a:r>
+          </a:p>
+          <a:p>
+            <a:pPr marL="457200" indent="-457200">
+              <a:buFont typeface="+mj-lt"/>
+              <a:buAutoNum type="arabicPeriod"/>
+            </a:pPr>
+            <a:r>
+              <a:rPr lang="pt-BR" sz="2000" dirty="0"/>
+              <a:t>Saúde sexual e reprodutiva e prevenção do HIV/IST</a:t>
+            </a:r>
+          </a:p>
+          <a:p>
+            <a:pPr marL="457200" indent="-457200">
+              <a:buFont typeface="+mj-lt"/>
+              <a:buAutoNum type="arabicPeriod"/>
+            </a:pPr>
+            <a:r>
+              <a:rPr lang="pt-BR" sz="2000" dirty="0"/>
+              <a:t>Verificação da situação vacinal</a:t>
+            </a:r>
+          </a:p>
+          <a:p>
+            <a:pPr marL="457200" indent="-457200">
+              <a:buFont typeface="+mj-lt"/>
+              <a:buAutoNum type="arabicPeriod"/>
+            </a:pPr>
+            <a:endParaRPr lang="pt-BR" sz="2000" dirty="0"/>
+          </a:p>
+          <a:p>
+            <a:pPr marL="457200" indent="-457200">
+              <a:buFont typeface="+mj-lt"/>
+              <a:buAutoNum type="arabicPeriod"/>
+            </a:pPr>
+            <a:endParaRPr lang="pt-BR" sz="2000" dirty="0"/>
+          </a:p>
+        </p:txBody>
+      </p:sp>
+    </p:spTree>
+    <p:extLst>
+      <p:ext uri="{BB962C8B-B14F-4D97-AF65-F5344CB8AC3E}">
+        <p14:creationId xmlns:p14="http://schemas.microsoft.com/office/powerpoint/2010/main" val="925264495"/>
+      </p:ext>
+    </p:extLst>
+  </p:cSld>
+  <p:clrMapOvr>
+    <a:masterClrMapping/>
+  </p:clrMapOvr>
+</p:sld>
+</file>
+
+<file path=ppt/slides/slide19.xml><?xml version="1.0" encoding="utf-8"?>
+<p:sld xmlns:a="http://schemas.openxmlformats.org/drawingml/2006/main" xmlns:r="http://schemas.openxmlformats.org/officeDocument/2006/relationships" xmlns:p="http://schemas.openxmlformats.org/presentationml/2006/main">
+  <p:cSld>
+    <p:spTree>
+      <p:nvGrpSpPr>
+        <p:cNvPr id="1" name=""/>
+        <p:cNvGrpSpPr/>
+        <p:nvPr/>
+      </p:nvGrpSpPr>
+      <p:grpSpPr>
+        <a:xfrm>
+          <a:off x="0" y="0"/>
+          <a:ext cx="0" cy="0"/>
+          <a:chOff x="0" y="0"/>
+          <a:chExt cx="0" cy="0"/>
+        </a:xfrm>
+      </p:grpSpPr>
+      <p:sp>
+        <p:nvSpPr>
+          <p:cNvPr id="2" name="Título 1">
+            <a:extLst>
+              <a:ext uri="{FF2B5EF4-FFF2-40B4-BE49-F238E27FC236}">
+                <a16:creationId xmlns:a16="http://schemas.microsoft.com/office/drawing/2014/main" id="{1DA6A9F8-B69B-DDC6-9028-021F2721B9CE}"/>
+              </a:ext>
+            </a:extLst>
+          </p:cNvPr>
+          <p:cNvSpPr>
+            <a:spLocks noGrp="1"/>
+          </p:cNvSpPr>
+          <p:nvPr>
+            <p:ph type="title"/>
+          </p:nvPr>
+        </p:nvSpPr>
+        <p:spPr/>
+        <p:txBody>
+          <a:bodyPr/>
+          <a:lstStyle/>
+          <a:p>
+            <a:r>
+              <a:rPr lang="pt-BR" dirty="0"/>
+              <a:t>Abordagem educativa por tema</a:t>
+            </a:r>
+          </a:p>
+        </p:txBody>
+      </p:sp>
+      <p:sp>
+        <p:nvSpPr>
+          <p:cNvPr id="3" name="Espaço Reservado para Conteúdo 2">
+            <a:extLst>
+              <a:ext uri="{FF2B5EF4-FFF2-40B4-BE49-F238E27FC236}">
+                <a16:creationId xmlns:a16="http://schemas.microsoft.com/office/drawing/2014/main" id="{6F923DA6-972F-7358-39A6-E5F7ABB6B4E1}"/>
+              </a:ext>
+            </a:extLst>
+          </p:cNvPr>
+          <p:cNvSpPr>
+            <a:spLocks noGrp="1"/>
+          </p:cNvSpPr>
+          <p:nvPr>
+            <p:ph idx="1"/>
+          </p:nvPr>
+        </p:nvSpPr>
+        <p:spPr/>
+        <p:txBody>
+          <a:bodyPr>
+            <a:normAutofit fontScale="92500" lnSpcReduction="20000"/>
+          </a:bodyPr>
+          <a:lstStyle/>
+          <a:p>
+            <a:r>
+              <a:rPr lang="pt-BR" dirty="0"/>
+              <a:t>Saúde ambiental</a:t>
+            </a:r>
+          </a:p>
+          <a:p>
+            <a:pPr lvl="1"/>
+            <a:r>
+              <a:rPr lang="pt-BR" dirty="0"/>
+              <a:t>abordagem educativa  sobre dengue, Chikungunya e Zica</a:t>
+            </a:r>
+          </a:p>
+          <a:p>
+            <a:pPr lvl="1"/>
+            <a:r>
+              <a:rPr lang="pt-BR" dirty="0"/>
+              <a:t>abordagem educativa sobre qualidade do ar, da água, do solo; e prevenção de doenças transmitidas por vetores</a:t>
+            </a:r>
+            <a:endParaRPr lang="pt-BR" sz="2800" dirty="0"/>
+          </a:p>
+          <a:p>
+            <a:r>
+              <a:rPr lang="pt-BR" sz="2800" dirty="0"/>
+              <a:t>Alimentação saudável e prevenção da obesidade</a:t>
+            </a:r>
+          </a:p>
+          <a:p>
+            <a:pPr lvl="1"/>
+            <a:r>
+              <a:rPr lang="pt-BR" dirty="0"/>
+              <a:t>abordagem educativa sobre alimentação saudável</a:t>
+            </a:r>
+          </a:p>
+          <a:p>
+            <a:r>
+              <a:rPr lang="pt-BR" sz="2800" dirty="0"/>
+              <a:t>Promoção da cultura de paz e direitos humanos</a:t>
+            </a:r>
+          </a:p>
+          <a:p>
+            <a:pPr lvl="1"/>
+            <a:r>
+              <a:rPr lang="pt-BR" dirty="0"/>
+              <a:t> abordagem educativa sobre promoção do diálogo, da tolerância, da diversidade e combate ao bullying</a:t>
+            </a:r>
+          </a:p>
+          <a:p>
+            <a:r>
+              <a:rPr lang="pt-BR" sz="2800" dirty="0"/>
+              <a:t>Prevenção das violências e dos acidentes</a:t>
+            </a:r>
+          </a:p>
+          <a:p>
+            <a:pPr lvl="1"/>
+            <a:r>
+              <a:rPr lang="pt-BR" dirty="0"/>
+              <a:t>abordagem educativa sobre prevenção de violências físicas, psicológicas, sexuais e riscos de acidentes</a:t>
+            </a:r>
+          </a:p>
+          <a:p>
+            <a:r>
+              <a:rPr lang="pt-BR" sz="2800" dirty="0"/>
+              <a:t>Prevenção de doenças negligenciadas</a:t>
+            </a:r>
+          </a:p>
+          <a:p>
+            <a:pPr lvl="1"/>
+            <a:r>
+              <a:rPr lang="pt-BR" dirty="0"/>
+              <a:t>abordagem educativa sobre hanseníase, tuberculose, malária, leishmaniose, </a:t>
+            </a:r>
+            <a:r>
+              <a:rPr lang="pt-BR" dirty="0" err="1"/>
+              <a:t>geo-helmintíases</a:t>
+            </a:r>
+            <a:endParaRPr lang="pt-BR" dirty="0"/>
+          </a:p>
+          <a:p>
+            <a:pPr marL="0" indent="0">
+              <a:buNone/>
+            </a:pPr>
+            <a:endParaRPr lang="pt-BR" dirty="0"/>
+          </a:p>
+          <a:p>
+            <a:endParaRPr lang="pt-BR" sz="2800" dirty="0"/>
+          </a:p>
+          <a:p>
+            <a:endParaRPr lang="pt-BR" sz="2800" dirty="0"/>
+          </a:p>
+          <a:p>
+            <a:endParaRPr lang="pt-BR" sz="2800" dirty="0"/>
+          </a:p>
+          <a:p>
+            <a:endParaRPr lang="pt-BR" sz="2800" dirty="0"/>
+          </a:p>
+          <a:p>
+            <a:endParaRPr lang="pt-BR" sz="2800" dirty="0"/>
+          </a:p>
+          <a:p>
+            <a:endParaRPr lang="pt-BR" dirty="0"/>
+          </a:p>
+        </p:txBody>
+      </p:sp>
+    </p:spTree>
+    <p:extLst>
+      <p:ext uri="{BB962C8B-B14F-4D97-AF65-F5344CB8AC3E}">
+        <p14:creationId xmlns:p14="http://schemas.microsoft.com/office/powerpoint/2010/main" val="4169127041"/>
       </p:ext>
     </p:extLst>
   </p:cSld>
@@ -19443,7 +12807,7 @@
           <p:cNvPr id="2" name="Título 1">
             <a:extLst>
               <a:ext uri="{FF2B5EF4-FFF2-40B4-BE49-F238E27FC236}">
-                <a16:creationId xmlns:a16="http://schemas.microsoft.com/office/drawing/2014/main" id="{B19D2DD2-BA3D-6505-9DCC-05610CD426E8}"/>
+                <a16:creationId xmlns:a16="http://schemas.microsoft.com/office/drawing/2014/main" id="{1DA6A9F8-B69B-DDC6-9028-021F2721B9CE}"/>
               </a:ext>
             </a:extLst>
           </p:cNvPr>
@@ -19461,7 +12825,7 @@
           <a:p>
             <a:r>
               <a:rPr lang="pt-BR" dirty="0"/>
-              <a:t>Temas</a:t>
+              <a:t>Abordagem educativa por tema</a:t>
             </a:r>
           </a:p>
         </p:txBody>
@@ -19471,7 +12835,7 @@
           <p:cNvPr id="3" name="Espaço Reservado para Conteúdo 2">
             <a:extLst>
               <a:ext uri="{FF2B5EF4-FFF2-40B4-BE49-F238E27FC236}">
-                <a16:creationId xmlns:a16="http://schemas.microsoft.com/office/drawing/2014/main" id="{A39CF151-C0AA-449B-C2E3-D80C397FB96D}"/>
+                <a16:creationId xmlns:a16="http://schemas.microsoft.com/office/drawing/2014/main" id="{6F923DA6-972F-7358-39A6-E5F7ABB6B4E1}"/>
               </a:ext>
             </a:extLst>
           </p:cNvPr>
@@ -19485,159 +12849,74 @@
         <p:spPr/>
         <p:txBody>
           <a:bodyPr>
-            <a:normAutofit fontScale="92500" lnSpcReduction="10000"/>
+            <a:normAutofit/>
           </a:bodyPr>
           <a:lstStyle/>
           <a:p>
-            <a:pPr marL="457200" indent="-457200">
-              <a:buFont typeface="+mj-lt"/>
-              <a:buAutoNum type="arabicPeriod"/>
+            <a:pPr marL="0" indent="0">
+              <a:buNone/>
             </a:pPr>
             <a:r>
-              <a:rPr lang="pt-BR" sz="2000" dirty="0"/>
-              <a:t>Saúde ambiental</a:t>
-            </a:r>
-          </a:p>
-          <a:p>
-            <a:pPr marL="457200" indent="-457200">
-              <a:buFont typeface="+mj-lt"/>
-              <a:buAutoNum type="arabicPeriod"/>
+              <a:rPr lang="pt-BR" sz="2800" dirty="0"/>
+              <a:t>  </a:t>
+            </a:r>
+          </a:p>
+          <a:p>
+            <a:r>
+              <a:rPr lang="pt-BR" sz="2800" dirty="0"/>
+              <a:t>Saúde sexual e reprodutiva e prevenção do HIV/IST</a:t>
+            </a:r>
+          </a:p>
+          <a:p>
+            <a:pPr lvl="1"/>
+            <a:r>
+              <a:rPr lang="pt-BR" dirty="0"/>
+              <a:t>abordagem educativa sobre saúde sexual, prevenção de infecções sexualmente transmissíveis e prevenção da gravidez na adolescência</a:t>
+            </a:r>
+          </a:p>
+          <a:p>
+            <a:r>
+              <a:rPr lang="pt-BR" sz="2800" dirty="0"/>
+              <a:t>Prevenção ao uso de álcool, tabaco e outras drogas</a:t>
+            </a:r>
+          </a:p>
+          <a:p>
+            <a:pPr lvl="1"/>
+            <a:r>
+              <a:rPr lang="pt-BR" dirty="0"/>
+              <a:t>abordagem educativa sobre os riscos e danos do uso de álcool, tabaco e outras drogas</a:t>
+            </a:r>
+          </a:p>
+          <a:p>
+            <a:pPr marL="0" indent="0">
+              <a:buNone/>
             </a:pPr>
-            <a:r>
-              <a:rPr lang="pt-BR" sz="2000" dirty="0"/>
-              <a:t>Promoção da atividade física</a:t>
-            </a:r>
-          </a:p>
-          <a:p>
-            <a:pPr marL="457200" indent="-457200">
-              <a:buFont typeface="+mj-lt"/>
-              <a:buAutoNum type="arabicPeriod"/>
+            <a:endParaRPr lang="pt-BR" sz="2800" dirty="0"/>
+          </a:p>
+          <a:p>
+            <a:endParaRPr lang="pt-BR" sz="2800" dirty="0"/>
+          </a:p>
+          <a:p>
+            <a:endParaRPr lang="pt-BR" sz="2800" dirty="0"/>
+          </a:p>
+          <a:p>
+            <a:pPr marL="0" indent="0">
+              <a:buNone/>
             </a:pPr>
-            <a:r>
-              <a:rPr lang="pt-BR" sz="2000" dirty="0"/>
-              <a:t>Alimentação saudável e prevenção da obesidade</a:t>
-            </a:r>
-          </a:p>
-          <a:p>
-            <a:pPr marL="457200" indent="-457200">
-              <a:buFont typeface="+mj-lt"/>
-              <a:buAutoNum type="arabicPeriod"/>
-            </a:pPr>
-            <a:r>
-              <a:rPr lang="pt-BR" sz="2000" dirty="0"/>
-              <a:t>Promoção da cultura de paz e direitos humanos</a:t>
-            </a:r>
-          </a:p>
-          <a:p>
-            <a:pPr marL="457200" indent="-457200">
-              <a:buFont typeface="+mj-lt"/>
-              <a:buAutoNum type="arabicPeriod"/>
-            </a:pPr>
-            <a:r>
-              <a:rPr lang="pt-BR" sz="2000" dirty="0"/>
-              <a:t>Prevenção das violências e dos acidentes</a:t>
-            </a:r>
-          </a:p>
-          <a:p>
-            <a:pPr marL="457200" indent="-457200">
-              <a:buFont typeface="+mj-lt"/>
-              <a:buAutoNum type="arabicPeriod"/>
-            </a:pPr>
-            <a:r>
-              <a:rPr lang="pt-BR" sz="2000" dirty="0"/>
-              <a:t>Prevenção de doenças negligenciadas</a:t>
-            </a:r>
-          </a:p>
-          <a:p>
-            <a:pPr marL="457200" indent="-457200">
-              <a:buFont typeface="+mj-lt"/>
-              <a:buAutoNum type="arabicPeriod"/>
-            </a:pPr>
-            <a:r>
-              <a:rPr lang="pt-BR" sz="2000" dirty="0"/>
-              <a:t>Verificação da situação vacinal</a:t>
-            </a:r>
-          </a:p>
-          <a:p>
-            <a:pPr marL="457200" indent="-457200">
-              <a:buFont typeface="+mj-lt"/>
-              <a:buAutoNum type="arabicPeriod"/>
-            </a:pPr>
-            <a:r>
-              <a:rPr lang="pt-BR" sz="2000" dirty="0"/>
-              <a:t>Saúde sexual e reprodutiva e prevenção do HIV/IST</a:t>
-            </a:r>
-          </a:p>
-          <a:p>
-            <a:pPr marL="457200" indent="-457200">
-              <a:buFont typeface="+mj-lt"/>
-              <a:buAutoNum type="arabicPeriod"/>
-            </a:pPr>
-            <a:r>
-              <a:rPr lang="pt-BR" sz="2000" dirty="0"/>
-              <a:t>Prevenção ao uso de álcool, tabaco e outras drogas</a:t>
-            </a:r>
-          </a:p>
-          <a:p>
-            <a:pPr marL="457200" indent="-457200">
-              <a:buFont typeface="+mj-lt"/>
-              <a:buAutoNum type="arabicPeriod"/>
-            </a:pPr>
-            <a:r>
-              <a:rPr lang="pt-BR" sz="2000" dirty="0"/>
-              <a:t>Saúde bucal</a:t>
-            </a:r>
-          </a:p>
-          <a:p>
-            <a:pPr marL="457200" indent="-457200">
-              <a:buFont typeface="+mj-lt"/>
-              <a:buAutoNum type="arabicPeriod"/>
-            </a:pPr>
-            <a:r>
-              <a:rPr lang="pt-BR" sz="2000" dirty="0"/>
-              <a:t>Saúde auditiva</a:t>
-            </a:r>
-          </a:p>
-          <a:p>
-            <a:pPr marL="457200" indent="-457200">
-              <a:buFont typeface="+mj-lt"/>
-              <a:buAutoNum type="arabicPeriod"/>
-            </a:pPr>
-            <a:r>
-              <a:rPr lang="pt-BR" sz="2000" dirty="0"/>
-              <a:t>Saúde ocular</a:t>
-            </a:r>
-          </a:p>
-          <a:p>
-            <a:pPr marL="457200" indent="-457200">
-              <a:buFont typeface="+mj-lt"/>
-              <a:buAutoNum type="arabicPeriod"/>
-            </a:pPr>
-            <a:r>
-              <a:rPr lang="pt-BR" sz="2000" dirty="0"/>
-              <a:t>Prevenção à covid-19</a:t>
-            </a:r>
-          </a:p>
-          <a:p>
-            <a:pPr marL="457200" indent="-457200">
-              <a:buFont typeface="+mj-lt"/>
-              <a:buAutoNum type="arabicPeriod"/>
-            </a:pPr>
-            <a:endParaRPr lang="pt-BR" sz="2000" dirty="0"/>
-          </a:p>
-          <a:p>
-            <a:pPr marL="457200" indent="-457200">
-              <a:buFont typeface="+mj-lt"/>
-              <a:buAutoNum type="arabicPeriod"/>
-            </a:pPr>
-            <a:endParaRPr lang="pt-BR" sz="2000" dirty="0"/>
+            <a:endParaRPr lang="pt-BR" sz="2800" dirty="0"/>
+          </a:p>
+          <a:p>
+            <a:endParaRPr lang="pt-BR" sz="2800" dirty="0"/>
+          </a:p>
+          <a:p>
+            <a:endParaRPr lang="pt-BR" dirty="0"/>
           </a:p>
         </p:txBody>
       </p:sp>
     </p:spTree>
     <p:extLst>
       <p:ext uri="{BB962C8B-B14F-4D97-AF65-F5344CB8AC3E}">
-        <p14:creationId xmlns:p14="http://schemas.microsoft.com/office/powerpoint/2010/main" val="925264495"/>
+        <p14:creationId xmlns:p14="http://schemas.microsoft.com/office/powerpoint/2010/main" val="518682208"/>
       </p:ext>
     </p:extLst>
   </p:cSld>
@@ -19687,331 +12966,6 @@
           <a:p>
             <a:r>
               <a:rPr lang="pt-BR" dirty="0"/>
-              <a:t>Abordagem educativa por tema</a:t>
-            </a:r>
-          </a:p>
-        </p:txBody>
-      </p:sp>
-      <p:sp>
-        <p:nvSpPr>
-          <p:cNvPr id="3" name="Espaço Reservado para Conteúdo 2">
-            <a:extLst>
-              <a:ext uri="{FF2B5EF4-FFF2-40B4-BE49-F238E27FC236}">
-                <a16:creationId xmlns:a16="http://schemas.microsoft.com/office/drawing/2014/main" id="{6F923DA6-972F-7358-39A6-E5F7ABB6B4E1}"/>
-              </a:ext>
-            </a:extLst>
-          </p:cNvPr>
-          <p:cNvSpPr>
-            <a:spLocks noGrp="1"/>
-          </p:cNvSpPr>
-          <p:nvPr>
-            <p:ph idx="1"/>
-          </p:nvPr>
-        </p:nvSpPr>
-        <p:spPr/>
-        <p:txBody>
-          <a:bodyPr>
-            <a:normAutofit fontScale="92500" lnSpcReduction="20000"/>
-          </a:bodyPr>
-          <a:lstStyle/>
-          <a:p>
-            <a:r>
-              <a:rPr lang="pt-BR" dirty="0"/>
-              <a:t>Saúde ambiental</a:t>
-            </a:r>
-          </a:p>
-          <a:p>
-            <a:pPr lvl="1"/>
-            <a:r>
-              <a:rPr lang="pt-BR" dirty="0"/>
-              <a:t>abordagem educativa  sobre dengue, Chikungunya e Zica</a:t>
-            </a:r>
-          </a:p>
-          <a:p>
-            <a:pPr lvl="1"/>
-            <a:r>
-              <a:rPr lang="pt-BR" dirty="0"/>
-              <a:t>abordagem educativa sobre qualidade do ar, da água, do solo; e prevenção de doenças transmitidas por vetores</a:t>
-            </a:r>
-            <a:endParaRPr lang="pt-BR" sz="2800" dirty="0"/>
-          </a:p>
-          <a:p>
-            <a:r>
-              <a:rPr lang="pt-BR" sz="2800" dirty="0"/>
-              <a:t>Alimentação saudável e prevenção da obesidade</a:t>
-            </a:r>
-          </a:p>
-          <a:p>
-            <a:pPr lvl="1"/>
-            <a:r>
-              <a:rPr lang="pt-BR" dirty="0"/>
-              <a:t>abordagem educativa sobre alimentação saudável</a:t>
-            </a:r>
-          </a:p>
-          <a:p>
-            <a:r>
-              <a:rPr lang="pt-BR" sz="2800" dirty="0"/>
-              <a:t>Promoção da cultura de paz e direitos humanos</a:t>
-            </a:r>
-          </a:p>
-          <a:p>
-            <a:pPr lvl="1"/>
-            <a:r>
-              <a:rPr lang="pt-BR" dirty="0"/>
-              <a:t> abordagem educativa sobre promoção do diálogo, da tolerância, da diversidade e combate ao bullying</a:t>
-            </a:r>
-          </a:p>
-          <a:p>
-            <a:r>
-              <a:rPr lang="pt-BR" sz="2800" dirty="0"/>
-              <a:t>Prevenção das violências e dos acidentes</a:t>
-            </a:r>
-          </a:p>
-          <a:p>
-            <a:pPr lvl="1"/>
-            <a:r>
-              <a:rPr lang="pt-BR" dirty="0"/>
-              <a:t>abordagem educativa sobre prevenção de violências físicas, psicológicas, sexuais e riscos de acidentes</a:t>
-            </a:r>
-          </a:p>
-          <a:p>
-            <a:r>
-              <a:rPr lang="pt-BR" sz="2800" dirty="0"/>
-              <a:t>Prevenção de doenças negligenciadas</a:t>
-            </a:r>
-          </a:p>
-          <a:p>
-            <a:pPr lvl="1"/>
-            <a:r>
-              <a:rPr lang="pt-BR" dirty="0"/>
-              <a:t>abordagem educativa sobre hanseníase, tuberculose, malária, leishmaniose, </a:t>
-            </a:r>
-            <a:r>
-              <a:rPr lang="pt-BR" dirty="0" err="1"/>
-              <a:t>geo-helmintíases</a:t>
-            </a:r>
-            <a:endParaRPr lang="pt-BR" dirty="0"/>
-          </a:p>
-          <a:p>
-            <a:pPr marL="0" indent="0">
-              <a:buNone/>
-            </a:pPr>
-            <a:endParaRPr lang="pt-BR" dirty="0"/>
-          </a:p>
-          <a:p>
-            <a:endParaRPr lang="pt-BR" sz="2800" dirty="0"/>
-          </a:p>
-          <a:p>
-            <a:endParaRPr lang="pt-BR" sz="2800" dirty="0"/>
-          </a:p>
-          <a:p>
-            <a:endParaRPr lang="pt-BR" sz="2800" dirty="0"/>
-          </a:p>
-          <a:p>
-            <a:endParaRPr lang="pt-BR" sz="2800" dirty="0"/>
-          </a:p>
-          <a:p>
-            <a:endParaRPr lang="pt-BR" sz="2800" dirty="0"/>
-          </a:p>
-          <a:p>
-            <a:endParaRPr lang="pt-BR" dirty="0"/>
-          </a:p>
-        </p:txBody>
-      </p:sp>
-    </p:spTree>
-    <p:extLst>
-      <p:ext uri="{BB962C8B-B14F-4D97-AF65-F5344CB8AC3E}">
-        <p14:creationId xmlns:p14="http://schemas.microsoft.com/office/powerpoint/2010/main" val="4169127041"/>
-      </p:ext>
-    </p:extLst>
-  </p:cSld>
-  <p:clrMapOvr>
-    <a:masterClrMapping/>
-  </p:clrMapOvr>
-</p:sld>
-</file>
-
-<file path=ppt/slides/slide22.xml><?xml version="1.0" encoding="utf-8"?>
-<p:sld xmlns:a="http://schemas.openxmlformats.org/drawingml/2006/main" xmlns:r="http://schemas.openxmlformats.org/officeDocument/2006/relationships" xmlns:p="http://schemas.openxmlformats.org/presentationml/2006/main">
-  <p:cSld>
-    <p:spTree>
-      <p:nvGrpSpPr>
-        <p:cNvPr id="1" name=""/>
-        <p:cNvGrpSpPr/>
-        <p:nvPr/>
-      </p:nvGrpSpPr>
-      <p:grpSpPr>
-        <a:xfrm>
-          <a:off x="0" y="0"/>
-          <a:ext cx="0" cy="0"/>
-          <a:chOff x="0" y="0"/>
-          <a:chExt cx="0" cy="0"/>
-        </a:xfrm>
-      </p:grpSpPr>
-      <p:sp>
-        <p:nvSpPr>
-          <p:cNvPr id="2" name="Título 1">
-            <a:extLst>
-              <a:ext uri="{FF2B5EF4-FFF2-40B4-BE49-F238E27FC236}">
-                <a16:creationId xmlns:a16="http://schemas.microsoft.com/office/drawing/2014/main" id="{1DA6A9F8-B69B-DDC6-9028-021F2721B9CE}"/>
-              </a:ext>
-            </a:extLst>
-          </p:cNvPr>
-          <p:cNvSpPr>
-            <a:spLocks noGrp="1"/>
-          </p:cNvSpPr>
-          <p:nvPr>
-            <p:ph type="title"/>
-          </p:nvPr>
-        </p:nvSpPr>
-        <p:spPr/>
-        <p:txBody>
-          <a:bodyPr/>
-          <a:lstStyle/>
-          <a:p>
-            <a:r>
-              <a:rPr lang="pt-BR" dirty="0"/>
-              <a:t>Abordagem educativa por tema</a:t>
-            </a:r>
-          </a:p>
-        </p:txBody>
-      </p:sp>
-      <p:sp>
-        <p:nvSpPr>
-          <p:cNvPr id="3" name="Espaço Reservado para Conteúdo 2">
-            <a:extLst>
-              <a:ext uri="{FF2B5EF4-FFF2-40B4-BE49-F238E27FC236}">
-                <a16:creationId xmlns:a16="http://schemas.microsoft.com/office/drawing/2014/main" id="{6F923DA6-972F-7358-39A6-E5F7ABB6B4E1}"/>
-              </a:ext>
-            </a:extLst>
-          </p:cNvPr>
-          <p:cNvSpPr>
-            <a:spLocks noGrp="1"/>
-          </p:cNvSpPr>
-          <p:nvPr>
-            <p:ph idx="1"/>
-          </p:nvPr>
-        </p:nvSpPr>
-        <p:spPr/>
-        <p:txBody>
-          <a:bodyPr>
-            <a:normAutofit/>
-          </a:bodyPr>
-          <a:lstStyle/>
-          <a:p>
-            <a:pPr marL="0" indent="0">
-              <a:buNone/>
-            </a:pPr>
-            <a:r>
-              <a:rPr lang="pt-BR" sz="2800" dirty="0"/>
-              <a:t>  </a:t>
-            </a:r>
-          </a:p>
-          <a:p>
-            <a:r>
-              <a:rPr lang="pt-BR" sz="2800" dirty="0"/>
-              <a:t>Saúde sexual e reprodutiva e prevenção do HIV/IST</a:t>
-            </a:r>
-          </a:p>
-          <a:p>
-            <a:pPr lvl="1"/>
-            <a:r>
-              <a:rPr lang="pt-BR" dirty="0"/>
-              <a:t>abordagem educativa sobre saúde sexual, prevenção de infecções sexualmente transmissíveis e prevenção da gravidez na adolescência</a:t>
-            </a:r>
-          </a:p>
-          <a:p>
-            <a:r>
-              <a:rPr lang="pt-BR" sz="2800" dirty="0"/>
-              <a:t>Prevenção ao uso de álcool, tabaco e outras drogas</a:t>
-            </a:r>
-          </a:p>
-          <a:p>
-            <a:pPr lvl="1"/>
-            <a:r>
-              <a:rPr lang="pt-BR" dirty="0"/>
-              <a:t>abordagem educativa sobre os riscos e danos do uso de álcool, tabaco e outras drogas</a:t>
-            </a:r>
-          </a:p>
-          <a:p>
-            <a:pPr marL="0" indent="0">
-              <a:buNone/>
-            </a:pPr>
-            <a:endParaRPr lang="pt-BR" sz="2800" dirty="0"/>
-          </a:p>
-          <a:p>
-            <a:endParaRPr lang="pt-BR" sz="2800" dirty="0"/>
-          </a:p>
-          <a:p>
-            <a:endParaRPr lang="pt-BR" sz="2800" dirty="0"/>
-          </a:p>
-          <a:p>
-            <a:pPr marL="0" indent="0">
-              <a:buNone/>
-            </a:pPr>
-            <a:endParaRPr lang="pt-BR" sz="2800" dirty="0"/>
-          </a:p>
-          <a:p>
-            <a:endParaRPr lang="pt-BR" sz="2800" dirty="0"/>
-          </a:p>
-          <a:p>
-            <a:endParaRPr lang="pt-BR" dirty="0"/>
-          </a:p>
-        </p:txBody>
-      </p:sp>
-    </p:spTree>
-    <p:extLst>
-      <p:ext uri="{BB962C8B-B14F-4D97-AF65-F5344CB8AC3E}">
-        <p14:creationId xmlns:p14="http://schemas.microsoft.com/office/powerpoint/2010/main" val="518682208"/>
-      </p:ext>
-    </p:extLst>
-  </p:cSld>
-  <p:clrMapOvr>
-    <a:masterClrMapping/>
-  </p:clrMapOvr>
-</p:sld>
-</file>
-
-<file path=ppt/slides/slide23.xml><?xml version="1.0" encoding="utf-8"?>
-<p:sld xmlns:a="http://schemas.openxmlformats.org/drawingml/2006/main" xmlns:r="http://schemas.openxmlformats.org/officeDocument/2006/relationships" xmlns:p="http://schemas.openxmlformats.org/presentationml/2006/main">
-  <p:cSld>
-    <p:spTree>
-      <p:nvGrpSpPr>
-        <p:cNvPr id="1" name=""/>
-        <p:cNvGrpSpPr/>
-        <p:nvPr/>
-      </p:nvGrpSpPr>
-      <p:grpSpPr>
-        <a:xfrm>
-          <a:off x="0" y="0"/>
-          <a:ext cx="0" cy="0"/>
-          <a:chOff x="0" y="0"/>
-          <a:chExt cx="0" cy="0"/>
-        </a:xfrm>
-      </p:grpSpPr>
-      <p:sp>
-        <p:nvSpPr>
-          <p:cNvPr id="2" name="Título 1">
-            <a:extLst>
-              <a:ext uri="{FF2B5EF4-FFF2-40B4-BE49-F238E27FC236}">
-                <a16:creationId xmlns:a16="http://schemas.microsoft.com/office/drawing/2014/main" id="{1DA6A9F8-B69B-DDC6-9028-021F2721B9CE}"/>
-              </a:ext>
-            </a:extLst>
-          </p:cNvPr>
-          <p:cNvSpPr>
-            <a:spLocks noGrp="1"/>
-          </p:cNvSpPr>
-          <p:nvPr>
-            <p:ph type="title"/>
-          </p:nvPr>
-        </p:nvSpPr>
-        <p:spPr/>
-        <p:txBody>
-          <a:bodyPr/>
-          <a:lstStyle/>
-          <a:p>
-            <a:r>
-              <a:rPr lang="pt-BR" dirty="0"/>
               <a:t>Práticas por tema</a:t>
             </a:r>
           </a:p>
@@ -20189,7 +13143,7 @@
           <p:cNvPr id="2" name="Título 1">
             <a:extLst>
               <a:ext uri="{FF2B5EF4-FFF2-40B4-BE49-F238E27FC236}">
-                <a16:creationId xmlns:a16="http://schemas.microsoft.com/office/drawing/2014/main" id="{21DE02CE-8DA2-3F35-94D4-A33DCE81312C}"/>
+                <a16:creationId xmlns:a16="http://schemas.microsoft.com/office/drawing/2014/main" id="{BE61EF64-19B4-EE8D-EC38-7F7C26FD3290}"/>
               </a:ext>
             </a:extLst>
           </p:cNvPr>
@@ -20207,17 +13161,17 @@
           <a:p>
             <a:r>
               <a:rPr lang="pt-BR" dirty="0"/>
-              <a:t>Escolas prioritárias do PSE</a:t>
+              <a:t>Indicadores</a:t>
             </a:r>
           </a:p>
         </p:txBody>
       </p:sp>
       <p:sp>
         <p:nvSpPr>
-          <p:cNvPr id="3" name="Espaço Reservado para Conteúdo 2">
+          <p:cNvPr id="3" name="Espaço Reservado para Texto 2">
             <a:extLst>
               <a:ext uri="{FF2B5EF4-FFF2-40B4-BE49-F238E27FC236}">
-                <a16:creationId xmlns:a16="http://schemas.microsoft.com/office/drawing/2014/main" id="{D33612DC-EF86-B191-B217-6F449D8097A5}"/>
+                <a16:creationId xmlns:a16="http://schemas.microsoft.com/office/drawing/2014/main" id="{67CDDE33-5433-6196-DD11-A7ED779B73A8}"/>
               </a:ext>
             </a:extLst>
           </p:cNvPr>
@@ -20225,7 +13179,7 @@
             <a:spLocks noGrp="1"/>
           </p:cNvSpPr>
           <p:nvPr>
-            <p:ph idx="1"/>
+            <p:ph type="body" idx="1"/>
           </p:nvPr>
         </p:nvSpPr>
         <p:spPr/>
@@ -20235,19 +13189,7 @@
           <a:p>
             <a:r>
               <a:rPr lang="pt-BR" dirty="0"/>
-              <a:t>Creches públicas</a:t>
-            </a:r>
-          </a:p>
-          <a:p>
-            <a:r>
-              <a:rPr lang="pt-BR" dirty="0"/>
-              <a:t>Escolas rurais</a:t>
-            </a:r>
-          </a:p>
-          <a:p>
-            <a:r>
-              <a:rPr lang="pt-BR" dirty="0"/>
-              <a:t>Escolas com pelo menos 50% dos estudantes beneficiários do bolsa família</a:t>
+              <a:t>PEC</a:t>
             </a:r>
           </a:p>
         </p:txBody>
@@ -20255,7 +13197,7 @@
     </p:spTree>
     <p:extLst>
       <p:ext uri="{BB962C8B-B14F-4D97-AF65-F5344CB8AC3E}">
-        <p14:creationId xmlns:p14="http://schemas.microsoft.com/office/powerpoint/2010/main" val="1491556075"/>
+        <p14:creationId xmlns:p14="http://schemas.microsoft.com/office/powerpoint/2010/main" val="821727624"/>
       </p:ext>
     </p:extLst>
   </p:cSld>
@@ -20266,159 +13208,6 @@
 </file>
 
 <file path=ppt/slides/slide4.xml><?xml version="1.0" encoding="utf-8"?>
-<p:sld xmlns:a="http://schemas.openxmlformats.org/drawingml/2006/main" xmlns:r="http://schemas.openxmlformats.org/officeDocument/2006/relationships" xmlns:p="http://schemas.openxmlformats.org/presentationml/2006/main">
-  <p:cSld>
-    <p:spTree>
-      <p:nvGrpSpPr>
-        <p:cNvPr id="1" name=""/>
-        <p:cNvGrpSpPr/>
-        <p:nvPr/>
-      </p:nvGrpSpPr>
-      <p:grpSpPr>
-        <a:xfrm>
-          <a:off x="0" y="0"/>
-          <a:ext cx="0" cy="0"/>
-          <a:chOff x="0" y="0"/>
-          <a:chExt cx="0" cy="0"/>
-        </a:xfrm>
-      </p:grpSpPr>
-      <p:sp>
-        <p:nvSpPr>
-          <p:cNvPr id="2" name="Título 1">
-            <a:extLst>
-              <a:ext uri="{FF2B5EF4-FFF2-40B4-BE49-F238E27FC236}">
-                <a16:creationId xmlns:a16="http://schemas.microsoft.com/office/drawing/2014/main" id="{08C8DDC1-0EAB-8052-4EFF-4C0B19D6F67F}"/>
-              </a:ext>
-            </a:extLst>
-          </p:cNvPr>
-          <p:cNvSpPr>
-            <a:spLocks noGrp="1"/>
-          </p:cNvSpPr>
-          <p:nvPr>
-            <p:ph type="title"/>
-          </p:nvPr>
-        </p:nvSpPr>
-        <p:spPr/>
-        <p:txBody>
-          <a:bodyPr/>
-          <a:lstStyle/>
-          <a:p>
-            <a:r>
-              <a:rPr lang="pt-BR" dirty="0"/>
-              <a:t>Para lembrar!</a:t>
-            </a:r>
-          </a:p>
-        </p:txBody>
-      </p:sp>
-      <p:sp>
-        <p:nvSpPr>
-          <p:cNvPr id="3" name="Espaço Reservado para Conteúdo 2">
-            <a:extLst>
-              <a:ext uri="{FF2B5EF4-FFF2-40B4-BE49-F238E27FC236}">
-                <a16:creationId xmlns:a16="http://schemas.microsoft.com/office/drawing/2014/main" id="{E94163F5-485E-8E4B-6904-5CE119E43CF0}"/>
-              </a:ext>
-            </a:extLst>
-          </p:cNvPr>
-          <p:cNvSpPr>
-            <a:spLocks noGrp="1"/>
-          </p:cNvSpPr>
-          <p:nvPr>
-            <p:ph idx="1"/>
-          </p:nvPr>
-        </p:nvSpPr>
-        <p:spPr/>
-        <p:txBody>
-          <a:bodyPr/>
-          <a:lstStyle/>
-          <a:p>
-            <a:r>
-              <a:rPr lang="pt-BR" dirty="0"/>
-              <a:t>A cada intervalo de 1 a 800 alunos as escolas prioritárias serão acrescidas de R$ 1000,00</a:t>
-            </a:r>
-          </a:p>
-          <a:p>
-            <a:r>
-              <a:rPr lang="pt-BR" dirty="0"/>
-              <a:t>Fonte: Artigo 12 da Portaria nº 1055/2017</a:t>
-            </a:r>
-          </a:p>
-        </p:txBody>
-      </p:sp>
-    </p:spTree>
-    <p:extLst>
-      <p:ext uri="{BB962C8B-B14F-4D97-AF65-F5344CB8AC3E}">
-        <p14:creationId xmlns:p14="http://schemas.microsoft.com/office/powerpoint/2010/main" val="1204955747"/>
-      </p:ext>
-    </p:extLst>
-  </p:cSld>
-  <p:clrMapOvr>
-    <a:masterClrMapping/>
-  </p:clrMapOvr>
-</p:sld>
-</file>
-
-<file path=ppt/slides/slide5.xml><?xml version="1.0" encoding="utf-8"?>
-<p:sld xmlns:a="http://schemas.openxmlformats.org/drawingml/2006/main" xmlns:r="http://schemas.openxmlformats.org/officeDocument/2006/relationships" xmlns:p="http://schemas.openxmlformats.org/presentationml/2006/main">
-  <p:cSld>
-    <p:spTree>
-      <p:nvGrpSpPr>
-        <p:cNvPr id="1" name=""/>
-        <p:cNvGrpSpPr/>
-        <p:nvPr/>
-      </p:nvGrpSpPr>
-      <p:grpSpPr>
-        <a:xfrm>
-          <a:off x="0" y="0"/>
-          <a:ext cx="0" cy="0"/>
-          <a:chOff x="0" y="0"/>
-          <a:chExt cx="0" cy="0"/>
-        </a:xfrm>
-      </p:grpSpPr>
-      <p:graphicFrame>
-        <p:nvGraphicFramePr>
-          <p:cNvPr id="4" name="Espaço Reservado para Conteúdo 3">
-            <a:extLst>
-              <a:ext uri="{FF2B5EF4-FFF2-40B4-BE49-F238E27FC236}">
-                <a16:creationId xmlns:a16="http://schemas.microsoft.com/office/drawing/2014/main" id="{C147B153-DDC2-CCDA-7DD8-CA7C189101FC}"/>
-              </a:ext>
-            </a:extLst>
-          </p:cNvPr>
-          <p:cNvGraphicFramePr>
-            <a:graphicFrameLocks noGrp="1"/>
-          </p:cNvGraphicFramePr>
-          <p:nvPr>
-            <p:ph idx="1"/>
-            <p:extLst>
-              <p:ext uri="{D42A27DB-BD31-4B8C-83A1-F6EECF244321}">
-                <p14:modId xmlns:p14="http://schemas.microsoft.com/office/powerpoint/2010/main" val="139563423"/>
-              </p:ext>
-            </p:extLst>
-          </p:nvPr>
-        </p:nvGraphicFramePr>
-        <p:xfrm>
-          <a:off x="274638" y="291548"/>
-          <a:ext cx="11626850" cy="5734602"/>
-        </p:xfrm>
-        <a:graphic>
-          <a:graphicData uri="http://schemas.openxmlformats.org/drawingml/2006/diagram">
-            <dgm:relIds xmlns:dgm="http://schemas.openxmlformats.org/drawingml/2006/diagram" xmlns:r="http://schemas.openxmlformats.org/officeDocument/2006/relationships" r:dm="rId2" r:lo="rId3" r:qs="rId4" r:cs="rId5"/>
-          </a:graphicData>
-        </a:graphic>
-      </p:graphicFrame>
-    </p:spTree>
-    <p:extLst>
-      <p:ext uri="{BB962C8B-B14F-4D97-AF65-F5344CB8AC3E}">
-        <p14:creationId xmlns:p14="http://schemas.microsoft.com/office/powerpoint/2010/main" val="3010542348"/>
-      </p:ext>
-    </p:extLst>
-  </p:cSld>
-  <p:clrMapOvr>
-    <a:masterClrMapping/>
-  </p:clrMapOvr>
-</p:sld>
-</file>
-
-<file path=ppt/slides/slide6.xml><?xml version="1.0" encoding="utf-8"?>
 <p:sld xmlns:a="http://schemas.openxmlformats.org/drawingml/2006/main" xmlns:r="http://schemas.openxmlformats.org/officeDocument/2006/relationships" xmlns:p="http://schemas.openxmlformats.org/presentationml/2006/main">
   <p:cSld>
     <p:spTree>
@@ -20458,7 +13247,7 @@
           <a:p>
             <a:r>
               <a:rPr lang="pt-BR" dirty="0"/>
-              <a:t>Potencializando o Crescer Saudável/PSE</a:t>
+              <a:t>1- Percentual de escolas pactuadas que realizaram ações do PSE no Município</a:t>
             </a:r>
           </a:p>
         </p:txBody>
@@ -20487,21 +13276,35 @@
             <a:pPr algn="just"/>
             <a:r>
               <a:rPr lang="pt-BR" dirty="0"/>
-              <a:t>É calculado de acordo com a prevalência de obesidade e cobertura de acompanhamento do estado nutricional na APS</a:t>
+              <a:t>Cálculo:</a:t>
+            </a:r>
+          </a:p>
+          <a:p>
+            <a:pPr lvl="1" algn="just"/>
+            <a:r>
+              <a:rPr lang="pt-BR" dirty="0"/>
+              <a:t>Número de escolas pactuadas na adesão que registraram ações do PSE / Número total de escolas pactuadas na adesão ao PSE no Município</a:t>
             </a:r>
           </a:p>
           <a:p>
             <a:pPr algn="just"/>
             <a:r>
               <a:rPr lang="pt-BR" dirty="0"/>
-              <a:t>Por isso o acompanhamento com SISVAN junto com o PSE potencializa as 2 ações</a:t>
+              <a:t>Periodicidade: anual</a:t>
             </a:r>
           </a:p>
           <a:p>
             <a:pPr algn="just"/>
             <a:r>
               <a:rPr lang="pt-BR" dirty="0"/>
-              <a:t>Prioridade de acompanhamento para indivíduos menores de 10 anos e entre 10 e 19 anos.</a:t>
+              <a:t>Parâmetro: cobertura de 100% das escolas pactuadas na adesão ao PSE Ciclo 2023/2024</a:t>
+            </a:r>
+          </a:p>
+          <a:p>
+            <a:pPr algn="just"/>
+            <a:r>
+              <a:rPr lang="pt-BR" dirty="0"/>
+              <a:t>Meta: cobertura de 50% das escolas pactuadas na adesão ao PSE Ciclo 2023/2024</a:t>
             </a:r>
           </a:p>
           <a:p>
@@ -20530,6 +13333,255 @@
     <p:extLst>
       <p:ext uri="{BB962C8B-B14F-4D97-AF65-F5344CB8AC3E}">
         <p14:creationId xmlns:p14="http://schemas.microsoft.com/office/powerpoint/2010/main" val="4258112363"/>
+      </p:ext>
+    </p:extLst>
+  </p:cSld>
+  <p:clrMapOvr>
+    <a:masterClrMapping/>
+  </p:clrMapOvr>
+</p:sld>
+</file>
+
+<file path=ppt/slides/slide5.xml><?xml version="1.0" encoding="utf-8"?>
+<p:sld xmlns:a="http://schemas.openxmlformats.org/drawingml/2006/main" xmlns:r="http://schemas.openxmlformats.org/officeDocument/2006/relationships" xmlns:p="http://schemas.openxmlformats.org/presentationml/2006/main">
+  <p:cSld>
+    <p:spTree>
+      <p:nvGrpSpPr>
+        <p:cNvPr id="1" name=""/>
+        <p:cNvGrpSpPr/>
+        <p:nvPr/>
+      </p:nvGrpSpPr>
+      <p:grpSpPr>
+        <a:xfrm>
+          <a:off x="0" y="0"/>
+          <a:ext cx="0" cy="0"/>
+          <a:chOff x="0" y="0"/>
+          <a:chExt cx="0" cy="0"/>
+        </a:xfrm>
+      </p:grpSpPr>
+      <p:sp>
+        <p:nvSpPr>
+          <p:cNvPr id="2" name="Título 1">
+            <a:extLst>
+              <a:ext uri="{FF2B5EF4-FFF2-40B4-BE49-F238E27FC236}">
+                <a16:creationId xmlns:a16="http://schemas.microsoft.com/office/drawing/2014/main" id="{678C548D-14BC-D023-F6F3-493FE1A60147}"/>
+              </a:ext>
+            </a:extLst>
+          </p:cNvPr>
+          <p:cNvSpPr>
+            <a:spLocks noGrp="1"/>
+          </p:cNvSpPr>
+          <p:nvPr>
+            <p:ph type="title"/>
+          </p:nvPr>
+        </p:nvSpPr>
+        <p:spPr/>
+        <p:txBody>
+          <a:bodyPr/>
+          <a:lstStyle/>
+          <a:p>
+            <a:r>
+              <a:rPr lang="pt-BR" dirty="0"/>
+              <a:t>2- Percentual de escolas pactuadas que realizaram ações prioritárias para o Ciclo 2023/2024</a:t>
+            </a:r>
+          </a:p>
+        </p:txBody>
+      </p:sp>
+      <p:sp>
+        <p:nvSpPr>
+          <p:cNvPr id="3" name="Espaço Reservado para Conteúdo 2">
+            <a:extLst>
+              <a:ext uri="{FF2B5EF4-FFF2-40B4-BE49-F238E27FC236}">
+                <a16:creationId xmlns:a16="http://schemas.microsoft.com/office/drawing/2014/main" id="{5E1360AA-1942-85DD-30C5-4248399A04D1}"/>
+              </a:ext>
+            </a:extLst>
+          </p:cNvPr>
+          <p:cNvSpPr>
+            <a:spLocks noGrp="1"/>
+          </p:cNvSpPr>
+          <p:nvPr>
+            <p:ph idx="1"/>
+          </p:nvPr>
+        </p:nvSpPr>
+        <p:spPr/>
+        <p:txBody>
+          <a:bodyPr/>
+          <a:lstStyle/>
+          <a:p>
+            <a:r>
+              <a:rPr lang="pt-BR" dirty="0"/>
+              <a:t>Atividade prioritária obrigatória:</a:t>
+            </a:r>
+          </a:p>
+          <a:p>
+            <a:pPr lvl="1"/>
+            <a:r>
+              <a:rPr lang="pt-BR" dirty="0"/>
+              <a:t>Temas para Saúde – 03 Alimentação Saudável/ Práticas em Saúde - 01 Antropometria</a:t>
+            </a:r>
+          </a:p>
+          <a:p>
+            <a:r>
+              <a:rPr lang="pt-BR" dirty="0"/>
+              <a:t>Mais outra atividade prioritária:</a:t>
+            </a:r>
+          </a:p>
+          <a:p>
+            <a:pPr lvl="1"/>
+            <a:r>
+              <a:rPr lang="pt-BR" dirty="0"/>
+              <a:t>Práticas em Saúde – 05 Práticas Corporais e Atividade Física</a:t>
+            </a:r>
+          </a:p>
+          <a:p>
+            <a:pPr lvl="1"/>
+            <a:r>
+              <a:rPr lang="pt-BR" dirty="0"/>
+              <a:t>Temas para Saúde – 13 Saúde mental</a:t>
+            </a:r>
+          </a:p>
+          <a:p>
+            <a:pPr lvl="1"/>
+            <a:r>
+              <a:rPr lang="pt-BR" dirty="0"/>
+              <a:t>Temas para Saúde – 09 Prevenção da violência e promoção da cultura da paz</a:t>
+            </a:r>
+          </a:p>
+          <a:p>
+            <a:pPr lvl="1"/>
+            <a:r>
+              <a:rPr lang="pt-BR" dirty="0"/>
+              <a:t>Temas para Saúde – 05 Cidadania e direitos humanos</a:t>
+            </a:r>
+          </a:p>
+          <a:p>
+            <a:pPr lvl="1"/>
+            <a:r>
+              <a:rPr lang="pt-BR" dirty="0"/>
+              <a:t>Temas para Saúde – 14 Saúde sexual e reprodutiva</a:t>
+            </a:r>
+          </a:p>
+        </p:txBody>
+      </p:sp>
+    </p:spTree>
+    <p:extLst>
+      <p:ext uri="{BB962C8B-B14F-4D97-AF65-F5344CB8AC3E}">
+        <p14:creationId xmlns:p14="http://schemas.microsoft.com/office/powerpoint/2010/main" val="1644803723"/>
+      </p:ext>
+    </p:extLst>
+  </p:cSld>
+  <p:clrMapOvr>
+    <a:masterClrMapping/>
+  </p:clrMapOvr>
+</p:sld>
+</file>
+
+<file path=ppt/slides/slide6.xml><?xml version="1.0" encoding="utf-8"?>
+<p:sld xmlns:a="http://schemas.openxmlformats.org/drawingml/2006/main" xmlns:r="http://schemas.openxmlformats.org/officeDocument/2006/relationships" xmlns:p="http://schemas.openxmlformats.org/presentationml/2006/main">
+  <p:cSld>
+    <p:spTree>
+      <p:nvGrpSpPr>
+        <p:cNvPr id="1" name=""/>
+        <p:cNvGrpSpPr/>
+        <p:nvPr/>
+      </p:nvGrpSpPr>
+      <p:grpSpPr>
+        <a:xfrm>
+          <a:off x="0" y="0"/>
+          <a:ext cx="0" cy="0"/>
+          <a:chOff x="0" y="0"/>
+          <a:chExt cx="0" cy="0"/>
+        </a:xfrm>
+      </p:grpSpPr>
+      <p:sp>
+        <p:nvSpPr>
+          <p:cNvPr id="2" name="Título 1">
+            <a:extLst>
+              <a:ext uri="{FF2B5EF4-FFF2-40B4-BE49-F238E27FC236}">
+                <a16:creationId xmlns:a16="http://schemas.microsoft.com/office/drawing/2014/main" id="{BA86F721-BA2A-1E68-A742-5459F4151696}"/>
+              </a:ext>
+            </a:extLst>
+          </p:cNvPr>
+          <p:cNvSpPr>
+            <a:spLocks noGrp="1"/>
+          </p:cNvSpPr>
+          <p:nvPr>
+            <p:ph type="title"/>
+          </p:nvPr>
+        </p:nvSpPr>
+        <p:spPr/>
+        <p:txBody>
+          <a:bodyPr/>
+          <a:lstStyle/>
+          <a:p>
+            <a:r>
+              <a:rPr lang="pt-BR" dirty="0"/>
+              <a:t>2- Percentual de escolas pactuadas que realizaram ações prioritárias para o Ciclo 2023/2024</a:t>
+            </a:r>
+          </a:p>
+        </p:txBody>
+      </p:sp>
+      <p:sp>
+        <p:nvSpPr>
+          <p:cNvPr id="3" name="Espaço Reservado para Conteúdo 2">
+            <a:extLst>
+              <a:ext uri="{FF2B5EF4-FFF2-40B4-BE49-F238E27FC236}">
+                <a16:creationId xmlns:a16="http://schemas.microsoft.com/office/drawing/2014/main" id="{E16EF198-D92E-EC4E-6942-DC60FAD2F187}"/>
+              </a:ext>
+            </a:extLst>
+          </p:cNvPr>
+          <p:cNvSpPr>
+            <a:spLocks noGrp="1"/>
+          </p:cNvSpPr>
+          <p:nvPr>
+            <p:ph idx="1"/>
+          </p:nvPr>
+        </p:nvSpPr>
+        <p:spPr/>
+        <p:txBody>
+          <a:bodyPr/>
+          <a:lstStyle/>
+          <a:p>
+            <a:r>
+              <a:rPr lang="pt-BR" dirty="0"/>
+              <a:t>Cálculo:</a:t>
+            </a:r>
+          </a:p>
+          <a:p>
+            <a:pPr lvl="1"/>
+            <a:r>
+              <a:rPr lang="pt-BR" dirty="0"/>
+              <a:t>Número de escolas pactuadas na adesão que registraram ações de alimentação </a:t>
+            </a:r>
+            <a:r>
+              <a:rPr lang="pt-BR"/>
+              <a:t>saudável mais / </a:t>
+            </a:r>
+            <a:r>
+              <a:rPr lang="pt-BR" dirty="0"/>
+              <a:t>Número total de escolas pactuadas na adesão ao PSE no Município</a:t>
+            </a:r>
+          </a:p>
+          <a:p>
+            <a:pPr lvl="1"/>
+            <a:endParaRPr lang="pt-BR" dirty="0"/>
+          </a:p>
+          <a:p>
+            <a:r>
+              <a:rPr lang="pt-BR" dirty="0" err="1"/>
+              <a:t>kk</a:t>
+            </a:r>
+            <a:r>
+              <a:rPr lang="pt-BR" dirty="0"/>
+              <a:t> </a:t>
+            </a:r>
+          </a:p>
+        </p:txBody>
+      </p:sp>
+    </p:spTree>
+    <p:extLst>
+      <p:ext uri="{BB962C8B-B14F-4D97-AF65-F5344CB8AC3E}">
+        <p14:creationId xmlns:p14="http://schemas.microsoft.com/office/powerpoint/2010/main" val="41743417"/>
       </p:ext>
     </p:extLst>
   </p:cSld>
@@ -20891,7 +13943,7 @@
             </a:r>
             <a:r>
               <a:rPr lang="pt-BR" dirty="0" err="1"/>
-              <a:t>NASFs</a:t>
+              <a:t>eMULTIs</a:t>
             </a:r>
             <a:endParaRPr lang="pt-BR" dirty="0"/>
           </a:p>

--- a/PSE.pptx
+++ b/PSE.pptx
@@ -2821,7 +2821,7 @@
           <a:p>
             <a:fld id="{0917E91C-AB65-4EB7-BC03-0D16B68FEED2}" type="datetimeFigureOut">
               <a:rPr lang="pt-BR" smtClean="0"/>
-              <a:t>23/06/2023</a:t>
+              <a:t>26/06/2023</a:t>
             </a:fld>
             <a:endParaRPr lang="pt-BR"/>
           </a:p>
@@ -3053,7 +3053,7 @@
           <a:p>
             <a:fld id="{0917E91C-AB65-4EB7-BC03-0D16B68FEED2}" type="datetimeFigureOut">
               <a:rPr lang="pt-BR" smtClean="0"/>
-              <a:t>23/06/2023</a:t>
+              <a:t>26/06/2023</a:t>
             </a:fld>
             <a:endParaRPr lang="pt-BR"/>
           </a:p>
@@ -3575,7 +3575,7 @@
           <a:p>
             <a:fld id="{0917E91C-AB65-4EB7-BC03-0D16B68FEED2}" type="datetimeFigureOut">
               <a:rPr lang="pt-BR" smtClean="0"/>
-              <a:t>23/06/2023</a:t>
+              <a:t>26/06/2023</a:t>
             </a:fld>
             <a:endParaRPr lang="pt-BR"/>
           </a:p>
@@ -3864,7 +3864,7 @@
           <a:p>
             <a:fld id="{0917E91C-AB65-4EB7-BC03-0D16B68FEED2}" type="datetimeFigureOut">
               <a:rPr lang="pt-BR" smtClean="0"/>
-              <a:t>23/06/2023</a:t>
+              <a:t>26/06/2023</a:t>
             </a:fld>
             <a:endParaRPr lang="pt-BR"/>
           </a:p>
@@ -4300,7 +4300,7 @@
           <a:p>
             <a:fld id="{0917E91C-AB65-4EB7-BC03-0D16B68FEED2}" type="datetimeFigureOut">
               <a:rPr lang="pt-BR" smtClean="0"/>
-              <a:t>23/06/2023</a:t>
+              <a:t>26/06/2023</a:t>
             </a:fld>
             <a:endParaRPr lang="pt-BR"/>
           </a:p>
@@ -4465,7 +4465,7 @@
           <a:p>
             <a:fld id="{0917E91C-AB65-4EB7-BC03-0D16B68FEED2}" type="datetimeFigureOut">
               <a:rPr lang="pt-BR" smtClean="0"/>
-              <a:t>23/06/2023</a:t>
+              <a:t>26/06/2023</a:t>
             </a:fld>
             <a:endParaRPr lang="pt-BR"/>
           </a:p>
@@ -4602,7 +4602,7 @@
           <a:p>
             <a:fld id="{0917E91C-AB65-4EB7-BC03-0D16B68FEED2}" type="datetimeFigureOut">
               <a:rPr lang="pt-BR" smtClean="0"/>
-              <a:t>23/06/2023</a:t>
+              <a:t>26/06/2023</a:t>
             </a:fld>
             <a:endParaRPr lang="pt-BR"/>
           </a:p>
@@ -4937,7 +4937,7 @@
           <a:p>
             <a:fld id="{0917E91C-AB65-4EB7-BC03-0D16B68FEED2}" type="datetimeFigureOut">
               <a:rPr lang="pt-BR" smtClean="0"/>
-              <a:t>23/06/2023</a:t>
+              <a:t>26/06/2023</a:t>
             </a:fld>
             <a:endParaRPr lang="pt-BR"/>
           </a:p>
@@ -5249,7 +5249,7 @@
           <a:p>
             <a:fld id="{0917E91C-AB65-4EB7-BC03-0D16B68FEED2}" type="datetimeFigureOut">
               <a:rPr lang="pt-BR" smtClean="0"/>
-              <a:t>23/06/2023</a:t>
+              <a:t>26/06/2023</a:t>
             </a:fld>
             <a:endParaRPr lang="pt-BR"/>
           </a:p>
@@ -5908,6 +5908,42 @@
           <a:chExt cx="0" cy="0"/>
         </a:xfrm>
       </p:grpSpPr>
+      <p:pic>
+        <p:nvPicPr>
+          <p:cNvPr id="3" name="Imagem 2">
+            <a:extLst>
+              <a:ext uri="{FF2B5EF4-FFF2-40B4-BE49-F238E27FC236}">
+                <a16:creationId xmlns:a16="http://schemas.microsoft.com/office/drawing/2014/main" id="{D49C38D9-262A-B156-FF0A-634ADBD42B43}"/>
+              </a:ext>
+            </a:extLst>
+          </p:cNvPr>
+          <p:cNvPicPr>
+            <a:picLocks noChangeAspect="1"/>
+          </p:cNvPicPr>
+          <p:nvPr/>
+        </p:nvPicPr>
+        <p:blipFill>
+          <a:blip r:embed="rId2">
+            <a:extLst>
+              <a:ext uri="{28A0092B-C50C-407E-A947-70E740481C1C}">
+                <a14:useLocalDpi xmlns:a14="http://schemas.microsoft.com/office/drawing/2010/main" val="0"/>
+              </a:ext>
+            </a:extLst>
+          </a:blip>
+          <a:stretch>
+            <a:fillRect/>
+          </a:stretch>
+        </p:blipFill>
+        <p:spPr>
+          <a:xfrm>
+            <a:off x="8587407" y="5621054"/>
+            <a:ext cx="1447865" cy="569828"/>
+          </a:xfrm>
+          <a:prstGeom prst="rect">
+            <a:avLst/>
+          </a:prstGeom>
+        </p:spPr>
+      </p:pic>
     </p:spTree>
     <p:extLst>
       <p:ext uri="{BB962C8B-B14F-4D97-AF65-F5344CB8AC3E}">

--- a/PSE.pptx
+++ b/PSE.pptx
@@ -25,9 +25,8 @@
     <p:sldId id="324" r:id="rId19"/>
     <p:sldId id="325" r:id="rId20"/>
     <p:sldId id="326" r:id="rId21"/>
-    <p:sldId id="303" r:id="rId22"/>
-    <p:sldId id="305" r:id="rId23"/>
-    <p:sldId id="306" r:id="rId24"/>
+    <p:sldId id="334" r:id="rId22"/>
+    <p:sldId id="335" r:id="rId23"/>
   </p:sldIdLst>
   <p:sldSz cx="12192000" cy="6858000"/>
   <p:notesSz cx="6858000" cy="9144000"/>
@@ -881,6 +880,753 @@
 </dgm:colorsDef>
 </file>
 
+<file path=ppt/diagrams/colors10.xml><?xml version="1.0" encoding="utf-8"?>
+<dgm:colorsDef xmlns:dgm="http://schemas.openxmlformats.org/drawingml/2006/diagram" xmlns:a="http://schemas.openxmlformats.org/drawingml/2006/main" uniqueId="urn:microsoft.com/office/officeart/2005/8/colors/accent1_2">
+  <dgm:title val=""/>
+  <dgm:desc val=""/>
+  <dgm:catLst>
+    <dgm:cat type="accent1" pri="11200"/>
+  </dgm:catLst>
+  <dgm:styleLbl name="node0">
+    <dgm:fillClrLst meth="repeat">
+      <a:schemeClr val="accent1"/>
+    </dgm:fillClrLst>
+    <dgm:linClrLst meth="repeat">
+      <a:schemeClr val="lt1"/>
+    </dgm:linClrLst>
+    <dgm:effectClrLst/>
+    <dgm:txLinClrLst/>
+    <dgm:txFillClrLst/>
+    <dgm:txEffectClrLst/>
+  </dgm:styleLbl>
+  <dgm:styleLbl name="alignNode1">
+    <dgm:fillClrLst meth="repeat">
+      <a:schemeClr val="accent1"/>
+    </dgm:fillClrLst>
+    <dgm:linClrLst meth="repeat">
+      <a:schemeClr val="accent1"/>
+    </dgm:linClrLst>
+    <dgm:effectClrLst/>
+    <dgm:txLinClrLst/>
+    <dgm:txFillClrLst/>
+    <dgm:txEffectClrLst/>
+  </dgm:styleLbl>
+  <dgm:styleLbl name="node1">
+    <dgm:fillClrLst meth="repeat">
+      <a:schemeClr val="accent1"/>
+    </dgm:fillClrLst>
+    <dgm:linClrLst meth="repeat">
+      <a:schemeClr val="lt1"/>
+    </dgm:linClrLst>
+    <dgm:effectClrLst/>
+    <dgm:txLinClrLst/>
+    <dgm:txFillClrLst/>
+    <dgm:txEffectClrLst/>
+  </dgm:styleLbl>
+  <dgm:styleLbl name="lnNode1">
+    <dgm:fillClrLst meth="repeat">
+      <a:schemeClr val="accent1"/>
+    </dgm:fillClrLst>
+    <dgm:linClrLst meth="repeat">
+      <a:schemeClr val="lt1"/>
+    </dgm:linClrLst>
+    <dgm:effectClrLst/>
+    <dgm:txLinClrLst/>
+    <dgm:txFillClrLst/>
+    <dgm:txEffectClrLst/>
+  </dgm:styleLbl>
+  <dgm:styleLbl name="vennNode1">
+    <dgm:fillClrLst meth="repeat">
+      <a:schemeClr val="accent1">
+        <a:alpha val="50000"/>
+      </a:schemeClr>
+    </dgm:fillClrLst>
+    <dgm:linClrLst meth="repeat">
+      <a:schemeClr val="lt1"/>
+    </dgm:linClrLst>
+    <dgm:effectClrLst/>
+    <dgm:txLinClrLst/>
+    <dgm:txFillClrLst/>
+    <dgm:txEffectClrLst/>
+  </dgm:styleLbl>
+  <dgm:styleLbl name="node2">
+    <dgm:fillClrLst meth="repeat">
+      <a:schemeClr val="accent1"/>
+    </dgm:fillClrLst>
+    <dgm:linClrLst meth="repeat">
+      <a:schemeClr val="lt1"/>
+    </dgm:linClrLst>
+    <dgm:effectClrLst/>
+    <dgm:txLinClrLst/>
+    <dgm:txFillClrLst/>
+    <dgm:txEffectClrLst/>
+  </dgm:styleLbl>
+  <dgm:styleLbl name="node3">
+    <dgm:fillClrLst meth="repeat">
+      <a:schemeClr val="accent1"/>
+    </dgm:fillClrLst>
+    <dgm:linClrLst meth="repeat">
+      <a:schemeClr val="lt1"/>
+    </dgm:linClrLst>
+    <dgm:effectClrLst/>
+    <dgm:txLinClrLst/>
+    <dgm:txFillClrLst/>
+    <dgm:txEffectClrLst/>
+  </dgm:styleLbl>
+  <dgm:styleLbl name="node4">
+    <dgm:fillClrLst meth="repeat">
+      <a:schemeClr val="accent1"/>
+    </dgm:fillClrLst>
+    <dgm:linClrLst meth="repeat">
+      <a:schemeClr val="lt1"/>
+    </dgm:linClrLst>
+    <dgm:effectClrLst/>
+    <dgm:txLinClrLst/>
+    <dgm:txFillClrLst/>
+    <dgm:txEffectClrLst/>
+  </dgm:styleLbl>
+  <dgm:styleLbl name="fgImgPlace1">
+    <dgm:fillClrLst meth="repeat">
+      <a:schemeClr val="accent1">
+        <a:tint val="50000"/>
+      </a:schemeClr>
+    </dgm:fillClrLst>
+    <dgm:linClrLst meth="repeat">
+      <a:schemeClr val="lt1"/>
+    </dgm:linClrLst>
+    <dgm:effectClrLst/>
+    <dgm:txLinClrLst/>
+    <dgm:txFillClrLst meth="repeat">
+      <a:schemeClr val="lt1"/>
+    </dgm:txFillClrLst>
+    <dgm:txEffectClrLst/>
+  </dgm:styleLbl>
+  <dgm:styleLbl name="alignImgPlace1">
+    <dgm:fillClrLst meth="repeat">
+      <a:schemeClr val="accent1">
+        <a:tint val="50000"/>
+      </a:schemeClr>
+    </dgm:fillClrLst>
+    <dgm:linClrLst meth="repeat">
+      <a:schemeClr val="lt1"/>
+    </dgm:linClrLst>
+    <dgm:effectClrLst/>
+    <dgm:txLinClrLst/>
+    <dgm:txFillClrLst meth="repeat">
+      <a:schemeClr val="lt1"/>
+    </dgm:txFillClrLst>
+    <dgm:txEffectClrLst/>
+  </dgm:styleLbl>
+  <dgm:styleLbl name="bgImgPlace1">
+    <dgm:fillClrLst meth="repeat">
+      <a:schemeClr val="accent1">
+        <a:tint val="50000"/>
+      </a:schemeClr>
+    </dgm:fillClrLst>
+    <dgm:linClrLst meth="repeat">
+      <a:schemeClr val="lt1"/>
+    </dgm:linClrLst>
+    <dgm:effectClrLst/>
+    <dgm:txLinClrLst/>
+    <dgm:txFillClrLst meth="repeat">
+      <a:schemeClr val="lt1"/>
+    </dgm:txFillClrLst>
+    <dgm:txEffectClrLst/>
+  </dgm:styleLbl>
+  <dgm:styleLbl name="sibTrans2D1">
+    <dgm:fillClrLst meth="repeat">
+      <a:schemeClr val="accent1">
+        <a:tint val="60000"/>
+      </a:schemeClr>
+    </dgm:fillClrLst>
+    <dgm:linClrLst meth="repeat">
+      <a:schemeClr val="accent1">
+        <a:tint val="60000"/>
+      </a:schemeClr>
+    </dgm:linClrLst>
+    <dgm:effectClrLst/>
+    <dgm:txLinClrLst/>
+    <dgm:txFillClrLst/>
+    <dgm:txEffectClrLst/>
+  </dgm:styleLbl>
+  <dgm:styleLbl name="fgSibTrans2D1">
+    <dgm:fillClrLst meth="repeat">
+      <a:schemeClr val="accent1">
+        <a:tint val="60000"/>
+      </a:schemeClr>
+    </dgm:fillClrLst>
+    <dgm:linClrLst meth="repeat">
+      <a:schemeClr val="accent1">
+        <a:tint val="60000"/>
+      </a:schemeClr>
+    </dgm:linClrLst>
+    <dgm:effectClrLst/>
+    <dgm:txLinClrLst/>
+    <dgm:txFillClrLst/>
+    <dgm:txEffectClrLst/>
+  </dgm:styleLbl>
+  <dgm:styleLbl name="bgSibTrans2D1">
+    <dgm:fillClrLst meth="repeat">
+      <a:schemeClr val="accent1">
+        <a:tint val="60000"/>
+      </a:schemeClr>
+    </dgm:fillClrLst>
+    <dgm:linClrLst meth="repeat">
+      <a:schemeClr val="accent1">
+        <a:tint val="60000"/>
+      </a:schemeClr>
+    </dgm:linClrLst>
+    <dgm:effectClrLst/>
+    <dgm:txLinClrLst/>
+    <dgm:txFillClrLst/>
+    <dgm:txEffectClrLst/>
+  </dgm:styleLbl>
+  <dgm:styleLbl name="sibTrans1D1">
+    <dgm:fillClrLst meth="repeat">
+      <a:schemeClr val="accent1"/>
+    </dgm:fillClrLst>
+    <dgm:linClrLst meth="repeat">
+      <a:schemeClr val="accent1"/>
+    </dgm:linClrLst>
+    <dgm:effectClrLst/>
+    <dgm:txLinClrLst/>
+    <dgm:txFillClrLst meth="repeat">
+      <a:schemeClr val="tx1"/>
+    </dgm:txFillClrLst>
+    <dgm:txEffectClrLst/>
+  </dgm:styleLbl>
+  <dgm:styleLbl name="callout">
+    <dgm:fillClrLst meth="repeat">
+      <a:schemeClr val="accent1"/>
+    </dgm:fillClrLst>
+    <dgm:linClrLst meth="repeat">
+      <a:schemeClr val="accent1">
+        <a:tint val="50000"/>
+      </a:schemeClr>
+    </dgm:linClrLst>
+    <dgm:effectClrLst/>
+    <dgm:txLinClrLst/>
+    <dgm:txFillClrLst meth="repeat">
+      <a:schemeClr val="tx1"/>
+    </dgm:txFillClrLst>
+    <dgm:txEffectClrLst/>
+  </dgm:styleLbl>
+  <dgm:styleLbl name="asst0">
+    <dgm:fillClrLst meth="repeat">
+      <a:schemeClr val="accent1"/>
+    </dgm:fillClrLst>
+    <dgm:linClrLst meth="repeat">
+      <a:schemeClr val="lt1"/>
+    </dgm:linClrLst>
+    <dgm:effectClrLst/>
+    <dgm:txLinClrLst/>
+    <dgm:txFillClrLst/>
+    <dgm:txEffectClrLst/>
+  </dgm:styleLbl>
+  <dgm:styleLbl name="asst1">
+    <dgm:fillClrLst meth="repeat">
+      <a:schemeClr val="accent1"/>
+    </dgm:fillClrLst>
+    <dgm:linClrLst meth="repeat">
+      <a:schemeClr val="lt1"/>
+    </dgm:linClrLst>
+    <dgm:effectClrLst/>
+    <dgm:txLinClrLst/>
+    <dgm:txFillClrLst/>
+    <dgm:txEffectClrLst/>
+  </dgm:styleLbl>
+  <dgm:styleLbl name="asst2">
+    <dgm:fillClrLst meth="repeat">
+      <a:schemeClr val="accent1"/>
+    </dgm:fillClrLst>
+    <dgm:linClrLst meth="repeat">
+      <a:schemeClr val="lt1"/>
+    </dgm:linClrLst>
+    <dgm:effectClrLst/>
+    <dgm:txLinClrLst/>
+    <dgm:txFillClrLst/>
+    <dgm:txEffectClrLst/>
+  </dgm:styleLbl>
+  <dgm:styleLbl name="asst3">
+    <dgm:fillClrLst meth="repeat">
+      <a:schemeClr val="accent1"/>
+    </dgm:fillClrLst>
+    <dgm:linClrLst meth="repeat">
+      <a:schemeClr val="lt1"/>
+    </dgm:linClrLst>
+    <dgm:effectClrLst/>
+    <dgm:txLinClrLst/>
+    <dgm:txFillClrLst/>
+    <dgm:txEffectClrLst/>
+  </dgm:styleLbl>
+  <dgm:styleLbl name="asst4">
+    <dgm:fillClrLst meth="repeat">
+      <a:schemeClr val="accent1"/>
+    </dgm:fillClrLst>
+    <dgm:linClrLst meth="repeat">
+      <a:schemeClr val="lt1"/>
+    </dgm:linClrLst>
+    <dgm:effectClrLst/>
+    <dgm:txLinClrLst/>
+    <dgm:txFillClrLst/>
+    <dgm:txEffectClrLst/>
+  </dgm:styleLbl>
+  <dgm:styleLbl name="parChTrans2D1">
+    <dgm:fillClrLst meth="repeat">
+      <a:schemeClr val="accent1">
+        <a:tint val="60000"/>
+      </a:schemeClr>
+    </dgm:fillClrLst>
+    <dgm:linClrLst meth="repeat">
+      <a:schemeClr val="accent1">
+        <a:tint val="60000"/>
+      </a:schemeClr>
+    </dgm:linClrLst>
+    <dgm:effectClrLst/>
+    <dgm:txLinClrLst/>
+    <dgm:txFillClrLst meth="repeat">
+      <a:schemeClr val="lt1"/>
+    </dgm:txFillClrLst>
+    <dgm:txEffectClrLst/>
+  </dgm:styleLbl>
+  <dgm:styleLbl name="parChTrans2D2">
+    <dgm:fillClrLst meth="repeat">
+      <a:schemeClr val="accent1"/>
+    </dgm:fillClrLst>
+    <dgm:linClrLst meth="repeat">
+      <a:schemeClr val="accent1"/>
+    </dgm:linClrLst>
+    <dgm:effectClrLst/>
+    <dgm:txLinClrLst/>
+    <dgm:txFillClrLst meth="repeat">
+      <a:schemeClr val="lt1"/>
+    </dgm:txFillClrLst>
+    <dgm:txEffectClrLst/>
+  </dgm:styleLbl>
+  <dgm:styleLbl name="parChTrans2D3">
+    <dgm:fillClrLst meth="repeat">
+      <a:schemeClr val="accent1"/>
+    </dgm:fillClrLst>
+    <dgm:linClrLst meth="repeat">
+      <a:schemeClr val="accent1"/>
+    </dgm:linClrLst>
+    <dgm:effectClrLst/>
+    <dgm:txLinClrLst/>
+    <dgm:txFillClrLst meth="repeat">
+      <a:schemeClr val="lt1"/>
+    </dgm:txFillClrLst>
+    <dgm:txEffectClrLst/>
+  </dgm:styleLbl>
+  <dgm:styleLbl name="parChTrans2D4">
+    <dgm:fillClrLst meth="repeat">
+      <a:schemeClr val="accent1"/>
+    </dgm:fillClrLst>
+    <dgm:linClrLst meth="repeat">
+      <a:schemeClr val="accent1"/>
+    </dgm:linClrLst>
+    <dgm:effectClrLst/>
+    <dgm:txLinClrLst/>
+    <dgm:txFillClrLst meth="repeat">
+      <a:schemeClr val="lt1"/>
+    </dgm:txFillClrLst>
+    <dgm:txEffectClrLst/>
+  </dgm:styleLbl>
+  <dgm:styleLbl name="parChTrans1D1">
+    <dgm:fillClrLst meth="repeat">
+      <a:schemeClr val="accent1"/>
+    </dgm:fillClrLst>
+    <dgm:linClrLst meth="repeat">
+      <a:schemeClr val="accent1">
+        <a:shade val="60000"/>
+      </a:schemeClr>
+    </dgm:linClrLst>
+    <dgm:effectClrLst/>
+    <dgm:txLinClrLst/>
+    <dgm:txFillClrLst meth="repeat">
+      <a:schemeClr val="tx1"/>
+    </dgm:txFillClrLst>
+    <dgm:txEffectClrLst/>
+  </dgm:styleLbl>
+  <dgm:styleLbl name="parChTrans1D2">
+    <dgm:fillClrLst meth="repeat">
+      <a:schemeClr val="accent1"/>
+    </dgm:fillClrLst>
+    <dgm:linClrLst meth="repeat">
+      <a:schemeClr val="accent1">
+        <a:shade val="60000"/>
+      </a:schemeClr>
+    </dgm:linClrLst>
+    <dgm:effectClrLst/>
+    <dgm:txLinClrLst/>
+    <dgm:txFillClrLst meth="repeat">
+      <a:schemeClr val="tx1"/>
+    </dgm:txFillClrLst>
+    <dgm:txEffectClrLst/>
+  </dgm:styleLbl>
+  <dgm:styleLbl name="parChTrans1D3">
+    <dgm:fillClrLst meth="repeat">
+      <a:schemeClr val="accent1"/>
+    </dgm:fillClrLst>
+    <dgm:linClrLst meth="repeat">
+      <a:schemeClr val="accent1">
+        <a:shade val="80000"/>
+      </a:schemeClr>
+    </dgm:linClrLst>
+    <dgm:effectClrLst/>
+    <dgm:txLinClrLst/>
+    <dgm:txFillClrLst meth="repeat">
+      <a:schemeClr val="tx1"/>
+    </dgm:txFillClrLst>
+    <dgm:txEffectClrLst/>
+  </dgm:styleLbl>
+  <dgm:styleLbl name="parChTrans1D4">
+    <dgm:fillClrLst meth="repeat">
+      <a:schemeClr val="accent1"/>
+    </dgm:fillClrLst>
+    <dgm:linClrLst meth="repeat">
+      <a:schemeClr val="accent1">
+        <a:shade val="80000"/>
+      </a:schemeClr>
+    </dgm:linClrLst>
+    <dgm:effectClrLst/>
+    <dgm:txLinClrLst/>
+    <dgm:txFillClrLst meth="repeat">
+      <a:schemeClr val="tx1"/>
+    </dgm:txFillClrLst>
+    <dgm:txEffectClrLst/>
+  </dgm:styleLbl>
+  <dgm:styleLbl name="fgAcc1">
+    <dgm:fillClrLst meth="repeat">
+      <a:schemeClr val="lt1">
+        <a:alpha val="90000"/>
+      </a:schemeClr>
+    </dgm:fillClrLst>
+    <dgm:linClrLst meth="repeat">
+      <a:schemeClr val="accent1"/>
+    </dgm:linClrLst>
+    <dgm:effectClrLst/>
+    <dgm:txLinClrLst/>
+    <dgm:txFillClrLst meth="repeat">
+      <a:schemeClr val="dk1"/>
+    </dgm:txFillClrLst>
+    <dgm:txEffectClrLst/>
+  </dgm:styleLbl>
+  <dgm:styleLbl name="conFgAcc1">
+    <dgm:fillClrLst meth="repeat">
+      <a:schemeClr val="lt1">
+        <a:alpha val="90000"/>
+      </a:schemeClr>
+    </dgm:fillClrLst>
+    <dgm:linClrLst meth="repeat">
+      <a:schemeClr val="accent1"/>
+    </dgm:linClrLst>
+    <dgm:effectClrLst/>
+    <dgm:txLinClrLst/>
+    <dgm:txFillClrLst meth="repeat">
+      <a:schemeClr val="dk1"/>
+    </dgm:txFillClrLst>
+    <dgm:txEffectClrLst/>
+  </dgm:styleLbl>
+  <dgm:styleLbl name="alignAcc1">
+    <dgm:fillClrLst meth="repeat">
+      <a:schemeClr val="lt1">
+        <a:alpha val="90000"/>
+      </a:schemeClr>
+    </dgm:fillClrLst>
+    <dgm:linClrLst meth="repeat">
+      <a:schemeClr val="accent1"/>
+    </dgm:linClrLst>
+    <dgm:effectClrLst/>
+    <dgm:txLinClrLst/>
+    <dgm:txFillClrLst meth="repeat">
+      <a:schemeClr val="dk1"/>
+    </dgm:txFillClrLst>
+    <dgm:txEffectClrLst/>
+  </dgm:styleLbl>
+  <dgm:styleLbl name="trAlignAcc1">
+    <dgm:fillClrLst meth="repeat">
+      <a:schemeClr val="lt1">
+        <a:alpha val="40000"/>
+      </a:schemeClr>
+    </dgm:fillClrLst>
+    <dgm:linClrLst meth="repeat">
+      <a:schemeClr val="accent1"/>
+    </dgm:linClrLst>
+    <dgm:effectClrLst/>
+    <dgm:txLinClrLst/>
+    <dgm:txFillClrLst meth="repeat">
+      <a:schemeClr val="dk1"/>
+    </dgm:txFillClrLst>
+    <dgm:txEffectClrLst/>
+  </dgm:styleLbl>
+  <dgm:styleLbl name="bgAcc1">
+    <dgm:fillClrLst meth="repeat">
+      <a:schemeClr val="lt1">
+        <a:alpha val="90000"/>
+      </a:schemeClr>
+    </dgm:fillClrLst>
+    <dgm:linClrLst meth="repeat">
+      <a:schemeClr val="accent1"/>
+    </dgm:linClrLst>
+    <dgm:effectClrLst/>
+    <dgm:txLinClrLst/>
+    <dgm:txFillClrLst meth="repeat">
+      <a:schemeClr val="dk1"/>
+    </dgm:txFillClrLst>
+    <dgm:txEffectClrLst/>
+  </dgm:styleLbl>
+  <dgm:styleLbl name="solidFgAcc1">
+    <dgm:fillClrLst meth="repeat">
+      <a:schemeClr val="lt1"/>
+    </dgm:fillClrLst>
+    <dgm:linClrLst meth="repeat">
+      <a:schemeClr val="accent1"/>
+    </dgm:linClrLst>
+    <dgm:effectClrLst/>
+    <dgm:txLinClrLst/>
+    <dgm:txFillClrLst meth="repeat">
+      <a:schemeClr val="dk1"/>
+    </dgm:txFillClrLst>
+    <dgm:txEffectClrLst/>
+  </dgm:styleLbl>
+  <dgm:styleLbl name="solidAlignAcc1">
+    <dgm:fillClrLst meth="repeat">
+      <a:schemeClr val="lt1"/>
+    </dgm:fillClrLst>
+    <dgm:linClrLst meth="repeat">
+      <a:schemeClr val="accent1"/>
+    </dgm:linClrLst>
+    <dgm:effectClrLst/>
+    <dgm:txLinClrLst/>
+    <dgm:txFillClrLst meth="repeat">
+      <a:schemeClr val="dk1"/>
+    </dgm:txFillClrLst>
+    <dgm:txEffectClrLst/>
+  </dgm:styleLbl>
+  <dgm:styleLbl name="solidBgAcc1">
+    <dgm:fillClrLst meth="repeat">
+      <a:schemeClr val="lt1"/>
+    </dgm:fillClrLst>
+    <dgm:linClrLst meth="repeat">
+      <a:schemeClr val="accent1"/>
+    </dgm:linClrLst>
+    <dgm:effectClrLst/>
+    <dgm:txLinClrLst/>
+    <dgm:txFillClrLst meth="repeat">
+      <a:schemeClr val="dk1"/>
+    </dgm:txFillClrLst>
+    <dgm:txEffectClrLst/>
+  </dgm:styleLbl>
+  <dgm:styleLbl name="fgAccFollowNode1">
+    <dgm:fillClrLst meth="repeat">
+      <a:schemeClr val="accent1">
+        <a:alpha val="90000"/>
+        <a:tint val="40000"/>
+      </a:schemeClr>
+    </dgm:fillClrLst>
+    <dgm:linClrLst meth="repeat">
+      <a:schemeClr val="accent1">
+        <a:alpha val="90000"/>
+        <a:tint val="40000"/>
+      </a:schemeClr>
+    </dgm:linClrLst>
+    <dgm:effectClrLst/>
+    <dgm:txLinClrLst/>
+    <dgm:txFillClrLst meth="repeat">
+      <a:schemeClr val="dk1"/>
+    </dgm:txFillClrLst>
+    <dgm:txEffectClrLst/>
+  </dgm:styleLbl>
+  <dgm:styleLbl name="alignAccFollowNode1">
+    <dgm:fillClrLst meth="repeat">
+      <a:schemeClr val="accent1">
+        <a:alpha val="90000"/>
+        <a:tint val="40000"/>
+      </a:schemeClr>
+    </dgm:fillClrLst>
+    <dgm:linClrLst meth="repeat">
+      <a:schemeClr val="accent1">
+        <a:alpha val="90000"/>
+        <a:tint val="40000"/>
+      </a:schemeClr>
+    </dgm:linClrLst>
+    <dgm:effectClrLst/>
+    <dgm:txLinClrLst/>
+    <dgm:txFillClrLst meth="repeat">
+      <a:schemeClr val="dk1"/>
+    </dgm:txFillClrLst>
+    <dgm:txEffectClrLst/>
+  </dgm:styleLbl>
+  <dgm:styleLbl name="bgAccFollowNode1">
+    <dgm:fillClrLst meth="repeat">
+      <a:schemeClr val="accent1">
+        <a:alpha val="90000"/>
+        <a:tint val="40000"/>
+      </a:schemeClr>
+    </dgm:fillClrLst>
+    <dgm:linClrLst meth="repeat">
+      <a:schemeClr val="accent1">
+        <a:alpha val="90000"/>
+        <a:tint val="40000"/>
+      </a:schemeClr>
+    </dgm:linClrLst>
+    <dgm:effectClrLst/>
+    <dgm:txLinClrLst/>
+    <dgm:txFillClrLst meth="repeat">
+      <a:schemeClr val="dk1"/>
+    </dgm:txFillClrLst>
+    <dgm:txEffectClrLst/>
+  </dgm:styleLbl>
+  <dgm:styleLbl name="fgAcc0">
+    <dgm:fillClrLst meth="repeat">
+      <a:schemeClr val="lt1">
+        <a:alpha val="90000"/>
+      </a:schemeClr>
+    </dgm:fillClrLst>
+    <dgm:linClrLst meth="repeat">
+      <a:schemeClr val="accent1"/>
+    </dgm:linClrLst>
+    <dgm:effectClrLst/>
+    <dgm:txLinClrLst/>
+    <dgm:txFillClrLst meth="repeat">
+      <a:schemeClr val="dk1"/>
+    </dgm:txFillClrLst>
+    <dgm:txEffectClrLst/>
+  </dgm:styleLbl>
+  <dgm:styleLbl name="fgAcc2">
+    <dgm:fillClrLst meth="repeat">
+      <a:schemeClr val="lt1">
+        <a:alpha val="90000"/>
+      </a:schemeClr>
+    </dgm:fillClrLst>
+    <dgm:linClrLst meth="repeat">
+      <a:schemeClr val="accent1"/>
+    </dgm:linClrLst>
+    <dgm:effectClrLst/>
+    <dgm:txLinClrLst/>
+    <dgm:txFillClrLst meth="repeat">
+      <a:schemeClr val="dk1"/>
+    </dgm:txFillClrLst>
+    <dgm:txEffectClrLst/>
+  </dgm:styleLbl>
+  <dgm:styleLbl name="fgAcc3">
+    <dgm:fillClrLst meth="repeat">
+      <a:schemeClr val="lt1">
+        <a:alpha val="90000"/>
+      </a:schemeClr>
+    </dgm:fillClrLst>
+    <dgm:linClrLst meth="repeat">
+      <a:schemeClr val="accent1"/>
+    </dgm:linClrLst>
+    <dgm:effectClrLst/>
+    <dgm:txLinClrLst/>
+    <dgm:txFillClrLst meth="repeat">
+      <a:schemeClr val="dk1"/>
+    </dgm:txFillClrLst>
+    <dgm:txEffectClrLst/>
+  </dgm:styleLbl>
+  <dgm:styleLbl name="fgAcc4">
+    <dgm:fillClrLst meth="repeat">
+      <a:schemeClr val="lt1">
+        <a:alpha val="90000"/>
+      </a:schemeClr>
+    </dgm:fillClrLst>
+    <dgm:linClrLst meth="repeat">
+      <a:schemeClr val="accent1"/>
+    </dgm:linClrLst>
+    <dgm:effectClrLst/>
+    <dgm:txLinClrLst/>
+    <dgm:txFillClrLst meth="repeat">
+      <a:schemeClr val="dk1"/>
+    </dgm:txFillClrLst>
+    <dgm:txEffectClrLst/>
+  </dgm:styleLbl>
+  <dgm:styleLbl name="bgShp">
+    <dgm:fillClrLst meth="repeat">
+      <a:schemeClr val="accent1">
+        <a:tint val="40000"/>
+      </a:schemeClr>
+    </dgm:fillClrLst>
+    <dgm:linClrLst meth="repeat">
+      <a:schemeClr val="accent1"/>
+    </dgm:linClrLst>
+    <dgm:effectClrLst/>
+    <dgm:txLinClrLst/>
+    <dgm:txFillClrLst meth="repeat">
+      <a:schemeClr val="dk1"/>
+    </dgm:txFillClrLst>
+    <dgm:txEffectClrLst/>
+  </dgm:styleLbl>
+  <dgm:styleLbl name="dkBgShp">
+    <dgm:fillClrLst meth="repeat">
+      <a:schemeClr val="accent1">
+        <a:shade val="80000"/>
+      </a:schemeClr>
+    </dgm:fillClrLst>
+    <dgm:linClrLst meth="repeat">
+      <a:schemeClr val="accent1"/>
+    </dgm:linClrLst>
+    <dgm:effectClrLst/>
+    <dgm:txLinClrLst/>
+    <dgm:txFillClrLst meth="repeat">
+      <a:schemeClr val="lt1"/>
+    </dgm:txFillClrLst>
+    <dgm:txEffectClrLst/>
+  </dgm:styleLbl>
+  <dgm:styleLbl name="trBgShp">
+    <dgm:fillClrLst meth="repeat">
+      <a:schemeClr val="accent1">
+        <a:tint val="50000"/>
+        <a:alpha val="40000"/>
+      </a:schemeClr>
+    </dgm:fillClrLst>
+    <dgm:linClrLst meth="repeat">
+      <a:schemeClr val="accent1"/>
+    </dgm:linClrLst>
+    <dgm:effectClrLst/>
+    <dgm:txLinClrLst/>
+    <dgm:txFillClrLst meth="repeat">
+      <a:schemeClr val="lt1"/>
+    </dgm:txFillClrLst>
+    <dgm:txEffectClrLst/>
+  </dgm:styleLbl>
+  <dgm:styleLbl name="fgShp">
+    <dgm:fillClrLst meth="repeat">
+      <a:schemeClr val="accent1">
+        <a:tint val="60000"/>
+      </a:schemeClr>
+    </dgm:fillClrLst>
+    <dgm:linClrLst meth="repeat">
+      <a:schemeClr val="lt1"/>
+    </dgm:linClrLst>
+    <dgm:effectClrLst/>
+    <dgm:txLinClrLst/>
+    <dgm:txFillClrLst meth="repeat">
+      <a:schemeClr val="dk1"/>
+    </dgm:txFillClrLst>
+    <dgm:txEffectClrLst/>
+  </dgm:styleLbl>
+  <dgm:styleLbl name="revTx">
+    <dgm:fillClrLst meth="repeat">
+      <a:schemeClr val="lt1">
+        <a:alpha val="0"/>
+      </a:schemeClr>
+    </dgm:fillClrLst>
+    <dgm:linClrLst meth="repeat">
+      <a:schemeClr val="dk1">
+        <a:alpha val="0"/>
+      </a:schemeClr>
+    </dgm:linClrLst>
+    <dgm:effectClrLst/>
+    <dgm:txLinClrLst/>
+    <dgm:txFillClrLst meth="repeat">
+      <a:schemeClr val="tx1"/>
+    </dgm:txFillClrLst>
+    <dgm:txEffectClrLst/>
+  </dgm:styleLbl>
+</dgm:colorsDef>
+</file>
+
 <file path=ppt/diagrams/colors2.xml><?xml version="1.0" encoding="utf-8"?>
 <dgm:colorsDef xmlns:dgm="http://schemas.openxmlformats.org/drawingml/2006/diagram" xmlns:a="http://schemas.openxmlformats.org/drawingml/2006/main" uniqueId="urn:microsoft.com/office/officeart/2005/8/colors/accent1_2">
   <dgm:title val=""/>
@@ -5364,6 +6110,753 @@
 </file>
 
 <file path=ppt/diagrams/colors8.xml><?xml version="1.0" encoding="utf-8"?>
+<dgm:colorsDef xmlns:dgm="http://schemas.openxmlformats.org/drawingml/2006/diagram" xmlns:a="http://schemas.openxmlformats.org/drawingml/2006/main" uniqueId="urn:microsoft.com/office/officeart/2005/8/colors/accent1_2">
+  <dgm:title val=""/>
+  <dgm:desc val=""/>
+  <dgm:catLst>
+    <dgm:cat type="accent1" pri="11200"/>
+  </dgm:catLst>
+  <dgm:styleLbl name="node0">
+    <dgm:fillClrLst meth="repeat">
+      <a:schemeClr val="accent1"/>
+    </dgm:fillClrLst>
+    <dgm:linClrLst meth="repeat">
+      <a:schemeClr val="lt1"/>
+    </dgm:linClrLst>
+    <dgm:effectClrLst/>
+    <dgm:txLinClrLst/>
+    <dgm:txFillClrLst/>
+    <dgm:txEffectClrLst/>
+  </dgm:styleLbl>
+  <dgm:styleLbl name="alignNode1">
+    <dgm:fillClrLst meth="repeat">
+      <a:schemeClr val="accent1"/>
+    </dgm:fillClrLst>
+    <dgm:linClrLst meth="repeat">
+      <a:schemeClr val="accent1"/>
+    </dgm:linClrLst>
+    <dgm:effectClrLst/>
+    <dgm:txLinClrLst/>
+    <dgm:txFillClrLst/>
+    <dgm:txEffectClrLst/>
+  </dgm:styleLbl>
+  <dgm:styleLbl name="node1">
+    <dgm:fillClrLst meth="repeat">
+      <a:schemeClr val="accent1"/>
+    </dgm:fillClrLst>
+    <dgm:linClrLst meth="repeat">
+      <a:schemeClr val="lt1"/>
+    </dgm:linClrLst>
+    <dgm:effectClrLst/>
+    <dgm:txLinClrLst/>
+    <dgm:txFillClrLst/>
+    <dgm:txEffectClrLst/>
+  </dgm:styleLbl>
+  <dgm:styleLbl name="lnNode1">
+    <dgm:fillClrLst meth="repeat">
+      <a:schemeClr val="accent1"/>
+    </dgm:fillClrLst>
+    <dgm:linClrLst meth="repeat">
+      <a:schemeClr val="lt1"/>
+    </dgm:linClrLst>
+    <dgm:effectClrLst/>
+    <dgm:txLinClrLst/>
+    <dgm:txFillClrLst/>
+    <dgm:txEffectClrLst/>
+  </dgm:styleLbl>
+  <dgm:styleLbl name="vennNode1">
+    <dgm:fillClrLst meth="repeat">
+      <a:schemeClr val="accent1">
+        <a:alpha val="50000"/>
+      </a:schemeClr>
+    </dgm:fillClrLst>
+    <dgm:linClrLst meth="repeat">
+      <a:schemeClr val="lt1"/>
+    </dgm:linClrLst>
+    <dgm:effectClrLst/>
+    <dgm:txLinClrLst/>
+    <dgm:txFillClrLst/>
+    <dgm:txEffectClrLst/>
+  </dgm:styleLbl>
+  <dgm:styleLbl name="node2">
+    <dgm:fillClrLst meth="repeat">
+      <a:schemeClr val="accent1"/>
+    </dgm:fillClrLst>
+    <dgm:linClrLst meth="repeat">
+      <a:schemeClr val="lt1"/>
+    </dgm:linClrLst>
+    <dgm:effectClrLst/>
+    <dgm:txLinClrLst/>
+    <dgm:txFillClrLst/>
+    <dgm:txEffectClrLst/>
+  </dgm:styleLbl>
+  <dgm:styleLbl name="node3">
+    <dgm:fillClrLst meth="repeat">
+      <a:schemeClr val="accent1"/>
+    </dgm:fillClrLst>
+    <dgm:linClrLst meth="repeat">
+      <a:schemeClr val="lt1"/>
+    </dgm:linClrLst>
+    <dgm:effectClrLst/>
+    <dgm:txLinClrLst/>
+    <dgm:txFillClrLst/>
+    <dgm:txEffectClrLst/>
+  </dgm:styleLbl>
+  <dgm:styleLbl name="node4">
+    <dgm:fillClrLst meth="repeat">
+      <a:schemeClr val="accent1"/>
+    </dgm:fillClrLst>
+    <dgm:linClrLst meth="repeat">
+      <a:schemeClr val="lt1"/>
+    </dgm:linClrLst>
+    <dgm:effectClrLst/>
+    <dgm:txLinClrLst/>
+    <dgm:txFillClrLst/>
+    <dgm:txEffectClrLst/>
+  </dgm:styleLbl>
+  <dgm:styleLbl name="fgImgPlace1">
+    <dgm:fillClrLst meth="repeat">
+      <a:schemeClr val="accent1">
+        <a:tint val="50000"/>
+      </a:schemeClr>
+    </dgm:fillClrLst>
+    <dgm:linClrLst meth="repeat">
+      <a:schemeClr val="lt1"/>
+    </dgm:linClrLst>
+    <dgm:effectClrLst/>
+    <dgm:txLinClrLst/>
+    <dgm:txFillClrLst meth="repeat">
+      <a:schemeClr val="lt1"/>
+    </dgm:txFillClrLst>
+    <dgm:txEffectClrLst/>
+  </dgm:styleLbl>
+  <dgm:styleLbl name="alignImgPlace1">
+    <dgm:fillClrLst meth="repeat">
+      <a:schemeClr val="accent1">
+        <a:tint val="50000"/>
+      </a:schemeClr>
+    </dgm:fillClrLst>
+    <dgm:linClrLst meth="repeat">
+      <a:schemeClr val="lt1"/>
+    </dgm:linClrLst>
+    <dgm:effectClrLst/>
+    <dgm:txLinClrLst/>
+    <dgm:txFillClrLst meth="repeat">
+      <a:schemeClr val="lt1"/>
+    </dgm:txFillClrLst>
+    <dgm:txEffectClrLst/>
+  </dgm:styleLbl>
+  <dgm:styleLbl name="bgImgPlace1">
+    <dgm:fillClrLst meth="repeat">
+      <a:schemeClr val="accent1">
+        <a:tint val="50000"/>
+      </a:schemeClr>
+    </dgm:fillClrLst>
+    <dgm:linClrLst meth="repeat">
+      <a:schemeClr val="lt1"/>
+    </dgm:linClrLst>
+    <dgm:effectClrLst/>
+    <dgm:txLinClrLst/>
+    <dgm:txFillClrLst meth="repeat">
+      <a:schemeClr val="lt1"/>
+    </dgm:txFillClrLst>
+    <dgm:txEffectClrLst/>
+  </dgm:styleLbl>
+  <dgm:styleLbl name="sibTrans2D1">
+    <dgm:fillClrLst meth="repeat">
+      <a:schemeClr val="accent1">
+        <a:tint val="60000"/>
+      </a:schemeClr>
+    </dgm:fillClrLst>
+    <dgm:linClrLst meth="repeat">
+      <a:schemeClr val="accent1">
+        <a:tint val="60000"/>
+      </a:schemeClr>
+    </dgm:linClrLst>
+    <dgm:effectClrLst/>
+    <dgm:txLinClrLst/>
+    <dgm:txFillClrLst/>
+    <dgm:txEffectClrLst/>
+  </dgm:styleLbl>
+  <dgm:styleLbl name="fgSibTrans2D1">
+    <dgm:fillClrLst meth="repeat">
+      <a:schemeClr val="accent1">
+        <a:tint val="60000"/>
+      </a:schemeClr>
+    </dgm:fillClrLst>
+    <dgm:linClrLst meth="repeat">
+      <a:schemeClr val="accent1">
+        <a:tint val="60000"/>
+      </a:schemeClr>
+    </dgm:linClrLst>
+    <dgm:effectClrLst/>
+    <dgm:txLinClrLst/>
+    <dgm:txFillClrLst/>
+    <dgm:txEffectClrLst/>
+  </dgm:styleLbl>
+  <dgm:styleLbl name="bgSibTrans2D1">
+    <dgm:fillClrLst meth="repeat">
+      <a:schemeClr val="accent1">
+        <a:tint val="60000"/>
+      </a:schemeClr>
+    </dgm:fillClrLst>
+    <dgm:linClrLst meth="repeat">
+      <a:schemeClr val="accent1">
+        <a:tint val="60000"/>
+      </a:schemeClr>
+    </dgm:linClrLst>
+    <dgm:effectClrLst/>
+    <dgm:txLinClrLst/>
+    <dgm:txFillClrLst/>
+    <dgm:txEffectClrLst/>
+  </dgm:styleLbl>
+  <dgm:styleLbl name="sibTrans1D1">
+    <dgm:fillClrLst meth="repeat">
+      <a:schemeClr val="accent1"/>
+    </dgm:fillClrLst>
+    <dgm:linClrLst meth="repeat">
+      <a:schemeClr val="accent1"/>
+    </dgm:linClrLst>
+    <dgm:effectClrLst/>
+    <dgm:txLinClrLst/>
+    <dgm:txFillClrLst meth="repeat">
+      <a:schemeClr val="tx1"/>
+    </dgm:txFillClrLst>
+    <dgm:txEffectClrLst/>
+  </dgm:styleLbl>
+  <dgm:styleLbl name="callout">
+    <dgm:fillClrLst meth="repeat">
+      <a:schemeClr val="accent1"/>
+    </dgm:fillClrLst>
+    <dgm:linClrLst meth="repeat">
+      <a:schemeClr val="accent1">
+        <a:tint val="50000"/>
+      </a:schemeClr>
+    </dgm:linClrLst>
+    <dgm:effectClrLst/>
+    <dgm:txLinClrLst/>
+    <dgm:txFillClrLst meth="repeat">
+      <a:schemeClr val="tx1"/>
+    </dgm:txFillClrLst>
+    <dgm:txEffectClrLst/>
+  </dgm:styleLbl>
+  <dgm:styleLbl name="asst0">
+    <dgm:fillClrLst meth="repeat">
+      <a:schemeClr val="accent1"/>
+    </dgm:fillClrLst>
+    <dgm:linClrLst meth="repeat">
+      <a:schemeClr val="lt1"/>
+    </dgm:linClrLst>
+    <dgm:effectClrLst/>
+    <dgm:txLinClrLst/>
+    <dgm:txFillClrLst/>
+    <dgm:txEffectClrLst/>
+  </dgm:styleLbl>
+  <dgm:styleLbl name="asst1">
+    <dgm:fillClrLst meth="repeat">
+      <a:schemeClr val="accent1"/>
+    </dgm:fillClrLst>
+    <dgm:linClrLst meth="repeat">
+      <a:schemeClr val="lt1"/>
+    </dgm:linClrLst>
+    <dgm:effectClrLst/>
+    <dgm:txLinClrLst/>
+    <dgm:txFillClrLst/>
+    <dgm:txEffectClrLst/>
+  </dgm:styleLbl>
+  <dgm:styleLbl name="asst2">
+    <dgm:fillClrLst meth="repeat">
+      <a:schemeClr val="accent1"/>
+    </dgm:fillClrLst>
+    <dgm:linClrLst meth="repeat">
+      <a:schemeClr val="lt1"/>
+    </dgm:linClrLst>
+    <dgm:effectClrLst/>
+    <dgm:txLinClrLst/>
+    <dgm:txFillClrLst/>
+    <dgm:txEffectClrLst/>
+  </dgm:styleLbl>
+  <dgm:styleLbl name="asst3">
+    <dgm:fillClrLst meth="repeat">
+      <a:schemeClr val="accent1"/>
+    </dgm:fillClrLst>
+    <dgm:linClrLst meth="repeat">
+      <a:schemeClr val="lt1"/>
+    </dgm:linClrLst>
+    <dgm:effectClrLst/>
+    <dgm:txLinClrLst/>
+    <dgm:txFillClrLst/>
+    <dgm:txEffectClrLst/>
+  </dgm:styleLbl>
+  <dgm:styleLbl name="asst4">
+    <dgm:fillClrLst meth="repeat">
+      <a:schemeClr val="accent1"/>
+    </dgm:fillClrLst>
+    <dgm:linClrLst meth="repeat">
+      <a:schemeClr val="lt1"/>
+    </dgm:linClrLst>
+    <dgm:effectClrLst/>
+    <dgm:txLinClrLst/>
+    <dgm:txFillClrLst/>
+    <dgm:txEffectClrLst/>
+  </dgm:styleLbl>
+  <dgm:styleLbl name="parChTrans2D1">
+    <dgm:fillClrLst meth="repeat">
+      <a:schemeClr val="accent1">
+        <a:tint val="60000"/>
+      </a:schemeClr>
+    </dgm:fillClrLst>
+    <dgm:linClrLst meth="repeat">
+      <a:schemeClr val="accent1">
+        <a:tint val="60000"/>
+      </a:schemeClr>
+    </dgm:linClrLst>
+    <dgm:effectClrLst/>
+    <dgm:txLinClrLst/>
+    <dgm:txFillClrLst meth="repeat">
+      <a:schemeClr val="lt1"/>
+    </dgm:txFillClrLst>
+    <dgm:txEffectClrLst/>
+  </dgm:styleLbl>
+  <dgm:styleLbl name="parChTrans2D2">
+    <dgm:fillClrLst meth="repeat">
+      <a:schemeClr val="accent1"/>
+    </dgm:fillClrLst>
+    <dgm:linClrLst meth="repeat">
+      <a:schemeClr val="accent1"/>
+    </dgm:linClrLst>
+    <dgm:effectClrLst/>
+    <dgm:txLinClrLst/>
+    <dgm:txFillClrLst meth="repeat">
+      <a:schemeClr val="lt1"/>
+    </dgm:txFillClrLst>
+    <dgm:txEffectClrLst/>
+  </dgm:styleLbl>
+  <dgm:styleLbl name="parChTrans2D3">
+    <dgm:fillClrLst meth="repeat">
+      <a:schemeClr val="accent1"/>
+    </dgm:fillClrLst>
+    <dgm:linClrLst meth="repeat">
+      <a:schemeClr val="accent1"/>
+    </dgm:linClrLst>
+    <dgm:effectClrLst/>
+    <dgm:txLinClrLst/>
+    <dgm:txFillClrLst meth="repeat">
+      <a:schemeClr val="lt1"/>
+    </dgm:txFillClrLst>
+    <dgm:txEffectClrLst/>
+  </dgm:styleLbl>
+  <dgm:styleLbl name="parChTrans2D4">
+    <dgm:fillClrLst meth="repeat">
+      <a:schemeClr val="accent1"/>
+    </dgm:fillClrLst>
+    <dgm:linClrLst meth="repeat">
+      <a:schemeClr val="accent1"/>
+    </dgm:linClrLst>
+    <dgm:effectClrLst/>
+    <dgm:txLinClrLst/>
+    <dgm:txFillClrLst meth="repeat">
+      <a:schemeClr val="lt1"/>
+    </dgm:txFillClrLst>
+    <dgm:txEffectClrLst/>
+  </dgm:styleLbl>
+  <dgm:styleLbl name="parChTrans1D1">
+    <dgm:fillClrLst meth="repeat">
+      <a:schemeClr val="accent1"/>
+    </dgm:fillClrLst>
+    <dgm:linClrLst meth="repeat">
+      <a:schemeClr val="accent1">
+        <a:shade val="60000"/>
+      </a:schemeClr>
+    </dgm:linClrLst>
+    <dgm:effectClrLst/>
+    <dgm:txLinClrLst/>
+    <dgm:txFillClrLst meth="repeat">
+      <a:schemeClr val="tx1"/>
+    </dgm:txFillClrLst>
+    <dgm:txEffectClrLst/>
+  </dgm:styleLbl>
+  <dgm:styleLbl name="parChTrans1D2">
+    <dgm:fillClrLst meth="repeat">
+      <a:schemeClr val="accent1"/>
+    </dgm:fillClrLst>
+    <dgm:linClrLst meth="repeat">
+      <a:schemeClr val="accent1">
+        <a:shade val="60000"/>
+      </a:schemeClr>
+    </dgm:linClrLst>
+    <dgm:effectClrLst/>
+    <dgm:txLinClrLst/>
+    <dgm:txFillClrLst meth="repeat">
+      <a:schemeClr val="tx1"/>
+    </dgm:txFillClrLst>
+    <dgm:txEffectClrLst/>
+  </dgm:styleLbl>
+  <dgm:styleLbl name="parChTrans1D3">
+    <dgm:fillClrLst meth="repeat">
+      <a:schemeClr val="accent1"/>
+    </dgm:fillClrLst>
+    <dgm:linClrLst meth="repeat">
+      <a:schemeClr val="accent1">
+        <a:shade val="80000"/>
+      </a:schemeClr>
+    </dgm:linClrLst>
+    <dgm:effectClrLst/>
+    <dgm:txLinClrLst/>
+    <dgm:txFillClrLst meth="repeat">
+      <a:schemeClr val="tx1"/>
+    </dgm:txFillClrLst>
+    <dgm:txEffectClrLst/>
+  </dgm:styleLbl>
+  <dgm:styleLbl name="parChTrans1D4">
+    <dgm:fillClrLst meth="repeat">
+      <a:schemeClr val="accent1"/>
+    </dgm:fillClrLst>
+    <dgm:linClrLst meth="repeat">
+      <a:schemeClr val="accent1">
+        <a:shade val="80000"/>
+      </a:schemeClr>
+    </dgm:linClrLst>
+    <dgm:effectClrLst/>
+    <dgm:txLinClrLst/>
+    <dgm:txFillClrLst meth="repeat">
+      <a:schemeClr val="tx1"/>
+    </dgm:txFillClrLst>
+    <dgm:txEffectClrLst/>
+  </dgm:styleLbl>
+  <dgm:styleLbl name="fgAcc1">
+    <dgm:fillClrLst meth="repeat">
+      <a:schemeClr val="lt1">
+        <a:alpha val="90000"/>
+      </a:schemeClr>
+    </dgm:fillClrLst>
+    <dgm:linClrLst meth="repeat">
+      <a:schemeClr val="accent1"/>
+    </dgm:linClrLst>
+    <dgm:effectClrLst/>
+    <dgm:txLinClrLst/>
+    <dgm:txFillClrLst meth="repeat">
+      <a:schemeClr val="dk1"/>
+    </dgm:txFillClrLst>
+    <dgm:txEffectClrLst/>
+  </dgm:styleLbl>
+  <dgm:styleLbl name="conFgAcc1">
+    <dgm:fillClrLst meth="repeat">
+      <a:schemeClr val="lt1">
+        <a:alpha val="90000"/>
+      </a:schemeClr>
+    </dgm:fillClrLst>
+    <dgm:linClrLst meth="repeat">
+      <a:schemeClr val="accent1"/>
+    </dgm:linClrLst>
+    <dgm:effectClrLst/>
+    <dgm:txLinClrLst/>
+    <dgm:txFillClrLst meth="repeat">
+      <a:schemeClr val="dk1"/>
+    </dgm:txFillClrLst>
+    <dgm:txEffectClrLst/>
+  </dgm:styleLbl>
+  <dgm:styleLbl name="alignAcc1">
+    <dgm:fillClrLst meth="repeat">
+      <a:schemeClr val="lt1">
+        <a:alpha val="90000"/>
+      </a:schemeClr>
+    </dgm:fillClrLst>
+    <dgm:linClrLst meth="repeat">
+      <a:schemeClr val="accent1"/>
+    </dgm:linClrLst>
+    <dgm:effectClrLst/>
+    <dgm:txLinClrLst/>
+    <dgm:txFillClrLst meth="repeat">
+      <a:schemeClr val="dk1"/>
+    </dgm:txFillClrLst>
+    <dgm:txEffectClrLst/>
+  </dgm:styleLbl>
+  <dgm:styleLbl name="trAlignAcc1">
+    <dgm:fillClrLst meth="repeat">
+      <a:schemeClr val="lt1">
+        <a:alpha val="40000"/>
+      </a:schemeClr>
+    </dgm:fillClrLst>
+    <dgm:linClrLst meth="repeat">
+      <a:schemeClr val="accent1"/>
+    </dgm:linClrLst>
+    <dgm:effectClrLst/>
+    <dgm:txLinClrLst/>
+    <dgm:txFillClrLst meth="repeat">
+      <a:schemeClr val="dk1"/>
+    </dgm:txFillClrLst>
+    <dgm:txEffectClrLst/>
+  </dgm:styleLbl>
+  <dgm:styleLbl name="bgAcc1">
+    <dgm:fillClrLst meth="repeat">
+      <a:schemeClr val="lt1">
+        <a:alpha val="90000"/>
+      </a:schemeClr>
+    </dgm:fillClrLst>
+    <dgm:linClrLst meth="repeat">
+      <a:schemeClr val="accent1"/>
+    </dgm:linClrLst>
+    <dgm:effectClrLst/>
+    <dgm:txLinClrLst/>
+    <dgm:txFillClrLst meth="repeat">
+      <a:schemeClr val="dk1"/>
+    </dgm:txFillClrLst>
+    <dgm:txEffectClrLst/>
+  </dgm:styleLbl>
+  <dgm:styleLbl name="solidFgAcc1">
+    <dgm:fillClrLst meth="repeat">
+      <a:schemeClr val="lt1"/>
+    </dgm:fillClrLst>
+    <dgm:linClrLst meth="repeat">
+      <a:schemeClr val="accent1"/>
+    </dgm:linClrLst>
+    <dgm:effectClrLst/>
+    <dgm:txLinClrLst/>
+    <dgm:txFillClrLst meth="repeat">
+      <a:schemeClr val="dk1"/>
+    </dgm:txFillClrLst>
+    <dgm:txEffectClrLst/>
+  </dgm:styleLbl>
+  <dgm:styleLbl name="solidAlignAcc1">
+    <dgm:fillClrLst meth="repeat">
+      <a:schemeClr val="lt1"/>
+    </dgm:fillClrLst>
+    <dgm:linClrLst meth="repeat">
+      <a:schemeClr val="accent1"/>
+    </dgm:linClrLst>
+    <dgm:effectClrLst/>
+    <dgm:txLinClrLst/>
+    <dgm:txFillClrLst meth="repeat">
+      <a:schemeClr val="dk1"/>
+    </dgm:txFillClrLst>
+    <dgm:txEffectClrLst/>
+  </dgm:styleLbl>
+  <dgm:styleLbl name="solidBgAcc1">
+    <dgm:fillClrLst meth="repeat">
+      <a:schemeClr val="lt1"/>
+    </dgm:fillClrLst>
+    <dgm:linClrLst meth="repeat">
+      <a:schemeClr val="accent1"/>
+    </dgm:linClrLst>
+    <dgm:effectClrLst/>
+    <dgm:txLinClrLst/>
+    <dgm:txFillClrLst meth="repeat">
+      <a:schemeClr val="dk1"/>
+    </dgm:txFillClrLst>
+    <dgm:txEffectClrLst/>
+  </dgm:styleLbl>
+  <dgm:styleLbl name="fgAccFollowNode1">
+    <dgm:fillClrLst meth="repeat">
+      <a:schemeClr val="accent1">
+        <a:alpha val="90000"/>
+        <a:tint val="40000"/>
+      </a:schemeClr>
+    </dgm:fillClrLst>
+    <dgm:linClrLst meth="repeat">
+      <a:schemeClr val="accent1">
+        <a:alpha val="90000"/>
+        <a:tint val="40000"/>
+      </a:schemeClr>
+    </dgm:linClrLst>
+    <dgm:effectClrLst/>
+    <dgm:txLinClrLst/>
+    <dgm:txFillClrLst meth="repeat">
+      <a:schemeClr val="dk1"/>
+    </dgm:txFillClrLst>
+    <dgm:txEffectClrLst/>
+  </dgm:styleLbl>
+  <dgm:styleLbl name="alignAccFollowNode1">
+    <dgm:fillClrLst meth="repeat">
+      <a:schemeClr val="accent1">
+        <a:alpha val="90000"/>
+        <a:tint val="40000"/>
+      </a:schemeClr>
+    </dgm:fillClrLst>
+    <dgm:linClrLst meth="repeat">
+      <a:schemeClr val="accent1">
+        <a:alpha val="90000"/>
+        <a:tint val="40000"/>
+      </a:schemeClr>
+    </dgm:linClrLst>
+    <dgm:effectClrLst/>
+    <dgm:txLinClrLst/>
+    <dgm:txFillClrLst meth="repeat">
+      <a:schemeClr val="dk1"/>
+    </dgm:txFillClrLst>
+    <dgm:txEffectClrLst/>
+  </dgm:styleLbl>
+  <dgm:styleLbl name="bgAccFollowNode1">
+    <dgm:fillClrLst meth="repeat">
+      <a:schemeClr val="accent1">
+        <a:alpha val="90000"/>
+        <a:tint val="40000"/>
+      </a:schemeClr>
+    </dgm:fillClrLst>
+    <dgm:linClrLst meth="repeat">
+      <a:schemeClr val="accent1">
+        <a:alpha val="90000"/>
+        <a:tint val="40000"/>
+      </a:schemeClr>
+    </dgm:linClrLst>
+    <dgm:effectClrLst/>
+    <dgm:txLinClrLst/>
+    <dgm:txFillClrLst meth="repeat">
+      <a:schemeClr val="dk1"/>
+    </dgm:txFillClrLst>
+    <dgm:txEffectClrLst/>
+  </dgm:styleLbl>
+  <dgm:styleLbl name="fgAcc0">
+    <dgm:fillClrLst meth="repeat">
+      <a:schemeClr val="lt1">
+        <a:alpha val="90000"/>
+      </a:schemeClr>
+    </dgm:fillClrLst>
+    <dgm:linClrLst meth="repeat">
+      <a:schemeClr val="accent1"/>
+    </dgm:linClrLst>
+    <dgm:effectClrLst/>
+    <dgm:txLinClrLst/>
+    <dgm:txFillClrLst meth="repeat">
+      <a:schemeClr val="dk1"/>
+    </dgm:txFillClrLst>
+    <dgm:txEffectClrLst/>
+  </dgm:styleLbl>
+  <dgm:styleLbl name="fgAcc2">
+    <dgm:fillClrLst meth="repeat">
+      <a:schemeClr val="lt1">
+        <a:alpha val="90000"/>
+      </a:schemeClr>
+    </dgm:fillClrLst>
+    <dgm:linClrLst meth="repeat">
+      <a:schemeClr val="accent1"/>
+    </dgm:linClrLst>
+    <dgm:effectClrLst/>
+    <dgm:txLinClrLst/>
+    <dgm:txFillClrLst meth="repeat">
+      <a:schemeClr val="dk1"/>
+    </dgm:txFillClrLst>
+    <dgm:txEffectClrLst/>
+  </dgm:styleLbl>
+  <dgm:styleLbl name="fgAcc3">
+    <dgm:fillClrLst meth="repeat">
+      <a:schemeClr val="lt1">
+        <a:alpha val="90000"/>
+      </a:schemeClr>
+    </dgm:fillClrLst>
+    <dgm:linClrLst meth="repeat">
+      <a:schemeClr val="accent1"/>
+    </dgm:linClrLst>
+    <dgm:effectClrLst/>
+    <dgm:txLinClrLst/>
+    <dgm:txFillClrLst meth="repeat">
+      <a:schemeClr val="dk1"/>
+    </dgm:txFillClrLst>
+    <dgm:txEffectClrLst/>
+  </dgm:styleLbl>
+  <dgm:styleLbl name="fgAcc4">
+    <dgm:fillClrLst meth="repeat">
+      <a:schemeClr val="lt1">
+        <a:alpha val="90000"/>
+      </a:schemeClr>
+    </dgm:fillClrLst>
+    <dgm:linClrLst meth="repeat">
+      <a:schemeClr val="accent1"/>
+    </dgm:linClrLst>
+    <dgm:effectClrLst/>
+    <dgm:txLinClrLst/>
+    <dgm:txFillClrLst meth="repeat">
+      <a:schemeClr val="dk1"/>
+    </dgm:txFillClrLst>
+    <dgm:txEffectClrLst/>
+  </dgm:styleLbl>
+  <dgm:styleLbl name="bgShp">
+    <dgm:fillClrLst meth="repeat">
+      <a:schemeClr val="accent1">
+        <a:tint val="40000"/>
+      </a:schemeClr>
+    </dgm:fillClrLst>
+    <dgm:linClrLst meth="repeat">
+      <a:schemeClr val="accent1"/>
+    </dgm:linClrLst>
+    <dgm:effectClrLst/>
+    <dgm:txLinClrLst/>
+    <dgm:txFillClrLst meth="repeat">
+      <a:schemeClr val="dk1"/>
+    </dgm:txFillClrLst>
+    <dgm:txEffectClrLst/>
+  </dgm:styleLbl>
+  <dgm:styleLbl name="dkBgShp">
+    <dgm:fillClrLst meth="repeat">
+      <a:schemeClr val="accent1">
+        <a:shade val="80000"/>
+      </a:schemeClr>
+    </dgm:fillClrLst>
+    <dgm:linClrLst meth="repeat">
+      <a:schemeClr val="accent1"/>
+    </dgm:linClrLst>
+    <dgm:effectClrLst/>
+    <dgm:txLinClrLst/>
+    <dgm:txFillClrLst meth="repeat">
+      <a:schemeClr val="lt1"/>
+    </dgm:txFillClrLst>
+    <dgm:txEffectClrLst/>
+  </dgm:styleLbl>
+  <dgm:styleLbl name="trBgShp">
+    <dgm:fillClrLst meth="repeat">
+      <a:schemeClr val="accent1">
+        <a:tint val="50000"/>
+        <a:alpha val="40000"/>
+      </a:schemeClr>
+    </dgm:fillClrLst>
+    <dgm:linClrLst meth="repeat">
+      <a:schemeClr val="accent1"/>
+    </dgm:linClrLst>
+    <dgm:effectClrLst/>
+    <dgm:txLinClrLst/>
+    <dgm:txFillClrLst meth="repeat">
+      <a:schemeClr val="lt1"/>
+    </dgm:txFillClrLst>
+    <dgm:txEffectClrLst/>
+  </dgm:styleLbl>
+  <dgm:styleLbl name="fgShp">
+    <dgm:fillClrLst meth="repeat">
+      <a:schemeClr val="accent1">
+        <a:tint val="60000"/>
+      </a:schemeClr>
+    </dgm:fillClrLst>
+    <dgm:linClrLst meth="repeat">
+      <a:schemeClr val="lt1"/>
+    </dgm:linClrLst>
+    <dgm:effectClrLst/>
+    <dgm:txLinClrLst/>
+    <dgm:txFillClrLst meth="repeat">
+      <a:schemeClr val="dk1"/>
+    </dgm:txFillClrLst>
+    <dgm:txEffectClrLst/>
+  </dgm:styleLbl>
+  <dgm:styleLbl name="revTx">
+    <dgm:fillClrLst meth="repeat">
+      <a:schemeClr val="lt1">
+        <a:alpha val="0"/>
+      </a:schemeClr>
+    </dgm:fillClrLst>
+    <dgm:linClrLst meth="repeat">
+      <a:schemeClr val="dk1">
+        <a:alpha val="0"/>
+      </a:schemeClr>
+    </dgm:linClrLst>
+    <dgm:effectClrLst/>
+    <dgm:txLinClrLst/>
+    <dgm:txFillClrLst meth="repeat">
+      <a:schemeClr val="tx1"/>
+    </dgm:txFillClrLst>
+    <dgm:txEffectClrLst/>
+  </dgm:styleLbl>
+</dgm:colorsDef>
+</file>
+
+<file path=ppt/diagrams/colors9.xml><?xml version="1.0" encoding="utf-8"?>
 <dgm:colorsDef xmlns:dgm="http://schemas.openxmlformats.org/drawingml/2006/diagram" xmlns:a="http://schemas.openxmlformats.org/drawingml/2006/main" uniqueId="urn:microsoft.com/office/officeart/2005/8/colors/accent1_2">
   <dgm:title val=""/>
   <dgm:desc val=""/>
@@ -6206,6 +7699,663 @@
     <dgm:cxn modelId="{743D6F53-C291-4D85-8422-79FFA4F5C90F}" type="presParOf" srcId="{5256B6D9-66E1-4283-82EF-C231A70EF32B}" destId="{DB9B1E48-E9EE-4A69-ABEC-684304FE05B9}" srcOrd="0" destOrd="0" presId="urn:microsoft.com/office/officeart/2009/layout/CircleArrowProcess"/>
     <dgm:cxn modelId="{C360B763-012A-491C-88AF-7C0F3E6FC650}" type="presParOf" srcId="{DB9B1E48-E9EE-4A69-ABEC-684304FE05B9}" destId="{98874058-8D36-416E-9FFA-DCE6FB4A4E1A}" srcOrd="0" destOrd="0" presId="urn:microsoft.com/office/officeart/2009/layout/CircleArrowProcess"/>
     <dgm:cxn modelId="{E2FBC9C6-7B0B-42D8-84E0-04DC4055B92D}" type="presParOf" srcId="{5256B6D9-66E1-4283-82EF-C231A70EF32B}" destId="{A4803724-3D76-4B96-9601-8AD8002CBB7B}" srcOrd="1" destOrd="0" presId="urn:microsoft.com/office/officeart/2009/layout/CircleArrowProcess"/>
+  </dgm:cxnLst>
+  <dgm:bg/>
+  <dgm:whole/>
+  <dgm:extLst>
+    <a:ext uri="http://schemas.microsoft.com/office/drawing/2008/diagram">
+      <dsp:dataModelExt xmlns:dsp="http://schemas.microsoft.com/office/drawing/2008/diagram" relId="rId6" minVer="http://schemas.openxmlformats.org/drawingml/2006/diagram"/>
+    </a:ext>
+  </dgm:extLst>
+</dgm:dataModel>
+</file>
+
+<file path=ppt/diagrams/data10.xml><?xml version="1.0" encoding="utf-8"?>
+<dgm:dataModel xmlns:dgm="http://schemas.openxmlformats.org/drawingml/2006/diagram" xmlns:a="http://schemas.openxmlformats.org/drawingml/2006/main">
+  <dgm:ptLst>
+    <dgm:pt modelId="{42F4482E-EE28-4A85-A6CB-A59CC6D82146}" type="doc">
+      <dgm:prSet loTypeId="urn:microsoft.com/office/officeart/2005/8/layout/vList2" loCatId="list" qsTypeId="urn:microsoft.com/office/officeart/2005/8/quickstyle/simple1" qsCatId="simple" csTypeId="urn:microsoft.com/office/officeart/2005/8/colors/accent1_2" csCatId="accent1" phldr="1"/>
+      <dgm:spPr/>
+      <dgm:t>
+        <a:bodyPr/>
+        <a:lstStyle/>
+        <a:p>
+          <a:endParaRPr lang="pt-BR"/>
+        </a:p>
+      </dgm:t>
+    </dgm:pt>
+    <dgm:pt modelId="{F8B0C7CB-9535-4BAB-8F69-A318CF4936FD}">
+      <dgm:prSet custT="1"/>
+      <dgm:spPr/>
+      <dgm:t>
+        <a:bodyPr/>
+        <a:lstStyle/>
+        <a:p>
+          <a:r>
+            <a:rPr lang="pt-BR" sz="2000" dirty="0"/>
+            <a:t>Saúde bucal</a:t>
+          </a:r>
+        </a:p>
+      </dgm:t>
+    </dgm:pt>
+    <dgm:pt modelId="{9267AD47-B7C3-48FE-A5FC-A9D3590E1CFC}" type="parTrans" cxnId="{0EFD4619-B80A-43AF-A33B-9781CD995886}">
+      <dgm:prSet/>
+      <dgm:spPr/>
+      <dgm:t>
+        <a:bodyPr/>
+        <a:lstStyle/>
+        <a:p>
+          <a:endParaRPr lang="pt-BR" sz="2000"/>
+        </a:p>
+      </dgm:t>
+    </dgm:pt>
+    <dgm:pt modelId="{46EAE07E-094C-4545-98F4-4D1C8B85E9DB}" type="sibTrans" cxnId="{0EFD4619-B80A-43AF-A33B-9781CD995886}">
+      <dgm:prSet/>
+      <dgm:spPr/>
+      <dgm:t>
+        <a:bodyPr/>
+        <a:lstStyle/>
+        <a:p>
+          <a:endParaRPr lang="pt-BR" sz="2000"/>
+        </a:p>
+      </dgm:t>
+    </dgm:pt>
+    <dgm:pt modelId="{25FD90BF-5899-4D27-86FB-C4DD618460BE}">
+      <dgm:prSet custT="1"/>
+      <dgm:spPr/>
+      <dgm:t>
+        <a:bodyPr/>
+        <a:lstStyle/>
+        <a:p>
+          <a:r>
+            <a:rPr lang="pt-BR" sz="2000"/>
+            <a:t>avaliação do estado de saúde bucal e aplicação tópica de flúor</a:t>
+          </a:r>
+          <a:endParaRPr lang="pt-BR" sz="2000" dirty="0"/>
+        </a:p>
+      </dgm:t>
+    </dgm:pt>
+    <dgm:pt modelId="{639FC4F3-FB36-4FCF-A8C1-60074E519BF5}" type="parTrans" cxnId="{56B2F922-2DFA-420C-BC4C-34EE897CD120}">
+      <dgm:prSet/>
+      <dgm:spPr/>
+      <dgm:t>
+        <a:bodyPr/>
+        <a:lstStyle/>
+        <a:p>
+          <a:endParaRPr lang="pt-BR" sz="2000"/>
+        </a:p>
+      </dgm:t>
+    </dgm:pt>
+    <dgm:pt modelId="{203A4F06-9A6A-43E1-BC09-7C890F7B5F0A}" type="sibTrans" cxnId="{56B2F922-2DFA-420C-BC4C-34EE897CD120}">
+      <dgm:prSet/>
+      <dgm:spPr/>
+      <dgm:t>
+        <a:bodyPr/>
+        <a:lstStyle/>
+        <a:p>
+          <a:endParaRPr lang="pt-BR" sz="2000"/>
+        </a:p>
+      </dgm:t>
+    </dgm:pt>
+    <dgm:pt modelId="{AF041015-DD68-4C0A-AE07-D5E142BE2B56}">
+      <dgm:prSet custT="1"/>
+      <dgm:spPr/>
+      <dgm:t>
+        <a:bodyPr/>
+        <a:lstStyle/>
+        <a:p>
+          <a:r>
+            <a:rPr lang="pt-BR" sz="2000"/>
+            <a:t>avaliação do estado de saúde bucal e escovação dental supervisionada</a:t>
+          </a:r>
+          <a:endParaRPr lang="pt-BR" sz="2000" dirty="0"/>
+        </a:p>
+      </dgm:t>
+    </dgm:pt>
+    <dgm:pt modelId="{BDB79316-5B48-4F3C-A4D9-C4884FF67546}" type="parTrans" cxnId="{ECA21409-CD1E-453E-AB47-B57F6ED8AE5B}">
+      <dgm:prSet/>
+      <dgm:spPr/>
+      <dgm:t>
+        <a:bodyPr/>
+        <a:lstStyle/>
+        <a:p>
+          <a:endParaRPr lang="pt-BR" sz="2000"/>
+        </a:p>
+      </dgm:t>
+    </dgm:pt>
+    <dgm:pt modelId="{4556DA56-4770-402F-872E-6F328AD81235}" type="sibTrans" cxnId="{ECA21409-CD1E-453E-AB47-B57F6ED8AE5B}">
+      <dgm:prSet/>
+      <dgm:spPr/>
+      <dgm:t>
+        <a:bodyPr/>
+        <a:lstStyle/>
+        <a:p>
+          <a:endParaRPr lang="pt-BR" sz="2000"/>
+        </a:p>
+      </dgm:t>
+    </dgm:pt>
+    <dgm:pt modelId="{F048D0E4-DCBA-4B7F-BE6A-2ACFAF45B13C}">
+      <dgm:prSet custT="1"/>
+      <dgm:spPr/>
+      <dgm:t>
+        <a:bodyPr/>
+        <a:lstStyle/>
+        <a:p>
+          <a:r>
+            <a:rPr lang="pt-BR" sz="2000"/>
+            <a:t>Promoção da atividade física</a:t>
+          </a:r>
+          <a:endParaRPr lang="pt-BR" sz="2000" dirty="0"/>
+        </a:p>
+      </dgm:t>
+    </dgm:pt>
+    <dgm:pt modelId="{9A047091-049A-469D-A151-9A84AC5F4288}" type="parTrans" cxnId="{4FBBBB17-462C-44CA-BE6D-C1CA2AEDD50F}">
+      <dgm:prSet/>
+      <dgm:spPr/>
+      <dgm:t>
+        <a:bodyPr/>
+        <a:lstStyle/>
+        <a:p>
+          <a:endParaRPr lang="pt-BR" sz="2000"/>
+        </a:p>
+      </dgm:t>
+    </dgm:pt>
+    <dgm:pt modelId="{5ED690DC-999D-44E8-BC52-9265193A1B4E}" type="sibTrans" cxnId="{4FBBBB17-462C-44CA-BE6D-C1CA2AEDD50F}">
+      <dgm:prSet/>
+      <dgm:spPr/>
+      <dgm:t>
+        <a:bodyPr/>
+        <a:lstStyle/>
+        <a:p>
+          <a:endParaRPr lang="pt-BR" sz="2000"/>
+        </a:p>
+      </dgm:t>
+    </dgm:pt>
+    <dgm:pt modelId="{C37B20DB-9916-4DAC-BC69-906764475F79}">
+      <dgm:prSet custT="1"/>
+      <dgm:spPr/>
+      <dgm:t>
+        <a:bodyPr/>
+        <a:lstStyle/>
+        <a:p>
+          <a:r>
+            <a:rPr lang="pt-BR" sz="2000"/>
+            <a:t>realização de práticas de atividade física orientadas</a:t>
+          </a:r>
+          <a:endParaRPr lang="pt-BR" sz="2000" dirty="0"/>
+        </a:p>
+      </dgm:t>
+    </dgm:pt>
+    <dgm:pt modelId="{6A3E8DBC-BAF6-46CF-B0B6-EDF5CD2D2A5D}" type="parTrans" cxnId="{EABB42E8-0106-42B3-B53D-9AC873038DEB}">
+      <dgm:prSet/>
+      <dgm:spPr/>
+      <dgm:t>
+        <a:bodyPr/>
+        <a:lstStyle/>
+        <a:p>
+          <a:endParaRPr lang="pt-BR" sz="2000"/>
+        </a:p>
+      </dgm:t>
+    </dgm:pt>
+    <dgm:pt modelId="{D2DD447C-2E6A-498C-9BC0-599C7DEF8AE0}" type="sibTrans" cxnId="{EABB42E8-0106-42B3-B53D-9AC873038DEB}">
+      <dgm:prSet/>
+      <dgm:spPr/>
+      <dgm:t>
+        <a:bodyPr/>
+        <a:lstStyle/>
+        <a:p>
+          <a:endParaRPr lang="pt-BR" sz="2000"/>
+        </a:p>
+      </dgm:t>
+    </dgm:pt>
+    <dgm:pt modelId="{DEC6EB87-831B-4D87-B086-ED454CA834E8}">
+      <dgm:prSet custT="1"/>
+      <dgm:spPr/>
+      <dgm:t>
+        <a:bodyPr/>
+        <a:lstStyle/>
+        <a:p>
+          <a:r>
+            <a:rPr lang="pt-BR" sz="2000"/>
+            <a:t>Saúde auditiva</a:t>
+          </a:r>
+          <a:endParaRPr lang="pt-BR" sz="2000" dirty="0"/>
+        </a:p>
+      </dgm:t>
+    </dgm:pt>
+    <dgm:pt modelId="{D6037F4C-C130-4936-A966-3D8250B8A95E}" type="parTrans" cxnId="{6638EBF2-97A5-4D40-A844-D96AA69E908E}">
+      <dgm:prSet/>
+      <dgm:spPr/>
+      <dgm:t>
+        <a:bodyPr/>
+        <a:lstStyle/>
+        <a:p>
+          <a:endParaRPr lang="pt-BR" sz="2000"/>
+        </a:p>
+      </dgm:t>
+    </dgm:pt>
+    <dgm:pt modelId="{FC855820-3900-4F10-9AF1-3146C4F294F3}" type="sibTrans" cxnId="{6638EBF2-97A5-4D40-A844-D96AA69E908E}">
+      <dgm:prSet/>
+      <dgm:spPr/>
+      <dgm:t>
+        <a:bodyPr/>
+        <a:lstStyle/>
+        <a:p>
+          <a:endParaRPr lang="pt-BR" sz="2000"/>
+        </a:p>
+      </dgm:t>
+    </dgm:pt>
+    <dgm:pt modelId="{0778949D-8DAA-4344-B2AB-DE33F46155CA}">
+      <dgm:prSet custT="1"/>
+      <dgm:spPr/>
+      <dgm:t>
+        <a:bodyPr/>
+        <a:lstStyle/>
+        <a:p>
+          <a:r>
+            <a:rPr lang="pt-BR" sz="2000"/>
+            <a:t>avaliação da acuidade auditiva</a:t>
+          </a:r>
+          <a:endParaRPr lang="pt-BR" sz="2000" dirty="0"/>
+        </a:p>
+      </dgm:t>
+    </dgm:pt>
+    <dgm:pt modelId="{CAEC1D44-BC11-403D-B19D-3590FFCB7567}" type="parTrans" cxnId="{02EC46A1-BAFF-4B7E-95E6-18411E51E446}">
+      <dgm:prSet/>
+      <dgm:spPr/>
+      <dgm:t>
+        <a:bodyPr/>
+        <a:lstStyle/>
+        <a:p>
+          <a:endParaRPr lang="pt-BR" sz="2000"/>
+        </a:p>
+      </dgm:t>
+    </dgm:pt>
+    <dgm:pt modelId="{6B9F2492-E6A2-464B-B220-9606B8FD25A7}" type="sibTrans" cxnId="{02EC46A1-BAFF-4B7E-95E6-18411E51E446}">
+      <dgm:prSet/>
+      <dgm:spPr/>
+      <dgm:t>
+        <a:bodyPr/>
+        <a:lstStyle/>
+        <a:p>
+          <a:endParaRPr lang="pt-BR" sz="2000"/>
+        </a:p>
+      </dgm:t>
+    </dgm:pt>
+    <dgm:pt modelId="{CE722C1D-E6D9-4B73-8E54-582ECFFD48C2}">
+      <dgm:prSet custT="1"/>
+      <dgm:spPr/>
+      <dgm:t>
+        <a:bodyPr/>
+        <a:lstStyle/>
+        <a:p>
+          <a:r>
+            <a:rPr lang="pt-BR" sz="2000"/>
+            <a:t>Saúde ocular</a:t>
+          </a:r>
+          <a:endParaRPr lang="pt-BR" sz="2000" dirty="0"/>
+        </a:p>
+      </dgm:t>
+    </dgm:pt>
+    <dgm:pt modelId="{53BA1684-4634-4D8B-98F1-3D21A6429CC1}" type="parTrans" cxnId="{855CF564-7BDA-4083-9D3C-C34DA8094594}">
+      <dgm:prSet/>
+      <dgm:spPr/>
+      <dgm:t>
+        <a:bodyPr/>
+        <a:lstStyle/>
+        <a:p>
+          <a:endParaRPr lang="pt-BR" sz="2000"/>
+        </a:p>
+      </dgm:t>
+    </dgm:pt>
+    <dgm:pt modelId="{7F6CAEA8-052F-4FB5-BC71-40D5F771CC8C}" type="sibTrans" cxnId="{855CF564-7BDA-4083-9D3C-C34DA8094594}">
+      <dgm:prSet/>
+      <dgm:spPr/>
+      <dgm:t>
+        <a:bodyPr/>
+        <a:lstStyle/>
+        <a:p>
+          <a:endParaRPr lang="pt-BR" sz="2000"/>
+        </a:p>
+      </dgm:t>
+    </dgm:pt>
+    <dgm:pt modelId="{1CD421A4-80D7-4CCC-951A-F2499C7F808C}">
+      <dgm:prSet custT="1"/>
+      <dgm:spPr/>
+      <dgm:t>
+        <a:bodyPr/>
+        <a:lstStyle/>
+        <a:p>
+          <a:r>
+            <a:rPr lang="pt-BR" sz="2000"/>
+            <a:t>avaliação da acuidade visual</a:t>
+          </a:r>
+          <a:endParaRPr lang="pt-BR" sz="2000" dirty="0"/>
+        </a:p>
+      </dgm:t>
+    </dgm:pt>
+    <dgm:pt modelId="{A99DCD0D-D243-43B2-AA72-15B00031B875}" type="parTrans" cxnId="{5EDFF703-5D82-4A50-B02B-6D0E5911EE65}">
+      <dgm:prSet/>
+      <dgm:spPr/>
+      <dgm:t>
+        <a:bodyPr/>
+        <a:lstStyle/>
+        <a:p>
+          <a:endParaRPr lang="pt-BR" sz="2000"/>
+        </a:p>
+      </dgm:t>
+    </dgm:pt>
+    <dgm:pt modelId="{BAEC94AE-18CA-4EB7-86BD-9669DDC61B3F}" type="sibTrans" cxnId="{5EDFF703-5D82-4A50-B02B-6D0E5911EE65}">
+      <dgm:prSet/>
+      <dgm:spPr/>
+      <dgm:t>
+        <a:bodyPr/>
+        <a:lstStyle/>
+        <a:p>
+          <a:endParaRPr lang="pt-BR" sz="2000"/>
+        </a:p>
+      </dgm:t>
+    </dgm:pt>
+    <dgm:pt modelId="{83362CD0-A791-4FBC-A906-90C87F72AB03}">
+      <dgm:prSet custT="1"/>
+      <dgm:spPr/>
+      <dgm:t>
+        <a:bodyPr/>
+        <a:lstStyle/>
+        <a:p>
+          <a:r>
+            <a:rPr lang="pt-BR" sz="2000"/>
+            <a:t>Verificação da situação vacinal</a:t>
+          </a:r>
+          <a:endParaRPr lang="pt-BR" sz="2000" dirty="0"/>
+        </a:p>
+      </dgm:t>
+    </dgm:pt>
+    <dgm:pt modelId="{95C1AB74-AB0E-4CBB-97AE-5E81B328320C}" type="parTrans" cxnId="{8BFF671A-AB77-4F69-A3DB-36EEED39161D}">
+      <dgm:prSet/>
+      <dgm:spPr/>
+      <dgm:t>
+        <a:bodyPr/>
+        <a:lstStyle/>
+        <a:p>
+          <a:endParaRPr lang="pt-BR" sz="2000"/>
+        </a:p>
+      </dgm:t>
+    </dgm:pt>
+    <dgm:pt modelId="{59D5D95A-6DC0-4E9A-AF60-98D4330FC109}" type="sibTrans" cxnId="{8BFF671A-AB77-4F69-A3DB-36EEED39161D}">
+      <dgm:prSet/>
+      <dgm:spPr/>
+      <dgm:t>
+        <a:bodyPr/>
+        <a:lstStyle/>
+        <a:p>
+          <a:endParaRPr lang="pt-BR" sz="2000"/>
+        </a:p>
+      </dgm:t>
+    </dgm:pt>
+    <dgm:pt modelId="{F83F9267-3BDC-470F-97B6-DB97B81D7F81}">
+      <dgm:prSet custT="1"/>
+      <dgm:spPr/>
+      <dgm:t>
+        <a:bodyPr/>
+        <a:lstStyle/>
+        <a:p>
+          <a:r>
+            <a:rPr lang="pt-BR" sz="2000"/>
+            <a:t>avaliação da situação vacina</a:t>
+          </a:r>
+          <a:endParaRPr lang="pt-BR" sz="2000" dirty="0"/>
+        </a:p>
+      </dgm:t>
+    </dgm:pt>
+    <dgm:pt modelId="{FED60919-CDD8-42A7-84F6-A2C20C623ACF}" type="parTrans" cxnId="{065954DA-0B10-44DA-9B71-F22D3831B787}">
+      <dgm:prSet/>
+      <dgm:spPr/>
+      <dgm:t>
+        <a:bodyPr/>
+        <a:lstStyle/>
+        <a:p>
+          <a:endParaRPr lang="pt-BR" sz="2000"/>
+        </a:p>
+      </dgm:t>
+    </dgm:pt>
+    <dgm:pt modelId="{1721D82F-9447-4C90-A028-14D0092B3B28}" type="sibTrans" cxnId="{065954DA-0B10-44DA-9B71-F22D3831B787}">
+      <dgm:prSet/>
+      <dgm:spPr/>
+      <dgm:t>
+        <a:bodyPr/>
+        <a:lstStyle/>
+        <a:p>
+          <a:endParaRPr lang="pt-BR" sz="2000"/>
+        </a:p>
+      </dgm:t>
+    </dgm:pt>
+    <dgm:pt modelId="{CBAA7521-EE64-4376-BDC0-32141D540E99}">
+      <dgm:prSet custT="1"/>
+      <dgm:spPr/>
+      <dgm:t>
+        <a:bodyPr/>
+        <a:lstStyle/>
+        <a:p>
+          <a:r>
+            <a:rPr lang="pt-BR" sz="2000"/>
+            <a:t>Prevenção à covid-19</a:t>
+          </a:r>
+          <a:endParaRPr lang="pt-BR" sz="2000" dirty="0"/>
+        </a:p>
+      </dgm:t>
+    </dgm:pt>
+    <dgm:pt modelId="{A1098694-6219-4272-8F4E-A5D73DCCC811}" type="parTrans" cxnId="{83B5E357-07B0-4AEE-ABFF-1578A3FDDE99}">
+      <dgm:prSet/>
+      <dgm:spPr/>
+      <dgm:t>
+        <a:bodyPr/>
+        <a:lstStyle/>
+        <a:p>
+          <a:endParaRPr lang="pt-BR" sz="2000"/>
+        </a:p>
+      </dgm:t>
+    </dgm:pt>
+    <dgm:pt modelId="{CD30ED62-7F70-4411-84EE-A75C03C21256}" type="sibTrans" cxnId="{83B5E357-07B0-4AEE-ABFF-1578A3FDDE99}">
+      <dgm:prSet/>
+      <dgm:spPr/>
+      <dgm:t>
+        <a:bodyPr/>
+        <a:lstStyle/>
+        <a:p>
+          <a:endParaRPr lang="pt-BR" sz="2000"/>
+        </a:p>
+      </dgm:t>
+    </dgm:pt>
+    <dgm:pt modelId="{85B90BBC-BDD1-4561-8618-5BC2FA7E3679}">
+      <dgm:prSet custT="1"/>
+      <dgm:spPr/>
+      <dgm:t>
+        <a:bodyPr/>
+        <a:lstStyle/>
+        <a:p>
+          <a:r>
+            <a:rPr lang="pt-BR" sz="2000"/>
+            <a:t>Este campo deve ser utilizado, excepcionalmente, para o registro das ações de prevenção à covid-19 nas escolas, o código SIGTAP n.° 01.01.01.009-5 (exemplo: abordagem educativa sobre prevenção à covid-19).</a:t>
+          </a:r>
+          <a:endParaRPr lang="pt-BR" sz="2000" dirty="0"/>
+        </a:p>
+      </dgm:t>
+    </dgm:pt>
+    <dgm:pt modelId="{D3AAC366-4CD6-4308-B9D0-D910CCB05C79}" type="parTrans" cxnId="{6DBCAFBD-B6C4-46BE-949D-83E3ECD818AA}">
+      <dgm:prSet/>
+      <dgm:spPr/>
+      <dgm:t>
+        <a:bodyPr/>
+        <a:lstStyle/>
+        <a:p>
+          <a:endParaRPr lang="pt-BR" sz="2000"/>
+        </a:p>
+      </dgm:t>
+    </dgm:pt>
+    <dgm:pt modelId="{023A08A8-3116-420A-872C-A59D5428FE74}" type="sibTrans" cxnId="{6DBCAFBD-B6C4-46BE-949D-83E3ECD818AA}">
+      <dgm:prSet/>
+      <dgm:spPr/>
+      <dgm:t>
+        <a:bodyPr/>
+        <a:lstStyle/>
+        <a:p>
+          <a:endParaRPr lang="pt-BR" sz="2000"/>
+        </a:p>
+      </dgm:t>
+    </dgm:pt>
+    <dgm:pt modelId="{2CC1EAAB-4B2B-4898-8D7F-D1457629712F}" type="pres">
+      <dgm:prSet presAssocID="{42F4482E-EE28-4A85-A6CB-A59CC6D82146}" presName="linear" presStyleCnt="0">
+        <dgm:presLayoutVars>
+          <dgm:animLvl val="lvl"/>
+          <dgm:resizeHandles val="exact"/>
+        </dgm:presLayoutVars>
+      </dgm:prSet>
+      <dgm:spPr/>
+    </dgm:pt>
+    <dgm:pt modelId="{14DADBB0-4BF4-4841-8DF2-909C9A058CD2}" type="pres">
+      <dgm:prSet presAssocID="{F8B0C7CB-9535-4BAB-8F69-A318CF4936FD}" presName="parentText" presStyleLbl="node1" presStyleIdx="0" presStyleCnt="6">
+        <dgm:presLayoutVars>
+          <dgm:chMax val="0"/>
+          <dgm:bulletEnabled val="1"/>
+        </dgm:presLayoutVars>
+      </dgm:prSet>
+      <dgm:spPr/>
+    </dgm:pt>
+    <dgm:pt modelId="{9833BBFD-D5F2-400E-8143-83D6307EEC21}" type="pres">
+      <dgm:prSet presAssocID="{F8B0C7CB-9535-4BAB-8F69-A318CF4936FD}" presName="childText" presStyleLbl="revTx" presStyleIdx="0" presStyleCnt="6">
+        <dgm:presLayoutVars>
+          <dgm:bulletEnabled val="1"/>
+        </dgm:presLayoutVars>
+      </dgm:prSet>
+      <dgm:spPr/>
+    </dgm:pt>
+    <dgm:pt modelId="{D3FBFF21-FE33-47C1-93E9-7FB611CBA396}" type="pres">
+      <dgm:prSet presAssocID="{F048D0E4-DCBA-4B7F-BE6A-2ACFAF45B13C}" presName="parentText" presStyleLbl="node1" presStyleIdx="1" presStyleCnt="6">
+        <dgm:presLayoutVars>
+          <dgm:chMax val="0"/>
+          <dgm:bulletEnabled val="1"/>
+        </dgm:presLayoutVars>
+      </dgm:prSet>
+      <dgm:spPr/>
+    </dgm:pt>
+    <dgm:pt modelId="{2623C3E7-7505-4707-B5B6-C6648F182916}" type="pres">
+      <dgm:prSet presAssocID="{F048D0E4-DCBA-4B7F-BE6A-2ACFAF45B13C}" presName="childText" presStyleLbl="revTx" presStyleIdx="1" presStyleCnt="6">
+        <dgm:presLayoutVars>
+          <dgm:bulletEnabled val="1"/>
+        </dgm:presLayoutVars>
+      </dgm:prSet>
+      <dgm:spPr/>
+    </dgm:pt>
+    <dgm:pt modelId="{31AD23BB-F88A-49C1-8285-420685973214}" type="pres">
+      <dgm:prSet presAssocID="{DEC6EB87-831B-4D87-B086-ED454CA834E8}" presName="parentText" presStyleLbl="node1" presStyleIdx="2" presStyleCnt="6">
+        <dgm:presLayoutVars>
+          <dgm:chMax val="0"/>
+          <dgm:bulletEnabled val="1"/>
+        </dgm:presLayoutVars>
+      </dgm:prSet>
+      <dgm:spPr/>
+    </dgm:pt>
+    <dgm:pt modelId="{5ADF8ED4-EF99-421B-940E-A7E667BD4E77}" type="pres">
+      <dgm:prSet presAssocID="{DEC6EB87-831B-4D87-B086-ED454CA834E8}" presName="childText" presStyleLbl="revTx" presStyleIdx="2" presStyleCnt="6">
+        <dgm:presLayoutVars>
+          <dgm:bulletEnabled val="1"/>
+        </dgm:presLayoutVars>
+      </dgm:prSet>
+      <dgm:spPr/>
+    </dgm:pt>
+    <dgm:pt modelId="{A9BB17F2-E411-4B16-AA60-A47ED70206AF}" type="pres">
+      <dgm:prSet presAssocID="{CE722C1D-E6D9-4B73-8E54-582ECFFD48C2}" presName="parentText" presStyleLbl="node1" presStyleIdx="3" presStyleCnt="6">
+        <dgm:presLayoutVars>
+          <dgm:chMax val="0"/>
+          <dgm:bulletEnabled val="1"/>
+        </dgm:presLayoutVars>
+      </dgm:prSet>
+      <dgm:spPr/>
+    </dgm:pt>
+    <dgm:pt modelId="{9EBA61B4-2D14-4408-B6B2-B50547D5A5B0}" type="pres">
+      <dgm:prSet presAssocID="{CE722C1D-E6D9-4B73-8E54-582ECFFD48C2}" presName="childText" presStyleLbl="revTx" presStyleIdx="3" presStyleCnt="6">
+        <dgm:presLayoutVars>
+          <dgm:bulletEnabled val="1"/>
+        </dgm:presLayoutVars>
+      </dgm:prSet>
+      <dgm:spPr/>
+    </dgm:pt>
+    <dgm:pt modelId="{81CCF7B7-4CBB-44C7-962C-330B960D2C15}" type="pres">
+      <dgm:prSet presAssocID="{83362CD0-A791-4FBC-A906-90C87F72AB03}" presName="parentText" presStyleLbl="node1" presStyleIdx="4" presStyleCnt="6">
+        <dgm:presLayoutVars>
+          <dgm:chMax val="0"/>
+          <dgm:bulletEnabled val="1"/>
+        </dgm:presLayoutVars>
+      </dgm:prSet>
+      <dgm:spPr/>
+    </dgm:pt>
+    <dgm:pt modelId="{5458CFD3-AB96-4504-9B5A-E8FD2BBBD50C}" type="pres">
+      <dgm:prSet presAssocID="{83362CD0-A791-4FBC-A906-90C87F72AB03}" presName="childText" presStyleLbl="revTx" presStyleIdx="4" presStyleCnt="6">
+        <dgm:presLayoutVars>
+          <dgm:bulletEnabled val="1"/>
+        </dgm:presLayoutVars>
+      </dgm:prSet>
+      <dgm:spPr/>
+    </dgm:pt>
+    <dgm:pt modelId="{70B0023E-A9AB-42CF-84A1-4C9E1F855401}" type="pres">
+      <dgm:prSet presAssocID="{CBAA7521-EE64-4376-BDC0-32141D540E99}" presName="parentText" presStyleLbl="node1" presStyleIdx="5" presStyleCnt="6">
+        <dgm:presLayoutVars>
+          <dgm:chMax val="0"/>
+          <dgm:bulletEnabled val="1"/>
+        </dgm:presLayoutVars>
+      </dgm:prSet>
+      <dgm:spPr/>
+    </dgm:pt>
+    <dgm:pt modelId="{E442E09C-3B6E-4953-AEAD-644BF8E976EB}" type="pres">
+      <dgm:prSet presAssocID="{CBAA7521-EE64-4376-BDC0-32141D540E99}" presName="childText" presStyleLbl="revTx" presStyleIdx="5" presStyleCnt="6">
+        <dgm:presLayoutVars>
+          <dgm:bulletEnabled val="1"/>
+        </dgm:presLayoutVars>
+      </dgm:prSet>
+      <dgm:spPr/>
+    </dgm:pt>
+  </dgm:ptLst>
+  <dgm:cxnLst>
+    <dgm:cxn modelId="{5EDFF703-5D82-4A50-B02B-6D0E5911EE65}" srcId="{CE722C1D-E6D9-4B73-8E54-582ECFFD48C2}" destId="{1CD421A4-80D7-4CCC-951A-F2499C7F808C}" srcOrd="0" destOrd="0" parTransId="{A99DCD0D-D243-43B2-AA72-15B00031B875}" sibTransId="{BAEC94AE-18CA-4EB7-86BD-9669DDC61B3F}"/>
+    <dgm:cxn modelId="{ECA21409-CD1E-453E-AB47-B57F6ED8AE5B}" srcId="{F8B0C7CB-9535-4BAB-8F69-A318CF4936FD}" destId="{AF041015-DD68-4C0A-AE07-D5E142BE2B56}" srcOrd="1" destOrd="0" parTransId="{BDB79316-5B48-4F3C-A4D9-C4884FF67546}" sibTransId="{4556DA56-4770-402F-872E-6F328AD81235}"/>
+    <dgm:cxn modelId="{4FBBBB17-462C-44CA-BE6D-C1CA2AEDD50F}" srcId="{42F4482E-EE28-4A85-A6CB-A59CC6D82146}" destId="{F048D0E4-DCBA-4B7F-BE6A-2ACFAF45B13C}" srcOrd="1" destOrd="0" parTransId="{9A047091-049A-469D-A151-9A84AC5F4288}" sibTransId="{5ED690DC-999D-44E8-BC52-9265193A1B4E}"/>
+    <dgm:cxn modelId="{EB933419-C3AD-417F-BC69-A25620BF6011}" type="presOf" srcId="{25FD90BF-5899-4D27-86FB-C4DD618460BE}" destId="{9833BBFD-D5F2-400E-8143-83D6307EEC21}" srcOrd="0" destOrd="0" presId="urn:microsoft.com/office/officeart/2005/8/layout/vList2"/>
+    <dgm:cxn modelId="{0EFD4619-B80A-43AF-A33B-9781CD995886}" srcId="{42F4482E-EE28-4A85-A6CB-A59CC6D82146}" destId="{F8B0C7CB-9535-4BAB-8F69-A318CF4936FD}" srcOrd="0" destOrd="0" parTransId="{9267AD47-B7C3-48FE-A5FC-A9D3590E1CFC}" sibTransId="{46EAE07E-094C-4545-98F4-4D1C8B85E9DB}"/>
+    <dgm:cxn modelId="{8BFF671A-AB77-4F69-A3DB-36EEED39161D}" srcId="{42F4482E-EE28-4A85-A6CB-A59CC6D82146}" destId="{83362CD0-A791-4FBC-A906-90C87F72AB03}" srcOrd="4" destOrd="0" parTransId="{95C1AB74-AB0E-4CBB-97AE-5E81B328320C}" sibTransId="{59D5D95A-6DC0-4E9A-AF60-98D4330FC109}"/>
+    <dgm:cxn modelId="{56B2F922-2DFA-420C-BC4C-34EE897CD120}" srcId="{F8B0C7CB-9535-4BAB-8F69-A318CF4936FD}" destId="{25FD90BF-5899-4D27-86FB-C4DD618460BE}" srcOrd="0" destOrd="0" parTransId="{639FC4F3-FB36-4FCF-A8C1-60074E519BF5}" sibTransId="{203A4F06-9A6A-43E1-BC09-7C890F7B5F0A}"/>
+    <dgm:cxn modelId="{58D0C725-8F44-42D3-9BAD-2B79B164E7BF}" type="presOf" srcId="{83362CD0-A791-4FBC-A906-90C87F72AB03}" destId="{81CCF7B7-4CBB-44C7-962C-330B960D2C15}" srcOrd="0" destOrd="0" presId="urn:microsoft.com/office/officeart/2005/8/layout/vList2"/>
+    <dgm:cxn modelId="{14F81326-6E18-44ED-96B1-357C4B7666B4}" type="presOf" srcId="{85B90BBC-BDD1-4561-8618-5BC2FA7E3679}" destId="{E442E09C-3B6E-4953-AEAD-644BF8E976EB}" srcOrd="0" destOrd="0" presId="urn:microsoft.com/office/officeart/2005/8/layout/vList2"/>
+    <dgm:cxn modelId="{D710F438-0C85-4128-99A7-3B40036AEF25}" type="presOf" srcId="{F048D0E4-DCBA-4B7F-BE6A-2ACFAF45B13C}" destId="{D3FBFF21-FE33-47C1-93E9-7FB611CBA396}" srcOrd="0" destOrd="0" presId="urn:microsoft.com/office/officeart/2005/8/layout/vList2"/>
+    <dgm:cxn modelId="{855CF564-7BDA-4083-9D3C-C34DA8094594}" srcId="{42F4482E-EE28-4A85-A6CB-A59CC6D82146}" destId="{CE722C1D-E6D9-4B73-8E54-582ECFFD48C2}" srcOrd="3" destOrd="0" parTransId="{53BA1684-4634-4D8B-98F1-3D21A6429CC1}" sibTransId="{7F6CAEA8-052F-4FB5-BC71-40D5F771CC8C}"/>
+    <dgm:cxn modelId="{A488E351-B797-4106-B6A7-6F6C1013B0D7}" type="presOf" srcId="{42F4482E-EE28-4A85-A6CB-A59CC6D82146}" destId="{2CC1EAAB-4B2B-4898-8D7F-D1457629712F}" srcOrd="0" destOrd="0" presId="urn:microsoft.com/office/officeart/2005/8/layout/vList2"/>
+    <dgm:cxn modelId="{83B5E357-07B0-4AEE-ABFF-1578A3FDDE99}" srcId="{42F4482E-EE28-4A85-A6CB-A59CC6D82146}" destId="{CBAA7521-EE64-4376-BDC0-32141D540E99}" srcOrd="5" destOrd="0" parTransId="{A1098694-6219-4272-8F4E-A5D73DCCC811}" sibTransId="{CD30ED62-7F70-4411-84EE-A75C03C21256}"/>
+    <dgm:cxn modelId="{D8619F7B-439D-48D5-B10D-921B9FF930C4}" type="presOf" srcId="{F8B0C7CB-9535-4BAB-8F69-A318CF4936FD}" destId="{14DADBB0-4BF4-4841-8DF2-909C9A058CD2}" srcOrd="0" destOrd="0" presId="urn:microsoft.com/office/officeart/2005/8/layout/vList2"/>
+    <dgm:cxn modelId="{E94AE57D-DA99-4B68-B15D-630138301290}" type="presOf" srcId="{0778949D-8DAA-4344-B2AB-DE33F46155CA}" destId="{5ADF8ED4-EF99-421B-940E-A7E667BD4E77}" srcOrd="0" destOrd="0" presId="urn:microsoft.com/office/officeart/2005/8/layout/vList2"/>
+    <dgm:cxn modelId="{8E925D93-B667-4170-B0F1-E469943137B5}" type="presOf" srcId="{C37B20DB-9916-4DAC-BC69-906764475F79}" destId="{2623C3E7-7505-4707-B5B6-C6648F182916}" srcOrd="0" destOrd="0" presId="urn:microsoft.com/office/officeart/2005/8/layout/vList2"/>
+    <dgm:cxn modelId="{02EC46A1-BAFF-4B7E-95E6-18411E51E446}" srcId="{DEC6EB87-831B-4D87-B086-ED454CA834E8}" destId="{0778949D-8DAA-4344-B2AB-DE33F46155CA}" srcOrd="0" destOrd="0" parTransId="{CAEC1D44-BC11-403D-B19D-3590FFCB7567}" sibTransId="{6B9F2492-E6A2-464B-B220-9606B8FD25A7}"/>
+    <dgm:cxn modelId="{D3421ABC-9BFC-481F-A6FF-1ABCF67FEF86}" type="presOf" srcId="{CE722C1D-E6D9-4B73-8E54-582ECFFD48C2}" destId="{A9BB17F2-E411-4B16-AA60-A47ED70206AF}" srcOrd="0" destOrd="0" presId="urn:microsoft.com/office/officeart/2005/8/layout/vList2"/>
+    <dgm:cxn modelId="{6DBCAFBD-B6C4-46BE-949D-83E3ECD818AA}" srcId="{CBAA7521-EE64-4376-BDC0-32141D540E99}" destId="{85B90BBC-BDD1-4561-8618-5BC2FA7E3679}" srcOrd="0" destOrd="0" parTransId="{D3AAC366-4CD6-4308-B9D0-D910CCB05C79}" sibTransId="{023A08A8-3116-420A-872C-A59D5428FE74}"/>
+    <dgm:cxn modelId="{065954DA-0B10-44DA-9B71-F22D3831B787}" srcId="{83362CD0-A791-4FBC-A906-90C87F72AB03}" destId="{F83F9267-3BDC-470F-97B6-DB97B81D7F81}" srcOrd="0" destOrd="0" parTransId="{FED60919-CDD8-42A7-84F6-A2C20C623ACF}" sibTransId="{1721D82F-9447-4C90-A028-14D0092B3B28}"/>
+    <dgm:cxn modelId="{9AE13BDB-10B1-429D-BEE7-4EFA1A713813}" type="presOf" srcId="{1CD421A4-80D7-4CCC-951A-F2499C7F808C}" destId="{9EBA61B4-2D14-4408-B6B2-B50547D5A5B0}" srcOrd="0" destOrd="0" presId="urn:microsoft.com/office/officeart/2005/8/layout/vList2"/>
+    <dgm:cxn modelId="{1FDDD9DE-5250-4EA8-8CAC-62AF79FD4D20}" type="presOf" srcId="{DEC6EB87-831B-4D87-B086-ED454CA834E8}" destId="{31AD23BB-F88A-49C1-8285-420685973214}" srcOrd="0" destOrd="0" presId="urn:microsoft.com/office/officeart/2005/8/layout/vList2"/>
+    <dgm:cxn modelId="{EABB42E8-0106-42B3-B53D-9AC873038DEB}" srcId="{F048D0E4-DCBA-4B7F-BE6A-2ACFAF45B13C}" destId="{C37B20DB-9916-4DAC-BC69-906764475F79}" srcOrd="0" destOrd="0" parTransId="{6A3E8DBC-BAF6-46CF-B0B6-EDF5CD2D2A5D}" sibTransId="{D2DD447C-2E6A-498C-9BC0-599C7DEF8AE0}"/>
+    <dgm:cxn modelId="{B11CC0EB-8372-4F55-9BB1-2B50F0980B2F}" type="presOf" srcId="{CBAA7521-EE64-4376-BDC0-32141D540E99}" destId="{70B0023E-A9AB-42CF-84A1-4C9E1F855401}" srcOrd="0" destOrd="0" presId="urn:microsoft.com/office/officeart/2005/8/layout/vList2"/>
+    <dgm:cxn modelId="{B645B7EF-0B40-4CCA-A1D9-AD0E8591B2E6}" type="presOf" srcId="{F83F9267-3BDC-470F-97B6-DB97B81D7F81}" destId="{5458CFD3-AB96-4504-9B5A-E8FD2BBBD50C}" srcOrd="0" destOrd="0" presId="urn:microsoft.com/office/officeart/2005/8/layout/vList2"/>
+    <dgm:cxn modelId="{6638EBF2-97A5-4D40-A844-D96AA69E908E}" srcId="{42F4482E-EE28-4A85-A6CB-A59CC6D82146}" destId="{DEC6EB87-831B-4D87-B086-ED454CA834E8}" srcOrd="2" destOrd="0" parTransId="{D6037F4C-C130-4936-A966-3D8250B8A95E}" sibTransId="{FC855820-3900-4F10-9AF1-3146C4F294F3}"/>
+    <dgm:cxn modelId="{D73CF7FE-ECED-4640-A166-2AD7D7B64229}" type="presOf" srcId="{AF041015-DD68-4C0A-AE07-D5E142BE2B56}" destId="{9833BBFD-D5F2-400E-8143-83D6307EEC21}" srcOrd="0" destOrd="1" presId="urn:microsoft.com/office/officeart/2005/8/layout/vList2"/>
+    <dgm:cxn modelId="{CD0983C7-1002-4FED-A552-C9D1A33B112B}" type="presParOf" srcId="{2CC1EAAB-4B2B-4898-8D7F-D1457629712F}" destId="{14DADBB0-4BF4-4841-8DF2-909C9A058CD2}" srcOrd="0" destOrd="0" presId="urn:microsoft.com/office/officeart/2005/8/layout/vList2"/>
+    <dgm:cxn modelId="{C7BA2FC2-3ECC-485A-8A4D-04FEA4AE175C}" type="presParOf" srcId="{2CC1EAAB-4B2B-4898-8D7F-D1457629712F}" destId="{9833BBFD-D5F2-400E-8143-83D6307EEC21}" srcOrd="1" destOrd="0" presId="urn:microsoft.com/office/officeart/2005/8/layout/vList2"/>
+    <dgm:cxn modelId="{69F93A51-65EE-4FEE-A2D0-3F18C0AA61B2}" type="presParOf" srcId="{2CC1EAAB-4B2B-4898-8D7F-D1457629712F}" destId="{D3FBFF21-FE33-47C1-93E9-7FB611CBA396}" srcOrd="2" destOrd="0" presId="urn:microsoft.com/office/officeart/2005/8/layout/vList2"/>
+    <dgm:cxn modelId="{F5DC4DD8-8C19-42CF-A108-0BB1C4D35E92}" type="presParOf" srcId="{2CC1EAAB-4B2B-4898-8D7F-D1457629712F}" destId="{2623C3E7-7505-4707-B5B6-C6648F182916}" srcOrd="3" destOrd="0" presId="urn:microsoft.com/office/officeart/2005/8/layout/vList2"/>
+    <dgm:cxn modelId="{0BA0B2C4-01D1-4597-AF40-F11BCA60F1B9}" type="presParOf" srcId="{2CC1EAAB-4B2B-4898-8D7F-D1457629712F}" destId="{31AD23BB-F88A-49C1-8285-420685973214}" srcOrd="4" destOrd="0" presId="urn:microsoft.com/office/officeart/2005/8/layout/vList2"/>
+    <dgm:cxn modelId="{0D5A56F4-836F-49AD-8AAE-63A8D368A33E}" type="presParOf" srcId="{2CC1EAAB-4B2B-4898-8D7F-D1457629712F}" destId="{5ADF8ED4-EF99-421B-940E-A7E667BD4E77}" srcOrd="5" destOrd="0" presId="urn:microsoft.com/office/officeart/2005/8/layout/vList2"/>
+    <dgm:cxn modelId="{0152E973-D53A-49BB-BD81-8B624C303053}" type="presParOf" srcId="{2CC1EAAB-4B2B-4898-8D7F-D1457629712F}" destId="{A9BB17F2-E411-4B16-AA60-A47ED70206AF}" srcOrd="6" destOrd="0" presId="urn:microsoft.com/office/officeart/2005/8/layout/vList2"/>
+    <dgm:cxn modelId="{BBC6474C-9E49-455F-9AED-84970041BADC}" type="presParOf" srcId="{2CC1EAAB-4B2B-4898-8D7F-D1457629712F}" destId="{9EBA61B4-2D14-4408-B6B2-B50547D5A5B0}" srcOrd="7" destOrd="0" presId="urn:microsoft.com/office/officeart/2005/8/layout/vList2"/>
+    <dgm:cxn modelId="{9189391A-0867-4A45-9587-8E7858FD97B4}" type="presParOf" srcId="{2CC1EAAB-4B2B-4898-8D7F-D1457629712F}" destId="{81CCF7B7-4CBB-44C7-962C-330B960D2C15}" srcOrd="8" destOrd="0" presId="urn:microsoft.com/office/officeart/2005/8/layout/vList2"/>
+    <dgm:cxn modelId="{875F43A5-0F43-4E75-A596-FFF11E9FF98E}" type="presParOf" srcId="{2CC1EAAB-4B2B-4898-8D7F-D1457629712F}" destId="{5458CFD3-AB96-4504-9B5A-E8FD2BBBD50C}" srcOrd="9" destOrd="0" presId="urn:microsoft.com/office/officeart/2005/8/layout/vList2"/>
+    <dgm:cxn modelId="{3341D190-11FD-487B-8A58-1C0012DCF4CC}" type="presParOf" srcId="{2CC1EAAB-4B2B-4898-8D7F-D1457629712F}" destId="{70B0023E-A9AB-42CF-84A1-4C9E1F855401}" srcOrd="10" destOrd="0" presId="urn:microsoft.com/office/officeart/2005/8/layout/vList2"/>
+    <dgm:cxn modelId="{4AF1B0B3-723B-4B6C-89F4-3E9B27FBD2F4}" type="presParOf" srcId="{2CC1EAAB-4B2B-4898-8D7F-D1457629712F}" destId="{E442E09C-3B6E-4953-AEAD-644BF8E976EB}" srcOrd="11" destOrd="0" presId="urn:microsoft.com/office/officeart/2005/8/layout/vList2"/>
   </dgm:cxnLst>
   <dgm:bg/>
   <dgm:whole/>
@@ -8753,6 +10903,667 @@
 </dgm:dataModel>
 </file>
 
+<file path=ppt/diagrams/data9.xml><?xml version="1.0" encoding="utf-8"?>
+<dgm:dataModel xmlns:dgm="http://schemas.openxmlformats.org/drawingml/2006/diagram" xmlns:a="http://schemas.openxmlformats.org/drawingml/2006/main">
+  <dgm:ptLst>
+    <dgm:pt modelId="{42F4482E-EE28-4A85-A6CB-A59CC6D82146}" type="doc">
+      <dgm:prSet loTypeId="urn:microsoft.com/office/officeart/2005/8/layout/vList2" loCatId="list" qsTypeId="urn:microsoft.com/office/officeart/2005/8/quickstyle/simple1" qsCatId="simple" csTypeId="urn:microsoft.com/office/officeart/2005/8/colors/accent1_2" csCatId="accent1" phldr="1"/>
+      <dgm:spPr/>
+      <dgm:t>
+        <a:bodyPr/>
+        <a:lstStyle/>
+        <a:p>
+          <a:endParaRPr lang="pt-BR"/>
+        </a:p>
+      </dgm:t>
+    </dgm:pt>
+    <dgm:pt modelId="{F1CAE042-0712-41E1-850F-4283281FDF3A}">
+      <dgm:prSet custT="1"/>
+      <dgm:spPr/>
+      <dgm:t>
+        <a:bodyPr/>
+        <a:lstStyle/>
+        <a:p>
+          <a:r>
+            <a:rPr lang="pt-BR" sz="1800"/>
+            <a:t>Saúde ambiental</a:t>
+          </a:r>
+          <a:endParaRPr lang="pt-BR" sz="1800" dirty="0"/>
+        </a:p>
+      </dgm:t>
+    </dgm:pt>
+    <dgm:pt modelId="{A34DCF22-923E-4B51-9A96-DD1B38D727D8}" type="parTrans" cxnId="{EE08F6B8-4E28-4239-9548-C5D0EAA6A8E5}">
+      <dgm:prSet/>
+      <dgm:spPr/>
+      <dgm:t>
+        <a:bodyPr/>
+        <a:lstStyle/>
+        <a:p>
+          <a:endParaRPr lang="pt-BR" sz="1800"/>
+        </a:p>
+      </dgm:t>
+    </dgm:pt>
+    <dgm:pt modelId="{B4D3C271-DCD6-4DB5-8A87-0FAE2711A026}" type="sibTrans" cxnId="{EE08F6B8-4E28-4239-9548-C5D0EAA6A8E5}">
+      <dgm:prSet/>
+      <dgm:spPr/>
+      <dgm:t>
+        <a:bodyPr/>
+        <a:lstStyle/>
+        <a:p>
+          <a:endParaRPr lang="pt-BR" sz="1800"/>
+        </a:p>
+      </dgm:t>
+    </dgm:pt>
+    <dgm:pt modelId="{DB5F34DC-B2CF-443B-A692-6B02E8FEF47B}">
+      <dgm:prSet custT="1"/>
+      <dgm:spPr/>
+      <dgm:t>
+        <a:bodyPr/>
+        <a:lstStyle/>
+        <a:p>
+          <a:r>
+            <a:rPr lang="pt-BR" sz="1800"/>
+            <a:t>abordagem educativa  sobre dengue, Chikungunya e Zica</a:t>
+          </a:r>
+          <a:endParaRPr lang="pt-BR" sz="1800" dirty="0"/>
+        </a:p>
+      </dgm:t>
+    </dgm:pt>
+    <dgm:pt modelId="{88140D68-6426-4512-9794-D78A998052D6}" type="parTrans" cxnId="{97A20B7B-AD4B-4AD9-99CA-F7523D9EB282}">
+      <dgm:prSet/>
+      <dgm:spPr/>
+      <dgm:t>
+        <a:bodyPr/>
+        <a:lstStyle/>
+        <a:p>
+          <a:endParaRPr lang="pt-BR" sz="1800"/>
+        </a:p>
+      </dgm:t>
+    </dgm:pt>
+    <dgm:pt modelId="{C37591DE-C432-440E-8954-024B99D5D073}" type="sibTrans" cxnId="{97A20B7B-AD4B-4AD9-99CA-F7523D9EB282}">
+      <dgm:prSet/>
+      <dgm:spPr/>
+      <dgm:t>
+        <a:bodyPr/>
+        <a:lstStyle/>
+        <a:p>
+          <a:endParaRPr lang="pt-BR" sz="1800"/>
+        </a:p>
+      </dgm:t>
+    </dgm:pt>
+    <dgm:pt modelId="{7B408788-4730-464F-AD1B-76D2B747871B}">
+      <dgm:prSet custT="1"/>
+      <dgm:spPr/>
+      <dgm:t>
+        <a:bodyPr/>
+        <a:lstStyle/>
+        <a:p>
+          <a:r>
+            <a:rPr lang="pt-BR" sz="1800" dirty="0"/>
+            <a:t>abordagem educativa sobre qualidade do ar, da água, do solo; e prevenção de doenças transmitidas por vetores</a:t>
+          </a:r>
+        </a:p>
+      </dgm:t>
+    </dgm:pt>
+    <dgm:pt modelId="{ADCC8CAA-C1FB-41DF-9487-0CA89EF5BEBB}" type="parTrans" cxnId="{56AC85B8-EF4D-4370-A538-2BF2159C8C18}">
+      <dgm:prSet/>
+      <dgm:spPr/>
+      <dgm:t>
+        <a:bodyPr/>
+        <a:lstStyle/>
+        <a:p>
+          <a:endParaRPr lang="pt-BR" sz="1800"/>
+        </a:p>
+      </dgm:t>
+    </dgm:pt>
+    <dgm:pt modelId="{8468EC4F-108F-4C82-B2B6-648473348173}" type="sibTrans" cxnId="{56AC85B8-EF4D-4370-A538-2BF2159C8C18}">
+      <dgm:prSet/>
+      <dgm:spPr/>
+      <dgm:t>
+        <a:bodyPr/>
+        <a:lstStyle/>
+        <a:p>
+          <a:endParaRPr lang="pt-BR" sz="1800"/>
+        </a:p>
+      </dgm:t>
+    </dgm:pt>
+    <dgm:pt modelId="{1A2FC16E-B1A1-46D8-8D10-896BD67711B6}">
+      <dgm:prSet custT="1"/>
+      <dgm:spPr/>
+      <dgm:t>
+        <a:bodyPr/>
+        <a:lstStyle/>
+        <a:p>
+          <a:r>
+            <a:rPr lang="pt-BR" sz="1800"/>
+            <a:t>Promoção da cultura de paz e direitos humanos</a:t>
+          </a:r>
+          <a:endParaRPr lang="pt-BR" sz="1800" dirty="0"/>
+        </a:p>
+      </dgm:t>
+    </dgm:pt>
+    <dgm:pt modelId="{1C22FF31-3057-4F30-9B1E-EFF6B7FF8832}" type="parTrans" cxnId="{84D36E2E-F7CA-4B5D-980C-4BF0E0FD0077}">
+      <dgm:prSet/>
+      <dgm:spPr/>
+      <dgm:t>
+        <a:bodyPr/>
+        <a:lstStyle/>
+        <a:p>
+          <a:endParaRPr lang="pt-BR" sz="1800"/>
+        </a:p>
+      </dgm:t>
+    </dgm:pt>
+    <dgm:pt modelId="{5615DD55-DC31-4944-B207-9CB9944EF7ED}" type="sibTrans" cxnId="{84D36E2E-F7CA-4B5D-980C-4BF0E0FD0077}">
+      <dgm:prSet/>
+      <dgm:spPr/>
+      <dgm:t>
+        <a:bodyPr/>
+        <a:lstStyle/>
+        <a:p>
+          <a:endParaRPr lang="pt-BR" sz="1800"/>
+        </a:p>
+      </dgm:t>
+    </dgm:pt>
+    <dgm:pt modelId="{F8B0C7CB-9535-4BAB-8F69-A318CF4936FD}">
+      <dgm:prSet custT="1"/>
+      <dgm:spPr/>
+      <dgm:t>
+        <a:bodyPr/>
+        <a:lstStyle/>
+        <a:p>
+          <a:r>
+            <a:rPr lang="pt-BR" sz="1800"/>
+            <a:t>abordagem educativa sobre promoção do diálogo, da tolerância, da diversidade e combate ao bullying</a:t>
+          </a:r>
+          <a:endParaRPr lang="pt-BR" sz="1800" dirty="0"/>
+        </a:p>
+      </dgm:t>
+    </dgm:pt>
+    <dgm:pt modelId="{9267AD47-B7C3-48FE-A5FC-A9D3590E1CFC}" type="parTrans" cxnId="{0EFD4619-B80A-43AF-A33B-9781CD995886}">
+      <dgm:prSet/>
+      <dgm:spPr/>
+      <dgm:t>
+        <a:bodyPr/>
+        <a:lstStyle/>
+        <a:p>
+          <a:endParaRPr lang="pt-BR" sz="1800"/>
+        </a:p>
+      </dgm:t>
+    </dgm:pt>
+    <dgm:pt modelId="{46EAE07E-094C-4545-98F4-4D1C8B85E9DB}" type="sibTrans" cxnId="{0EFD4619-B80A-43AF-A33B-9781CD995886}">
+      <dgm:prSet/>
+      <dgm:spPr/>
+      <dgm:t>
+        <a:bodyPr/>
+        <a:lstStyle/>
+        <a:p>
+          <a:endParaRPr lang="pt-BR" sz="1800"/>
+        </a:p>
+      </dgm:t>
+    </dgm:pt>
+    <dgm:pt modelId="{0031CF79-3849-44AA-8672-4DC90A870213}">
+      <dgm:prSet custT="1"/>
+      <dgm:spPr/>
+      <dgm:t>
+        <a:bodyPr/>
+        <a:lstStyle/>
+        <a:p>
+          <a:r>
+            <a:rPr lang="pt-BR" sz="1800"/>
+            <a:t>Prevenção das violências e dos acidentes</a:t>
+          </a:r>
+          <a:endParaRPr lang="pt-BR" sz="1800" dirty="0"/>
+        </a:p>
+      </dgm:t>
+    </dgm:pt>
+    <dgm:pt modelId="{323947A5-F856-45D0-A377-53EF17EA0D4A}" type="parTrans" cxnId="{CF03C8D3-6C24-48EB-8ED9-C409A249817A}">
+      <dgm:prSet/>
+      <dgm:spPr/>
+      <dgm:t>
+        <a:bodyPr/>
+        <a:lstStyle/>
+        <a:p>
+          <a:endParaRPr lang="pt-BR" sz="1800"/>
+        </a:p>
+      </dgm:t>
+    </dgm:pt>
+    <dgm:pt modelId="{714D987A-6244-4740-A721-D3A379AEA605}" type="sibTrans" cxnId="{CF03C8D3-6C24-48EB-8ED9-C409A249817A}">
+      <dgm:prSet/>
+      <dgm:spPr/>
+      <dgm:t>
+        <a:bodyPr/>
+        <a:lstStyle/>
+        <a:p>
+          <a:endParaRPr lang="pt-BR" sz="1800"/>
+        </a:p>
+      </dgm:t>
+    </dgm:pt>
+    <dgm:pt modelId="{7D6DDD7F-E7E9-4AAB-90A7-0A3AE992FFF6}">
+      <dgm:prSet custT="1"/>
+      <dgm:spPr/>
+      <dgm:t>
+        <a:bodyPr/>
+        <a:lstStyle/>
+        <a:p>
+          <a:r>
+            <a:rPr lang="pt-BR" sz="1800"/>
+            <a:t>abordagem educativa sobre prevenção de violências físicas, psicológicas, sexuais e riscos de acidentes</a:t>
+          </a:r>
+          <a:endParaRPr lang="pt-BR" sz="1800" dirty="0"/>
+        </a:p>
+      </dgm:t>
+    </dgm:pt>
+    <dgm:pt modelId="{54FC6FA2-7DEA-4129-8C99-BD3C5A617CE0}" type="parTrans" cxnId="{CCAF6AD3-1D0B-4418-A829-FA9F270E26B9}">
+      <dgm:prSet/>
+      <dgm:spPr/>
+      <dgm:t>
+        <a:bodyPr/>
+        <a:lstStyle/>
+        <a:p>
+          <a:endParaRPr lang="pt-BR" sz="1800"/>
+        </a:p>
+      </dgm:t>
+    </dgm:pt>
+    <dgm:pt modelId="{63A81932-E739-4950-99FC-CA73923BA05C}" type="sibTrans" cxnId="{CCAF6AD3-1D0B-4418-A829-FA9F270E26B9}">
+      <dgm:prSet/>
+      <dgm:spPr/>
+      <dgm:t>
+        <a:bodyPr/>
+        <a:lstStyle/>
+        <a:p>
+          <a:endParaRPr lang="pt-BR" sz="1800"/>
+        </a:p>
+      </dgm:t>
+    </dgm:pt>
+    <dgm:pt modelId="{009E6526-4D7F-4AF5-A33B-46FBC7BE64B9}">
+      <dgm:prSet custT="1"/>
+      <dgm:spPr/>
+      <dgm:t>
+        <a:bodyPr/>
+        <a:lstStyle/>
+        <a:p>
+          <a:r>
+            <a:rPr lang="pt-BR" sz="1800"/>
+            <a:t>Prevenção de doenças negligenciadas</a:t>
+          </a:r>
+          <a:endParaRPr lang="pt-BR" sz="1800" dirty="0"/>
+        </a:p>
+      </dgm:t>
+    </dgm:pt>
+    <dgm:pt modelId="{C991EE46-E2F4-4748-8E66-C8FEC3792047}" type="parTrans" cxnId="{960746F0-1535-4C63-B510-590E8D23A6A8}">
+      <dgm:prSet/>
+      <dgm:spPr/>
+      <dgm:t>
+        <a:bodyPr/>
+        <a:lstStyle/>
+        <a:p>
+          <a:endParaRPr lang="pt-BR" sz="1800"/>
+        </a:p>
+      </dgm:t>
+    </dgm:pt>
+    <dgm:pt modelId="{9701430A-D08E-481E-9BA0-7106C4D9497B}" type="sibTrans" cxnId="{960746F0-1535-4C63-B510-590E8D23A6A8}">
+      <dgm:prSet/>
+      <dgm:spPr/>
+      <dgm:t>
+        <a:bodyPr/>
+        <a:lstStyle/>
+        <a:p>
+          <a:endParaRPr lang="pt-BR" sz="1800"/>
+        </a:p>
+      </dgm:t>
+    </dgm:pt>
+    <dgm:pt modelId="{8C24D3D3-5C6D-4029-934C-1C19C5FBB415}">
+      <dgm:prSet custT="1"/>
+      <dgm:spPr/>
+      <dgm:t>
+        <a:bodyPr/>
+        <a:lstStyle/>
+        <a:p>
+          <a:r>
+            <a:rPr lang="pt-BR" sz="1800" dirty="0"/>
+            <a:t>abordagem educativa sobre hanseníase, tuberculose, malária, leishmaniose, </a:t>
+          </a:r>
+          <a:r>
+            <a:rPr lang="pt-BR" sz="1800" dirty="0" err="1"/>
+            <a:t>geo-helmintíases</a:t>
+          </a:r>
+          <a:endParaRPr lang="pt-BR" sz="1800" dirty="0"/>
+        </a:p>
+      </dgm:t>
+    </dgm:pt>
+    <dgm:pt modelId="{FBDB9B24-A059-47E7-9041-778B5E8D16A1}" type="parTrans" cxnId="{0EA7F7FC-7D4B-434F-845B-DF1C19F79050}">
+      <dgm:prSet/>
+      <dgm:spPr/>
+      <dgm:t>
+        <a:bodyPr/>
+        <a:lstStyle/>
+        <a:p>
+          <a:endParaRPr lang="pt-BR" sz="1800"/>
+        </a:p>
+      </dgm:t>
+    </dgm:pt>
+    <dgm:pt modelId="{BB4B9D99-D6B7-4333-81D8-077F2675E467}" type="sibTrans" cxnId="{0EA7F7FC-7D4B-434F-845B-DF1C19F79050}">
+      <dgm:prSet/>
+      <dgm:spPr/>
+      <dgm:t>
+        <a:bodyPr/>
+        <a:lstStyle/>
+        <a:p>
+          <a:endParaRPr lang="pt-BR" sz="1800"/>
+        </a:p>
+      </dgm:t>
+    </dgm:pt>
+    <dgm:pt modelId="{D37FB6D9-D474-48CC-B35A-0CF27A7AA04D}">
+      <dgm:prSet custT="1"/>
+      <dgm:spPr/>
+      <dgm:t>
+        <a:bodyPr/>
+        <a:lstStyle/>
+        <a:p>
+          <a:r>
+            <a:rPr lang="pt-BR" sz="1800"/>
+            <a:t>Saúde sexual e reprodutiva e prevenção do HIV/IST</a:t>
+          </a:r>
+          <a:endParaRPr lang="pt-BR" sz="1800" dirty="0"/>
+        </a:p>
+      </dgm:t>
+    </dgm:pt>
+    <dgm:pt modelId="{08D78CAC-1A2F-427B-B111-CABFD2E700C2}" type="parTrans" cxnId="{4CD777FC-BA12-47A2-B8BA-11F241871A13}">
+      <dgm:prSet/>
+      <dgm:spPr/>
+      <dgm:t>
+        <a:bodyPr/>
+        <a:lstStyle/>
+        <a:p>
+          <a:endParaRPr lang="pt-BR" sz="1800"/>
+        </a:p>
+      </dgm:t>
+    </dgm:pt>
+    <dgm:pt modelId="{90532036-BCDB-43AF-8142-6FB7D5378232}" type="sibTrans" cxnId="{4CD777FC-BA12-47A2-B8BA-11F241871A13}">
+      <dgm:prSet/>
+      <dgm:spPr/>
+      <dgm:t>
+        <a:bodyPr/>
+        <a:lstStyle/>
+        <a:p>
+          <a:endParaRPr lang="pt-BR" sz="1800"/>
+        </a:p>
+      </dgm:t>
+    </dgm:pt>
+    <dgm:pt modelId="{F17414F8-B4C1-4319-A371-0A8B0DC12EA7}">
+      <dgm:prSet custT="1"/>
+      <dgm:spPr/>
+      <dgm:t>
+        <a:bodyPr/>
+        <a:lstStyle/>
+        <a:p>
+          <a:r>
+            <a:rPr lang="pt-BR" sz="1800"/>
+            <a:t>abordagem educativa sobre saúde sexual, prevenção de infecções sexualmente transmissíveis e prevenção da gravidez na adolescência</a:t>
+          </a:r>
+          <a:endParaRPr lang="pt-BR" sz="1800" dirty="0"/>
+        </a:p>
+      </dgm:t>
+    </dgm:pt>
+    <dgm:pt modelId="{187BAD87-759F-4B56-92DB-A945DC63E1E3}" type="parTrans" cxnId="{217D8C77-B7A1-4CDB-B4DB-E5168F2B8751}">
+      <dgm:prSet/>
+      <dgm:spPr/>
+      <dgm:t>
+        <a:bodyPr/>
+        <a:lstStyle/>
+        <a:p>
+          <a:endParaRPr lang="pt-BR" sz="1800"/>
+        </a:p>
+      </dgm:t>
+    </dgm:pt>
+    <dgm:pt modelId="{67F96141-F8BA-4E26-9AF1-B77B90A75ED3}" type="sibTrans" cxnId="{217D8C77-B7A1-4CDB-B4DB-E5168F2B8751}">
+      <dgm:prSet/>
+      <dgm:spPr/>
+      <dgm:t>
+        <a:bodyPr/>
+        <a:lstStyle/>
+        <a:p>
+          <a:endParaRPr lang="pt-BR" sz="1800"/>
+        </a:p>
+      </dgm:t>
+    </dgm:pt>
+    <dgm:pt modelId="{7114B55E-FD8D-4551-A890-C6B4CCEF9AFB}">
+      <dgm:prSet custT="1"/>
+      <dgm:spPr/>
+      <dgm:t>
+        <a:bodyPr/>
+        <a:lstStyle/>
+        <a:p>
+          <a:r>
+            <a:rPr lang="pt-BR" sz="1800"/>
+            <a:t>Prevenção ao uso de álcool, tabaco e outras drogas</a:t>
+          </a:r>
+          <a:endParaRPr lang="pt-BR" sz="1800" dirty="0"/>
+        </a:p>
+      </dgm:t>
+    </dgm:pt>
+    <dgm:pt modelId="{07B2EF02-135A-4FF8-9D3F-A37101DD8C61}" type="parTrans" cxnId="{7143207A-30BC-47EE-B1FB-42F5EB4ABEE5}">
+      <dgm:prSet/>
+      <dgm:spPr/>
+      <dgm:t>
+        <a:bodyPr/>
+        <a:lstStyle/>
+        <a:p>
+          <a:endParaRPr lang="pt-BR" sz="1800"/>
+        </a:p>
+      </dgm:t>
+    </dgm:pt>
+    <dgm:pt modelId="{835DBC13-7E91-468E-A164-71BA18A03E9E}" type="sibTrans" cxnId="{7143207A-30BC-47EE-B1FB-42F5EB4ABEE5}">
+      <dgm:prSet/>
+      <dgm:spPr/>
+      <dgm:t>
+        <a:bodyPr/>
+        <a:lstStyle/>
+        <a:p>
+          <a:endParaRPr lang="pt-BR" sz="1800"/>
+        </a:p>
+      </dgm:t>
+    </dgm:pt>
+    <dgm:pt modelId="{7660835B-8017-4AA6-8CD9-CDAEEE3CA436}">
+      <dgm:prSet custT="1"/>
+      <dgm:spPr/>
+      <dgm:t>
+        <a:bodyPr/>
+        <a:lstStyle/>
+        <a:p>
+          <a:r>
+            <a:rPr lang="pt-BR" sz="1800"/>
+            <a:t>abordagem educativa sobre os riscos e danos do uso de álcool, tabaco e outras drogas</a:t>
+          </a:r>
+          <a:endParaRPr lang="pt-BR" sz="1800" dirty="0"/>
+        </a:p>
+      </dgm:t>
+    </dgm:pt>
+    <dgm:pt modelId="{C9C436A1-48E2-49F1-8925-86B1E74009E2}" type="parTrans" cxnId="{D7D0F8C1-C22A-4BFA-B681-FBC409966AE2}">
+      <dgm:prSet/>
+      <dgm:spPr/>
+      <dgm:t>
+        <a:bodyPr/>
+        <a:lstStyle/>
+        <a:p>
+          <a:endParaRPr lang="pt-BR" sz="1800"/>
+        </a:p>
+      </dgm:t>
+    </dgm:pt>
+    <dgm:pt modelId="{C605D14C-AE45-4EF6-B546-E5763910CEA6}" type="sibTrans" cxnId="{D7D0F8C1-C22A-4BFA-B681-FBC409966AE2}">
+      <dgm:prSet/>
+      <dgm:spPr/>
+      <dgm:t>
+        <a:bodyPr/>
+        <a:lstStyle/>
+        <a:p>
+          <a:endParaRPr lang="pt-BR" sz="1800"/>
+        </a:p>
+      </dgm:t>
+    </dgm:pt>
+    <dgm:pt modelId="{2CC1EAAB-4B2B-4898-8D7F-D1457629712F}" type="pres">
+      <dgm:prSet presAssocID="{42F4482E-EE28-4A85-A6CB-A59CC6D82146}" presName="linear" presStyleCnt="0">
+        <dgm:presLayoutVars>
+          <dgm:animLvl val="lvl"/>
+          <dgm:resizeHandles val="exact"/>
+        </dgm:presLayoutVars>
+      </dgm:prSet>
+      <dgm:spPr/>
+    </dgm:pt>
+    <dgm:pt modelId="{6368407C-18FA-4481-B906-27C75E7288E0}" type="pres">
+      <dgm:prSet presAssocID="{F1CAE042-0712-41E1-850F-4283281FDF3A}" presName="parentText" presStyleLbl="node1" presStyleIdx="0" presStyleCnt="6">
+        <dgm:presLayoutVars>
+          <dgm:chMax val="0"/>
+          <dgm:bulletEnabled val="1"/>
+        </dgm:presLayoutVars>
+      </dgm:prSet>
+      <dgm:spPr/>
+    </dgm:pt>
+    <dgm:pt modelId="{159B5546-62A5-4FE3-B845-9AAAA944F9D3}" type="pres">
+      <dgm:prSet presAssocID="{F1CAE042-0712-41E1-850F-4283281FDF3A}" presName="childText" presStyleLbl="revTx" presStyleIdx="0" presStyleCnt="6">
+        <dgm:presLayoutVars>
+          <dgm:bulletEnabled val="1"/>
+        </dgm:presLayoutVars>
+      </dgm:prSet>
+      <dgm:spPr/>
+    </dgm:pt>
+    <dgm:pt modelId="{05ADA281-ACDC-41CF-98C5-25415EAE08AA}" type="pres">
+      <dgm:prSet presAssocID="{1A2FC16E-B1A1-46D8-8D10-896BD67711B6}" presName="parentText" presStyleLbl="node1" presStyleIdx="1" presStyleCnt="6">
+        <dgm:presLayoutVars>
+          <dgm:chMax val="0"/>
+          <dgm:bulletEnabled val="1"/>
+        </dgm:presLayoutVars>
+      </dgm:prSet>
+      <dgm:spPr/>
+    </dgm:pt>
+    <dgm:pt modelId="{604FC939-5187-4253-9CFC-1C4EC79CF82D}" type="pres">
+      <dgm:prSet presAssocID="{1A2FC16E-B1A1-46D8-8D10-896BD67711B6}" presName="childText" presStyleLbl="revTx" presStyleIdx="1" presStyleCnt="6">
+        <dgm:presLayoutVars>
+          <dgm:bulletEnabled val="1"/>
+        </dgm:presLayoutVars>
+      </dgm:prSet>
+      <dgm:spPr/>
+    </dgm:pt>
+    <dgm:pt modelId="{3A7D8DD4-A91A-4F11-BF2E-E582B89A6333}" type="pres">
+      <dgm:prSet presAssocID="{0031CF79-3849-44AA-8672-4DC90A870213}" presName="parentText" presStyleLbl="node1" presStyleIdx="2" presStyleCnt="6">
+        <dgm:presLayoutVars>
+          <dgm:chMax val="0"/>
+          <dgm:bulletEnabled val="1"/>
+        </dgm:presLayoutVars>
+      </dgm:prSet>
+      <dgm:spPr/>
+    </dgm:pt>
+    <dgm:pt modelId="{A4CE18D3-AF5C-476E-8A28-73375BC16082}" type="pres">
+      <dgm:prSet presAssocID="{0031CF79-3849-44AA-8672-4DC90A870213}" presName="childText" presStyleLbl="revTx" presStyleIdx="2" presStyleCnt="6">
+        <dgm:presLayoutVars>
+          <dgm:bulletEnabled val="1"/>
+        </dgm:presLayoutVars>
+      </dgm:prSet>
+      <dgm:spPr/>
+    </dgm:pt>
+    <dgm:pt modelId="{1C6FE90A-08B8-4721-9641-3A5F3DF1D8BF}" type="pres">
+      <dgm:prSet presAssocID="{009E6526-4D7F-4AF5-A33B-46FBC7BE64B9}" presName="parentText" presStyleLbl="node1" presStyleIdx="3" presStyleCnt="6">
+        <dgm:presLayoutVars>
+          <dgm:chMax val="0"/>
+          <dgm:bulletEnabled val="1"/>
+        </dgm:presLayoutVars>
+      </dgm:prSet>
+      <dgm:spPr/>
+    </dgm:pt>
+    <dgm:pt modelId="{42F17969-FDE7-44A1-8BFE-E69E255738D4}" type="pres">
+      <dgm:prSet presAssocID="{009E6526-4D7F-4AF5-A33B-46FBC7BE64B9}" presName="childText" presStyleLbl="revTx" presStyleIdx="3" presStyleCnt="6">
+        <dgm:presLayoutVars>
+          <dgm:bulletEnabled val="1"/>
+        </dgm:presLayoutVars>
+      </dgm:prSet>
+      <dgm:spPr/>
+    </dgm:pt>
+    <dgm:pt modelId="{7272C1E8-2025-4395-9FEE-E335B833576D}" type="pres">
+      <dgm:prSet presAssocID="{D37FB6D9-D474-48CC-B35A-0CF27A7AA04D}" presName="parentText" presStyleLbl="node1" presStyleIdx="4" presStyleCnt="6">
+        <dgm:presLayoutVars>
+          <dgm:chMax val="0"/>
+          <dgm:bulletEnabled val="1"/>
+        </dgm:presLayoutVars>
+      </dgm:prSet>
+      <dgm:spPr/>
+    </dgm:pt>
+    <dgm:pt modelId="{47919C39-8165-491C-AFA9-3F9C18E494B3}" type="pres">
+      <dgm:prSet presAssocID="{D37FB6D9-D474-48CC-B35A-0CF27A7AA04D}" presName="childText" presStyleLbl="revTx" presStyleIdx="4" presStyleCnt="6">
+        <dgm:presLayoutVars>
+          <dgm:bulletEnabled val="1"/>
+        </dgm:presLayoutVars>
+      </dgm:prSet>
+      <dgm:spPr/>
+    </dgm:pt>
+    <dgm:pt modelId="{D02BE73A-54F5-491B-B84D-BE20C451DE43}" type="pres">
+      <dgm:prSet presAssocID="{7114B55E-FD8D-4551-A890-C6B4CCEF9AFB}" presName="parentText" presStyleLbl="node1" presStyleIdx="5" presStyleCnt="6">
+        <dgm:presLayoutVars>
+          <dgm:chMax val="0"/>
+          <dgm:bulletEnabled val="1"/>
+        </dgm:presLayoutVars>
+      </dgm:prSet>
+      <dgm:spPr/>
+    </dgm:pt>
+    <dgm:pt modelId="{88DAF8F5-C3A7-4664-81B3-F3F5AF30F8CF}" type="pres">
+      <dgm:prSet presAssocID="{7114B55E-FD8D-4551-A890-C6B4CCEF9AFB}" presName="childText" presStyleLbl="revTx" presStyleIdx="5" presStyleCnt="6">
+        <dgm:presLayoutVars>
+          <dgm:bulletEnabled val="1"/>
+        </dgm:presLayoutVars>
+      </dgm:prSet>
+      <dgm:spPr/>
+    </dgm:pt>
+  </dgm:ptLst>
+  <dgm:cxnLst>
+    <dgm:cxn modelId="{0EFD4619-B80A-43AF-A33B-9781CD995886}" srcId="{1A2FC16E-B1A1-46D8-8D10-896BD67711B6}" destId="{F8B0C7CB-9535-4BAB-8F69-A318CF4936FD}" srcOrd="0" destOrd="0" parTransId="{9267AD47-B7C3-48FE-A5FC-A9D3590E1CFC}" sibTransId="{46EAE07E-094C-4545-98F4-4D1C8B85E9DB}"/>
+    <dgm:cxn modelId="{A2F3B31C-594C-4150-9AD5-18F188BD2F85}" type="presOf" srcId="{7D6DDD7F-E7E9-4AAB-90A7-0A3AE992FFF6}" destId="{A4CE18D3-AF5C-476E-8A28-73375BC16082}" srcOrd="0" destOrd="0" presId="urn:microsoft.com/office/officeart/2005/8/layout/vList2"/>
+    <dgm:cxn modelId="{84D36E2E-F7CA-4B5D-980C-4BF0E0FD0077}" srcId="{42F4482E-EE28-4A85-A6CB-A59CC6D82146}" destId="{1A2FC16E-B1A1-46D8-8D10-896BD67711B6}" srcOrd="1" destOrd="0" parTransId="{1C22FF31-3057-4F30-9B1E-EFF6B7FF8832}" sibTransId="{5615DD55-DC31-4944-B207-9CB9944EF7ED}"/>
+    <dgm:cxn modelId="{BD51362F-0BE7-4AE4-BDB8-B65A61A5D977}" type="presOf" srcId="{7660835B-8017-4AA6-8CD9-CDAEEE3CA436}" destId="{88DAF8F5-C3A7-4664-81B3-F3F5AF30F8CF}" srcOrd="0" destOrd="0" presId="urn:microsoft.com/office/officeart/2005/8/layout/vList2"/>
+    <dgm:cxn modelId="{57D3483D-4FEA-46C3-9FEE-53E820F98557}" type="presOf" srcId="{7B408788-4730-464F-AD1B-76D2B747871B}" destId="{159B5546-62A5-4FE3-B845-9AAAA944F9D3}" srcOrd="0" destOrd="1" presId="urn:microsoft.com/office/officeart/2005/8/layout/vList2"/>
+    <dgm:cxn modelId="{EE88003F-50FB-4D5F-A1DA-F09625E4C486}" type="presOf" srcId="{F8B0C7CB-9535-4BAB-8F69-A318CF4936FD}" destId="{604FC939-5187-4253-9CFC-1C4EC79CF82D}" srcOrd="0" destOrd="0" presId="urn:microsoft.com/office/officeart/2005/8/layout/vList2"/>
+    <dgm:cxn modelId="{60C30562-F646-4C61-A791-0EAD33DCB97C}" type="presOf" srcId="{7114B55E-FD8D-4551-A890-C6B4CCEF9AFB}" destId="{D02BE73A-54F5-491B-B84D-BE20C451DE43}" srcOrd="0" destOrd="0" presId="urn:microsoft.com/office/officeart/2005/8/layout/vList2"/>
+    <dgm:cxn modelId="{C92D3A69-93E2-48F7-841B-9B1A00C4DF6A}" type="presOf" srcId="{009E6526-4D7F-4AF5-A33B-46FBC7BE64B9}" destId="{1C6FE90A-08B8-4721-9641-3A5F3DF1D8BF}" srcOrd="0" destOrd="0" presId="urn:microsoft.com/office/officeart/2005/8/layout/vList2"/>
+    <dgm:cxn modelId="{A488E351-B797-4106-B6A7-6F6C1013B0D7}" type="presOf" srcId="{42F4482E-EE28-4A85-A6CB-A59CC6D82146}" destId="{2CC1EAAB-4B2B-4898-8D7F-D1457629712F}" srcOrd="0" destOrd="0" presId="urn:microsoft.com/office/officeart/2005/8/layout/vList2"/>
+    <dgm:cxn modelId="{30897854-5BD3-4DC2-9C91-CF57C5E3F1EC}" type="presOf" srcId="{D37FB6D9-D474-48CC-B35A-0CF27A7AA04D}" destId="{7272C1E8-2025-4395-9FEE-E335B833576D}" srcOrd="0" destOrd="0" presId="urn:microsoft.com/office/officeart/2005/8/layout/vList2"/>
+    <dgm:cxn modelId="{217D8C77-B7A1-4CDB-B4DB-E5168F2B8751}" srcId="{D37FB6D9-D474-48CC-B35A-0CF27A7AA04D}" destId="{F17414F8-B4C1-4319-A371-0A8B0DC12EA7}" srcOrd="0" destOrd="0" parTransId="{187BAD87-759F-4B56-92DB-A945DC63E1E3}" sibTransId="{67F96141-F8BA-4E26-9AF1-B77B90A75ED3}"/>
+    <dgm:cxn modelId="{7143207A-30BC-47EE-B1FB-42F5EB4ABEE5}" srcId="{42F4482E-EE28-4A85-A6CB-A59CC6D82146}" destId="{7114B55E-FD8D-4551-A890-C6B4CCEF9AFB}" srcOrd="5" destOrd="0" parTransId="{07B2EF02-135A-4FF8-9D3F-A37101DD8C61}" sibTransId="{835DBC13-7E91-468E-A164-71BA18A03E9E}"/>
+    <dgm:cxn modelId="{97A20B7B-AD4B-4AD9-99CA-F7523D9EB282}" srcId="{F1CAE042-0712-41E1-850F-4283281FDF3A}" destId="{DB5F34DC-B2CF-443B-A692-6B02E8FEF47B}" srcOrd="0" destOrd="0" parTransId="{88140D68-6426-4512-9794-D78A998052D6}" sibTransId="{C37591DE-C432-440E-8954-024B99D5D073}"/>
+    <dgm:cxn modelId="{A30A5A85-78ED-4F56-8C99-7CB73B0BF509}" type="presOf" srcId="{DB5F34DC-B2CF-443B-A692-6B02E8FEF47B}" destId="{159B5546-62A5-4FE3-B845-9AAAA944F9D3}" srcOrd="0" destOrd="0" presId="urn:microsoft.com/office/officeart/2005/8/layout/vList2"/>
+    <dgm:cxn modelId="{737E1EA0-0E2F-4A9D-9FCD-E7240F2729A8}" type="presOf" srcId="{8C24D3D3-5C6D-4029-934C-1C19C5FBB415}" destId="{42F17969-FDE7-44A1-8BFE-E69E255738D4}" srcOrd="0" destOrd="0" presId="urn:microsoft.com/office/officeart/2005/8/layout/vList2"/>
+    <dgm:cxn modelId="{56AC85B8-EF4D-4370-A538-2BF2159C8C18}" srcId="{F1CAE042-0712-41E1-850F-4283281FDF3A}" destId="{7B408788-4730-464F-AD1B-76D2B747871B}" srcOrd="1" destOrd="0" parTransId="{ADCC8CAA-C1FB-41DF-9487-0CA89EF5BEBB}" sibTransId="{8468EC4F-108F-4C82-B2B6-648473348173}"/>
+    <dgm:cxn modelId="{EE08F6B8-4E28-4239-9548-C5D0EAA6A8E5}" srcId="{42F4482E-EE28-4A85-A6CB-A59CC6D82146}" destId="{F1CAE042-0712-41E1-850F-4283281FDF3A}" srcOrd="0" destOrd="0" parTransId="{A34DCF22-923E-4B51-9A96-DD1B38D727D8}" sibTransId="{B4D3C271-DCD6-4DB5-8A87-0FAE2711A026}"/>
+    <dgm:cxn modelId="{D7D0F8C1-C22A-4BFA-B681-FBC409966AE2}" srcId="{7114B55E-FD8D-4551-A890-C6B4CCEF9AFB}" destId="{7660835B-8017-4AA6-8CD9-CDAEEE3CA436}" srcOrd="0" destOrd="0" parTransId="{C9C436A1-48E2-49F1-8925-86B1E74009E2}" sibTransId="{C605D14C-AE45-4EF6-B546-E5763910CEA6}"/>
+    <dgm:cxn modelId="{09B559CA-F097-4CE1-A344-10C044E39C97}" type="presOf" srcId="{0031CF79-3849-44AA-8672-4DC90A870213}" destId="{3A7D8DD4-A91A-4F11-BF2E-E582B89A6333}" srcOrd="0" destOrd="0" presId="urn:microsoft.com/office/officeart/2005/8/layout/vList2"/>
+    <dgm:cxn modelId="{CCAF6AD3-1D0B-4418-A829-FA9F270E26B9}" srcId="{0031CF79-3849-44AA-8672-4DC90A870213}" destId="{7D6DDD7F-E7E9-4AAB-90A7-0A3AE992FFF6}" srcOrd="0" destOrd="0" parTransId="{54FC6FA2-7DEA-4129-8C99-BD3C5A617CE0}" sibTransId="{63A81932-E739-4950-99FC-CA73923BA05C}"/>
+    <dgm:cxn modelId="{CF03C8D3-6C24-48EB-8ED9-C409A249817A}" srcId="{42F4482E-EE28-4A85-A6CB-A59CC6D82146}" destId="{0031CF79-3849-44AA-8672-4DC90A870213}" srcOrd="2" destOrd="0" parTransId="{323947A5-F856-45D0-A377-53EF17EA0D4A}" sibTransId="{714D987A-6244-4740-A721-D3A379AEA605}"/>
+    <dgm:cxn modelId="{9A42A6E6-047E-41D4-A52C-7AF2504DC15C}" type="presOf" srcId="{F1CAE042-0712-41E1-850F-4283281FDF3A}" destId="{6368407C-18FA-4481-B906-27C75E7288E0}" srcOrd="0" destOrd="0" presId="urn:microsoft.com/office/officeart/2005/8/layout/vList2"/>
+    <dgm:cxn modelId="{73F971E9-E6C1-4F93-B466-382D847C55BF}" type="presOf" srcId="{F17414F8-B4C1-4319-A371-0A8B0DC12EA7}" destId="{47919C39-8165-491C-AFA9-3F9C18E494B3}" srcOrd="0" destOrd="0" presId="urn:microsoft.com/office/officeart/2005/8/layout/vList2"/>
+    <dgm:cxn modelId="{F65D73EA-0DA0-446D-A9A1-B219B605382B}" type="presOf" srcId="{1A2FC16E-B1A1-46D8-8D10-896BD67711B6}" destId="{05ADA281-ACDC-41CF-98C5-25415EAE08AA}" srcOrd="0" destOrd="0" presId="urn:microsoft.com/office/officeart/2005/8/layout/vList2"/>
+    <dgm:cxn modelId="{960746F0-1535-4C63-B510-590E8D23A6A8}" srcId="{42F4482E-EE28-4A85-A6CB-A59CC6D82146}" destId="{009E6526-4D7F-4AF5-A33B-46FBC7BE64B9}" srcOrd="3" destOrd="0" parTransId="{C991EE46-E2F4-4748-8E66-C8FEC3792047}" sibTransId="{9701430A-D08E-481E-9BA0-7106C4D9497B}"/>
+    <dgm:cxn modelId="{4CD777FC-BA12-47A2-B8BA-11F241871A13}" srcId="{42F4482E-EE28-4A85-A6CB-A59CC6D82146}" destId="{D37FB6D9-D474-48CC-B35A-0CF27A7AA04D}" srcOrd="4" destOrd="0" parTransId="{08D78CAC-1A2F-427B-B111-CABFD2E700C2}" sibTransId="{90532036-BCDB-43AF-8142-6FB7D5378232}"/>
+    <dgm:cxn modelId="{0EA7F7FC-7D4B-434F-845B-DF1C19F79050}" srcId="{009E6526-4D7F-4AF5-A33B-46FBC7BE64B9}" destId="{8C24D3D3-5C6D-4029-934C-1C19C5FBB415}" srcOrd="0" destOrd="0" parTransId="{FBDB9B24-A059-47E7-9041-778B5E8D16A1}" sibTransId="{BB4B9D99-D6B7-4333-81D8-077F2675E467}"/>
+    <dgm:cxn modelId="{2C1B70BF-DCEB-48E1-98D8-0EB61D25C541}" type="presParOf" srcId="{2CC1EAAB-4B2B-4898-8D7F-D1457629712F}" destId="{6368407C-18FA-4481-B906-27C75E7288E0}" srcOrd="0" destOrd="0" presId="urn:microsoft.com/office/officeart/2005/8/layout/vList2"/>
+    <dgm:cxn modelId="{189D8225-7BB4-4500-AE4B-D860917605A8}" type="presParOf" srcId="{2CC1EAAB-4B2B-4898-8D7F-D1457629712F}" destId="{159B5546-62A5-4FE3-B845-9AAAA944F9D3}" srcOrd="1" destOrd="0" presId="urn:microsoft.com/office/officeart/2005/8/layout/vList2"/>
+    <dgm:cxn modelId="{2466F0D7-9D9B-41D0-ADCC-9276097B0D77}" type="presParOf" srcId="{2CC1EAAB-4B2B-4898-8D7F-D1457629712F}" destId="{05ADA281-ACDC-41CF-98C5-25415EAE08AA}" srcOrd="2" destOrd="0" presId="urn:microsoft.com/office/officeart/2005/8/layout/vList2"/>
+    <dgm:cxn modelId="{F99E845A-32DE-4274-92A3-628529782523}" type="presParOf" srcId="{2CC1EAAB-4B2B-4898-8D7F-D1457629712F}" destId="{604FC939-5187-4253-9CFC-1C4EC79CF82D}" srcOrd="3" destOrd="0" presId="urn:microsoft.com/office/officeart/2005/8/layout/vList2"/>
+    <dgm:cxn modelId="{58B7A57D-CBCE-4016-801F-DAFA3575DFEC}" type="presParOf" srcId="{2CC1EAAB-4B2B-4898-8D7F-D1457629712F}" destId="{3A7D8DD4-A91A-4F11-BF2E-E582B89A6333}" srcOrd="4" destOrd="0" presId="urn:microsoft.com/office/officeart/2005/8/layout/vList2"/>
+    <dgm:cxn modelId="{99D64386-877B-402D-A7D3-DD4A032CA20C}" type="presParOf" srcId="{2CC1EAAB-4B2B-4898-8D7F-D1457629712F}" destId="{A4CE18D3-AF5C-476E-8A28-73375BC16082}" srcOrd="5" destOrd="0" presId="urn:microsoft.com/office/officeart/2005/8/layout/vList2"/>
+    <dgm:cxn modelId="{8E29B8F8-62FC-4F3D-9BC5-9CC5CF7EC5E6}" type="presParOf" srcId="{2CC1EAAB-4B2B-4898-8D7F-D1457629712F}" destId="{1C6FE90A-08B8-4721-9641-3A5F3DF1D8BF}" srcOrd="6" destOrd="0" presId="urn:microsoft.com/office/officeart/2005/8/layout/vList2"/>
+    <dgm:cxn modelId="{14BDA798-E422-45B0-90ED-7340AC3D763B}" type="presParOf" srcId="{2CC1EAAB-4B2B-4898-8D7F-D1457629712F}" destId="{42F17969-FDE7-44A1-8BFE-E69E255738D4}" srcOrd="7" destOrd="0" presId="urn:microsoft.com/office/officeart/2005/8/layout/vList2"/>
+    <dgm:cxn modelId="{7DDAFBAB-70FE-44BC-8B4A-C190CC3F4873}" type="presParOf" srcId="{2CC1EAAB-4B2B-4898-8D7F-D1457629712F}" destId="{7272C1E8-2025-4395-9FEE-E335B833576D}" srcOrd="8" destOrd="0" presId="urn:microsoft.com/office/officeart/2005/8/layout/vList2"/>
+    <dgm:cxn modelId="{A0F6D56B-47D3-435A-B347-FBA7F632805D}" type="presParOf" srcId="{2CC1EAAB-4B2B-4898-8D7F-D1457629712F}" destId="{47919C39-8165-491C-AFA9-3F9C18E494B3}" srcOrd="9" destOrd="0" presId="urn:microsoft.com/office/officeart/2005/8/layout/vList2"/>
+    <dgm:cxn modelId="{5927DA5C-2E5C-41AD-8B87-477559C64629}" type="presParOf" srcId="{2CC1EAAB-4B2B-4898-8D7F-D1457629712F}" destId="{D02BE73A-54F5-491B-B84D-BE20C451DE43}" srcOrd="10" destOrd="0" presId="urn:microsoft.com/office/officeart/2005/8/layout/vList2"/>
+    <dgm:cxn modelId="{EBA66E39-9CD5-44DB-90AB-08F16A9F3F8A}" type="presParOf" srcId="{2CC1EAAB-4B2B-4898-8D7F-D1457629712F}" destId="{88DAF8F5-C3A7-4664-81B3-F3F5AF30F8CF}" srcOrd="11" destOrd="0" presId="urn:microsoft.com/office/officeart/2005/8/layout/vList2"/>
+  </dgm:cxnLst>
+  <dgm:bg/>
+  <dgm:whole/>
+  <dgm:extLst>
+    <a:ext uri="http://schemas.microsoft.com/office/drawing/2008/diagram">
+      <dsp:dataModelExt xmlns:dsp="http://schemas.microsoft.com/office/drawing/2008/diagram" relId="rId6" minVer="http://schemas.openxmlformats.org/drawingml/2006/diagram"/>
+    </a:ext>
+  </dgm:extLst>
+</dgm:dataModel>
+</file>
+
 <file path=ppt/diagrams/drawing1.xml><?xml version="1.0" encoding="utf-8"?>
 <dsp:drawing xmlns:dgm="http://schemas.openxmlformats.org/drawingml/2006/diagram" xmlns:dsp="http://schemas.microsoft.com/office/drawing/2008/diagram" xmlns:a="http://schemas.openxmlformats.org/drawingml/2006/main">
   <dsp:spTree>
@@ -8884,6 +11695,876 @@
       <dsp:txXfrm>
         <a:off x="4095637" y="2416393"/>
         <a:ext cx="3723950" cy="1861690"/>
+      </dsp:txXfrm>
+    </dsp:sp>
+  </dsp:spTree>
+</dsp:drawing>
+</file>
+
+<file path=ppt/diagrams/drawing10.xml><?xml version="1.0" encoding="utf-8"?>
+<dsp:drawing xmlns:dgm="http://schemas.openxmlformats.org/drawingml/2006/diagram" xmlns:dsp="http://schemas.microsoft.com/office/drawing/2008/diagram" xmlns:a="http://schemas.openxmlformats.org/drawingml/2006/main">
+  <dsp:spTree>
+    <dsp:nvGrpSpPr>
+      <dsp:cNvPr id="0" name=""/>
+      <dsp:cNvGrpSpPr/>
+    </dsp:nvGrpSpPr>
+    <dsp:grpSpPr/>
+    <dsp:sp modelId="{14DADBB0-4BF4-4841-8DF2-909C9A058CD2}">
+      <dsp:nvSpPr>
+        <dsp:cNvPr id="0" name=""/>
+        <dsp:cNvSpPr/>
+      </dsp:nvSpPr>
+      <dsp:spPr>
+        <a:xfrm>
+          <a:off x="0" y="4296"/>
+          <a:ext cx="11626850" cy="414179"/>
+        </a:xfrm>
+        <a:prstGeom prst="roundRect">
+          <a:avLst/>
+        </a:prstGeom>
+        <a:solidFill>
+          <a:schemeClr val="accent1">
+            <a:hueOff val="0"/>
+            <a:satOff val="0"/>
+            <a:lumOff val="0"/>
+            <a:alphaOff val="0"/>
+          </a:schemeClr>
+        </a:solidFill>
+        <a:ln w="12700" cap="flat" cmpd="sng" algn="ctr">
+          <a:solidFill>
+            <a:schemeClr val="lt1">
+              <a:hueOff val="0"/>
+              <a:satOff val="0"/>
+              <a:lumOff val="0"/>
+              <a:alphaOff val="0"/>
+            </a:schemeClr>
+          </a:solidFill>
+          <a:prstDash val="solid"/>
+          <a:miter lim="800000"/>
+        </a:ln>
+        <a:effectLst/>
+      </dsp:spPr>
+      <dsp:style>
+        <a:lnRef idx="2">
+          <a:scrgbClr r="0" g="0" b="0"/>
+        </a:lnRef>
+        <a:fillRef idx="1">
+          <a:scrgbClr r="0" g="0" b="0"/>
+        </a:fillRef>
+        <a:effectRef idx="0">
+          <a:scrgbClr r="0" g="0" b="0"/>
+        </a:effectRef>
+        <a:fontRef idx="minor">
+          <a:schemeClr val="lt1"/>
+        </a:fontRef>
+      </dsp:style>
+      <dsp:txBody>
+        <a:bodyPr spcFirstLastPara="0" vert="horz" wrap="square" lIns="76200" tIns="76200" rIns="76200" bIns="76200" numCol="1" spcCol="1270" anchor="ctr" anchorCtr="0">
+          <a:noAutofit/>
+        </a:bodyPr>
+        <a:lstStyle/>
+        <a:p>
+          <a:pPr marL="0" lvl="0" indent="0" algn="l" defTabSz="889000">
+            <a:lnSpc>
+              <a:spcPct val="90000"/>
+            </a:lnSpc>
+            <a:spcBef>
+              <a:spcPct val="0"/>
+            </a:spcBef>
+            <a:spcAft>
+              <a:spcPct val="35000"/>
+            </a:spcAft>
+            <a:buNone/>
+          </a:pPr>
+          <a:r>
+            <a:rPr lang="pt-BR" sz="2000" kern="1200" dirty="0"/>
+            <a:t>Saúde bucal</a:t>
+          </a:r>
+        </a:p>
+      </dsp:txBody>
+      <dsp:txXfrm>
+        <a:off x="20219" y="24515"/>
+        <a:ext cx="11586412" cy="373741"/>
+      </dsp:txXfrm>
+    </dsp:sp>
+    <dsp:sp modelId="{9833BBFD-D5F2-400E-8143-83D6307EEC21}">
+      <dsp:nvSpPr>
+        <dsp:cNvPr id="0" name=""/>
+        <dsp:cNvSpPr/>
+      </dsp:nvSpPr>
+      <dsp:spPr>
+        <a:xfrm>
+          <a:off x="0" y="418475"/>
+          <a:ext cx="11626850" cy="589797"/>
+        </a:xfrm>
+        <a:prstGeom prst="rect">
+          <a:avLst/>
+        </a:prstGeom>
+        <a:noFill/>
+        <a:ln>
+          <a:noFill/>
+        </a:ln>
+        <a:effectLst/>
+      </dsp:spPr>
+      <dsp:style>
+        <a:lnRef idx="0">
+          <a:scrgbClr r="0" g="0" b="0"/>
+        </a:lnRef>
+        <a:fillRef idx="0">
+          <a:scrgbClr r="0" g="0" b="0"/>
+        </a:fillRef>
+        <a:effectRef idx="0">
+          <a:scrgbClr r="0" g="0" b="0"/>
+        </a:effectRef>
+        <a:fontRef idx="minor"/>
+      </dsp:style>
+      <dsp:txBody>
+        <a:bodyPr spcFirstLastPara="0" vert="horz" wrap="square" lIns="369152" tIns="25400" rIns="142240" bIns="25400" numCol="1" spcCol="1270" anchor="t" anchorCtr="0">
+          <a:noAutofit/>
+        </a:bodyPr>
+        <a:lstStyle/>
+        <a:p>
+          <a:pPr marL="228600" lvl="1" indent="-228600" algn="l" defTabSz="889000">
+            <a:lnSpc>
+              <a:spcPct val="90000"/>
+            </a:lnSpc>
+            <a:spcBef>
+              <a:spcPct val="0"/>
+            </a:spcBef>
+            <a:spcAft>
+              <a:spcPct val="20000"/>
+            </a:spcAft>
+            <a:buChar char="•"/>
+          </a:pPr>
+          <a:r>
+            <a:rPr lang="pt-BR" sz="2000" kern="1200"/>
+            <a:t>avaliação do estado de saúde bucal e aplicação tópica de flúor</a:t>
+          </a:r>
+          <a:endParaRPr lang="pt-BR" sz="2000" kern="1200" dirty="0"/>
+        </a:p>
+        <a:p>
+          <a:pPr marL="228600" lvl="1" indent="-228600" algn="l" defTabSz="889000">
+            <a:lnSpc>
+              <a:spcPct val="90000"/>
+            </a:lnSpc>
+            <a:spcBef>
+              <a:spcPct val="0"/>
+            </a:spcBef>
+            <a:spcAft>
+              <a:spcPct val="20000"/>
+            </a:spcAft>
+            <a:buChar char="•"/>
+          </a:pPr>
+          <a:r>
+            <a:rPr lang="pt-BR" sz="2000" kern="1200"/>
+            <a:t>avaliação do estado de saúde bucal e escovação dental supervisionada</a:t>
+          </a:r>
+          <a:endParaRPr lang="pt-BR" sz="2000" kern="1200" dirty="0"/>
+        </a:p>
+      </dsp:txBody>
+      <dsp:txXfrm>
+        <a:off x="0" y="418475"/>
+        <a:ext cx="11626850" cy="589797"/>
+      </dsp:txXfrm>
+    </dsp:sp>
+    <dsp:sp modelId="{D3FBFF21-FE33-47C1-93E9-7FB611CBA396}">
+      <dsp:nvSpPr>
+        <dsp:cNvPr id="0" name=""/>
+        <dsp:cNvSpPr/>
+      </dsp:nvSpPr>
+      <dsp:spPr>
+        <a:xfrm>
+          <a:off x="0" y="1008273"/>
+          <a:ext cx="11626850" cy="414179"/>
+        </a:xfrm>
+        <a:prstGeom prst="roundRect">
+          <a:avLst/>
+        </a:prstGeom>
+        <a:solidFill>
+          <a:schemeClr val="accent1">
+            <a:hueOff val="0"/>
+            <a:satOff val="0"/>
+            <a:lumOff val="0"/>
+            <a:alphaOff val="0"/>
+          </a:schemeClr>
+        </a:solidFill>
+        <a:ln w="12700" cap="flat" cmpd="sng" algn="ctr">
+          <a:solidFill>
+            <a:schemeClr val="lt1">
+              <a:hueOff val="0"/>
+              <a:satOff val="0"/>
+              <a:lumOff val="0"/>
+              <a:alphaOff val="0"/>
+            </a:schemeClr>
+          </a:solidFill>
+          <a:prstDash val="solid"/>
+          <a:miter lim="800000"/>
+        </a:ln>
+        <a:effectLst/>
+      </dsp:spPr>
+      <dsp:style>
+        <a:lnRef idx="2">
+          <a:scrgbClr r="0" g="0" b="0"/>
+        </a:lnRef>
+        <a:fillRef idx="1">
+          <a:scrgbClr r="0" g="0" b="0"/>
+        </a:fillRef>
+        <a:effectRef idx="0">
+          <a:scrgbClr r="0" g="0" b="0"/>
+        </a:effectRef>
+        <a:fontRef idx="minor">
+          <a:schemeClr val="lt1"/>
+        </a:fontRef>
+      </dsp:style>
+      <dsp:txBody>
+        <a:bodyPr spcFirstLastPara="0" vert="horz" wrap="square" lIns="76200" tIns="76200" rIns="76200" bIns="76200" numCol="1" spcCol="1270" anchor="ctr" anchorCtr="0">
+          <a:noAutofit/>
+        </a:bodyPr>
+        <a:lstStyle/>
+        <a:p>
+          <a:pPr marL="0" lvl="0" indent="0" algn="l" defTabSz="889000">
+            <a:lnSpc>
+              <a:spcPct val="90000"/>
+            </a:lnSpc>
+            <a:spcBef>
+              <a:spcPct val="0"/>
+            </a:spcBef>
+            <a:spcAft>
+              <a:spcPct val="35000"/>
+            </a:spcAft>
+            <a:buNone/>
+          </a:pPr>
+          <a:r>
+            <a:rPr lang="pt-BR" sz="2000" kern="1200"/>
+            <a:t>Promoção da atividade física</a:t>
+          </a:r>
+          <a:endParaRPr lang="pt-BR" sz="2000" kern="1200" dirty="0"/>
+        </a:p>
+      </dsp:txBody>
+      <dsp:txXfrm>
+        <a:off x="20219" y="1028492"/>
+        <a:ext cx="11586412" cy="373741"/>
+      </dsp:txXfrm>
+    </dsp:sp>
+    <dsp:sp modelId="{2623C3E7-7505-4707-B5B6-C6648F182916}">
+      <dsp:nvSpPr>
+        <dsp:cNvPr id="0" name=""/>
+        <dsp:cNvSpPr/>
+      </dsp:nvSpPr>
+      <dsp:spPr>
+        <a:xfrm>
+          <a:off x="0" y="1422453"/>
+          <a:ext cx="11626850" cy="285962"/>
+        </a:xfrm>
+        <a:prstGeom prst="rect">
+          <a:avLst/>
+        </a:prstGeom>
+        <a:noFill/>
+        <a:ln>
+          <a:noFill/>
+        </a:ln>
+        <a:effectLst/>
+      </dsp:spPr>
+      <dsp:style>
+        <a:lnRef idx="0">
+          <a:scrgbClr r="0" g="0" b="0"/>
+        </a:lnRef>
+        <a:fillRef idx="0">
+          <a:scrgbClr r="0" g="0" b="0"/>
+        </a:fillRef>
+        <a:effectRef idx="0">
+          <a:scrgbClr r="0" g="0" b="0"/>
+        </a:effectRef>
+        <a:fontRef idx="minor"/>
+      </dsp:style>
+      <dsp:txBody>
+        <a:bodyPr spcFirstLastPara="0" vert="horz" wrap="square" lIns="369152" tIns="25400" rIns="142240" bIns="25400" numCol="1" spcCol="1270" anchor="t" anchorCtr="0">
+          <a:noAutofit/>
+        </a:bodyPr>
+        <a:lstStyle/>
+        <a:p>
+          <a:pPr marL="228600" lvl="1" indent="-228600" algn="l" defTabSz="889000">
+            <a:lnSpc>
+              <a:spcPct val="90000"/>
+            </a:lnSpc>
+            <a:spcBef>
+              <a:spcPct val="0"/>
+            </a:spcBef>
+            <a:spcAft>
+              <a:spcPct val="20000"/>
+            </a:spcAft>
+            <a:buChar char="•"/>
+          </a:pPr>
+          <a:r>
+            <a:rPr lang="pt-BR" sz="2000" kern="1200"/>
+            <a:t>realização de práticas de atividade física orientadas</a:t>
+          </a:r>
+          <a:endParaRPr lang="pt-BR" sz="2000" kern="1200" dirty="0"/>
+        </a:p>
+      </dsp:txBody>
+      <dsp:txXfrm>
+        <a:off x="0" y="1422453"/>
+        <a:ext cx="11626850" cy="285962"/>
+      </dsp:txXfrm>
+    </dsp:sp>
+    <dsp:sp modelId="{31AD23BB-F88A-49C1-8285-420685973214}">
+      <dsp:nvSpPr>
+        <dsp:cNvPr id="0" name=""/>
+        <dsp:cNvSpPr/>
+      </dsp:nvSpPr>
+      <dsp:spPr>
+        <a:xfrm>
+          <a:off x="0" y="1708415"/>
+          <a:ext cx="11626850" cy="414179"/>
+        </a:xfrm>
+        <a:prstGeom prst="roundRect">
+          <a:avLst/>
+        </a:prstGeom>
+        <a:solidFill>
+          <a:schemeClr val="accent1">
+            <a:hueOff val="0"/>
+            <a:satOff val="0"/>
+            <a:lumOff val="0"/>
+            <a:alphaOff val="0"/>
+          </a:schemeClr>
+        </a:solidFill>
+        <a:ln w="12700" cap="flat" cmpd="sng" algn="ctr">
+          <a:solidFill>
+            <a:schemeClr val="lt1">
+              <a:hueOff val="0"/>
+              <a:satOff val="0"/>
+              <a:lumOff val="0"/>
+              <a:alphaOff val="0"/>
+            </a:schemeClr>
+          </a:solidFill>
+          <a:prstDash val="solid"/>
+          <a:miter lim="800000"/>
+        </a:ln>
+        <a:effectLst/>
+      </dsp:spPr>
+      <dsp:style>
+        <a:lnRef idx="2">
+          <a:scrgbClr r="0" g="0" b="0"/>
+        </a:lnRef>
+        <a:fillRef idx="1">
+          <a:scrgbClr r="0" g="0" b="0"/>
+        </a:fillRef>
+        <a:effectRef idx="0">
+          <a:scrgbClr r="0" g="0" b="0"/>
+        </a:effectRef>
+        <a:fontRef idx="minor">
+          <a:schemeClr val="lt1"/>
+        </a:fontRef>
+      </dsp:style>
+      <dsp:txBody>
+        <a:bodyPr spcFirstLastPara="0" vert="horz" wrap="square" lIns="76200" tIns="76200" rIns="76200" bIns="76200" numCol="1" spcCol="1270" anchor="ctr" anchorCtr="0">
+          <a:noAutofit/>
+        </a:bodyPr>
+        <a:lstStyle/>
+        <a:p>
+          <a:pPr marL="0" lvl="0" indent="0" algn="l" defTabSz="889000">
+            <a:lnSpc>
+              <a:spcPct val="90000"/>
+            </a:lnSpc>
+            <a:spcBef>
+              <a:spcPct val="0"/>
+            </a:spcBef>
+            <a:spcAft>
+              <a:spcPct val="35000"/>
+            </a:spcAft>
+            <a:buNone/>
+          </a:pPr>
+          <a:r>
+            <a:rPr lang="pt-BR" sz="2000" kern="1200"/>
+            <a:t>Saúde auditiva</a:t>
+          </a:r>
+          <a:endParaRPr lang="pt-BR" sz="2000" kern="1200" dirty="0"/>
+        </a:p>
+      </dsp:txBody>
+      <dsp:txXfrm>
+        <a:off x="20219" y="1728634"/>
+        <a:ext cx="11586412" cy="373741"/>
+      </dsp:txXfrm>
+    </dsp:sp>
+    <dsp:sp modelId="{5ADF8ED4-EF99-421B-940E-A7E667BD4E77}">
+      <dsp:nvSpPr>
+        <dsp:cNvPr id="0" name=""/>
+        <dsp:cNvSpPr/>
+      </dsp:nvSpPr>
+      <dsp:spPr>
+        <a:xfrm>
+          <a:off x="0" y="2122595"/>
+          <a:ext cx="11626850" cy="285962"/>
+        </a:xfrm>
+        <a:prstGeom prst="rect">
+          <a:avLst/>
+        </a:prstGeom>
+        <a:noFill/>
+        <a:ln>
+          <a:noFill/>
+        </a:ln>
+        <a:effectLst/>
+      </dsp:spPr>
+      <dsp:style>
+        <a:lnRef idx="0">
+          <a:scrgbClr r="0" g="0" b="0"/>
+        </a:lnRef>
+        <a:fillRef idx="0">
+          <a:scrgbClr r="0" g="0" b="0"/>
+        </a:fillRef>
+        <a:effectRef idx="0">
+          <a:scrgbClr r="0" g="0" b="0"/>
+        </a:effectRef>
+        <a:fontRef idx="minor"/>
+      </dsp:style>
+      <dsp:txBody>
+        <a:bodyPr spcFirstLastPara="0" vert="horz" wrap="square" lIns="369152" tIns="25400" rIns="142240" bIns="25400" numCol="1" spcCol="1270" anchor="t" anchorCtr="0">
+          <a:noAutofit/>
+        </a:bodyPr>
+        <a:lstStyle/>
+        <a:p>
+          <a:pPr marL="228600" lvl="1" indent="-228600" algn="l" defTabSz="889000">
+            <a:lnSpc>
+              <a:spcPct val="90000"/>
+            </a:lnSpc>
+            <a:spcBef>
+              <a:spcPct val="0"/>
+            </a:spcBef>
+            <a:spcAft>
+              <a:spcPct val="20000"/>
+            </a:spcAft>
+            <a:buChar char="•"/>
+          </a:pPr>
+          <a:r>
+            <a:rPr lang="pt-BR" sz="2000" kern="1200"/>
+            <a:t>avaliação da acuidade auditiva</a:t>
+          </a:r>
+          <a:endParaRPr lang="pt-BR" sz="2000" kern="1200" dirty="0"/>
+        </a:p>
+      </dsp:txBody>
+      <dsp:txXfrm>
+        <a:off x="0" y="2122595"/>
+        <a:ext cx="11626850" cy="285962"/>
+      </dsp:txXfrm>
+    </dsp:sp>
+    <dsp:sp modelId="{A9BB17F2-E411-4B16-AA60-A47ED70206AF}">
+      <dsp:nvSpPr>
+        <dsp:cNvPr id="0" name=""/>
+        <dsp:cNvSpPr/>
+      </dsp:nvSpPr>
+      <dsp:spPr>
+        <a:xfrm>
+          <a:off x="0" y="2408558"/>
+          <a:ext cx="11626850" cy="414179"/>
+        </a:xfrm>
+        <a:prstGeom prst="roundRect">
+          <a:avLst/>
+        </a:prstGeom>
+        <a:solidFill>
+          <a:schemeClr val="accent1">
+            <a:hueOff val="0"/>
+            <a:satOff val="0"/>
+            <a:lumOff val="0"/>
+            <a:alphaOff val="0"/>
+          </a:schemeClr>
+        </a:solidFill>
+        <a:ln w="12700" cap="flat" cmpd="sng" algn="ctr">
+          <a:solidFill>
+            <a:schemeClr val="lt1">
+              <a:hueOff val="0"/>
+              <a:satOff val="0"/>
+              <a:lumOff val="0"/>
+              <a:alphaOff val="0"/>
+            </a:schemeClr>
+          </a:solidFill>
+          <a:prstDash val="solid"/>
+          <a:miter lim="800000"/>
+        </a:ln>
+        <a:effectLst/>
+      </dsp:spPr>
+      <dsp:style>
+        <a:lnRef idx="2">
+          <a:scrgbClr r="0" g="0" b="0"/>
+        </a:lnRef>
+        <a:fillRef idx="1">
+          <a:scrgbClr r="0" g="0" b="0"/>
+        </a:fillRef>
+        <a:effectRef idx="0">
+          <a:scrgbClr r="0" g="0" b="0"/>
+        </a:effectRef>
+        <a:fontRef idx="minor">
+          <a:schemeClr val="lt1"/>
+        </a:fontRef>
+      </dsp:style>
+      <dsp:txBody>
+        <a:bodyPr spcFirstLastPara="0" vert="horz" wrap="square" lIns="76200" tIns="76200" rIns="76200" bIns="76200" numCol="1" spcCol="1270" anchor="ctr" anchorCtr="0">
+          <a:noAutofit/>
+        </a:bodyPr>
+        <a:lstStyle/>
+        <a:p>
+          <a:pPr marL="0" lvl="0" indent="0" algn="l" defTabSz="889000">
+            <a:lnSpc>
+              <a:spcPct val="90000"/>
+            </a:lnSpc>
+            <a:spcBef>
+              <a:spcPct val="0"/>
+            </a:spcBef>
+            <a:spcAft>
+              <a:spcPct val="35000"/>
+            </a:spcAft>
+            <a:buNone/>
+          </a:pPr>
+          <a:r>
+            <a:rPr lang="pt-BR" sz="2000" kern="1200"/>
+            <a:t>Saúde ocular</a:t>
+          </a:r>
+          <a:endParaRPr lang="pt-BR" sz="2000" kern="1200" dirty="0"/>
+        </a:p>
+      </dsp:txBody>
+      <dsp:txXfrm>
+        <a:off x="20219" y="2428777"/>
+        <a:ext cx="11586412" cy="373741"/>
+      </dsp:txXfrm>
+    </dsp:sp>
+    <dsp:sp modelId="{9EBA61B4-2D14-4408-B6B2-B50547D5A5B0}">
+      <dsp:nvSpPr>
+        <dsp:cNvPr id="0" name=""/>
+        <dsp:cNvSpPr/>
+      </dsp:nvSpPr>
+      <dsp:spPr>
+        <a:xfrm>
+          <a:off x="0" y="2822737"/>
+          <a:ext cx="11626850" cy="285962"/>
+        </a:xfrm>
+        <a:prstGeom prst="rect">
+          <a:avLst/>
+        </a:prstGeom>
+        <a:noFill/>
+        <a:ln>
+          <a:noFill/>
+        </a:ln>
+        <a:effectLst/>
+      </dsp:spPr>
+      <dsp:style>
+        <a:lnRef idx="0">
+          <a:scrgbClr r="0" g="0" b="0"/>
+        </a:lnRef>
+        <a:fillRef idx="0">
+          <a:scrgbClr r="0" g="0" b="0"/>
+        </a:fillRef>
+        <a:effectRef idx="0">
+          <a:scrgbClr r="0" g="0" b="0"/>
+        </a:effectRef>
+        <a:fontRef idx="minor"/>
+      </dsp:style>
+      <dsp:txBody>
+        <a:bodyPr spcFirstLastPara="0" vert="horz" wrap="square" lIns="369152" tIns="25400" rIns="142240" bIns="25400" numCol="1" spcCol="1270" anchor="t" anchorCtr="0">
+          <a:noAutofit/>
+        </a:bodyPr>
+        <a:lstStyle/>
+        <a:p>
+          <a:pPr marL="228600" lvl="1" indent="-228600" algn="l" defTabSz="889000">
+            <a:lnSpc>
+              <a:spcPct val="90000"/>
+            </a:lnSpc>
+            <a:spcBef>
+              <a:spcPct val="0"/>
+            </a:spcBef>
+            <a:spcAft>
+              <a:spcPct val="20000"/>
+            </a:spcAft>
+            <a:buChar char="•"/>
+          </a:pPr>
+          <a:r>
+            <a:rPr lang="pt-BR" sz="2000" kern="1200"/>
+            <a:t>avaliação da acuidade visual</a:t>
+          </a:r>
+          <a:endParaRPr lang="pt-BR" sz="2000" kern="1200" dirty="0"/>
+        </a:p>
+      </dsp:txBody>
+      <dsp:txXfrm>
+        <a:off x="0" y="2822737"/>
+        <a:ext cx="11626850" cy="285962"/>
+      </dsp:txXfrm>
+    </dsp:sp>
+    <dsp:sp modelId="{81CCF7B7-4CBB-44C7-962C-330B960D2C15}">
+      <dsp:nvSpPr>
+        <dsp:cNvPr id="0" name=""/>
+        <dsp:cNvSpPr/>
+      </dsp:nvSpPr>
+      <dsp:spPr>
+        <a:xfrm>
+          <a:off x="0" y="3108700"/>
+          <a:ext cx="11626850" cy="414179"/>
+        </a:xfrm>
+        <a:prstGeom prst="roundRect">
+          <a:avLst/>
+        </a:prstGeom>
+        <a:solidFill>
+          <a:schemeClr val="accent1">
+            <a:hueOff val="0"/>
+            <a:satOff val="0"/>
+            <a:lumOff val="0"/>
+            <a:alphaOff val="0"/>
+          </a:schemeClr>
+        </a:solidFill>
+        <a:ln w="12700" cap="flat" cmpd="sng" algn="ctr">
+          <a:solidFill>
+            <a:schemeClr val="lt1">
+              <a:hueOff val="0"/>
+              <a:satOff val="0"/>
+              <a:lumOff val="0"/>
+              <a:alphaOff val="0"/>
+            </a:schemeClr>
+          </a:solidFill>
+          <a:prstDash val="solid"/>
+          <a:miter lim="800000"/>
+        </a:ln>
+        <a:effectLst/>
+      </dsp:spPr>
+      <dsp:style>
+        <a:lnRef idx="2">
+          <a:scrgbClr r="0" g="0" b="0"/>
+        </a:lnRef>
+        <a:fillRef idx="1">
+          <a:scrgbClr r="0" g="0" b="0"/>
+        </a:fillRef>
+        <a:effectRef idx="0">
+          <a:scrgbClr r="0" g="0" b="0"/>
+        </a:effectRef>
+        <a:fontRef idx="minor">
+          <a:schemeClr val="lt1"/>
+        </a:fontRef>
+      </dsp:style>
+      <dsp:txBody>
+        <a:bodyPr spcFirstLastPara="0" vert="horz" wrap="square" lIns="76200" tIns="76200" rIns="76200" bIns="76200" numCol="1" spcCol="1270" anchor="ctr" anchorCtr="0">
+          <a:noAutofit/>
+        </a:bodyPr>
+        <a:lstStyle/>
+        <a:p>
+          <a:pPr marL="0" lvl="0" indent="0" algn="l" defTabSz="889000">
+            <a:lnSpc>
+              <a:spcPct val="90000"/>
+            </a:lnSpc>
+            <a:spcBef>
+              <a:spcPct val="0"/>
+            </a:spcBef>
+            <a:spcAft>
+              <a:spcPct val="35000"/>
+            </a:spcAft>
+            <a:buNone/>
+          </a:pPr>
+          <a:r>
+            <a:rPr lang="pt-BR" sz="2000" kern="1200"/>
+            <a:t>Verificação da situação vacinal</a:t>
+          </a:r>
+          <a:endParaRPr lang="pt-BR" sz="2000" kern="1200" dirty="0"/>
+        </a:p>
+      </dsp:txBody>
+      <dsp:txXfrm>
+        <a:off x="20219" y="3128919"/>
+        <a:ext cx="11586412" cy="373741"/>
+      </dsp:txXfrm>
+    </dsp:sp>
+    <dsp:sp modelId="{5458CFD3-AB96-4504-9B5A-E8FD2BBBD50C}">
+      <dsp:nvSpPr>
+        <dsp:cNvPr id="0" name=""/>
+        <dsp:cNvSpPr/>
+      </dsp:nvSpPr>
+      <dsp:spPr>
+        <a:xfrm>
+          <a:off x="0" y="3522880"/>
+          <a:ext cx="11626850" cy="285962"/>
+        </a:xfrm>
+        <a:prstGeom prst="rect">
+          <a:avLst/>
+        </a:prstGeom>
+        <a:noFill/>
+        <a:ln>
+          <a:noFill/>
+        </a:ln>
+        <a:effectLst/>
+      </dsp:spPr>
+      <dsp:style>
+        <a:lnRef idx="0">
+          <a:scrgbClr r="0" g="0" b="0"/>
+        </a:lnRef>
+        <a:fillRef idx="0">
+          <a:scrgbClr r="0" g="0" b="0"/>
+        </a:fillRef>
+        <a:effectRef idx="0">
+          <a:scrgbClr r="0" g="0" b="0"/>
+        </a:effectRef>
+        <a:fontRef idx="minor"/>
+      </dsp:style>
+      <dsp:txBody>
+        <a:bodyPr spcFirstLastPara="0" vert="horz" wrap="square" lIns="369152" tIns="25400" rIns="142240" bIns="25400" numCol="1" spcCol="1270" anchor="t" anchorCtr="0">
+          <a:noAutofit/>
+        </a:bodyPr>
+        <a:lstStyle/>
+        <a:p>
+          <a:pPr marL="228600" lvl="1" indent="-228600" algn="l" defTabSz="889000">
+            <a:lnSpc>
+              <a:spcPct val="90000"/>
+            </a:lnSpc>
+            <a:spcBef>
+              <a:spcPct val="0"/>
+            </a:spcBef>
+            <a:spcAft>
+              <a:spcPct val="20000"/>
+            </a:spcAft>
+            <a:buChar char="•"/>
+          </a:pPr>
+          <a:r>
+            <a:rPr lang="pt-BR" sz="2000" kern="1200"/>
+            <a:t>avaliação da situação vacina</a:t>
+          </a:r>
+          <a:endParaRPr lang="pt-BR" sz="2000" kern="1200" dirty="0"/>
+        </a:p>
+      </dsp:txBody>
+      <dsp:txXfrm>
+        <a:off x="0" y="3522880"/>
+        <a:ext cx="11626850" cy="285962"/>
+      </dsp:txXfrm>
+    </dsp:sp>
+    <dsp:sp modelId="{70B0023E-A9AB-42CF-84A1-4C9E1F855401}">
+      <dsp:nvSpPr>
+        <dsp:cNvPr id="0" name=""/>
+        <dsp:cNvSpPr/>
+      </dsp:nvSpPr>
+      <dsp:spPr>
+        <a:xfrm>
+          <a:off x="0" y="3808842"/>
+          <a:ext cx="11626850" cy="414179"/>
+        </a:xfrm>
+        <a:prstGeom prst="roundRect">
+          <a:avLst/>
+        </a:prstGeom>
+        <a:solidFill>
+          <a:schemeClr val="accent1">
+            <a:hueOff val="0"/>
+            <a:satOff val="0"/>
+            <a:lumOff val="0"/>
+            <a:alphaOff val="0"/>
+          </a:schemeClr>
+        </a:solidFill>
+        <a:ln w="12700" cap="flat" cmpd="sng" algn="ctr">
+          <a:solidFill>
+            <a:schemeClr val="lt1">
+              <a:hueOff val="0"/>
+              <a:satOff val="0"/>
+              <a:lumOff val="0"/>
+              <a:alphaOff val="0"/>
+            </a:schemeClr>
+          </a:solidFill>
+          <a:prstDash val="solid"/>
+          <a:miter lim="800000"/>
+        </a:ln>
+        <a:effectLst/>
+      </dsp:spPr>
+      <dsp:style>
+        <a:lnRef idx="2">
+          <a:scrgbClr r="0" g="0" b="0"/>
+        </a:lnRef>
+        <a:fillRef idx="1">
+          <a:scrgbClr r="0" g="0" b="0"/>
+        </a:fillRef>
+        <a:effectRef idx="0">
+          <a:scrgbClr r="0" g="0" b="0"/>
+        </a:effectRef>
+        <a:fontRef idx="minor">
+          <a:schemeClr val="lt1"/>
+        </a:fontRef>
+      </dsp:style>
+      <dsp:txBody>
+        <a:bodyPr spcFirstLastPara="0" vert="horz" wrap="square" lIns="76200" tIns="76200" rIns="76200" bIns="76200" numCol="1" spcCol="1270" anchor="ctr" anchorCtr="0">
+          <a:noAutofit/>
+        </a:bodyPr>
+        <a:lstStyle/>
+        <a:p>
+          <a:pPr marL="0" lvl="0" indent="0" algn="l" defTabSz="889000">
+            <a:lnSpc>
+              <a:spcPct val="90000"/>
+            </a:lnSpc>
+            <a:spcBef>
+              <a:spcPct val="0"/>
+            </a:spcBef>
+            <a:spcAft>
+              <a:spcPct val="35000"/>
+            </a:spcAft>
+            <a:buNone/>
+          </a:pPr>
+          <a:r>
+            <a:rPr lang="pt-BR" sz="2000" kern="1200"/>
+            <a:t>Prevenção à covid-19</a:t>
+          </a:r>
+          <a:endParaRPr lang="pt-BR" sz="2000" kern="1200" dirty="0"/>
+        </a:p>
+      </dsp:txBody>
+      <dsp:txXfrm>
+        <a:off x="20219" y="3829061"/>
+        <a:ext cx="11586412" cy="373741"/>
+      </dsp:txXfrm>
+    </dsp:sp>
+    <dsp:sp modelId="{E442E09C-3B6E-4953-AEAD-644BF8E976EB}">
+      <dsp:nvSpPr>
+        <dsp:cNvPr id="0" name=""/>
+        <dsp:cNvSpPr/>
+      </dsp:nvSpPr>
+      <dsp:spPr>
+        <a:xfrm>
+          <a:off x="0" y="4223022"/>
+          <a:ext cx="11626850" cy="527243"/>
+        </a:xfrm>
+        <a:prstGeom prst="rect">
+          <a:avLst/>
+        </a:prstGeom>
+        <a:noFill/>
+        <a:ln>
+          <a:noFill/>
+        </a:ln>
+        <a:effectLst/>
+      </dsp:spPr>
+      <dsp:style>
+        <a:lnRef idx="0">
+          <a:scrgbClr r="0" g="0" b="0"/>
+        </a:lnRef>
+        <a:fillRef idx="0">
+          <a:scrgbClr r="0" g="0" b="0"/>
+        </a:fillRef>
+        <a:effectRef idx="0">
+          <a:scrgbClr r="0" g="0" b="0"/>
+        </a:effectRef>
+        <a:fontRef idx="minor"/>
+      </dsp:style>
+      <dsp:txBody>
+        <a:bodyPr spcFirstLastPara="0" vert="horz" wrap="square" lIns="369152" tIns="25400" rIns="142240" bIns="25400" numCol="1" spcCol="1270" anchor="t" anchorCtr="0">
+          <a:noAutofit/>
+        </a:bodyPr>
+        <a:lstStyle/>
+        <a:p>
+          <a:pPr marL="228600" lvl="1" indent="-228600" algn="l" defTabSz="889000">
+            <a:lnSpc>
+              <a:spcPct val="90000"/>
+            </a:lnSpc>
+            <a:spcBef>
+              <a:spcPct val="0"/>
+            </a:spcBef>
+            <a:spcAft>
+              <a:spcPct val="20000"/>
+            </a:spcAft>
+            <a:buChar char="•"/>
+          </a:pPr>
+          <a:r>
+            <a:rPr lang="pt-BR" sz="2000" kern="1200"/>
+            <a:t>Este campo deve ser utilizado, excepcionalmente, para o registro das ações de prevenção à covid-19 nas escolas, o código SIGTAP n.° 01.01.01.009-5 (exemplo: abordagem educativa sobre prevenção à covid-19).</a:t>
+          </a:r>
+          <a:endParaRPr lang="pt-BR" sz="2000" kern="1200" dirty="0"/>
+        </a:p>
+      </dsp:txBody>
+      <dsp:txXfrm>
+        <a:off x="0" y="4223022"/>
+        <a:ext cx="11626850" cy="527243"/>
       </dsp:txXfrm>
     </dsp:sp>
   </dsp:spTree>
@@ -12198,6 +15879,880 @@
 </dsp:drawing>
 </file>
 
+<file path=ppt/diagrams/drawing9.xml><?xml version="1.0" encoding="utf-8"?>
+<dsp:drawing xmlns:dgm="http://schemas.openxmlformats.org/drawingml/2006/diagram" xmlns:dsp="http://schemas.microsoft.com/office/drawing/2008/diagram" xmlns:a="http://schemas.openxmlformats.org/drawingml/2006/main">
+  <dsp:spTree>
+    <dsp:nvGrpSpPr>
+      <dsp:cNvPr id="0" name=""/>
+      <dsp:cNvGrpSpPr/>
+    </dsp:nvGrpSpPr>
+    <dsp:grpSpPr/>
+    <dsp:sp modelId="{6368407C-18FA-4481-B906-27C75E7288E0}">
+      <dsp:nvSpPr>
+        <dsp:cNvPr id="0" name=""/>
+        <dsp:cNvSpPr/>
+      </dsp:nvSpPr>
+      <dsp:spPr>
+        <a:xfrm>
+          <a:off x="0" y="2663"/>
+          <a:ext cx="11626850" cy="414738"/>
+        </a:xfrm>
+        <a:prstGeom prst="roundRect">
+          <a:avLst/>
+        </a:prstGeom>
+        <a:solidFill>
+          <a:schemeClr val="accent1">
+            <a:hueOff val="0"/>
+            <a:satOff val="0"/>
+            <a:lumOff val="0"/>
+            <a:alphaOff val="0"/>
+          </a:schemeClr>
+        </a:solidFill>
+        <a:ln w="12700" cap="flat" cmpd="sng" algn="ctr">
+          <a:solidFill>
+            <a:schemeClr val="lt1">
+              <a:hueOff val="0"/>
+              <a:satOff val="0"/>
+              <a:lumOff val="0"/>
+              <a:alphaOff val="0"/>
+            </a:schemeClr>
+          </a:solidFill>
+          <a:prstDash val="solid"/>
+          <a:miter lim="800000"/>
+        </a:ln>
+        <a:effectLst/>
+      </dsp:spPr>
+      <dsp:style>
+        <a:lnRef idx="2">
+          <a:scrgbClr r="0" g="0" b="0"/>
+        </a:lnRef>
+        <a:fillRef idx="1">
+          <a:scrgbClr r="0" g="0" b="0"/>
+        </a:fillRef>
+        <a:effectRef idx="0">
+          <a:scrgbClr r="0" g="0" b="0"/>
+        </a:effectRef>
+        <a:fontRef idx="minor">
+          <a:schemeClr val="lt1"/>
+        </a:fontRef>
+      </dsp:style>
+      <dsp:txBody>
+        <a:bodyPr spcFirstLastPara="0" vert="horz" wrap="square" lIns="68580" tIns="68580" rIns="68580" bIns="68580" numCol="1" spcCol="1270" anchor="ctr" anchorCtr="0">
+          <a:noAutofit/>
+        </a:bodyPr>
+        <a:lstStyle/>
+        <a:p>
+          <a:pPr marL="0" lvl="0" indent="0" algn="l" defTabSz="800100">
+            <a:lnSpc>
+              <a:spcPct val="90000"/>
+            </a:lnSpc>
+            <a:spcBef>
+              <a:spcPct val="0"/>
+            </a:spcBef>
+            <a:spcAft>
+              <a:spcPct val="35000"/>
+            </a:spcAft>
+            <a:buNone/>
+          </a:pPr>
+          <a:r>
+            <a:rPr lang="pt-BR" sz="1800" kern="1200"/>
+            <a:t>Saúde ambiental</a:t>
+          </a:r>
+          <a:endParaRPr lang="pt-BR" sz="1800" kern="1200" dirty="0"/>
+        </a:p>
+      </dsp:txBody>
+      <dsp:txXfrm>
+        <a:off x="20246" y="22909"/>
+        <a:ext cx="11586358" cy="374246"/>
+      </dsp:txXfrm>
+    </dsp:sp>
+    <dsp:sp modelId="{159B5546-62A5-4FE3-B845-9AAAA944F9D3}">
+      <dsp:nvSpPr>
+        <dsp:cNvPr id="0" name=""/>
+        <dsp:cNvSpPr/>
+      </dsp:nvSpPr>
+      <dsp:spPr>
+        <a:xfrm>
+          <a:off x="0" y="417402"/>
+          <a:ext cx="11626850" cy="585031"/>
+        </a:xfrm>
+        <a:prstGeom prst="rect">
+          <a:avLst/>
+        </a:prstGeom>
+        <a:noFill/>
+        <a:ln>
+          <a:noFill/>
+        </a:ln>
+        <a:effectLst/>
+      </dsp:spPr>
+      <dsp:style>
+        <a:lnRef idx="0">
+          <a:scrgbClr r="0" g="0" b="0"/>
+        </a:lnRef>
+        <a:fillRef idx="0">
+          <a:scrgbClr r="0" g="0" b="0"/>
+        </a:fillRef>
+        <a:effectRef idx="0">
+          <a:scrgbClr r="0" g="0" b="0"/>
+        </a:effectRef>
+        <a:fontRef idx="minor"/>
+      </dsp:style>
+      <dsp:txBody>
+        <a:bodyPr spcFirstLastPara="0" vert="horz" wrap="square" lIns="369152" tIns="22860" rIns="128016" bIns="22860" numCol="1" spcCol="1270" anchor="t" anchorCtr="0">
+          <a:noAutofit/>
+        </a:bodyPr>
+        <a:lstStyle/>
+        <a:p>
+          <a:pPr marL="171450" lvl="1" indent="-171450" algn="l" defTabSz="800100">
+            <a:lnSpc>
+              <a:spcPct val="90000"/>
+            </a:lnSpc>
+            <a:spcBef>
+              <a:spcPct val="0"/>
+            </a:spcBef>
+            <a:spcAft>
+              <a:spcPct val="20000"/>
+            </a:spcAft>
+            <a:buChar char="•"/>
+          </a:pPr>
+          <a:r>
+            <a:rPr lang="pt-BR" sz="1800" kern="1200"/>
+            <a:t>abordagem educativa  sobre dengue, Chikungunya e Zica</a:t>
+          </a:r>
+          <a:endParaRPr lang="pt-BR" sz="1800" kern="1200" dirty="0"/>
+        </a:p>
+        <a:p>
+          <a:pPr marL="171450" lvl="1" indent="-171450" algn="l" defTabSz="800100">
+            <a:lnSpc>
+              <a:spcPct val="90000"/>
+            </a:lnSpc>
+            <a:spcBef>
+              <a:spcPct val="0"/>
+            </a:spcBef>
+            <a:spcAft>
+              <a:spcPct val="20000"/>
+            </a:spcAft>
+            <a:buChar char="•"/>
+          </a:pPr>
+          <a:r>
+            <a:rPr lang="pt-BR" sz="1800" kern="1200" dirty="0"/>
+            <a:t>abordagem educativa sobre qualidade do ar, da água, do solo; e prevenção de doenças transmitidas por vetores</a:t>
+          </a:r>
+        </a:p>
+      </dsp:txBody>
+      <dsp:txXfrm>
+        <a:off x="0" y="417402"/>
+        <a:ext cx="11626850" cy="585031"/>
+      </dsp:txXfrm>
+    </dsp:sp>
+    <dsp:sp modelId="{05ADA281-ACDC-41CF-98C5-25415EAE08AA}">
+      <dsp:nvSpPr>
+        <dsp:cNvPr id="0" name=""/>
+        <dsp:cNvSpPr/>
+      </dsp:nvSpPr>
+      <dsp:spPr>
+        <a:xfrm>
+          <a:off x="0" y="1002434"/>
+          <a:ext cx="11626850" cy="414738"/>
+        </a:xfrm>
+        <a:prstGeom prst="roundRect">
+          <a:avLst/>
+        </a:prstGeom>
+        <a:solidFill>
+          <a:schemeClr val="accent1">
+            <a:hueOff val="0"/>
+            <a:satOff val="0"/>
+            <a:lumOff val="0"/>
+            <a:alphaOff val="0"/>
+          </a:schemeClr>
+        </a:solidFill>
+        <a:ln w="12700" cap="flat" cmpd="sng" algn="ctr">
+          <a:solidFill>
+            <a:schemeClr val="lt1">
+              <a:hueOff val="0"/>
+              <a:satOff val="0"/>
+              <a:lumOff val="0"/>
+              <a:alphaOff val="0"/>
+            </a:schemeClr>
+          </a:solidFill>
+          <a:prstDash val="solid"/>
+          <a:miter lim="800000"/>
+        </a:ln>
+        <a:effectLst/>
+      </dsp:spPr>
+      <dsp:style>
+        <a:lnRef idx="2">
+          <a:scrgbClr r="0" g="0" b="0"/>
+        </a:lnRef>
+        <a:fillRef idx="1">
+          <a:scrgbClr r="0" g="0" b="0"/>
+        </a:fillRef>
+        <a:effectRef idx="0">
+          <a:scrgbClr r="0" g="0" b="0"/>
+        </a:effectRef>
+        <a:fontRef idx="minor">
+          <a:schemeClr val="lt1"/>
+        </a:fontRef>
+      </dsp:style>
+      <dsp:txBody>
+        <a:bodyPr spcFirstLastPara="0" vert="horz" wrap="square" lIns="68580" tIns="68580" rIns="68580" bIns="68580" numCol="1" spcCol="1270" anchor="ctr" anchorCtr="0">
+          <a:noAutofit/>
+        </a:bodyPr>
+        <a:lstStyle/>
+        <a:p>
+          <a:pPr marL="0" lvl="0" indent="0" algn="l" defTabSz="800100">
+            <a:lnSpc>
+              <a:spcPct val="90000"/>
+            </a:lnSpc>
+            <a:spcBef>
+              <a:spcPct val="0"/>
+            </a:spcBef>
+            <a:spcAft>
+              <a:spcPct val="35000"/>
+            </a:spcAft>
+            <a:buNone/>
+          </a:pPr>
+          <a:r>
+            <a:rPr lang="pt-BR" sz="1800" kern="1200"/>
+            <a:t>Promoção da cultura de paz e direitos humanos</a:t>
+          </a:r>
+          <a:endParaRPr lang="pt-BR" sz="1800" kern="1200" dirty="0"/>
+        </a:p>
+      </dsp:txBody>
+      <dsp:txXfrm>
+        <a:off x="20246" y="1022680"/>
+        <a:ext cx="11586358" cy="374246"/>
+      </dsp:txXfrm>
+    </dsp:sp>
+    <dsp:sp modelId="{604FC939-5187-4253-9CFC-1C4EC79CF82D}">
+      <dsp:nvSpPr>
+        <dsp:cNvPr id="0" name=""/>
+        <dsp:cNvSpPr/>
+      </dsp:nvSpPr>
+      <dsp:spPr>
+        <a:xfrm>
+          <a:off x="0" y="1417173"/>
+          <a:ext cx="11626850" cy="287558"/>
+        </a:xfrm>
+        <a:prstGeom prst="rect">
+          <a:avLst/>
+        </a:prstGeom>
+        <a:noFill/>
+        <a:ln>
+          <a:noFill/>
+        </a:ln>
+        <a:effectLst/>
+      </dsp:spPr>
+      <dsp:style>
+        <a:lnRef idx="0">
+          <a:scrgbClr r="0" g="0" b="0"/>
+        </a:lnRef>
+        <a:fillRef idx="0">
+          <a:scrgbClr r="0" g="0" b="0"/>
+        </a:fillRef>
+        <a:effectRef idx="0">
+          <a:scrgbClr r="0" g="0" b="0"/>
+        </a:effectRef>
+        <a:fontRef idx="minor"/>
+      </dsp:style>
+      <dsp:txBody>
+        <a:bodyPr spcFirstLastPara="0" vert="horz" wrap="square" lIns="369152" tIns="22860" rIns="128016" bIns="22860" numCol="1" spcCol="1270" anchor="t" anchorCtr="0">
+          <a:noAutofit/>
+        </a:bodyPr>
+        <a:lstStyle/>
+        <a:p>
+          <a:pPr marL="171450" lvl="1" indent="-171450" algn="l" defTabSz="800100">
+            <a:lnSpc>
+              <a:spcPct val="90000"/>
+            </a:lnSpc>
+            <a:spcBef>
+              <a:spcPct val="0"/>
+            </a:spcBef>
+            <a:spcAft>
+              <a:spcPct val="20000"/>
+            </a:spcAft>
+            <a:buChar char="•"/>
+          </a:pPr>
+          <a:r>
+            <a:rPr lang="pt-BR" sz="1800" kern="1200"/>
+            <a:t>abordagem educativa sobre promoção do diálogo, da tolerância, da diversidade e combate ao bullying</a:t>
+          </a:r>
+          <a:endParaRPr lang="pt-BR" sz="1800" kern="1200" dirty="0"/>
+        </a:p>
+      </dsp:txBody>
+      <dsp:txXfrm>
+        <a:off x="0" y="1417173"/>
+        <a:ext cx="11626850" cy="287558"/>
+      </dsp:txXfrm>
+    </dsp:sp>
+    <dsp:sp modelId="{3A7D8DD4-A91A-4F11-BF2E-E582B89A6333}">
+      <dsp:nvSpPr>
+        <dsp:cNvPr id="0" name=""/>
+        <dsp:cNvSpPr/>
+      </dsp:nvSpPr>
+      <dsp:spPr>
+        <a:xfrm>
+          <a:off x="0" y="1704731"/>
+          <a:ext cx="11626850" cy="414738"/>
+        </a:xfrm>
+        <a:prstGeom prst="roundRect">
+          <a:avLst/>
+        </a:prstGeom>
+        <a:solidFill>
+          <a:schemeClr val="accent1">
+            <a:hueOff val="0"/>
+            <a:satOff val="0"/>
+            <a:lumOff val="0"/>
+            <a:alphaOff val="0"/>
+          </a:schemeClr>
+        </a:solidFill>
+        <a:ln w="12700" cap="flat" cmpd="sng" algn="ctr">
+          <a:solidFill>
+            <a:schemeClr val="lt1">
+              <a:hueOff val="0"/>
+              <a:satOff val="0"/>
+              <a:lumOff val="0"/>
+              <a:alphaOff val="0"/>
+            </a:schemeClr>
+          </a:solidFill>
+          <a:prstDash val="solid"/>
+          <a:miter lim="800000"/>
+        </a:ln>
+        <a:effectLst/>
+      </dsp:spPr>
+      <dsp:style>
+        <a:lnRef idx="2">
+          <a:scrgbClr r="0" g="0" b="0"/>
+        </a:lnRef>
+        <a:fillRef idx="1">
+          <a:scrgbClr r="0" g="0" b="0"/>
+        </a:fillRef>
+        <a:effectRef idx="0">
+          <a:scrgbClr r="0" g="0" b="0"/>
+        </a:effectRef>
+        <a:fontRef idx="minor">
+          <a:schemeClr val="lt1"/>
+        </a:fontRef>
+      </dsp:style>
+      <dsp:txBody>
+        <a:bodyPr spcFirstLastPara="0" vert="horz" wrap="square" lIns="68580" tIns="68580" rIns="68580" bIns="68580" numCol="1" spcCol="1270" anchor="ctr" anchorCtr="0">
+          <a:noAutofit/>
+        </a:bodyPr>
+        <a:lstStyle/>
+        <a:p>
+          <a:pPr marL="0" lvl="0" indent="0" algn="l" defTabSz="800100">
+            <a:lnSpc>
+              <a:spcPct val="90000"/>
+            </a:lnSpc>
+            <a:spcBef>
+              <a:spcPct val="0"/>
+            </a:spcBef>
+            <a:spcAft>
+              <a:spcPct val="35000"/>
+            </a:spcAft>
+            <a:buNone/>
+          </a:pPr>
+          <a:r>
+            <a:rPr lang="pt-BR" sz="1800" kern="1200"/>
+            <a:t>Prevenção das violências e dos acidentes</a:t>
+          </a:r>
+          <a:endParaRPr lang="pt-BR" sz="1800" kern="1200" dirty="0"/>
+        </a:p>
+      </dsp:txBody>
+      <dsp:txXfrm>
+        <a:off x="20246" y="1724977"/>
+        <a:ext cx="11586358" cy="374246"/>
+      </dsp:txXfrm>
+    </dsp:sp>
+    <dsp:sp modelId="{A4CE18D3-AF5C-476E-8A28-73375BC16082}">
+      <dsp:nvSpPr>
+        <dsp:cNvPr id="0" name=""/>
+        <dsp:cNvSpPr/>
+      </dsp:nvSpPr>
+      <dsp:spPr>
+        <a:xfrm>
+          <a:off x="0" y="2119470"/>
+          <a:ext cx="11626850" cy="287558"/>
+        </a:xfrm>
+        <a:prstGeom prst="rect">
+          <a:avLst/>
+        </a:prstGeom>
+        <a:noFill/>
+        <a:ln>
+          <a:noFill/>
+        </a:ln>
+        <a:effectLst/>
+      </dsp:spPr>
+      <dsp:style>
+        <a:lnRef idx="0">
+          <a:scrgbClr r="0" g="0" b="0"/>
+        </a:lnRef>
+        <a:fillRef idx="0">
+          <a:scrgbClr r="0" g="0" b="0"/>
+        </a:fillRef>
+        <a:effectRef idx="0">
+          <a:scrgbClr r="0" g="0" b="0"/>
+        </a:effectRef>
+        <a:fontRef idx="minor"/>
+      </dsp:style>
+      <dsp:txBody>
+        <a:bodyPr spcFirstLastPara="0" vert="horz" wrap="square" lIns="369152" tIns="22860" rIns="128016" bIns="22860" numCol="1" spcCol="1270" anchor="t" anchorCtr="0">
+          <a:noAutofit/>
+        </a:bodyPr>
+        <a:lstStyle/>
+        <a:p>
+          <a:pPr marL="171450" lvl="1" indent="-171450" algn="l" defTabSz="800100">
+            <a:lnSpc>
+              <a:spcPct val="90000"/>
+            </a:lnSpc>
+            <a:spcBef>
+              <a:spcPct val="0"/>
+            </a:spcBef>
+            <a:spcAft>
+              <a:spcPct val="20000"/>
+            </a:spcAft>
+            <a:buChar char="•"/>
+          </a:pPr>
+          <a:r>
+            <a:rPr lang="pt-BR" sz="1800" kern="1200"/>
+            <a:t>abordagem educativa sobre prevenção de violências físicas, psicológicas, sexuais e riscos de acidentes</a:t>
+          </a:r>
+          <a:endParaRPr lang="pt-BR" sz="1800" kern="1200" dirty="0"/>
+        </a:p>
+      </dsp:txBody>
+      <dsp:txXfrm>
+        <a:off x="0" y="2119470"/>
+        <a:ext cx="11626850" cy="287558"/>
+      </dsp:txXfrm>
+    </dsp:sp>
+    <dsp:sp modelId="{1C6FE90A-08B8-4721-9641-3A5F3DF1D8BF}">
+      <dsp:nvSpPr>
+        <dsp:cNvPr id="0" name=""/>
+        <dsp:cNvSpPr/>
+      </dsp:nvSpPr>
+      <dsp:spPr>
+        <a:xfrm>
+          <a:off x="0" y="2407028"/>
+          <a:ext cx="11626850" cy="414738"/>
+        </a:xfrm>
+        <a:prstGeom prst="roundRect">
+          <a:avLst/>
+        </a:prstGeom>
+        <a:solidFill>
+          <a:schemeClr val="accent1">
+            <a:hueOff val="0"/>
+            <a:satOff val="0"/>
+            <a:lumOff val="0"/>
+            <a:alphaOff val="0"/>
+          </a:schemeClr>
+        </a:solidFill>
+        <a:ln w="12700" cap="flat" cmpd="sng" algn="ctr">
+          <a:solidFill>
+            <a:schemeClr val="lt1">
+              <a:hueOff val="0"/>
+              <a:satOff val="0"/>
+              <a:lumOff val="0"/>
+              <a:alphaOff val="0"/>
+            </a:schemeClr>
+          </a:solidFill>
+          <a:prstDash val="solid"/>
+          <a:miter lim="800000"/>
+        </a:ln>
+        <a:effectLst/>
+      </dsp:spPr>
+      <dsp:style>
+        <a:lnRef idx="2">
+          <a:scrgbClr r="0" g="0" b="0"/>
+        </a:lnRef>
+        <a:fillRef idx="1">
+          <a:scrgbClr r="0" g="0" b="0"/>
+        </a:fillRef>
+        <a:effectRef idx="0">
+          <a:scrgbClr r="0" g="0" b="0"/>
+        </a:effectRef>
+        <a:fontRef idx="minor">
+          <a:schemeClr val="lt1"/>
+        </a:fontRef>
+      </dsp:style>
+      <dsp:txBody>
+        <a:bodyPr spcFirstLastPara="0" vert="horz" wrap="square" lIns="68580" tIns="68580" rIns="68580" bIns="68580" numCol="1" spcCol="1270" anchor="ctr" anchorCtr="0">
+          <a:noAutofit/>
+        </a:bodyPr>
+        <a:lstStyle/>
+        <a:p>
+          <a:pPr marL="0" lvl="0" indent="0" algn="l" defTabSz="800100">
+            <a:lnSpc>
+              <a:spcPct val="90000"/>
+            </a:lnSpc>
+            <a:spcBef>
+              <a:spcPct val="0"/>
+            </a:spcBef>
+            <a:spcAft>
+              <a:spcPct val="35000"/>
+            </a:spcAft>
+            <a:buNone/>
+          </a:pPr>
+          <a:r>
+            <a:rPr lang="pt-BR" sz="1800" kern="1200"/>
+            <a:t>Prevenção de doenças negligenciadas</a:t>
+          </a:r>
+          <a:endParaRPr lang="pt-BR" sz="1800" kern="1200" dirty="0"/>
+        </a:p>
+      </dsp:txBody>
+      <dsp:txXfrm>
+        <a:off x="20246" y="2427274"/>
+        <a:ext cx="11586358" cy="374246"/>
+      </dsp:txXfrm>
+    </dsp:sp>
+    <dsp:sp modelId="{42F17969-FDE7-44A1-8BFE-E69E255738D4}">
+      <dsp:nvSpPr>
+        <dsp:cNvPr id="0" name=""/>
+        <dsp:cNvSpPr/>
+      </dsp:nvSpPr>
+      <dsp:spPr>
+        <a:xfrm>
+          <a:off x="0" y="2821767"/>
+          <a:ext cx="11626850" cy="287558"/>
+        </a:xfrm>
+        <a:prstGeom prst="rect">
+          <a:avLst/>
+        </a:prstGeom>
+        <a:noFill/>
+        <a:ln>
+          <a:noFill/>
+        </a:ln>
+        <a:effectLst/>
+      </dsp:spPr>
+      <dsp:style>
+        <a:lnRef idx="0">
+          <a:scrgbClr r="0" g="0" b="0"/>
+        </a:lnRef>
+        <a:fillRef idx="0">
+          <a:scrgbClr r="0" g="0" b="0"/>
+        </a:fillRef>
+        <a:effectRef idx="0">
+          <a:scrgbClr r="0" g="0" b="0"/>
+        </a:effectRef>
+        <a:fontRef idx="minor"/>
+      </dsp:style>
+      <dsp:txBody>
+        <a:bodyPr spcFirstLastPara="0" vert="horz" wrap="square" lIns="369152" tIns="22860" rIns="128016" bIns="22860" numCol="1" spcCol="1270" anchor="t" anchorCtr="0">
+          <a:noAutofit/>
+        </a:bodyPr>
+        <a:lstStyle/>
+        <a:p>
+          <a:pPr marL="171450" lvl="1" indent="-171450" algn="l" defTabSz="800100">
+            <a:lnSpc>
+              <a:spcPct val="90000"/>
+            </a:lnSpc>
+            <a:spcBef>
+              <a:spcPct val="0"/>
+            </a:spcBef>
+            <a:spcAft>
+              <a:spcPct val="20000"/>
+            </a:spcAft>
+            <a:buChar char="•"/>
+          </a:pPr>
+          <a:r>
+            <a:rPr lang="pt-BR" sz="1800" kern="1200" dirty="0"/>
+            <a:t>abordagem educativa sobre hanseníase, tuberculose, malária, leishmaniose, </a:t>
+          </a:r>
+          <a:r>
+            <a:rPr lang="pt-BR" sz="1800" kern="1200" dirty="0" err="1"/>
+            <a:t>geo-helmintíases</a:t>
+          </a:r>
+          <a:endParaRPr lang="pt-BR" sz="1800" kern="1200" dirty="0"/>
+        </a:p>
+      </dsp:txBody>
+      <dsp:txXfrm>
+        <a:off x="0" y="2821767"/>
+        <a:ext cx="11626850" cy="287558"/>
+      </dsp:txXfrm>
+    </dsp:sp>
+    <dsp:sp modelId="{7272C1E8-2025-4395-9FEE-E335B833576D}">
+      <dsp:nvSpPr>
+        <dsp:cNvPr id="0" name=""/>
+        <dsp:cNvSpPr/>
+      </dsp:nvSpPr>
+      <dsp:spPr>
+        <a:xfrm>
+          <a:off x="0" y="3109325"/>
+          <a:ext cx="11626850" cy="414738"/>
+        </a:xfrm>
+        <a:prstGeom prst="roundRect">
+          <a:avLst/>
+        </a:prstGeom>
+        <a:solidFill>
+          <a:schemeClr val="accent1">
+            <a:hueOff val="0"/>
+            <a:satOff val="0"/>
+            <a:lumOff val="0"/>
+            <a:alphaOff val="0"/>
+          </a:schemeClr>
+        </a:solidFill>
+        <a:ln w="12700" cap="flat" cmpd="sng" algn="ctr">
+          <a:solidFill>
+            <a:schemeClr val="lt1">
+              <a:hueOff val="0"/>
+              <a:satOff val="0"/>
+              <a:lumOff val="0"/>
+              <a:alphaOff val="0"/>
+            </a:schemeClr>
+          </a:solidFill>
+          <a:prstDash val="solid"/>
+          <a:miter lim="800000"/>
+        </a:ln>
+        <a:effectLst/>
+      </dsp:spPr>
+      <dsp:style>
+        <a:lnRef idx="2">
+          <a:scrgbClr r="0" g="0" b="0"/>
+        </a:lnRef>
+        <a:fillRef idx="1">
+          <a:scrgbClr r="0" g="0" b="0"/>
+        </a:fillRef>
+        <a:effectRef idx="0">
+          <a:scrgbClr r="0" g="0" b="0"/>
+        </a:effectRef>
+        <a:fontRef idx="minor">
+          <a:schemeClr val="lt1"/>
+        </a:fontRef>
+      </dsp:style>
+      <dsp:txBody>
+        <a:bodyPr spcFirstLastPara="0" vert="horz" wrap="square" lIns="68580" tIns="68580" rIns="68580" bIns="68580" numCol="1" spcCol="1270" anchor="ctr" anchorCtr="0">
+          <a:noAutofit/>
+        </a:bodyPr>
+        <a:lstStyle/>
+        <a:p>
+          <a:pPr marL="0" lvl="0" indent="0" algn="l" defTabSz="800100">
+            <a:lnSpc>
+              <a:spcPct val="90000"/>
+            </a:lnSpc>
+            <a:spcBef>
+              <a:spcPct val="0"/>
+            </a:spcBef>
+            <a:spcAft>
+              <a:spcPct val="35000"/>
+            </a:spcAft>
+            <a:buNone/>
+          </a:pPr>
+          <a:r>
+            <a:rPr lang="pt-BR" sz="1800" kern="1200"/>
+            <a:t>Saúde sexual e reprodutiva e prevenção do HIV/IST</a:t>
+          </a:r>
+          <a:endParaRPr lang="pt-BR" sz="1800" kern="1200" dirty="0"/>
+        </a:p>
+      </dsp:txBody>
+      <dsp:txXfrm>
+        <a:off x="20246" y="3129571"/>
+        <a:ext cx="11586358" cy="374246"/>
+      </dsp:txXfrm>
+    </dsp:sp>
+    <dsp:sp modelId="{47919C39-8165-491C-AFA9-3F9C18E494B3}">
+      <dsp:nvSpPr>
+        <dsp:cNvPr id="0" name=""/>
+        <dsp:cNvSpPr/>
+      </dsp:nvSpPr>
+      <dsp:spPr>
+        <a:xfrm>
+          <a:off x="0" y="3524064"/>
+          <a:ext cx="11626850" cy="525537"/>
+        </a:xfrm>
+        <a:prstGeom prst="rect">
+          <a:avLst/>
+        </a:prstGeom>
+        <a:noFill/>
+        <a:ln>
+          <a:noFill/>
+        </a:ln>
+        <a:effectLst/>
+      </dsp:spPr>
+      <dsp:style>
+        <a:lnRef idx="0">
+          <a:scrgbClr r="0" g="0" b="0"/>
+        </a:lnRef>
+        <a:fillRef idx="0">
+          <a:scrgbClr r="0" g="0" b="0"/>
+        </a:fillRef>
+        <a:effectRef idx="0">
+          <a:scrgbClr r="0" g="0" b="0"/>
+        </a:effectRef>
+        <a:fontRef idx="minor"/>
+      </dsp:style>
+      <dsp:txBody>
+        <a:bodyPr spcFirstLastPara="0" vert="horz" wrap="square" lIns="369152" tIns="22860" rIns="128016" bIns="22860" numCol="1" spcCol="1270" anchor="t" anchorCtr="0">
+          <a:noAutofit/>
+        </a:bodyPr>
+        <a:lstStyle/>
+        <a:p>
+          <a:pPr marL="171450" lvl="1" indent="-171450" algn="l" defTabSz="800100">
+            <a:lnSpc>
+              <a:spcPct val="90000"/>
+            </a:lnSpc>
+            <a:spcBef>
+              <a:spcPct val="0"/>
+            </a:spcBef>
+            <a:spcAft>
+              <a:spcPct val="20000"/>
+            </a:spcAft>
+            <a:buChar char="•"/>
+          </a:pPr>
+          <a:r>
+            <a:rPr lang="pt-BR" sz="1800" kern="1200"/>
+            <a:t>abordagem educativa sobre saúde sexual, prevenção de infecções sexualmente transmissíveis e prevenção da gravidez na adolescência</a:t>
+          </a:r>
+          <a:endParaRPr lang="pt-BR" sz="1800" kern="1200" dirty="0"/>
+        </a:p>
+      </dsp:txBody>
+      <dsp:txXfrm>
+        <a:off x="0" y="3524064"/>
+        <a:ext cx="11626850" cy="525537"/>
+      </dsp:txXfrm>
+    </dsp:sp>
+    <dsp:sp modelId="{D02BE73A-54F5-491B-B84D-BE20C451DE43}">
+      <dsp:nvSpPr>
+        <dsp:cNvPr id="0" name=""/>
+        <dsp:cNvSpPr/>
+      </dsp:nvSpPr>
+      <dsp:spPr>
+        <a:xfrm>
+          <a:off x="0" y="4049601"/>
+          <a:ext cx="11626850" cy="414738"/>
+        </a:xfrm>
+        <a:prstGeom prst="roundRect">
+          <a:avLst/>
+        </a:prstGeom>
+        <a:solidFill>
+          <a:schemeClr val="accent1">
+            <a:hueOff val="0"/>
+            <a:satOff val="0"/>
+            <a:lumOff val="0"/>
+            <a:alphaOff val="0"/>
+          </a:schemeClr>
+        </a:solidFill>
+        <a:ln w="12700" cap="flat" cmpd="sng" algn="ctr">
+          <a:solidFill>
+            <a:schemeClr val="lt1">
+              <a:hueOff val="0"/>
+              <a:satOff val="0"/>
+              <a:lumOff val="0"/>
+              <a:alphaOff val="0"/>
+            </a:schemeClr>
+          </a:solidFill>
+          <a:prstDash val="solid"/>
+          <a:miter lim="800000"/>
+        </a:ln>
+        <a:effectLst/>
+      </dsp:spPr>
+      <dsp:style>
+        <a:lnRef idx="2">
+          <a:scrgbClr r="0" g="0" b="0"/>
+        </a:lnRef>
+        <a:fillRef idx="1">
+          <a:scrgbClr r="0" g="0" b="0"/>
+        </a:fillRef>
+        <a:effectRef idx="0">
+          <a:scrgbClr r="0" g="0" b="0"/>
+        </a:effectRef>
+        <a:fontRef idx="minor">
+          <a:schemeClr val="lt1"/>
+        </a:fontRef>
+      </dsp:style>
+      <dsp:txBody>
+        <a:bodyPr spcFirstLastPara="0" vert="horz" wrap="square" lIns="68580" tIns="68580" rIns="68580" bIns="68580" numCol="1" spcCol="1270" anchor="ctr" anchorCtr="0">
+          <a:noAutofit/>
+        </a:bodyPr>
+        <a:lstStyle/>
+        <a:p>
+          <a:pPr marL="0" lvl="0" indent="0" algn="l" defTabSz="800100">
+            <a:lnSpc>
+              <a:spcPct val="90000"/>
+            </a:lnSpc>
+            <a:spcBef>
+              <a:spcPct val="0"/>
+            </a:spcBef>
+            <a:spcAft>
+              <a:spcPct val="35000"/>
+            </a:spcAft>
+            <a:buNone/>
+          </a:pPr>
+          <a:r>
+            <a:rPr lang="pt-BR" sz="1800" kern="1200"/>
+            <a:t>Prevenção ao uso de álcool, tabaco e outras drogas</a:t>
+          </a:r>
+          <a:endParaRPr lang="pt-BR" sz="1800" kern="1200" dirty="0"/>
+        </a:p>
+      </dsp:txBody>
+      <dsp:txXfrm>
+        <a:off x="20246" y="4069847"/>
+        <a:ext cx="11586358" cy="374246"/>
+      </dsp:txXfrm>
+    </dsp:sp>
+    <dsp:sp modelId="{88DAF8F5-C3A7-4664-81B3-F3F5AF30F8CF}">
+      <dsp:nvSpPr>
+        <dsp:cNvPr id="0" name=""/>
+        <dsp:cNvSpPr/>
+      </dsp:nvSpPr>
+      <dsp:spPr>
+        <a:xfrm>
+          <a:off x="0" y="4464340"/>
+          <a:ext cx="11626850" cy="287558"/>
+        </a:xfrm>
+        <a:prstGeom prst="rect">
+          <a:avLst/>
+        </a:prstGeom>
+        <a:noFill/>
+        <a:ln>
+          <a:noFill/>
+        </a:ln>
+        <a:effectLst/>
+      </dsp:spPr>
+      <dsp:style>
+        <a:lnRef idx="0">
+          <a:scrgbClr r="0" g="0" b="0"/>
+        </a:lnRef>
+        <a:fillRef idx="0">
+          <a:scrgbClr r="0" g="0" b="0"/>
+        </a:fillRef>
+        <a:effectRef idx="0">
+          <a:scrgbClr r="0" g="0" b="0"/>
+        </a:effectRef>
+        <a:fontRef idx="minor"/>
+      </dsp:style>
+      <dsp:txBody>
+        <a:bodyPr spcFirstLastPara="0" vert="horz" wrap="square" lIns="369152" tIns="22860" rIns="128016" bIns="22860" numCol="1" spcCol="1270" anchor="t" anchorCtr="0">
+          <a:noAutofit/>
+        </a:bodyPr>
+        <a:lstStyle/>
+        <a:p>
+          <a:pPr marL="171450" lvl="1" indent="-171450" algn="l" defTabSz="800100">
+            <a:lnSpc>
+              <a:spcPct val="90000"/>
+            </a:lnSpc>
+            <a:spcBef>
+              <a:spcPct val="0"/>
+            </a:spcBef>
+            <a:spcAft>
+              <a:spcPct val="20000"/>
+            </a:spcAft>
+            <a:buChar char="•"/>
+          </a:pPr>
+          <a:r>
+            <a:rPr lang="pt-BR" sz="1800" kern="1200"/>
+            <a:t>abordagem educativa sobre os riscos e danos do uso de álcool, tabaco e outras drogas</a:t>
+          </a:r>
+          <a:endParaRPr lang="pt-BR" sz="1800" kern="1200" dirty="0"/>
+        </a:p>
+      </dsp:txBody>
+      <dsp:txXfrm>
+        <a:off x="0" y="4464340"/>
+        <a:ext cx="11626850" cy="287558"/>
+      </dsp:txXfrm>
+    </dsp:sp>
+  </dsp:spTree>
+</dsp:drawing>
+</file>
+
 <file path=ppt/diagrams/layout1.xml><?xml version="1.0" encoding="utf-8"?>
 <dgm:layoutDef xmlns:dgm="http://schemas.openxmlformats.org/drawingml/2006/diagram" xmlns:a="http://schemas.openxmlformats.org/drawingml/2006/main" uniqueId="urn:microsoft.com/office/officeart/2009/layout/CircleArrowProcess">
   <dgm:title val=""/>
@@ -14274,6 +18829,173 @@
 </dgm:layoutDef>
 </file>
 
+<file path=ppt/diagrams/layout10.xml><?xml version="1.0" encoding="utf-8"?>
+<dgm:layoutDef xmlns:dgm="http://schemas.openxmlformats.org/drawingml/2006/diagram" xmlns:a="http://schemas.openxmlformats.org/drawingml/2006/main" uniqueId="urn:microsoft.com/office/officeart/2005/8/layout/vList2">
+  <dgm:title val=""/>
+  <dgm:desc val=""/>
+  <dgm:catLst>
+    <dgm:cat type="list" pri="3000"/>
+    <dgm:cat type="convert" pri="1000"/>
+  </dgm:catLst>
+  <dgm:sampData>
+    <dgm:dataModel>
+      <dgm:ptLst>
+        <dgm:pt modelId="0" type="doc"/>
+        <dgm:pt modelId="1">
+          <dgm:prSet phldr="1"/>
+        </dgm:pt>
+        <dgm:pt modelId="11">
+          <dgm:prSet phldr="1"/>
+        </dgm:pt>
+        <dgm:pt modelId="2">
+          <dgm:prSet phldr="1"/>
+        </dgm:pt>
+        <dgm:pt modelId="21">
+          <dgm:prSet phldr="1"/>
+        </dgm:pt>
+      </dgm:ptLst>
+      <dgm:cxnLst>
+        <dgm:cxn modelId="4" srcId="0" destId="1" srcOrd="0" destOrd="0"/>
+        <dgm:cxn modelId="5" srcId="0" destId="2" srcOrd="1" destOrd="0"/>
+        <dgm:cxn modelId="12" srcId="1" destId="11" srcOrd="0" destOrd="0"/>
+        <dgm:cxn modelId="23" srcId="2" destId="21" srcOrd="0" destOrd="0"/>
+      </dgm:cxnLst>
+      <dgm:bg/>
+      <dgm:whole/>
+    </dgm:dataModel>
+  </dgm:sampData>
+  <dgm:styleData>
+    <dgm:dataModel>
+      <dgm:ptLst>
+        <dgm:pt modelId="0" type="doc"/>
+        <dgm:pt modelId="1"/>
+        <dgm:pt modelId="2"/>
+      </dgm:ptLst>
+      <dgm:cxnLst>
+        <dgm:cxn modelId="3" srcId="0" destId="1" srcOrd="0" destOrd="0"/>
+        <dgm:cxn modelId="4" srcId="0" destId="2" srcOrd="1" destOrd="0"/>
+      </dgm:cxnLst>
+      <dgm:bg/>
+      <dgm:whole/>
+    </dgm:dataModel>
+  </dgm:styleData>
+  <dgm:clrData>
+    <dgm:dataModel>
+      <dgm:ptLst>
+        <dgm:pt modelId="0" type="doc"/>
+        <dgm:pt modelId="1"/>
+        <dgm:pt modelId="2"/>
+        <dgm:pt modelId="3"/>
+        <dgm:pt modelId="4"/>
+      </dgm:ptLst>
+      <dgm:cxnLst>
+        <dgm:cxn modelId="5" srcId="0" destId="1" srcOrd="0" destOrd="0"/>
+        <dgm:cxn modelId="6" srcId="0" destId="2" srcOrd="1" destOrd="0"/>
+        <dgm:cxn modelId="7" srcId="0" destId="3" srcOrd="2" destOrd="0"/>
+        <dgm:cxn modelId="8" srcId="0" destId="4" srcOrd="3" destOrd="0"/>
+      </dgm:cxnLst>
+      <dgm:bg/>
+      <dgm:whole/>
+    </dgm:dataModel>
+  </dgm:clrData>
+  <dgm:layoutNode name="linear">
+    <dgm:varLst>
+      <dgm:animLvl val="lvl"/>
+      <dgm:resizeHandles val="exact"/>
+    </dgm:varLst>
+    <dgm:alg type="lin">
+      <dgm:param type="linDir" val="fromT"/>
+      <dgm:param type="vertAlign" val="mid"/>
+    </dgm:alg>
+    <dgm:shape xmlns:r="http://schemas.openxmlformats.org/officeDocument/2006/relationships" r:blip="">
+      <dgm:adjLst/>
+    </dgm:shape>
+    <dgm:presOf/>
+    <dgm:constrLst>
+      <dgm:constr type="w" for="ch" forName="parentText" refType="w"/>
+      <dgm:constr type="h" for="ch" forName="parentText" refType="primFontSz" refFor="ch" refForName="parentText" fact="0.52"/>
+      <dgm:constr type="w" for="ch" forName="childText" refType="w"/>
+      <dgm:constr type="h" for="ch" forName="childText" refType="primFontSz" refFor="ch" refForName="parentText" fact="0.46"/>
+      <dgm:constr type="h" for="ch" forName="parentText" op="equ"/>
+      <dgm:constr type="primFontSz" for="ch" forName="parentText" op="equ" val="65"/>
+      <dgm:constr type="primFontSz" for="ch" forName="childText" refType="primFontSz" refFor="ch" refForName="parentText" op="equ"/>
+      <dgm:constr type="h" for="ch" forName="spacer" refType="primFontSz" refFor="ch" refForName="parentText" fact="0.08"/>
+    </dgm:constrLst>
+    <dgm:ruleLst>
+      <dgm:rule type="primFontSz" for="ch" forName="parentText" val="5" fact="NaN" max="NaN"/>
+    </dgm:ruleLst>
+    <dgm:forEach name="Name0" axis="ch" ptType="node">
+      <dgm:layoutNode name="parentText" styleLbl="node1">
+        <dgm:varLst>
+          <dgm:chMax val="0"/>
+          <dgm:bulletEnabled val="1"/>
+        </dgm:varLst>
+        <dgm:alg type="tx">
+          <dgm:param type="parTxLTRAlign" val="l"/>
+          <dgm:param type="parTxRTLAlign" val="r"/>
+        </dgm:alg>
+        <dgm:shape xmlns:r="http://schemas.openxmlformats.org/officeDocument/2006/relationships" type="roundRect" r:blip="">
+          <dgm:adjLst/>
+        </dgm:shape>
+        <dgm:presOf axis="self"/>
+        <dgm:constrLst>
+          <dgm:constr type="tMarg" refType="primFontSz" fact="0.3"/>
+          <dgm:constr type="bMarg" refType="primFontSz" fact="0.3"/>
+          <dgm:constr type="lMarg" refType="primFontSz" fact="0.3"/>
+          <dgm:constr type="rMarg" refType="primFontSz" fact="0.3"/>
+        </dgm:constrLst>
+        <dgm:ruleLst>
+          <dgm:rule type="h" val="INF" fact="NaN" max="NaN"/>
+        </dgm:ruleLst>
+      </dgm:layoutNode>
+      <dgm:choose name="Name1">
+        <dgm:if name="Name2" axis="ch" ptType="node" func="cnt" op="gte" val="1">
+          <dgm:layoutNode name="childText" styleLbl="revTx">
+            <dgm:varLst>
+              <dgm:bulletEnabled val="1"/>
+            </dgm:varLst>
+            <dgm:alg type="tx">
+              <dgm:param type="stBulletLvl" val="1"/>
+              <dgm:param type="lnSpAfChP" val="20"/>
+            </dgm:alg>
+            <dgm:shape xmlns:r="http://schemas.openxmlformats.org/officeDocument/2006/relationships" type="rect" r:blip="">
+              <dgm:adjLst/>
+            </dgm:shape>
+            <dgm:presOf axis="des" ptType="node"/>
+            <dgm:constrLst>
+              <dgm:constr type="tMarg" refType="primFontSz" fact="0.1"/>
+              <dgm:constr type="bMarg" refType="primFontSz" fact="0.1"/>
+              <dgm:constr type="lMarg" refType="w" fact="0.09"/>
+            </dgm:constrLst>
+            <dgm:ruleLst>
+              <dgm:rule type="h" val="INF" fact="NaN" max="NaN"/>
+            </dgm:ruleLst>
+          </dgm:layoutNode>
+        </dgm:if>
+        <dgm:else name="Name3">
+          <dgm:choose name="Name4">
+            <dgm:if name="Name5" axis="par ch" ptType="doc node" func="cnt" op="gte" val="2">
+              <dgm:forEach name="Name6" axis="followSib" ptType="sibTrans" cnt="1">
+                <dgm:layoutNode name="spacer">
+                  <dgm:alg type="sp"/>
+                  <dgm:shape xmlns:r="http://schemas.openxmlformats.org/officeDocument/2006/relationships" r:blip="">
+                    <dgm:adjLst/>
+                  </dgm:shape>
+                  <dgm:presOf/>
+                  <dgm:constrLst/>
+                  <dgm:ruleLst/>
+                </dgm:layoutNode>
+              </dgm:forEach>
+            </dgm:if>
+            <dgm:else name="Name7"/>
+          </dgm:choose>
+        </dgm:else>
+      </dgm:choose>
+    </dgm:forEach>
+  </dgm:layoutNode>
+</dgm:layoutDef>
+</file>
+
 <file path=ppt/diagrams/layout2.xml><?xml version="1.0" encoding="utf-8"?>
 <dgm:layoutDef xmlns:dgm="http://schemas.openxmlformats.org/drawingml/2006/diagram" xmlns:a="http://schemas.openxmlformats.org/drawingml/2006/main" uniqueId="urn:microsoft.com/office/officeart/2005/8/layout/cycle2">
   <dgm:title val=""/>
@@ -15487,7 +20209,1208 @@
 </dgm:layoutDef>
 </file>
 
+<file path=ppt/diagrams/layout9.xml><?xml version="1.0" encoding="utf-8"?>
+<dgm:layoutDef xmlns:dgm="http://schemas.openxmlformats.org/drawingml/2006/diagram" xmlns:a="http://schemas.openxmlformats.org/drawingml/2006/main" uniqueId="urn:microsoft.com/office/officeart/2005/8/layout/vList2">
+  <dgm:title val=""/>
+  <dgm:desc val=""/>
+  <dgm:catLst>
+    <dgm:cat type="list" pri="3000"/>
+    <dgm:cat type="convert" pri="1000"/>
+  </dgm:catLst>
+  <dgm:sampData>
+    <dgm:dataModel>
+      <dgm:ptLst>
+        <dgm:pt modelId="0" type="doc"/>
+        <dgm:pt modelId="1">
+          <dgm:prSet phldr="1"/>
+        </dgm:pt>
+        <dgm:pt modelId="11">
+          <dgm:prSet phldr="1"/>
+        </dgm:pt>
+        <dgm:pt modelId="2">
+          <dgm:prSet phldr="1"/>
+        </dgm:pt>
+        <dgm:pt modelId="21">
+          <dgm:prSet phldr="1"/>
+        </dgm:pt>
+      </dgm:ptLst>
+      <dgm:cxnLst>
+        <dgm:cxn modelId="4" srcId="0" destId="1" srcOrd="0" destOrd="0"/>
+        <dgm:cxn modelId="5" srcId="0" destId="2" srcOrd="1" destOrd="0"/>
+        <dgm:cxn modelId="12" srcId="1" destId="11" srcOrd="0" destOrd="0"/>
+        <dgm:cxn modelId="23" srcId="2" destId="21" srcOrd="0" destOrd="0"/>
+      </dgm:cxnLst>
+      <dgm:bg/>
+      <dgm:whole/>
+    </dgm:dataModel>
+  </dgm:sampData>
+  <dgm:styleData>
+    <dgm:dataModel>
+      <dgm:ptLst>
+        <dgm:pt modelId="0" type="doc"/>
+        <dgm:pt modelId="1"/>
+        <dgm:pt modelId="2"/>
+      </dgm:ptLst>
+      <dgm:cxnLst>
+        <dgm:cxn modelId="3" srcId="0" destId="1" srcOrd="0" destOrd="0"/>
+        <dgm:cxn modelId="4" srcId="0" destId="2" srcOrd="1" destOrd="0"/>
+      </dgm:cxnLst>
+      <dgm:bg/>
+      <dgm:whole/>
+    </dgm:dataModel>
+  </dgm:styleData>
+  <dgm:clrData>
+    <dgm:dataModel>
+      <dgm:ptLst>
+        <dgm:pt modelId="0" type="doc"/>
+        <dgm:pt modelId="1"/>
+        <dgm:pt modelId="2"/>
+        <dgm:pt modelId="3"/>
+        <dgm:pt modelId="4"/>
+      </dgm:ptLst>
+      <dgm:cxnLst>
+        <dgm:cxn modelId="5" srcId="0" destId="1" srcOrd="0" destOrd="0"/>
+        <dgm:cxn modelId="6" srcId="0" destId="2" srcOrd="1" destOrd="0"/>
+        <dgm:cxn modelId="7" srcId="0" destId="3" srcOrd="2" destOrd="0"/>
+        <dgm:cxn modelId="8" srcId="0" destId="4" srcOrd="3" destOrd="0"/>
+      </dgm:cxnLst>
+      <dgm:bg/>
+      <dgm:whole/>
+    </dgm:dataModel>
+  </dgm:clrData>
+  <dgm:layoutNode name="linear">
+    <dgm:varLst>
+      <dgm:animLvl val="lvl"/>
+      <dgm:resizeHandles val="exact"/>
+    </dgm:varLst>
+    <dgm:alg type="lin">
+      <dgm:param type="linDir" val="fromT"/>
+      <dgm:param type="vertAlign" val="mid"/>
+    </dgm:alg>
+    <dgm:shape xmlns:r="http://schemas.openxmlformats.org/officeDocument/2006/relationships" r:blip="">
+      <dgm:adjLst/>
+    </dgm:shape>
+    <dgm:presOf/>
+    <dgm:constrLst>
+      <dgm:constr type="w" for="ch" forName="parentText" refType="w"/>
+      <dgm:constr type="h" for="ch" forName="parentText" refType="primFontSz" refFor="ch" refForName="parentText" fact="0.52"/>
+      <dgm:constr type="w" for="ch" forName="childText" refType="w"/>
+      <dgm:constr type="h" for="ch" forName="childText" refType="primFontSz" refFor="ch" refForName="parentText" fact="0.46"/>
+      <dgm:constr type="h" for="ch" forName="parentText" op="equ"/>
+      <dgm:constr type="primFontSz" for="ch" forName="parentText" op="equ" val="65"/>
+      <dgm:constr type="primFontSz" for="ch" forName="childText" refType="primFontSz" refFor="ch" refForName="parentText" op="equ"/>
+      <dgm:constr type="h" for="ch" forName="spacer" refType="primFontSz" refFor="ch" refForName="parentText" fact="0.08"/>
+    </dgm:constrLst>
+    <dgm:ruleLst>
+      <dgm:rule type="primFontSz" for="ch" forName="parentText" val="5" fact="NaN" max="NaN"/>
+    </dgm:ruleLst>
+    <dgm:forEach name="Name0" axis="ch" ptType="node">
+      <dgm:layoutNode name="parentText" styleLbl="node1">
+        <dgm:varLst>
+          <dgm:chMax val="0"/>
+          <dgm:bulletEnabled val="1"/>
+        </dgm:varLst>
+        <dgm:alg type="tx">
+          <dgm:param type="parTxLTRAlign" val="l"/>
+          <dgm:param type="parTxRTLAlign" val="r"/>
+        </dgm:alg>
+        <dgm:shape xmlns:r="http://schemas.openxmlformats.org/officeDocument/2006/relationships" type="roundRect" r:blip="">
+          <dgm:adjLst/>
+        </dgm:shape>
+        <dgm:presOf axis="self"/>
+        <dgm:constrLst>
+          <dgm:constr type="tMarg" refType="primFontSz" fact="0.3"/>
+          <dgm:constr type="bMarg" refType="primFontSz" fact="0.3"/>
+          <dgm:constr type="lMarg" refType="primFontSz" fact="0.3"/>
+          <dgm:constr type="rMarg" refType="primFontSz" fact="0.3"/>
+        </dgm:constrLst>
+        <dgm:ruleLst>
+          <dgm:rule type="h" val="INF" fact="NaN" max="NaN"/>
+        </dgm:ruleLst>
+      </dgm:layoutNode>
+      <dgm:choose name="Name1">
+        <dgm:if name="Name2" axis="ch" ptType="node" func="cnt" op="gte" val="1">
+          <dgm:layoutNode name="childText" styleLbl="revTx">
+            <dgm:varLst>
+              <dgm:bulletEnabled val="1"/>
+            </dgm:varLst>
+            <dgm:alg type="tx">
+              <dgm:param type="stBulletLvl" val="1"/>
+              <dgm:param type="lnSpAfChP" val="20"/>
+            </dgm:alg>
+            <dgm:shape xmlns:r="http://schemas.openxmlformats.org/officeDocument/2006/relationships" type="rect" r:blip="">
+              <dgm:adjLst/>
+            </dgm:shape>
+            <dgm:presOf axis="des" ptType="node"/>
+            <dgm:constrLst>
+              <dgm:constr type="tMarg" refType="primFontSz" fact="0.1"/>
+              <dgm:constr type="bMarg" refType="primFontSz" fact="0.1"/>
+              <dgm:constr type="lMarg" refType="w" fact="0.09"/>
+            </dgm:constrLst>
+            <dgm:ruleLst>
+              <dgm:rule type="h" val="INF" fact="NaN" max="NaN"/>
+            </dgm:ruleLst>
+          </dgm:layoutNode>
+        </dgm:if>
+        <dgm:else name="Name3">
+          <dgm:choose name="Name4">
+            <dgm:if name="Name5" axis="par ch" ptType="doc node" func="cnt" op="gte" val="2">
+              <dgm:forEach name="Name6" axis="followSib" ptType="sibTrans" cnt="1">
+                <dgm:layoutNode name="spacer">
+                  <dgm:alg type="sp"/>
+                  <dgm:shape xmlns:r="http://schemas.openxmlformats.org/officeDocument/2006/relationships" r:blip="">
+                    <dgm:adjLst/>
+                  </dgm:shape>
+                  <dgm:presOf/>
+                  <dgm:constrLst/>
+                  <dgm:ruleLst/>
+                </dgm:layoutNode>
+              </dgm:forEach>
+            </dgm:if>
+            <dgm:else name="Name7"/>
+          </dgm:choose>
+        </dgm:else>
+      </dgm:choose>
+    </dgm:forEach>
+  </dgm:layoutNode>
+</dgm:layoutDef>
+</file>
+
 <file path=ppt/diagrams/quickStyle1.xml><?xml version="1.0" encoding="utf-8"?>
+<dgm:styleDef xmlns:dgm="http://schemas.openxmlformats.org/drawingml/2006/diagram" xmlns:a="http://schemas.openxmlformats.org/drawingml/2006/main" uniqueId="urn:microsoft.com/office/officeart/2005/8/quickstyle/simple1">
+  <dgm:title val=""/>
+  <dgm:desc val=""/>
+  <dgm:catLst>
+    <dgm:cat type="simple" pri="10100"/>
+  </dgm:catLst>
+  <dgm:scene3d>
+    <a:camera prst="orthographicFront"/>
+    <a:lightRig rig="threePt" dir="t"/>
+  </dgm:scene3d>
+  <dgm:styleLbl name="node0">
+    <dgm:scene3d>
+      <a:camera prst="orthographicFront"/>
+      <a:lightRig rig="threePt" dir="t"/>
+    </dgm:scene3d>
+    <dgm:sp3d/>
+    <dgm:txPr/>
+    <dgm:style>
+      <a:lnRef idx="2">
+        <a:scrgbClr r="0" g="0" b="0"/>
+      </a:lnRef>
+      <a:fillRef idx="1">
+        <a:scrgbClr r="0" g="0" b="0"/>
+      </a:fillRef>
+      <a:effectRef idx="0">
+        <a:scrgbClr r="0" g="0" b="0"/>
+      </a:effectRef>
+      <a:fontRef idx="minor">
+        <a:schemeClr val="lt1"/>
+      </a:fontRef>
+    </dgm:style>
+  </dgm:styleLbl>
+  <dgm:styleLbl name="lnNode1">
+    <dgm:scene3d>
+      <a:camera prst="orthographicFront"/>
+      <a:lightRig rig="threePt" dir="t"/>
+    </dgm:scene3d>
+    <dgm:sp3d/>
+    <dgm:txPr/>
+    <dgm:style>
+      <a:lnRef idx="2">
+        <a:scrgbClr r="0" g="0" b="0"/>
+      </a:lnRef>
+      <a:fillRef idx="1">
+        <a:scrgbClr r="0" g="0" b="0"/>
+      </a:fillRef>
+      <a:effectRef idx="0">
+        <a:scrgbClr r="0" g="0" b="0"/>
+      </a:effectRef>
+      <a:fontRef idx="minor">
+        <a:schemeClr val="lt1"/>
+      </a:fontRef>
+    </dgm:style>
+  </dgm:styleLbl>
+  <dgm:styleLbl name="vennNode1">
+    <dgm:scene3d>
+      <a:camera prst="orthographicFront"/>
+      <a:lightRig rig="threePt" dir="t"/>
+    </dgm:scene3d>
+    <dgm:sp3d/>
+    <dgm:txPr/>
+    <dgm:style>
+      <a:lnRef idx="2">
+        <a:scrgbClr r="0" g="0" b="0"/>
+      </a:lnRef>
+      <a:fillRef idx="1">
+        <a:scrgbClr r="0" g="0" b="0"/>
+      </a:fillRef>
+      <a:effectRef idx="0">
+        <a:scrgbClr r="0" g="0" b="0"/>
+      </a:effectRef>
+      <a:fontRef idx="minor">
+        <a:schemeClr val="tx1"/>
+      </a:fontRef>
+    </dgm:style>
+  </dgm:styleLbl>
+  <dgm:styleLbl name="alignNode1">
+    <dgm:scene3d>
+      <a:camera prst="orthographicFront"/>
+      <a:lightRig rig="threePt" dir="t"/>
+    </dgm:scene3d>
+    <dgm:sp3d/>
+    <dgm:txPr/>
+    <dgm:style>
+      <a:lnRef idx="2">
+        <a:scrgbClr r="0" g="0" b="0"/>
+      </a:lnRef>
+      <a:fillRef idx="1">
+        <a:scrgbClr r="0" g="0" b="0"/>
+      </a:fillRef>
+      <a:effectRef idx="0">
+        <a:scrgbClr r="0" g="0" b="0"/>
+      </a:effectRef>
+      <a:fontRef idx="minor">
+        <a:schemeClr val="lt1"/>
+      </a:fontRef>
+    </dgm:style>
+  </dgm:styleLbl>
+  <dgm:styleLbl name="node1">
+    <dgm:scene3d>
+      <a:camera prst="orthographicFront"/>
+      <a:lightRig rig="threePt" dir="t"/>
+    </dgm:scene3d>
+    <dgm:sp3d/>
+    <dgm:txPr/>
+    <dgm:style>
+      <a:lnRef idx="2">
+        <a:scrgbClr r="0" g="0" b="0"/>
+      </a:lnRef>
+      <a:fillRef idx="1">
+        <a:scrgbClr r="0" g="0" b="0"/>
+      </a:fillRef>
+      <a:effectRef idx="0">
+        <a:scrgbClr r="0" g="0" b="0"/>
+      </a:effectRef>
+      <a:fontRef idx="minor">
+        <a:schemeClr val="lt1"/>
+      </a:fontRef>
+    </dgm:style>
+  </dgm:styleLbl>
+  <dgm:styleLbl name="node2">
+    <dgm:scene3d>
+      <a:camera prst="orthographicFront"/>
+      <a:lightRig rig="threePt" dir="t"/>
+    </dgm:scene3d>
+    <dgm:sp3d/>
+    <dgm:txPr/>
+    <dgm:style>
+      <a:lnRef idx="2">
+        <a:scrgbClr r="0" g="0" b="0"/>
+      </a:lnRef>
+      <a:fillRef idx="1">
+        <a:scrgbClr r="0" g="0" b="0"/>
+      </a:fillRef>
+      <a:effectRef idx="0">
+        <a:scrgbClr r="0" g="0" b="0"/>
+      </a:effectRef>
+      <a:fontRef idx="minor">
+        <a:schemeClr val="lt1"/>
+      </a:fontRef>
+    </dgm:style>
+  </dgm:styleLbl>
+  <dgm:styleLbl name="node3">
+    <dgm:scene3d>
+      <a:camera prst="orthographicFront"/>
+      <a:lightRig rig="threePt" dir="t"/>
+    </dgm:scene3d>
+    <dgm:sp3d/>
+    <dgm:txPr/>
+    <dgm:style>
+      <a:lnRef idx="2">
+        <a:scrgbClr r="0" g="0" b="0"/>
+      </a:lnRef>
+      <a:fillRef idx="1">
+        <a:scrgbClr r="0" g="0" b="0"/>
+      </a:fillRef>
+      <a:effectRef idx="0">
+        <a:scrgbClr r="0" g="0" b="0"/>
+      </a:effectRef>
+      <a:fontRef idx="minor">
+        <a:schemeClr val="lt1"/>
+      </a:fontRef>
+    </dgm:style>
+  </dgm:styleLbl>
+  <dgm:styleLbl name="node4">
+    <dgm:scene3d>
+      <a:camera prst="orthographicFront"/>
+      <a:lightRig rig="threePt" dir="t"/>
+    </dgm:scene3d>
+    <dgm:sp3d/>
+    <dgm:txPr/>
+    <dgm:style>
+      <a:lnRef idx="2">
+        <a:scrgbClr r="0" g="0" b="0"/>
+      </a:lnRef>
+      <a:fillRef idx="1">
+        <a:scrgbClr r="0" g="0" b="0"/>
+      </a:fillRef>
+      <a:effectRef idx="0">
+        <a:scrgbClr r="0" g="0" b="0"/>
+      </a:effectRef>
+      <a:fontRef idx="minor">
+        <a:schemeClr val="lt1"/>
+      </a:fontRef>
+    </dgm:style>
+  </dgm:styleLbl>
+  <dgm:styleLbl name="fgImgPlace1">
+    <dgm:scene3d>
+      <a:camera prst="orthographicFront"/>
+      <a:lightRig rig="threePt" dir="t"/>
+    </dgm:scene3d>
+    <dgm:sp3d/>
+    <dgm:txPr/>
+    <dgm:style>
+      <a:lnRef idx="2">
+        <a:scrgbClr r="0" g="0" b="0"/>
+      </a:lnRef>
+      <a:fillRef idx="1">
+        <a:scrgbClr r="0" g="0" b="0"/>
+      </a:fillRef>
+      <a:effectRef idx="0">
+        <a:scrgbClr r="0" g="0" b="0"/>
+      </a:effectRef>
+      <a:fontRef idx="minor"/>
+    </dgm:style>
+  </dgm:styleLbl>
+  <dgm:styleLbl name="alignImgPlace1">
+    <dgm:scene3d>
+      <a:camera prst="orthographicFront"/>
+      <a:lightRig rig="threePt" dir="t"/>
+    </dgm:scene3d>
+    <dgm:sp3d/>
+    <dgm:txPr/>
+    <dgm:style>
+      <a:lnRef idx="2">
+        <a:scrgbClr r="0" g="0" b="0"/>
+      </a:lnRef>
+      <a:fillRef idx="1">
+        <a:scrgbClr r="0" g="0" b="0"/>
+      </a:fillRef>
+      <a:effectRef idx="0">
+        <a:scrgbClr r="0" g="0" b="0"/>
+      </a:effectRef>
+      <a:fontRef idx="minor"/>
+    </dgm:style>
+  </dgm:styleLbl>
+  <dgm:styleLbl name="bgImgPlace1">
+    <dgm:scene3d>
+      <a:camera prst="orthographicFront"/>
+      <a:lightRig rig="threePt" dir="t"/>
+    </dgm:scene3d>
+    <dgm:sp3d/>
+    <dgm:txPr/>
+    <dgm:style>
+      <a:lnRef idx="2">
+        <a:scrgbClr r="0" g="0" b="0"/>
+      </a:lnRef>
+      <a:fillRef idx="1">
+        <a:scrgbClr r="0" g="0" b="0"/>
+      </a:fillRef>
+      <a:effectRef idx="0">
+        <a:scrgbClr r="0" g="0" b="0"/>
+      </a:effectRef>
+      <a:fontRef idx="minor"/>
+    </dgm:style>
+  </dgm:styleLbl>
+  <dgm:styleLbl name="sibTrans2D1">
+    <dgm:scene3d>
+      <a:camera prst="orthographicFront"/>
+      <a:lightRig rig="threePt" dir="t"/>
+    </dgm:scene3d>
+    <dgm:sp3d/>
+    <dgm:txPr/>
+    <dgm:style>
+      <a:lnRef idx="0">
+        <a:scrgbClr r="0" g="0" b="0"/>
+      </a:lnRef>
+      <a:fillRef idx="1">
+        <a:scrgbClr r="0" g="0" b="0"/>
+      </a:fillRef>
+      <a:effectRef idx="0">
+        <a:scrgbClr r="0" g="0" b="0"/>
+      </a:effectRef>
+      <a:fontRef idx="minor">
+        <a:schemeClr val="lt1"/>
+      </a:fontRef>
+    </dgm:style>
+  </dgm:styleLbl>
+  <dgm:styleLbl name="fgSibTrans2D1">
+    <dgm:scene3d>
+      <a:camera prst="orthographicFront"/>
+      <a:lightRig rig="threePt" dir="t"/>
+    </dgm:scene3d>
+    <dgm:sp3d/>
+    <dgm:txPr/>
+    <dgm:style>
+      <a:lnRef idx="0">
+        <a:scrgbClr r="0" g="0" b="0"/>
+      </a:lnRef>
+      <a:fillRef idx="1">
+        <a:scrgbClr r="0" g="0" b="0"/>
+      </a:fillRef>
+      <a:effectRef idx="0">
+        <a:scrgbClr r="0" g="0" b="0"/>
+      </a:effectRef>
+      <a:fontRef idx="minor">
+        <a:schemeClr val="lt1"/>
+      </a:fontRef>
+    </dgm:style>
+  </dgm:styleLbl>
+  <dgm:styleLbl name="bgSibTrans2D1">
+    <dgm:scene3d>
+      <a:camera prst="orthographicFront"/>
+      <a:lightRig rig="threePt" dir="t"/>
+    </dgm:scene3d>
+    <dgm:sp3d/>
+    <dgm:txPr/>
+    <dgm:style>
+      <a:lnRef idx="0">
+        <a:scrgbClr r="0" g="0" b="0"/>
+      </a:lnRef>
+      <a:fillRef idx="1">
+        <a:scrgbClr r="0" g="0" b="0"/>
+      </a:fillRef>
+      <a:effectRef idx="0">
+        <a:scrgbClr r="0" g="0" b="0"/>
+      </a:effectRef>
+      <a:fontRef idx="minor">
+        <a:schemeClr val="lt1"/>
+      </a:fontRef>
+    </dgm:style>
+  </dgm:styleLbl>
+  <dgm:styleLbl name="sibTrans1D1">
+    <dgm:scene3d>
+      <a:camera prst="orthographicFront"/>
+      <a:lightRig rig="threePt" dir="t"/>
+    </dgm:scene3d>
+    <dgm:sp3d/>
+    <dgm:txPr/>
+    <dgm:style>
+      <a:lnRef idx="1">
+        <a:scrgbClr r="0" g="0" b="0"/>
+      </a:lnRef>
+      <a:fillRef idx="0">
+        <a:scrgbClr r="0" g="0" b="0"/>
+      </a:fillRef>
+      <a:effectRef idx="0">
+        <a:scrgbClr r="0" g="0" b="0"/>
+      </a:effectRef>
+      <a:fontRef idx="minor"/>
+    </dgm:style>
+  </dgm:styleLbl>
+  <dgm:styleLbl name="callout">
+    <dgm:scene3d>
+      <a:camera prst="orthographicFront"/>
+      <a:lightRig rig="threePt" dir="t"/>
+    </dgm:scene3d>
+    <dgm:sp3d/>
+    <dgm:txPr/>
+    <dgm:style>
+      <a:lnRef idx="2">
+        <a:scrgbClr r="0" g="0" b="0"/>
+      </a:lnRef>
+      <a:fillRef idx="1">
+        <a:scrgbClr r="0" g="0" b="0"/>
+      </a:fillRef>
+      <a:effectRef idx="0">
+        <a:scrgbClr r="0" g="0" b="0"/>
+      </a:effectRef>
+      <a:fontRef idx="minor"/>
+    </dgm:style>
+  </dgm:styleLbl>
+  <dgm:styleLbl name="asst0">
+    <dgm:scene3d>
+      <a:camera prst="orthographicFront"/>
+      <a:lightRig rig="threePt" dir="t"/>
+    </dgm:scene3d>
+    <dgm:sp3d/>
+    <dgm:txPr/>
+    <dgm:style>
+      <a:lnRef idx="2">
+        <a:scrgbClr r="0" g="0" b="0"/>
+      </a:lnRef>
+      <a:fillRef idx="1">
+        <a:scrgbClr r="0" g="0" b="0"/>
+      </a:fillRef>
+      <a:effectRef idx="0">
+        <a:scrgbClr r="0" g="0" b="0"/>
+      </a:effectRef>
+      <a:fontRef idx="minor">
+        <a:schemeClr val="lt1"/>
+      </a:fontRef>
+    </dgm:style>
+  </dgm:styleLbl>
+  <dgm:styleLbl name="asst1">
+    <dgm:scene3d>
+      <a:camera prst="orthographicFront"/>
+      <a:lightRig rig="threePt" dir="t"/>
+    </dgm:scene3d>
+    <dgm:sp3d/>
+    <dgm:txPr/>
+    <dgm:style>
+      <a:lnRef idx="2">
+        <a:scrgbClr r="0" g="0" b="0"/>
+      </a:lnRef>
+      <a:fillRef idx="1">
+        <a:scrgbClr r="0" g="0" b="0"/>
+      </a:fillRef>
+      <a:effectRef idx="0">
+        <a:scrgbClr r="0" g="0" b="0"/>
+      </a:effectRef>
+      <a:fontRef idx="minor">
+        <a:schemeClr val="lt1"/>
+      </a:fontRef>
+    </dgm:style>
+  </dgm:styleLbl>
+  <dgm:styleLbl name="asst2">
+    <dgm:scene3d>
+      <a:camera prst="orthographicFront"/>
+      <a:lightRig rig="threePt" dir="t"/>
+    </dgm:scene3d>
+    <dgm:sp3d/>
+    <dgm:txPr/>
+    <dgm:style>
+      <a:lnRef idx="2">
+        <a:scrgbClr r="0" g="0" b="0"/>
+      </a:lnRef>
+      <a:fillRef idx="1">
+        <a:scrgbClr r="0" g="0" b="0"/>
+      </a:fillRef>
+      <a:effectRef idx="0">
+        <a:scrgbClr r="0" g="0" b="0"/>
+      </a:effectRef>
+      <a:fontRef idx="minor">
+        <a:schemeClr val="lt1"/>
+      </a:fontRef>
+    </dgm:style>
+  </dgm:styleLbl>
+  <dgm:styleLbl name="asst3">
+    <dgm:scene3d>
+      <a:camera prst="orthographicFront"/>
+      <a:lightRig rig="threePt" dir="t"/>
+    </dgm:scene3d>
+    <dgm:sp3d/>
+    <dgm:txPr/>
+    <dgm:style>
+      <a:lnRef idx="2">
+        <a:scrgbClr r="0" g="0" b="0"/>
+      </a:lnRef>
+      <a:fillRef idx="1">
+        <a:scrgbClr r="0" g="0" b="0"/>
+      </a:fillRef>
+      <a:effectRef idx="0">
+        <a:scrgbClr r="0" g="0" b="0"/>
+      </a:effectRef>
+      <a:fontRef idx="minor">
+        <a:schemeClr val="lt1"/>
+      </a:fontRef>
+    </dgm:style>
+  </dgm:styleLbl>
+  <dgm:styleLbl name="asst4">
+    <dgm:scene3d>
+      <a:camera prst="orthographicFront"/>
+      <a:lightRig rig="threePt" dir="t"/>
+    </dgm:scene3d>
+    <dgm:sp3d/>
+    <dgm:txPr/>
+    <dgm:style>
+      <a:lnRef idx="2">
+        <a:scrgbClr r="0" g="0" b="0"/>
+      </a:lnRef>
+      <a:fillRef idx="1">
+        <a:scrgbClr r="0" g="0" b="0"/>
+      </a:fillRef>
+      <a:effectRef idx="0">
+        <a:scrgbClr r="0" g="0" b="0"/>
+      </a:effectRef>
+      <a:fontRef idx="minor">
+        <a:schemeClr val="lt1"/>
+      </a:fontRef>
+    </dgm:style>
+  </dgm:styleLbl>
+  <dgm:styleLbl name="parChTrans2D1">
+    <dgm:scene3d>
+      <a:camera prst="orthographicFront"/>
+      <a:lightRig rig="threePt" dir="t"/>
+    </dgm:scene3d>
+    <dgm:sp3d/>
+    <dgm:txPr/>
+    <dgm:style>
+      <a:lnRef idx="2">
+        <a:scrgbClr r="0" g="0" b="0"/>
+      </a:lnRef>
+      <a:fillRef idx="1">
+        <a:scrgbClr r="0" g="0" b="0"/>
+      </a:fillRef>
+      <a:effectRef idx="0">
+        <a:scrgbClr r="0" g="0" b="0"/>
+      </a:effectRef>
+      <a:fontRef idx="minor">
+        <a:schemeClr val="lt1"/>
+      </a:fontRef>
+    </dgm:style>
+  </dgm:styleLbl>
+  <dgm:styleLbl name="parChTrans2D2">
+    <dgm:scene3d>
+      <a:camera prst="orthographicFront"/>
+      <a:lightRig rig="threePt" dir="t"/>
+    </dgm:scene3d>
+    <dgm:sp3d/>
+    <dgm:txPr/>
+    <dgm:style>
+      <a:lnRef idx="2">
+        <a:scrgbClr r="0" g="0" b="0"/>
+      </a:lnRef>
+      <a:fillRef idx="1">
+        <a:scrgbClr r="0" g="0" b="0"/>
+      </a:fillRef>
+      <a:effectRef idx="0">
+        <a:scrgbClr r="0" g="0" b="0"/>
+      </a:effectRef>
+      <a:fontRef idx="minor">
+        <a:schemeClr val="lt1"/>
+      </a:fontRef>
+    </dgm:style>
+  </dgm:styleLbl>
+  <dgm:styleLbl name="parChTrans2D3">
+    <dgm:scene3d>
+      <a:camera prst="orthographicFront"/>
+      <a:lightRig rig="threePt" dir="t"/>
+    </dgm:scene3d>
+    <dgm:sp3d/>
+    <dgm:txPr/>
+    <dgm:style>
+      <a:lnRef idx="2">
+        <a:scrgbClr r="0" g="0" b="0"/>
+      </a:lnRef>
+      <a:fillRef idx="1">
+        <a:scrgbClr r="0" g="0" b="0"/>
+      </a:fillRef>
+      <a:effectRef idx="0">
+        <a:scrgbClr r="0" g="0" b="0"/>
+      </a:effectRef>
+      <a:fontRef idx="minor">
+        <a:schemeClr val="lt1"/>
+      </a:fontRef>
+    </dgm:style>
+  </dgm:styleLbl>
+  <dgm:styleLbl name="parChTrans2D4">
+    <dgm:scene3d>
+      <a:camera prst="orthographicFront"/>
+      <a:lightRig rig="threePt" dir="t"/>
+    </dgm:scene3d>
+    <dgm:sp3d/>
+    <dgm:txPr/>
+    <dgm:style>
+      <a:lnRef idx="2">
+        <a:scrgbClr r="0" g="0" b="0"/>
+      </a:lnRef>
+      <a:fillRef idx="1">
+        <a:scrgbClr r="0" g="0" b="0"/>
+      </a:fillRef>
+      <a:effectRef idx="0">
+        <a:scrgbClr r="0" g="0" b="0"/>
+      </a:effectRef>
+      <a:fontRef idx="minor">
+        <a:schemeClr val="lt1"/>
+      </a:fontRef>
+    </dgm:style>
+  </dgm:styleLbl>
+  <dgm:styleLbl name="parChTrans1D1">
+    <dgm:scene3d>
+      <a:camera prst="orthographicFront"/>
+      <a:lightRig rig="threePt" dir="t"/>
+    </dgm:scene3d>
+    <dgm:sp3d/>
+    <dgm:txPr/>
+    <dgm:style>
+      <a:lnRef idx="2">
+        <a:scrgbClr r="0" g="0" b="0"/>
+      </a:lnRef>
+      <a:fillRef idx="0">
+        <a:scrgbClr r="0" g="0" b="0"/>
+      </a:fillRef>
+      <a:effectRef idx="0">
+        <a:scrgbClr r="0" g="0" b="0"/>
+      </a:effectRef>
+      <a:fontRef idx="minor"/>
+    </dgm:style>
+  </dgm:styleLbl>
+  <dgm:styleLbl name="parChTrans1D2">
+    <dgm:scene3d>
+      <a:camera prst="orthographicFront"/>
+      <a:lightRig rig="threePt" dir="t"/>
+    </dgm:scene3d>
+    <dgm:sp3d/>
+    <dgm:txPr/>
+    <dgm:style>
+      <a:lnRef idx="2">
+        <a:scrgbClr r="0" g="0" b="0"/>
+      </a:lnRef>
+      <a:fillRef idx="0">
+        <a:scrgbClr r="0" g="0" b="0"/>
+      </a:fillRef>
+      <a:effectRef idx="0">
+        <a:scrgbClr r="0" g="0" b="0"/>
+      </a:effectRef>
+      <a:fontRef idx="minor"/>
+    </dgm:style>
+  </dgm:styleLbl>
+  <dgm:styleLbl name="parChTrans1D3">
+    <dgm:scene3d>
+      <a:camera prst="orthographicFront"/>
+      <a:lightRig rig="threePt" dir="t"/>
+    </dgm:scene3d>
+    <dgm:sp3d/>
+    <dgm:txPr/>
+    <dgm:style>
+      <a:lnRef idx="2">
+        <a:scrgbClr r="0" g="0" b="0"/>
+      </a:lnRef>
+      <a:fillRef idx="0">
+        <a:scrgbClr r="0" g="0" b="0"/>
+      </a:fillRef>
+      <a:effectRef idx="0">
+        <a:scrgbClr r="0" g="0" b="0"/>
+      </a:effectRef>
+      <a:fontRef idx="minor"/>
+    </dgm:style>
+  </dgm:styleLbl>
+  <dgm:styleLbl name="parChTrans1D4">
+    <dgm:scene3d>
+      <a:camera prst="orthographicFront"/>
+      <a:lightRig rig="threePt" dir="t"/>
+    </dgm:scene3d>
+    <dgm:sp3d/>
+    <dgm:txPr/>
+    <dgm:style>
+      <a:lnRef idx="2">
+        <a:scrgbClr r="0" g="0" b="0"/>
+      </a:lnRef>
+      <a:fillRef idx="0">
+        <a:scrgbClr r="0" g="0" b="0"/>
+      </a:fillRef>
+      <a:effectRef idx="0">
+        <a:scrgbClr r="0" g="0" b="0"/>
+      </a:effectRef>
+      <a:fontRef idx="minor"/>
+    </dgm:style>
+  </dgm:styleLbl>
+  <dgm:styleLbl name="fgAcc1">
+    <dgm:scene3d>
+      <a:camera prst="orthographicFront"/>
+      <a:lightRig rig="threePt" dir="t"/>
+    </dgm:scene3d>
+    <dgm:sp3d/>
+    <dgm:txPr/>
+    <dgm:style>
+      <a:lnRef idx="2">
+        <a:scrgbClr r="0" g="0" b="0"/>
+      </a:lnRef>
+      <a:fillRef idx="1">
+        <a:scrgbClr r="0" g="0" b="0"/>
+      </a:fillRef>
+      <a:effectRef idx="0">
+        <a:scrgbClr r="0" g="0" b="0"/>
+      </a:effectRef>
+      <a:fontRef idx="minor"/>
+    </dgm:style>
+  </dgm:styleLbl>
+  <dgm:styleLbl name="conFgAcc1">
+    <dgm:scene3d>
+      <a:camera prst="orthographicFront"/>
+      <a:lightRig rig="threePt" dir="t"/>
+    </dgm:scene3d>
+    <dgm:sp3d/>
+    <dgm:txPr/>
+    <dgm:style>
+      <a:lnRef idx="2">
+        <a:scrgbClr r="0" g="0" b="0"/>
+      </a:lnRef>
+      <a:fillRef idx="1">
+        <a:scrgbClr r="0" g="0" b="0"/>
+      </a:fillRef>
+      <a:effectRef idx="0">
+        <a:scrgbClr r="0" g="0" b="0"/>
+      </a:effectRef>
+      <a:fontRef idx="minor"/>
+    </dgm:style>
+  </dgm:styleLbl>
+  <dgm:styleLbl name="alignAcc1">
+    <dgm:scene3d>
+      <a:camera prst="orthographicFront"/>
+      <a:lightRig rig="threePt" dir="t"/>
+    </dgm:scene3d>
+    <dgm:sp3d/>
+    <dgm:txPr/>
+    <dgm:style>
+      <a:lnRef idx="2">
+        <a:scrgbClr r="0" g="0" b="0"/>
+      </a:lnRef>
+      <a:fillRef idx="1">
+        <a:scrgbClr r="0" g="0" b="0"/>
+      </a:fillRef>
+      <a:effectRef idx="0">
+        <a:scrgbClr r="0" g="0" b="0"/>
+      </a:effectRef>
+      <a:fontRef idx="minor"/>
+    </dgm:style>
+  </dgm:styleLbl>
+  <dgm:styleLbl name="trAlignAcc1">
+    <dgm:scene3d>
+      <a:camera prst="orthographicFront"/>
+      <a:lightRig rig="threePt" dir="t"/>
+    </dgm:scene3d>
+    <dgm:sp3d/>
+    <dgm:txPr/>
+    <dgm:style>
+      <a:lnRef idx="1">
+        <a:scrgbClr r="0" g="0" b="0"/>
+      </a:lnRef>
+      <a:fillRef idx="1">
+        <a:scrgbClr r="0" g="0" b="0"/>
+      </a:fillRef>
+      <a:effectRef idx="0">
+        <a:scrgbClr r="0" g="0" b="0"/>
+      </a:effectRef>
+      <a:fontRef idx="minor"/>
+    </dgm:style>
+  </dgm:styleLbl>
+  <dgm:styleLbl name="bgAcc1">
+    <dgm:scene3d>
+      <a:camera prst="orthographicFront"/>
+      <a:lightRig rig="threePt" dir="t"/>
+    </dgm:scene3d>
+    <dgm:sp3d/>
+    <dgm:txPr/>
+    <dgm:style>
+      <a:lnRef idx="2">
+        <a:scrgbClr r="0" g="0" b="0"/>
+      </a:lnRef>
+      <a:fillRef idx="1">
+        <a:scrgbClr r="0" g="0" b="0"/>
+      </a:fillRef>
+      <a:effectRef idx="0">
+        <a:scrgbClr r="0" g="0" b="0"/>
+      </a:effectRef>
+      <a:fontRef idx="minor"/>
+    </dgm:style>
+  </dgm:styleLbl>
+  <dgm:styleLbl name="solidFgAcc1">
+    <dgm:scene3d>
+      <a:camera prst="orthographicFront"/>
+      <a:lightRig rig="threePt" dir="t"/>
+    </dgm:scene3d>
+    <dgm:sp3d/>
+    <dgm:txPr/>
+    <dgm:style>
+      <a:lnRef idx="2">
+        <a:scrgbClr r="0" g="0" b="0"/>
+      </a:lnRef>
+      <a:fillRef idx="1">
+        <a:scrgbClr r="0" g="0" b="0"/>
+      </a:fillRef>
+      <a:effectRef idx="0">
+        <a:scrgbClr r="0" g="0" b="0"/>
+      </a:effectRef>
+      <a:fontRef idx="minor"/>
+    </dgm:style>
+  </dgm:styleLbl>
+  <dgm:styleLbl name="solidAlignAcc1">
+    <dgm:scene3d>
+      <a:camera prst="orthographicFront"/>
+      <a:lightRig rig="threePt" dir="t"/>
+    </dgm:scene3d>
+    <dgm:sp3d/>
+    <dgm:txPr/>
+    <dgm:style>
+      <a:lnRef idx="2">
+        <a:scrgbClr r="0" g="0" b="0"/>
+      </a:lnRef>
+      <a:fillRef idx="1">
+        <a:scrgbClr r="0" g="0" b="0"/>
+      </a:fillRef>
+      <a:effectRef idx="0">
+        <a:scrgbClr r="0" g="0" b="0"/>
+      </a:effectRef>
+      <a:fontRef idx="minor"/>
+    </dgm:style>
+  </dgm:styleLbl>
+  <dgm:styleLbl name="solidBgAcc1">
+    <dgm:scene3d>
+      <a:camera prst="orthographicFront"/>
+      <a:lightRig rig="threePt" dir="t"/>
+    </dgm:scene3d>
+    <dgm:sp3d/>
+    <dgm:txPr/>
+    <dgm:style>
+      <a:lnRef idx="2">
+        <a:scrgbClr r="0" g="0" b="0"/>
+      </a:lnRef>
+      <a:fillRef idx="1">
+        <a:scrgbClr r="0" g="0" b="0"/>
+      </a:fillRef>
+      <a:effectRef idx="0">
+        <a:scrgbClr r="0" g="0" b="0"/>
+      </a:effectRef>
+      <a:fontRef idx="minor"/>
+    </dgm:style>
+  </dgm:styleLbl>
+  <dgm:styleLbl name="fgAccFollowNode1">
+    <dgm:scene3d>
+      <a:camera prst="orthographicFront"/>
+      <a:lightRig rig="threePt" dir="t"/>
+    </dgm:scene3d>
+    <dgm:sp3d/>
+    <dgm:txPr/>
+    <dgm:style>
+      <a:lnRef idx="2">
+        <a:scrgbClr r="0" g="0" b="0"/>
+      </a:lnRef>
+      <a:fillRef idx="1">
+        <a:scrgbClr r="0" g="0" b="0"/>
+      </a:fillRef>
+      <a:effectRef idx="0">
+        <a:scrgbClr r="0" g="0" b="0"/>
+      </a:effectRef>
+      <a:fontRef idx="minor"/>
+    </dgm:style>
+  </dgm:styleLbl>
+  <dgm:styleLbl name="alignAccFollowNode1">
+    <dgm:scene3d>
+      <a:camera prst="orthographicFront"/>
+      <a:lightRig rig="threePt" dir="t"/>
+    </dgm:scene3d>
+    <dgm:sp3d/>
+    <dgm:txPr/>
+    <dgm:style>
+      <a:lnRef idx="2">
+        <a:scrgbClr r="0" g="0" b="0"/>
+      </a:lnRef>
+      <a:fillRef idx="1">
+        <a:scrgbClr r="0" g="0" b="0"/>
+      </a:fillRef>
+      <a:effectRef idx="0">
+        <a:scrgbClr r="0" g="0" b="0"/>
+      </a:effectRef>
+      <a:fontRef idx="minor"/>
+    </dgm:style>
+  </dgm:styleLbl>
+  <dgm:styleLbl name="bgAccFollowNode1">
+    <dgm:scene3d>
+      <a:camera prst="orthographicFront"/>
+      <a:lightRig rig="threePt" dir="t"/>
+    </dgm:scene3d>
+    <dgm:sp3d/>
+    <dgm:txPr/>
+    <dgm:style>
+      <a:lnRef idx="2">
+        <a:scrgbClr r="0" g="0" b="0"/>
+      </a:lnRef>
+      <a:fillRef idx="1">
+        <a:scrgbClr r="0" g="0" b="0"/>
+      </a:fillRef>
+      <a:effectRef idx="0">
+        <a:scrgbClr r="0" g="0" b="0"/>
+      </a:effectRef>
+      <a:fontRef idx="minor"/>
+    </dgm:style>
+  </dgm:styleLbl>
+  <dgm:styleLbl name="fgAcc0">
+    <dgm:scene3d>
+      <a:camera prst="orthographicFront"/>
+      <a:lightRig rig="threePt" dir="t"/>
+    </dgm:scene3d>
+    <dgm:sp3d/>
+    <dgm:txPr/>
+    <dgm:style>
+      <a:lnRef idx="2">
+        <a:scrgbClr r="0" g="0" b="0"/>
+      </a:lnRef>
+      <a:fillRef idx="1">
+        <a:scrgbClr r="0" g="0" b="0"/>
+      </a:fillRef>
+      <a:effectRef idx="0">
+        <a:scrgbClr r="0" g="0" b="0"/>
+      </a:effectRef>
+      <a:fontRef idx="minor"/>
+    </dgm:style>
+  </dgm:styleLbl>
+  <dgm:styleLbl name="fgAcc2">
+    <dgm:scene3d>
+      <a:camera prst="orthographicFront"/>
+      <a:lightRig rig="threePt" dir="t"/>
+    </dgm:scene3d>
+    <dgm:sp3d/>
+    <dgm:txPr/>
+    <dgm:style>
+      <a:lnRef idx="2">
+        <a:scrgbClr r="0" g="0" b="0"/>
+      </a:lnRef>
+      <a:fillRef idx="1">
+        <a:scrgbClr r="0" g="0" b="0"/>
+      </a:fillRef>
+      <a:effectRef idx="0">
+        <a:scrgbClr r="0" g="0" b="0"/>
+      </a:effectRef>
+      <a:fontRef idx="minor"/>
+    </dgm:style>
+  </dgm:styleLbl>
+  <dgm:styleLbl name="fgAcc3">
+    <dgm:scene3d>
+      <a:camera prst="orthographicFront"/>
+      <a:lightRig rig="threePt" dir="t"/>
+    </dgm:scene3d>
+    <dgm:sp3d/>
+    <dgm:txPr/>
+    <dgm:style>
+      <a:lnRef idx="2">
+        <a:scrgbClr r="0" g="0" b="0"/>
+      </a:lnRef>
+      <a:fillRef idx="1">
+        <a:scrgbClr r="0" g="0" b="0"/>
+      </a:fillRef>
+      <a:effectRef idx="0">
+        <a:scrgbClr r="0" g="0" b="0"/>
+      </a:effectRef>
+      <a:fontRef idx="minor"/>
+    </dgm:style>
+  </dgm:styleLbl>
+  <dgm:styleLbl name="fgAcc4">
+    <dgm:scene3d>
+      <a:camera prst="orthographicFront"/>
+      <a:lightRig rig="threePt" dir="t"/>
+    </dgm:scene3d>
+    <dgm:sp3d/>
+    <dgm:txPr/>
+    <dgm:style>
+      <a:lnRef idx="2">
+        <a:scrgbClr r="0" g="0" b="0"/>
+      </a:lnRef>
+      <a:fillRef idx="1">
+        <a:scrgbClr r="0" g="0" b="0"/>
+      </a:fillRef>
+      <a:effectRef idx="0">
+        <a:scrgbClr r="0" g="0" b="0"/>
+      </a:effectRef>
+      <a:fontRef idx="minor"/>
+    </dgm:style>
+  </dgm:styleLbl>
+  <dgm:styleLbl name="bgShp">
+    <dgm:scene3d>
+      <a:camera prst="orthographicFront"/>
+      <a:lightRig rig="threePt" dir="t"/>
+    </dgm:scene3d>
+    <dgm:sp3d/>
+    <dgm:txPr/>
+    <dgm:style>
+      <a:lnRef idx="0">
+        <a:scrgbClr r="0" g="0" b="0"/>
+      </a:lnRef>
+      <a:fillRef idx="1">
+        <a:scrgbClr r="0" g="0" b="0"/>
+      </a:fillRef>
+      <a:effectRef idx="0">
+        <a:scrgbClr r="0" g="0" b="0"/>
+      </a:effectRef>
+      <a:fontRef idx="minor"/>
+    </dgm:style>
+  </dgm:styleLbl>
+  <dgm:styleLbl name="dkBgShp">
+    <dgm:scene3d>
+      <a:camera prst="orthographicFront"/>
+      <a:lightRig rig="threePt" dir="t"/>
+    </dgm:scene3d>
+    <dgm:sp3d/>
+    <dgm:txPr/>
+    <dgm:style>
+      <a:lnRef idx="0">
+        <a:scrgbClr r="0" g="0" b="0"/>
+      </a:lnRef>
+      <a:fillRef idx="1">
+        <a:scrgbClr r="0" g="0" b="0"/>
+      </a:fillRef>
+      <a:effectRef idx="0">
+        <a:scrgbClr r="0" g="0" b="0"/>
+      </a:effectRef>
+      <a:fontRef idx="minor"/>
+    </dgm:style>
+  </dgm:styleLbl>
+  <dgm:styleLbl name="trBgShp">
+    <dgm:scene3d>
+      <a:camera prst="orthographicFront"/>
+      <a:lightRig rig="threePt" dir="t"/>
+    </dgm:scene3d>
+    <dgm:sp3d/>
+    <dgm:txPr/>
+    <dgm:style>
+      <a:lnRef idx="0">
+        <a:scrgbClr r="0" g="0" b="0"/>
+      </a:lnRef>
+      <a:fillRef idx="1">
+        <a:scrgbClr r="0" g="0" b="0"/>
+      </a:fillRef>
+      <a:effectRef idx="0">
+        <a:scrgbClr r="0" g="0" b="0"/>
+      </a:effectRef>
+      <a:fontRef idx="minor"/>
+    </dgm:style>
+  </dgm:styleLbl>
+  <dgm:styleLbl name="fgShp">
+    <dgm:scene3d>
+      <a:camera prst="orthographicFront"/>
+      <a:lightRig rig="threePt" dir="t"/>
+    </dgm:scene3d>
+    <dgm:sp3d/>
+    <dgm:txPr/>
+    <dgm:style>
+      <a:lnRef idx="2">
+        <a:scrgbClr r="0" g="0" b="0"/>
+      </a:lnRef>
+      <a:fillRef idx="1">
+        <a:scrgbClr r="0" g="0" b="0"/>
+      </a:fillRef>
+      <a:effectRef idx="0">
+        <a:scrgbClr r="0" g="0" b="0"/>
+      </a:effectRef>
+      <a:fontRef idx="minor"/>
+    </dgm:style>
+  </dgm:styleLbl>
+  <dgm:styleLbl name="revTx">
+    <dgm:scene3d>
+      <a:camera prst="orthographicFront"/>
+      <a:lightRig rig="threePt" dir="t"/>
+    </dgm:scene3d>
+    <dgm:sp3d/>
+    <dgm:txPr/>
+    <dgm:style>
+      <a:lnRef idx="0">
+        <a:scrgbClr r="0" g="0" b="0"/>
+      </a:lnRef>
+      <a:fillRef idx="0">
+        <a:scrgbClr r="0" g="0" b="0"/>
+      </a:fillRef>
+      <a:effectRef idx="0">
+        <a:scrgbClr r="0" g="0" b="0"/>
+      </a:effectRef>
+      <a:fontRef idx="minor"/>
+    </dgm:style>
+  </dgm:styleLbl>
+</dgm:styleDef>
+</file>
+
+<file path=ppt/diagrams/quickStyle10.xml><?xml version="1.0" encoding="utf-8"?>
 <dgm:styleDef xmlns:dgm="http://schemas.openxmlformats.org/drawingml/2006/diagram" xmlns:a="http://schemas.openxmlformats.org/drawingml/2006/main" uniqueId="urn:microsoft.com/office/officeart/2005/8/quickstyle/simple1">
   <dgm:title val=""/>
   <dgm:desc val=""/>
@@ -22726,6 +28649,1040 @@
 </file>
 
 <file path=ppt/diagrams/quickStyle8.xml><?xml version="1.0" encoding="utf-8"?>
+<dgm:styleDef xmlns:dgm="http://schemas.openxmlformats.org/drawingml/2006/diagram" xmlns:a="http://schemas.openxmlformats.org/drawingml/2006/main" uniqueId="urn:microsoft.com/office/officeart/2005/8/quickstyle/simple1">
+  <dgm:title val=""/>
+  <dgm:desc val=""/>
+  <dgm:catLst>
+    <dgm:cat type="simple" pri="10100"/>
+  </dgm:catLst>
+  <dgm:scene3d>
+    <a:camera prst="orthographicFront"/>
+    <a:lightRig rig="threePt" dir="t"/>
+  </dgm:scene3d>
+  <dgm:styleLbl name="node0">
+    <dgm:scene3d>
+      <a:camera prst="orthographicFront"/>
+      <a:lightRig rig="threePt" dir="t"/>
+    </dgm:scene3d>
+    <dgm:sp3d/>
+    <dgm:txPr/>
+    <dgm:style>
+      <a:lnRef idx="2">
+        <a:scrgbClr r="0" g="0" b="0"/>
+      </a:lnRef>
+      <a:fillRef idx="1">
+        <a:scrgbClr r="0" g="0" b="0"/>
+      </a:fillRef>
+      <a:effectRef idx="0">
+        <a:scrgbClr r="0" g="0" b="0"/>
+      </a:effectRef>
+      <a:fontRef idx="minor">
+        <a:schemeClr val="lt1"/>
+      </a:fontRef>
+    </dgm:style>
+  </dgm:styleLbl>
+  <dgm:styleLbl name="lnNode1">
+    <dgm:scene3d>
+      <a:camera prst="orthographicFront"/>
+      <a:lightRig rig="threePt" dir="t"/>
+    </dgm:scene3d>
+    <dgm:sp3d/>
+    <dgm:txPr/>
+    <dgm:style>
+      <a:lnRef idx="2">
+        <a:scrgbClr r="0" g="0" b="0"/>
+      </a:lnRef>
+      <a:fillRef idx="1">
+        <a:scrgbClr r="0" g="0" b="0"/>
+      </a:fillRef>
+      <a:effectRef idx="0">
+        <a:scrgbClr r="0" g="0" b="0"/>
+      </a:effectRef>
+      <a:fontRef idx="minor">
+        <a:schemeClr val="lt1"/>
+      </a:fontRef>
+    </dgm:style>
+  </dgm:styleLbl>
+  <dgm:styleLbl name="vennNode1">
+    <dgm:scene3d>
+      <a:camera prst="orthographicFront"/>
+      <a:lightRig rig="threePt" dir="t"/>
+    </dgm:scene3d>
+    <dgm:sp3d/>
+    <dgm:txPr/>
+    <dgm:style>
+      <a:lnRef idx="2">
+        <a:scrgbClr r="0" g="0" b="0"/>
+      </a:lnRef>
+      <a:fillRef idx="1">
+        <a:scrgbClr r="0" g="0" b="0"/>
+      </a:fillRef>
+      <a:effectRef idx="0">
+        <a:scrgbClr r="0" g="0" b="0"/>
+      </a:effectRef>
+      <a:fontRef idx="minor">
+        <a:schemeClr val="tx1"/>
+      </a:fontRef>
+    </dgm:style>
+  </dgm:styleLbl>
+  <dgm:styleLbl name="alignNode1">
+    <dgm:scene3d>
+      <a:camera prst="orthographicFront"/>
+      <a:lightRig rig="threePt" dir="t"/>
+    </dgm:scene3d>
+    <dgm:sp3d/>
+    <dgm:txPr/>
+    <dgm:style>
+      <a:lnRef idx="2">
+        <a:scrgbClr r="0" g="0" b="0"/>
+      </a:lnRef>
+      <a:fillRef idx="1">
+        <a:scrgbClr r="0" g="0" b="0"/>
+      </a:fillRef>
+      <a:effectRef idx="0">
+        <a:scrgbClr r="0" g="0" b="0"/>
+      </a:effectRef>
+      <a:fontRef idx="minor">
+        <a:schemeClr val="lt1"/>
+      </a:fontRef>
+    </dgm:style>
+  </dgm:styleLbl>
+  <dgm:styleLbl name="node1">
+    <dgm:scene3d>
+      <a:camera prst="orthographicFront"/>
+      <a:lightRig rig="threePt" dir="t"/>
+    </dgm:scene3d>
+    <dgm:sp3d/>
+    <dgm:txPr/>
+    <dgm:style>
+      <a:lnRef idx="2">
+        <a:scrgbClr r="0" g="0" b="0"/>
+      </a:lnRef>
+      <a:fillRef idx="1">
+        <a:scrgbClr r="0" g="0" b="0"/>
+      </a:fillRef>
+      <a:effectRef idx="0">
+        <a:scrgbClr r="0" g="0" b="0"/>
+      </a:effectRef>
+      <a:fontRef idx="minor">
+        <a:schemeClr val="lt1"/>
+      </a:fontRef>
+    </dgm:style>
+  </dgm:styleLbl>
+  <dgm:styleLbl name="node2">
+    <dgm:scene3d>
+      <a:camera prst="orthographicFront"/>
+      <a:lightRig rig="threePt" dir="t"/>
+    </dgm:scene3d>
+    <dgm:sp3d/>
+    <dgm:txPr/>
+    <dgm:style>
+      <a:lnRef idx="2">
+        <a:scrgbClr r="0" g="0" b="0"/>
+      </a:lnRef>
+      <a:fillRef idx="1">
+        <a:scrgbClr r="0" g="0" b="0"/>
+      </a:fillRef>
+      <a:effectRef idx="0">
+        <a:scrgbClr r="0" g="0" b="0"/>
+      </a:effectRef>
+      <a:fontRef idx="minor">
+        <a:schemeClr val="lt1"/>
+      </a:fontRef>
+    </dgm:style>
+  </dgm:styleLbl>
+  <dgm:styleLbl name="node3">
+    <dgm:scene3d>
+      <a:camera prst="orthographicFront"/>
+      <a:lightRig rig="threePt" dir="t"/>
+    </dgm:scene3d>
+    <dgm:sp3d/>
+    <dgm:txPr/>
+    <dgm:style>
+      <a:lnRef idx="2">
+        <a:scrgbClr r="0" g="0" b="0"/>
+      </a:lnRef>
+      <a:fillRef idx="1">
+        <a:scrgbClr r="0" g="0" b="0"/>
+      </a:fillRef>
+      <a:effectRef idx="0">
+        <a:scrgbClr r="0" g="0" b="0"/>
+      </a:effectRef>
+      <a:fontRef idx="minor">
+        <a:schemeClr val="lt1"/>
+      </a:fontRef>
+    </dgm:style>
+  </dgm:styleLbl>
+  <dgm:styleLbl name="node4">
+    <dgm:scene3d>
+      <a:camera prst="orthographicFront"/>
+      <a:lightRig rig="threePt" dir="t"/>
+    </dgm:scene3d>
+    <dgm:sp3d/>
+    <dgm:txPr/>
+    <dgm:style>
+      <a:lnRef idx="2">
+        <a:scrgbClr r="0" g="0" b="0"/>
+      </a:lnRef>
+      <a:fillRef idx="1">
+        <a:scrgbClr r="0" g="0" b="0"/>
+      </a:fillRef>
+      <a:effectRef idx="0">
+        <a:scrgbClr r="0" g="0" b="0"/>
+      </a:effectRef>
+      <a:fontRef idx="minor">
+        <a:schemeClr val="lt1"/>
+      </a:fontRef>
+    </dgm:style>
+  </dgm:styleLbl>
+  <dgm:styleLbl name="fgImgPlace1">
+    <dgm:scene3d>
+      <a:camera prst="orthographicFront"/>
+      <a:lightRig rig="threePt" dir="t"/>
+    </dgm:scene3d>
+    <dgm:sp3d/>
+    <dgm:txPr/>
+    <dgm:style>
+      <a:lnRef idx="2">
+        <a:scrgbClr r="0" g="0" b="0"/>
+      </a:lnRef>
+      <a:fillRef idx="1">
+        <a:scrgbClr r="0" g="0" b="0"/>
+      </a:fillRef>
+      <a:effectRef idx="0">
+        <a:scrgbClr r="0" g="0" b="0"/>
+      </a:effectRef>
+      <a:fontRef idx="minor"/>
+    </dgm:style>
+  </dgm:styleLbl>
+  <dgm:styleLbl name="alignImgPlace1">
+    <dgm:scene3d>
+      <a:camera prst="orthographicFront"/>
+      <a:lightRig rig="threePt" dir="t"/>
+    </dgm:scene3d>
+    <dgm:sp3d/>
+    <dgm:txPr/>
+    <dgm:style>
+      <a:lnRef idx="2">
+        <a:scrgbClr r="0" g="0" b="0"/>
+      </a:lnRef>
+      <a:fillRef idx="1">
+        <a:scrgbClr r="0" g="0" b="0"/>
+      </a:fillRef>
+      <a:effectRef idx="0">
+        <a:scrgbClr r="0" g="0" b="0"/>
+      </a:effectRef>
+      <a:fontRef idx="minor"/>
+    </dgm:style>
+  </dgm:styleLbl>
+  <dgm:styleLbl name="bgImgPlace1">
+    <dgm:scene3d>
+      <a:camera prst="orthographicFront"/>
+      <a:lightRig rig="threePt" dir="t"/>
+    </dgm:scene3d>
+    <dgm:sp3d/>
+    <dgm:txPr/>
+    <dgm:style>
+      <a:lnRef idx="2">
+        <a:scrgbClr r="0" g="0" b="0"/>
+      </a:lnRef>
+      <a:fillRef idx="1">
+        <a:scrgbClr r="0" g="0" b="0"/>
+      </a:fillRef>
+      <a:effectRef idx="0">
+        <a:scrgbClr r="0" g="0" b="0"/>
+      </a:effectRef>
+      <a:fontRef idx="minor"/>
+    </dgm:style>
+  </dgm:styleLbl>
+  <dgm:styleLbl name="sibTrans2D1">
+    <dgm:scene3d>
+      <a:camera prst="orthographicFront"/>
+      <a:lightRig rig="threePt" dir="t"/>
+    </dgm:scene3d>
+    <dgm:sp3d/>
+    <dgm:txPr/>
+    <dgm:style>
+      <a:lnRef idx="0">
+        <a:scrgbClr r="0" g="0" b="0"/>
+      </a:lnRef>
+      <a:fillRef idx="1">
+        <a:scrgbClr r="0" g="0" b="0"/>
+      </a:fillRef>
+      <a:effectRef idx="0">
+        <a:scrgbClr r="0" g="0" b="0"/>
+      </a:effectRef>
+      <a:fontRef idx="minor">
+        <a:schemeClr val="lt1"/>
+      </a:fontRef>
+    </dgm:style>
+  </dgm:styleLbl>
+  <dgm:styleLbl name="fgSibTrans2D1">
+    <dgm:scene3d>
+      <a:camera prst="orthographicFront"/>
+      <a:lightRig rig="threePt" dir="t"/>
+    </dgm:scene3d>
+    <dgm:sp3d/>
+    <dgm:txPr/>
+    <dgm:style>
+      <a:lnRef idx="0">
+        <a:scrgbClr r="0" g="0" b="0"/>
+      </a:lnRef>
+      <a:fillRef idx="1">
+        <a:scrgbClr r="0" g="0" b="0"/>
+      </a:fillRef>
+      <a:effectRef idx="0">
+        <a:scrgbClr r="0" g="0" b="0"/>
+      </a:effectRef>
+      <a:fontRef idx="minor">
+        <a:schemeClr val="lt1"/>
+      </a:fontRef>
+    </dgm:style>
+  </dgm:styleLbl>
+  <dgm:styleLbl name="bgSibTrans2D1">
+    <dgm:scene3d>
+      <a:camera prst="orthographicFront"/>
+      <a:lightRig rig="threePt" dir="t"/>
+    </dgm:scene3d>
+    <dgm:sp3d/>
+    <dgm:txPr/>
+    <dgm:style>
+      <a:lnRef idx="0">
+        <a:scrgbClr r="0" g="0" b="0"/>
+      </a:lnRef>
+      <a:fillRef idx="1">
+        <a:scrgbClr r="0" g="0" b="0"/>
+      </a:fillRef>
+      <a:effectRef idx="0">
+        <a:scrgbClr r="0" g="0" b="0"/>
+      </a:effectRef>
+      <a:fontRef idx="minor">
+        <a:schemeClr val="lt1"/>
+      </a:fontRef>
+    </dgm:style>
+  </dgm:styleLbl>
+  <dgm:styleLbl name="sibTrans1D1">
+    <dgm:scene3d>
+      <a:camera prst="orthographicFront"/>
+      <a:lightRig rig="threePt" dir="t"/>
+    </dgm:scene3d>
+    <dgm:sp3d/>
+    <dgm:txPr/>
+    <dgm:style>
+      <a:lnRef idx="1">
+        <a:scrgbClr r="0" g="0" b="0"/>
+      </a:lnRef>
+      <a:fillRef idx="0">
+        <a:scrgbClr r="0" g="0" b="0"/>
+      </a:fillRef>
+      <a:effectRef idx="0">
+        <a:scrgbClr r="0" g="0" b="0"/>
+      </a:effectRef>
+      <a:fontRef idx="minor"/>
+    </dgm:style>
+  </dgm:styleLbl>
+  <dgm:styleLbl name="callout">
+    <dgm:scene3d>
+      <a:camera prst="orthographicFront"/>
+      <a:lightRig rig="threePt" dir="t"/>
+    </dgm:scene3d>
+    <dgm:sp3d/>
+    <dgm:txPr/>
+    <dgm:style>
+      <a:lnRef idx="2">
+        <a:scrgbClr r="0" g="0" b="0"/>
+      </a:lnRef>
+      <a:fillRef idx="1">
+        <a:scrgbClr r="0" g="0" b="0"/>
+      </a:fillRef>
+      <a:effectRef idx="0">
+        <a:scrgbClr r="0" g="0" b="0"/>
+      </a:effectRef>
+      <a:fontRef idx="minor"/>
+    </dgm:style>
+  </dgm:styleLbl>
+  <dgm:styleLbl name="asst0">
+    <dgm:scene3d>
+      <a:camera prst="orthographicFront"/>
+      <a:lightRig rig="threePt" dir="t"/>
+    </dgm:scene3d>
+    <dgm:sp3d/>
+    <dgm:txPr/>
+    <dgm:style>
+      <a:lnRef idx="2">
+        <a:scrgbClr r="0" g="0" b="0"/>
+      </a:lnRef>
+      <a:fillRef idx="1">
+        <a:scrgbClr r="0" g="0" b="0"/>
+      </a:fillRef>
+      <a:effectRef idx="0">
+        <a:scrgbClr r="0" g="0" b="0"/>
+      </a:effectRef>
+      <a:fontRef idx="minor">
+        <a:schemeClr val="lt1"/>
+      </a:fontRef>
+    </dgm:style>
+  </dgm:styleLbl>
+  <dgm:styleLbl name="asst1">
+    <dgm:scene3d>
+      <a:camera prst="orthographicFront"/>
+      <a:lightRig rig="threePt" dir="t"/>
+    </dgm:scene3d>
+    <dgm:sp3d/>
+    <dgm:txPr/>
+    <dgm:style>
+      <a:lnRef idx="2">
+        <a:scrgbClr r="0" g="0" b="0"/>
+      </a:lnRef>
+      <a:fillRef idx="1">
+        <a:scrgbClr r="0" g="0" b="0"/>
+      </a:fillRef>
+      <a:effectRef idx="0">
+        <a:scrgbClr r="0" g="0" b="0"/>
+      </a:effectRef>
+      <a:fontRef idx="minor">
+        <a:schemeClr val="lt1"/>
+      </a:fontRef>
+    </dgm:style>
+  </dgm:styleLbl>
+  <dgm:styleLbl name="asst2">
+    <dgm:scene3d>
+      <a:camera prst="orthographicFront"/>
+      <a:lightRig rig="threePt" dir="t"/>
+    </dgm:scene3d>
+    <dgm:sp3d/>
+    <dgm:txPr/>
+    <dgm:style>
+      <a:lnRef idx="2">
+        <a:scrgbClr r="0" g="0" b="0"/>
+      </a:lnRef>
+      <a:fillRef idx="1">
+        <a:scrgbClr r="0" g="0" b="0"/>
+      </a:fillRef>
+      <a:effectRef idx="0">
+        <a:scrgbClr r="0" g="0" b="0"/>
+      </a:effectRef>
+      <a:fontRef idx="minor">
+        <a:schemeClr val="lt1"/>
+      </a:fontRef>
+    </dgm:style>
+  </dgm:styleLbl>
+  <dgm:styleLbl name="asst3">
+    <dgm:scene3d>
+      <a:camera prst="orthographicFront"/>
+      <a:lightRig rig="threePt" dir="t"/>
+    </dgm:scene3d>
+    <dgm:sp3d/>
+    <dgm:txPr/>
+    <dgm:style>
+      <a:lnRef idx="2">
+        <a:scrgbClr r="0" g="0" b="0"/>
+      </a:lnRef>
+      <a:fillRef idx="1">
+        <a:scrgbClr r="0" g="0" b="0"/>
+      </a:fillRef>
+      <a:effectRef idx="0">
+        <a:scrgbClr r="0" g="0" b="0"/>
+      </a:effectRef>
+      <a:fontRef idx="minor">
+        <a:schemeClr val="lt1"/>
+      </a:fontRef>
+    </dgm:style>
+  </dgm:styleLbl>
+  <dgm:styleLbl name="asst4">
+    <dgm:scene3d>
+      <a:camera prst="orthographicFront"/>
+      <a:lightRig rig="threePt" dir="t"/>
+    </dgm:scene3d>
+    <dgm:sp3d/>
+    <dgm:txPr/>
+    <dgm:style>
+      <a:lnRef idx="2">
+        <a:scrgbClr r="0" g="0" b="0"/>
+      </a:lnRef>
+      <a:fillRef idx="1">
+        <a:scrgbClr r="0" g="0" b="0"/>
+      </a:fillRef>
+      <a:effectRef idx="0">
+        <a:scrgbClr r="0" g="0" b="0"/>
+      </a:effectRef>
+      <a:fontRef idx="minor">
+        <a:schemeClr val="lt1"/>
+      </a:fontRef>
+    </dgm:style>
+  </dgm:styleLbl>
+  <dgm:styleLbl name="parChTrans2D1">
+    <dgm:scene3d>
+      <a:camera prst="orthographicFront"/>
+      <a:lightRig rig="threePt" dir="t"/>
+    </dgm:scene3d>
+    <dgm:sp3d/>
+    <dgm:txPr/>
+    <dgm:style>
+      <a:lnRef idx="2">
+        <a:scrgbClr r="0" g="0" b="0"/>
+      </a:lnRef>
+      <a:fillRef idx="1">
+        <a:scrgbClr r="0" g="0" b="0"/>
+      </a:fillRef>
+      <a:effectRef idx="0">
+        <a:scrgbClr r="0" g="0" b="0"/>
+      </a:effectRef>
+      <a:fontRef idx="minor">
+        <a:schemeClr val="lt1"/>
+      </a:fontRef>
+    </dgm:style>
+  </dgm:styleLbl>
+  <dgm:styleLbl name="parChTrans2D2">
+    <dgm:scene3d>
+      <a:camera prst="orthographicFront"/>
+      <a:lightRig rig="threePt" dir="t"/>
+    </dgm:scene3d>
+    <dgm:sp3d/>
+    <dgm:txPr/>
+    <dgm:style>
+      <a:lnRef idx="2">
+        <a:scrgbClr r="0" g="0" b="0"/>
+      </a:lnRef>
+      <a:fillRef idx="1">
+        <a:scrgbClr r="0" g="0" b="0"/>
+      </a:fillRef>
+      <a:effectRef idx="0">
+        <a:scrgbClr r="0" g="0" b="0"/>
+      </a:effectRef>
+      <a:fontRef idx="minor">
+        <a:schemeClr val="lt1"/>
+      </a:fontRef>
+    </dgm:style>
+  </dgm:styleLbl>
+  <dgm:styleLbl name="parChTrans2D3">
+    <dgm:scene3d>
+      <a:camera prst="orthographicFront"/>
+      <a:lightRig rig="threePt" dir="t"/>
+    </dgm:scene3d>
+    <dgm:sp3d/>
+    <dgm:txPr/>
+    <dgm:style>
+      <a:lnRef idx="2">
+        <a:scrgbClr r="0" g="0" b="0"/>
+      </a:lnRef>
+      <a:fillRef idx="1">
+        <a:scrgbClr r="0" g="0" b="0"/>
+      </a:fillRef>
+      <a:effectRef idx="0">
+        <a:scrgbClr r="0" g="0" b="0"/>
+      </a:effectRef>
+      <a:fontRef idx="minor">
+        <a:schemeClr val="lt1"/>
+      </a:fontRef>
+    </dgm:style>
+  </dgm:styleLbl>
+  <dgm:styleLbl name="parChTrans2D4">
+    <dgm:scene3d>
+      <a:camera prst="orthographicFront"/>
+      <a:lightRig rig="threePt" dir="t"/>
+    </dgm:scene3d>
+    <dgm:sp3d/>
+    <dgm:txPr/>
+    <dgm:style>
+      <a:lnRef idx="2">
+        <a:scrgbClr r="0" g="0" b="0"/>
+      </a:lnRef>
+      <a:fillRef idx="1">
+        <a:scrgbClr r="0" g="0" b="0"/>
+      </a:fillRef>
+      <a:effectRef idx="0">
+        <a:scrgbClr r="0" g="0" b="0"/>
+      </a:effectRef>
+      <a:fontRef idx="minor">
+        <a:schemeClr val="lt1"/>
+      </a:fontRef>
+    </dgm:style>
+  </dgm:styleLbl>
+  <dgm:styleLbl name="parChTrans1D1">
+    <dgm:scene3d>
+      <a:camera prst="orthographicFront"/>
+      <a:lightRig rig="threePt" dir="t"/>
+    </dgm:scene3d>
+    <dgm:sp3d/>
+    <dgm:txPr/>
+    <dgm:style>
+      <a:lnRef idx="2">
+        <a:scrgbClr r="0" g="0" b="0"/>
+      </a:lnRef>
+      <a:fillRef idx="0">
+        <a:scrgbClr r="0" g="0" b="0"/>
+      </a:fillRef>
+      <a:effectRef idx="0">
+        <a:scrgbClr r="0" g="0" b="0"/>
+      </a:effectRef>
+      <a:fontRef idx="minor"/>
+    </dgm:style>
+  </dgm:styleLbl>
+  <dgm:styleLbl name="parChTrans1D2">
+    <dgm:scene3d>
+      <a:camera prst="orthographicFront"/>
+      <a:lightRig rig="threePt" dir="t"/>
+    </dgm:scene3d>
+    <dgm:sp3d/>
+    <dgm:txPr/>
+    <dgm:style>
+      <a:lnRef idx="2">
+        <a:scrgbClr r="0" g="0" b="0"/>
+      </a:lnRef>
+      <a:fillRef idx="0">
+        <a:scrgbClr r="0" g="0" b="0"/>
+      </a:fillRef>
+      <a:effectRef idx="0">
+        <a:scrgbClr r="0" g="0" b="0"/>
+      </a:effectRef>
+      <a:fontRef idx="minor"/>
+    </dgm:style>
+  </dgm:styleLbl>
+  <dgm:styleLbl name="parChTrans1D3">
+    <dgm:scene3d>
+      <a:camera prst="orthographicFront"/>
+      <a:lightRig rig="threePt" dir="t"/>
+    </dgm:scene3d>
+    <dgm:sp3d/>
+    <dgm:txPr/>
+    <dgm:style>
+      <a:lnRef idx="2">
+        <a:scrgbClr r="0" g="0" b="0"/>
+      </a:lnRef>
+      <a:fillRef idx="0">
+        <a:scrgbClr r="0" g="0" b="0"/>
+      </a:fillRef>
+      <a:effectRef idx="0">
+        <a:scrgbClr r="0" g="0" b="0"/>
+      </a:effectRef>
+      <a:fontRef idx="minor"/>
+    </dgm:style>
+  </dgm:styleLbl>
+  <dgm:styleLbl name="parChTrans1D4">
+    <dgm:scene3d>
+      <a:camera prst="orthographicFront"/>
+      <a:lightRig rig="threePt" dir="t"/>
+    </dgm:scene3d>
+    <dgm:sp3d/>
+    <dgm:txPr/>
+    <dgm:style>
+      <a:lnRef idx="2">
+        <a:scrgbClr r="0" g="0" b="0"/>
+      </a:lnRef>
+      <a:fillRef idx="0">
+        <a:scrgbClr r="0" g="0" b="0"/>
+      </a:fillRef>
+      <a:effectRef idx="0">
+        <a:scrgbClr r="0" g="0" b="0"/>
+      </a:effectRef>
+      <a:fontRef idx="minor"/>
+    </dgm:style>
+  </dgm:styleLbl>
+  <dgm:styleLbl name="fgAcc1">
+    <dgm:scene3d>
+      <a:camera prst="orthographicFront"/>
+      <a:lightRig rig="threePt" dir="t"/>
+    </dgm:scene3d>
+    <dgm:sp3d/>
+    <dgm:txPr/>
+    <dgm:style>
+      <a:lnRef idx="2">
+        <a:scrgbClr r="0" g="0" b="0"/>
+      </a:lnRef>
+      <a:fillRef idx="1">
+        <a:scrgbClr r="0" g="0" b="0"/>
+      </a:fillRef>
+      <a:effectRef idx="0">
+        <a:scrgbClr r="0" g="0" b="0"/>
+      </a:effectRef>
+      <a:fontRef idx="minor"/>
+    </dgm:style>
+  </dgm:styleLbl>
+  <dgm:styleLbl name="conFgAcc1">
+    <dgm:scene3d>
+      <a:camera prst="orthographicFront"/>
+      <a:lightRig rig="threePt" dir="t"/>
+    </dgm:scene3d>
+    <dgm:sp3d/>
+    <dgm:txPr/>
+    <dgm:style>
+      <a:lnRef idx="2">
+        <a:scrgbClr r="0" g="0" b="0"/>
+      </a:lnRef>
+      <a:fillRef idx="1">
+        <a:scrgbClr r="0" g="0" b="0"/>
+      </a:fillRef>
+      <a:effectRef idx="0">
+        <a:scrgbClr r="0" g="0" b="0"/>
+      </a:effectRef>
+      <a:fontRef idx="minor"/>
+    </dgm:style>
+  </dgm:styleLbl>
+  <dgm:styleLbl name="alignAcc1">
+    <dgm:scene3d>
+      <a:camera prst="orthographicFront"/>
+      <a:lightRig rig="threePt" dir="t"/>
+    </dgm:scene3d>
+    <dgm:sp3d/>
+    <dgm:txPr/>
+    <dgm:style>
+      <a:lnRef idx="2">
+        <a:scrgbClr r="0" g="0" b="0"/>
+      </a:lnRef>
+      <a:fillRef idx="1">
+        <a:scrgbClr r="0" g="0" b="0"/>
+      </a:fillRef>
+      <a:effectRef idx="0">
+        <a:scrgbClr r="0" g="0" b="0"/>
+      </a:effectRef>
+      <a:fontRef idx="minor"/>
+    </dgm:style>
+  </dgm:styleLbl>
+  <dgm:styleLbl name="trAlignAcc1">
+    <dgm:scene3d>
+      <a:camera prst="orthographicFront"/>
+      <a:lightRig rig="threePt" dir="t"/>
+    </dgm:scene3d>
+    <dgm:sp3d/>
+    <dgm:txPr/>
+    <dgm:style>
+      <a:lnRef idx="1">
+        <a:scrgbClr r="0" g="0" b="0"/>
+      </a:lnRef>
+      <a:fillRef idx="1">
+        <a:scrgbClr r="0" g="0" b="0"/>
+      </a:fillRef>
+      <a:effectRef idx="0">
+        <a:scrgbClr r="0" g="0" b="0"/>
+      </a:effectRef>
+      <a:fontRef idx="minor"/>
+    </dgm:style>
+  </dgm:styleLbl>
+  <dgm:styleLbl name="bgAcc1">
+    <dgm:scene3d>
+      <a:camera prst="orthographicFront"/>
+      <a:lightRig rig="threePt" dir="t"/>
+    </dgm:scene3d>
+    <dgm:sp3d/>
+    <dgm:txPr/>
+    <dgm:style>
+      <a:lnRef idx="2">
+        <a:scrgbClr r="0" g="0" b="0"/>
+      </a:lnRef>
+      <a:fillRef idx="1">
+        <a:scrgbClr r="0" g="0" b="0"/>
+      </a:fillRef>
+      <a:effectRef idx="0">
+        <a:scrgbClr r="0" g="0" b="0"/>
+      </a:effectRef>
+      <a:fontRef idx="minor"/>
+    </dgm:style>
+  </dgm:styleLbl>
+  <dgm:styleLbl name="solidFgAcc1">
+    <dgm:scene3d>
+      <a:camera prst="orthographicFront"/>
+      <a:lightRig rig="threePt" dir="t"/>
+    </dgm:scene3d>
+    <dgm:sp3d/>
+    <dgm:txPr/>
+    <dgm:style>
+      <a:lnRef idx="2">
+        <a:scrgbClr r="0" g="0" b="0"/>
+      </a:lnRef>
+      <a:fillRef idx="1">
+        <a:scrgbClr r="0" g="0" b="0"/>
+      </a:fillRef>
+      <a:effectRef idx="0">
+        <a:scrgbClr r="0" g="0" b="0"/>
+      </a:effectRef>
+      <a:fontRef idx="minor"/>
+    </dgm:style>
+  </dgm:styleLbl>
+  <dgm:styleLbl name="solidAlignAcc1">
+    <dgm:scene3d>
+      <a:camera prst="orthographicFront"/>
+      <a:lightRig rig="threePt" dir="t"/>
+    </dgm:scene3d>
+    <dgm:sp3d/>
+    <dgm:txPr/>
+    <dgm:style>
+      <a:lnRef idx="2">
+        <a:scrgbClr r="0" g="0" b="0"/>
+      </a:lnRef>
+      <a:fillRef idx="1">
+        <a:scrgbClr r="0" g="0" b="0"/>
+      </a:fillRef>
+      <a:effectRef idx="0">
+        <a:scrgbClr r="0" g="0" b="0"/>
+      </a:effectRef>
+      <a:fontRef idx="minor"/>
+    </dgm:style>
+  </dgm:styleLbl>
+  <dgm:styleLbl name="solidBgAcc1">
+    <dgm:scene3d>
+      <a:camera prst="orthographicFront"/>
+      <a:lightRig rig="threePt" dir="t"/>
+    </dgm:scene3d>
+    <dgm:sp3d/>
+    <dgm:txPr/>
+    <dgm:style>
+      <a:lnRef idx="2">
+        <a:scrgbClr r="0" g="0" b="0"/>
+      </a:lnRef>
+      <a:fillRef idx="1">
+        <a:scrgbClr r="0" g="0" b="0"/>
+      </a:fillRef>
+      <a:effectRef idx="0">
+        <a:scrgbClr r="0" g="0" b="0"/>
+      </a:effectRef>
+      <a:fontRef idx="minor"/>
+    </dgm:style>
+  </dgm:styleLbl>
+  <dgm:styleLbl name="fgAccFollowNode1">
+    <dgm:scene3d>
+      <a:camera prst="orthographicFront"/>
+      <a:lightRig rig="threePt" dir="t"/>
+    </dgm:scene3d>
+    <dgm:sp3d/>
+    <dgm:txPr/>
+    <dgm:style>
+      <a:lnRef idx="2">
+        <a:scrgbClr r="0" g="0" b="0"/>
+      </a:lnRef>
+      <a:fillRef idx="1">
+        <a:scrgbClr r="0" g="0" b="0"/>
+      </a:fillRef>
+      <a:effectRef idx="0">
+        <a:scrgbClr r="0" g="0" b="0"/>
+      </a:effectRef>
+      <a:fontRef idx="minor"/>
+    </dgm:style>
+  </dgm:styleLbl>
+  <dgm:styleLbl name="alignAccFollowNode1">
+    <dgm:scene3d>
+      <a:camera prst="orthographicFront"/>
+      <a:lightRig rig="threePt" dir="t"/>
+    </dgm:scene3d>
+    <dgm:sp3d/>
+    <dgm:txPr/>
+    <dgm:style>
+      <a:lnRef idx="2">
+        <a:scrgbClr r="0" g="0" b="0"/>
+      </a:lnRef>
+      <a:fillRef idx="1">
+        <a:scrgbClr r="0" g="0" b="0"/>
+      </a:fillRef>
+      <a:effectRef idx="0">
+        <a:scrgbClr r="0" g="0" b="0"/>
+      </a:effectRef>
+      <a:fontRef idx="minor"/>
+    </dgm:style>
+  </dgm:styleLbl>
+  <dgm:styleLbl name="bgAccFollowNode1">
+    <dgm:scene3d>
+      <a:camera prst="orthographicFront"/>
+      <a:lightRig rig="threePt" dir="t"/>
+    </dgm:scene3d>
+    <dgm:sp3d/>
+    <dgm:txPr/>
+    <dgm:style>
+      <a:lnRef idx="2">
+        <a:scrgbClr r="0" g="0" b="0"/>
+      </a:lnRef>
+      <a:fillRef idx="1">
+        <a:scrgbClr r="0" g="0" b="0"/>
+      </a:fillRef>
+      <a:effectRef idx="0">
+        <a:scrgbClr r="0" g="0" b="0"/>
+      </a:effectRef>
+      <a:fontRef idx="minor"/>
+    </dgm:style>
+  </dgm:styleLbl>
+  <dgm:styleLbl name="fgAcc0">
+    <dgm:scene3d>
+      <a:camera prst="orthographicFront"/>
+      <a:lightRig rig="threePt" dir="t"/>
+    </dgm:scene3d>
+    <dgm:sp3d/>
+    <dgm:txPr/>
+    <dgm:style>
+      <a:lnRef idx="2">
+        <a:scrgbClr r="0" g="0" b="0"/>
+      </a:lnRef>
+      <a:fillRef idx="1">
+        <a:scrgbClr r="0" g="0" b="0"/>
+      </a:fillRef>
+      <a:effectRef idx="0">
+        <a:scrgbClr r="0" g="0" b="0"/>
+      </a:effectRef>
+      <a:fontRef idx="minor"/>
+    </dgm:style>
+  </dgm:styleLbl>
+  <dgm:styleLbl name="fgAcc2">
+    <dgm:scene3d>
+      <a:camera prst="orthographicFront"/>
+      <a:lightRig rig="threePt" dir="t"/>
+    </dgm:scene3d>
+    <dgm:sp3d/>
+    <dgm:txPr/>
+    <dgm:style>
+      <a:lnRef idx="2">
+        <a:scrgbClr r="0" g="0" b="0"/>
+      </a:lnRef>
+      <a:fillRef idx="1">
+        <a:scrgbClr r="0" g="0" b="0"/>
+      </a:fillRef>
+      <a:effectRef idx="0">
+        <a:scrgbClr r="0" g="0" b="0"/>
+      </a:effectRef>
+      <a:fontRef idx="minor"/>
+    </dgm:style>
+  </dgm:styleLbl>
+  <dgm:styleLbl name="fgAcc3">
+    <dgm:scene3d>
+      <a:camera prst="orthographicFront"/>
+      <a:lightRig rig="threePt" dir="t"/>
+    </dgm:scene3d>
+    <dgm:sp3d/>
+    <dgm:txPr/>
+    <dgm:style>
+      <a:lnRef idx="2">
+        <a:scrgbClr r="0" g="0" b="0"/>
+      </a:lnRef>
+      <a:fillRef idx="1">
+        <a:scrgbClr r="0" g="0" b="0"/>
+      </a:fillRef>
+      <a:effectRef idx="0">
+        <a:scrgbClr r="0" g="0" b="0"/>
+      </a:effectRef>
+      <a:fontRef idx="minor"/>
+    </dgm:style>
+  </dgm:styleLbl>
+  <dgm:styleLbl name="fgAcc4">
+    <dgm:scene3d>
+      <a:camera prst="orthographicFront"/>
+      <a:lightRig rig="threePt" dir="t"/>
+    </dgm:scene3d>
+    <dgm:sp3d/>
+    <dgm:txPr/>
+    <dgm:style>
+      <a:lnRef idx="2">
+        <a:scrgbClr r="0" g="0" b="0"/>
+      </a:lnRef>
+      <a:fillRef idx="1">
+        <a:scrgbClr r="0" g="0" b="0"/>
+      </a:fillRef>
+      <a:effectRef idx="0">
+        <a:scrgbClr r="0" g="0" b="0"/>
+      </a:effectRef>
+      <a:fontRef idx="minor"/>
+    </dgm:style>
+  </dgm:styleLbl>
+  <dgm:styleLbl name="bgShp">
+    <dgm:scene3d>
+      <a:camera prst="orthographicFront"/>
+      <a:lightRig rig="threePt" dir="t"/>
+    </dgm:scene3d>
+    <dgm:sp3d/>
+    <dgm:txPr/>
+    <dgm:style>
+      <a:lnRef idx="0">
+        <a:scrgbClr r="0" g="0" b="0"/>
+      </a:lnRef>
+      <a:fillRef idx="1">
+        <a:scrgbClr r="0" g="0" b="0"/>
+      </a:fillRef>
+      <a:effectRef idx="0">
+        <a:scrgbClr r="0" g="0" b="0"/>
+      </a:effectRef>
+      <a:fontRef idx="minor"/>
+    </dgm:style>
+  </dgm:styleLbl>
+  <dgm:styleLbl name="dkBgShp">
+    <dgm:scene3d>
+      <a:camera prst="orthographicFront"/>
+      <a:lightRig rig="threePt" dir="t"/>
+    </dgm:scene3d>
+    <dgm:sp3d/>
+    <dgm:txPr/>
+    <dgm:style>
+      <a:lnRef idx="0">
+        <a:scrgbClr r="0" g="0" b="0"/>
+      </a:lnRef>
+      <a:fillRef idx="1">
+        <a:scrgbClr r="0" g="0" b="0"/>
+      </a:fillRef>
+      <a:effectRef idx="0">
+        <a:scrgbClr r="0" g="0" b="0"/>
+      </a:effectRef>
+      <a:fontRef idx="minor"/>
+    </dgm:style>
+  </dgm:styleLbl>
+  <dgm:styleLbl name="trBgShp">
+    <dgm:scene3d>
+      <a:camera prst="orthographicFront"/>
+      <a:lightRig rig="threePt" dir="t"/>
+    </dgm:scene3d>
+    <dgm:sp3d/>
+    <dgm:txPr/>
+    <dgm:style>
+      <a:lnRef idx="0">
+        <a:scrgbClr r="0" g="0" b="0"/>
+      </a:lnRef>
+      <a:fillRef idx="1">
+        <a:scrgbClr r="0" g="0" b="0"/>
+      </a:fillRef>
+      <a:effectRef idx="0">
+        <a:scrgbClr r="0" g="0" b="0"/>
+      </a:effectRef>
+      <a:fontRef idx="minor"/>
+    </dgm:style>
+  </dgm:styleLbl>
+  <dgm:styleLbl name="fgShp">
+    <dgm:scene3d>
+      <a:camera prst="orthographicFront"/>
+      <a:lightRig rig="threePt" dir="t"/>
+    </dgm:scene3d>
+    <dgm:sp3d/>
+    <dgm:txPr/>
+    <dgm:style>
+      <a:lnRef idx="2">
+        <a:scrgbClr r="0" g="0" b="0"/>
+      </a:lnRef>
+      <a:fillRef idx="1">
+        <a:scrgbClr r="0" g="0" b="0"/>
+      </a:fillRef>
+      <a:effectRef idx="0">
+        <a:scrgbClr r="0" g="0" b="0"/>
+      </a:effectRef>
+      <a:fontRef idx="minor"/>
+    </dgm:style>
+  </dgm:styleLbl>
+  <dgm:styleLbl name="revTx">
+    <dgm:scene3d>
+      <a:camera prst="orthographicFront"/>
+      <a:lightRig rig="threePt" dir="t"/>
+    </dgm:scene3d>
+    <dgm:sp3d/>
+    <dgm:txPr/>
+    <dgm:style>
+      <a:lnRef idx="0">
+        <a:scrgbClr r="0" g="0" b="0"/>
+      </a:lnRef>
+      <a:fillRef idx="0">
+        <a:scrgbClr r="0" g="0" b="0"/>
+      </a:fillRef>
+      <a:effectRef idx="0">
+        <a:scrgbClr r="0" g="0" b="0"/>
+      </a:effectRef>
+      <a:fontRef idx="minor"/>
+    </dgm:style>
+  </dgm:styleLbl>
+</dgm:styleDef>
+</file>
+
+<file path=ppt/diagrams/quickStyle9.xml><?xml version="1.0" encoding="utf-8"?>
 <dgm:styleDef xmlns:dgm="http://schemas.openxmlformats.org/drawingml/2006/diagram" xmlns:a="http://schemas.openxmlformats.org/drawingml/2006/main" uniqueId="urn:microsoft.com/office/officeart/2005/8/quickstyle/simple1">
   <dgm:title val=""/>
   <dgm:desc val=""/>
@@ -33026,7 +39983,7 @@
           <p:cNvPr id="2" name="Título 1">
             <a:extLst>
               <a:ext uri="{FF2B5EF4-FFF2-40B4-BE49-F238E27FC236}">
-                <a16:creationId xmlns:a16="http://schemas.microsoft.com/office/drawing/2014/main" id="{1DA6A9F8-B69B-DDC6-9028-021F2721B9CE}"/>
+                <a16:creationId xmlns:a16="http://schemas.microsoft.com/office/drawing/2014/main" id="{EE2AC57C-D8CA-27C8-F473-6109E2A11A36}"/>
               </a:ext>
             </a:extLst>
           </p:cNvPr>
@@ -33049,122 +40006,41 @@
           </a:p>
         </p:txBody>
       </p:sp>
-      <p:sp>
-        <p:nvSpPr>
-          <p:cNvPr id="3" name="Espaço Reservado para Conteúdo 2">
+      <p:graphicFrame>
+        <p:nvGraphicFramePr>
+          <p:cNvPr id="5" name="Espaço Reservado para Conteúdo 4">
             <a:extLst>
               <a:ext uri="{FF2B5EF4-FFF2-40B4-BE49-F238E27FC236}">
-                <a16:creationId xmlns:a16="http://schemas.microsoft.com/office/drawing/2014/main" id="{6F923DA6-972F-7358-39A6-E5F7ABB6B4E1}"/>
+                <a16:creationId xmlns:a16="http://schemas.microsoft.com/office/drawing/2014/main" id="{4C7897AE-5CBE-CA1E-8D20-2F9E6FB9E854}"/>
               </a:ext>
             </a:extLst>
           </p:cNvPr>
-          <p:cNvSpPr>
-            <a:spLocks noGrp="1"/>
-          </p:cNvSpPr>
+          <p:cNvGraphicFramePr>
+            <a:graphicFrameLocks noGrp="1"/>
+          </p:cNvGraphicFramePr>
           <p:nvPr>
             <p:ph idx="1"/>
+            <p:extLst>
+              <p:ext uri="{D42A27DB-BD31-4B8C-83A1-F6EECF244321}">
+                <p14:modId xmlns:p14="http://schemas.microsoft.com/office/powerpoint/2010/main" val="19043873"/>
+              </p:ext>
+            </p:extLst>
           </p:nvPr>
-        </p:nvSpPr>
-        <p:spPr/>
-        <p:txBody>
-          <a:bodyPr>
-            <a:normAutofit fontScale="92500"/>
-          </a:bodyPr>
-          <a:lstStyle/>
-          <a:p>
-            <a:r>
-              <a:rPr lang="pt-BR" dirty="0"/>
-              <a:t>Saúde ambiental</a:t>
-            </a:r>
-          </a:p>
-          <a:p>
-            <a:pPr lvl="1"/>
-            <a:r>
-              <a:rPr lang="pt-BR" dirty="0"/>
-              <a:t>abordagem educativa  sobre dengue, Chikungunya e Zica</a:t>
-            </a:r>
-          </a:p>
-          <a:p>
-            <a:pPr lvl="1"/>
-            <a:r>
-              <a:rPr lang="pt-BR" dirty="0"/>
-              <a:t>abordagem educativa sobre qualidade do ar, da água, do solo; e prevenção de doenças transmitidas por vetores</a:t>
-            </a:r>
-          </a:p>
-          <a:p>
-            <a:r>
-              <a:rPr lang="pt-BR" sz="2800" dirty="0"/>
-              <a:t>Promoção da cultura de paz e direitos humanos</a:t>
-            </a:r>
-          </a:p>
-          <a:p>
-            <a:pPr lvl="1"/>
-            <a:r>
-              <a:rPr lang="pt-BR" dirty="0"/>
-              <a:t> abordagem educativa sobre promoção do diálogo, da tolerância, da diversidade e combate ao bullying</a:t>
-            </a:r>
-          </a:p>
-          <a:p>
-            <a:r>
-              <a:rPr lang="pt-BR" sz="2800" dirty="0"/>
-              <a:t>Prevenção das violências e dos acidentes</a:t>
-            </a:r>
-          </a:p>
-          <a:p>
-            <a:pPr lvl="1"/>
-            <a:r>
-              <a:rPr lang="pt-BR" dirty="0"/>
-              <a:t>abordagem educativa sobre prevenção de violências físicas, psicológicas, sexuais e riscos de acidentes</a:t>
-            </a:r>
-          </a:p>
-          <a:p>
-            <a:r>
-              <a:rPr lang="pt-BR" sz="2800" dirty="0"/>
-              <a:t>Prevenção de doenças negligenciadas</a:t>
-            </a:r>
-          </a:p>
-          <a:p>
-            <a:pPr lvl="1"/>
-            <a:r>
-              <a:rPr lang="pt-BR" dirty="0"/>
-              <a:t>abordagem educativa sobre hanseníase, tuberculose, malária, leishmaniose, </a:t>
-            </a:r>
-            <a:r>
-              <a:rPr lang="pt-BR" dirty="0" err="1"/>
-              <a:t>geo-helmintíases</a:t>
-            </a:r>
-            <a:endParaRPr lang="pt-BR" dirty="0"/>
-          </a:p>
-          <a:p>
-            <a:pPr marL="0" indent="0">
-              <a:buNone/>
-            </a:pPr>
-            <a:endParaRPr lang="pt-BR" dirty="0"/>
-          </a:p>
-          <a:p>
-            <a:endParaRPr lang="pt-BR" sz="2800" dirty="0"/>
-          </a:p>
-          <a:p>
-            <a:endParaRPr lang="pt-BR" sz="2800" dirty="0"/>
-          </a:p>
-          <a:p>
-            <a:endParaRPr lang="pt-BR" sz="2800" dirty="0"/>
-          </a:p>
-          <a:p>
-            <a:endParaRPr lang="pt-BR" sz="2800" dirty="0"/>
-          </a:p>
-          <a:p>
-            <a:endParaRPr lang="pt-BR" sz="2800" dirty="0"/>
-          </a:p>
-          <a:p>
-            <a:endParaRPr lang="pt-BR" dirty="0"/>
-          </a:p>
-        </p:txBody>
-      </p:sp>
+        </p:nvGraphicFramePr>
+        <p:xfrm>
+          <a:off x="274638" y="1271588"/>
+          <a:ext cx="11626850" cy="4754562"/>
+        </p:xfrm>
+        <a:graphic>
+          <a:graphicData uri="http://schemas.openxmlformats.org/drawingml/2006/diagram">
+            <dgm:relIds xmlns:dgm="http://schemas.openxmlformats.org/drawingml/2006/diagram" xmlns:r="http://schemas.openxmlformats.org/officeDocument/2006/relationships" r:dm="rId2" r:lo="rId3" r:qs="rId4" r:cs="rId5"/>
+          </a:graphicData>
+        </a:graphic>
+      </p:graphicFrame>
     </p:spTree>
     <p:extLst>
       <p:ext uri="{BB962C8B-B14F-4D97-AF65-F5344CB8AC3E}">
-        <p14:creationId xmlns:p14="http://schemas.microsoft.com/office/powerpoint/2010/main" val="4169127041"/>
+        <p14:creationId xmlns:p14="http://schemas.microsoft.com/office/powerpoint/2010/main" val="4032380741"/>
       </p:ext>
     </p:extLst>
   </p:cSld>
@@ -33192,7 +40068,7 @@
                             </p:stCondLst>
                             <p:childTnLst>
                               <p:par>
-                                <p:cTn id="5" presetID="1" presetClass="entr" presetSubtype="0" fill="hold" grpId="0" nodeType="clickEffect">
+                                <p:cTn id="5" presetID="10" presetClass="entr" presetSubtype="0" fill="hold" grpId="0" nodeType="clickEffect">
                                   <p:stCondLst>
                                     <p:cond delay="0"/>
                                   </p:stCondLst>
@@ -33205,10 +40081,10 @@
                                           </p:stCondLst>
                                         </p:cTn>
                                         <p:tgtEl>
-                                          <p:spTgt spid="3">
-                                            <p:txEl>
-                                              <p:pRg st="0" end="0"/>
-                                            </p:txEl>
+                                          <p:spTgt spid="5">
+                                            <p:graphicEl>
+                                              <a:dgm id="{6368407C-18FA-4481-B906-27C75E7288E0}"/>
+                                            </p:graphicEl>
                                           </p:spTgt>
                                         </p:tgtEl>
                                         <p:attrNameLst>
@@ -33219,27 +40095,57 @@
                                         <p:strVal val="visible"/>
                                       </p:to>
                                     </p:set>
+                                    <p:animEffect transition="in" filter="fade">
+                                      <p:cBhvr>
+                                        <p:cTn id="7" dur="500"/>
+                                        <p:tgtEl>
+                                          <p:spTgt spid="5">
+                                            <p:graphicEl>
+                                              <a:dgm id="{6368407C-18FA-4481-B906-27C75E7288E0}"/>
+                                            </p:graphicEl>
+                                          </p:spTgt>
+                                        </p:tgtEl>
+                                      </p:cBhvr>
+                                    </p:animEffect>
                                   </p:childTnLst>
                                 </p:cTn>
                               </p:par>
+                            </p:childTnLst>
+                          </p:cTn>
+                        </p:par>
+                      </p:childTnLst>
+                    </p:cTn>
+                  </p:par>
+                  <p:par>
+                    <p:cTn id="8" fill="hold">
+                      <p:stCondLst>
+                        <p:cond delay="indefinite"/>
+                      </p:stCondLst>
+                      <p:childTnLst>
+                        <p:par>
+                          <p:cTn id="9" fill="hold">
+                            <p:stCondLst>
+                              <p:cond delay="0"/>
+                            </p:stCondLst>
+                            <p:childTnLst>
                               <p:par>
-                                <p:cTn id="7" presetID="1" presetClass="entr" presetSubtype="0" fill="hold" grpId="0" nodeType="withEffect">
+                                <p:cTn id="10" presetID="10" presetClass="entr" presetSubtype="0" fill="hold" grpId="0" nodeType="clickEffect">
                                   <p:stCondLst>
                                     <p:cond delay="0"/>
                                   </p:stCondLst>
                                   <p:childTnLst>
                                     <p:set>
                                       <p:cBhvr>
-                                        <p:cTn id="8" dur="1" fill="hold">
+                                        <p:cTn id="11" dur="1" fill="hold">
                                           <p:stCondLst>
                                             <p:cond delay="0"/>
                                           </p:stCondLst>
                                         </p:cTn>
                                         <p:tgtEl>
-                                          <p:spTgt spid="3">
-                                            <p:txEl>
-                                              <p:pRg st="1" end="1"/>
-                                            </p:txEl>
+                                          <p:spTgt spid="5">
+                                            <p:graphicEl>
+                                              <a:dgm id="{159B5546-62A5-4FE3-B845-9AAAA944F9D3}"/>
+                                            </p:graphicEl>
                                           </p:spTgt>
                                         </p:tgtEl>
                                         <p:attrNameLst>
@@ -33250,37 +40156,18 @@
                                         <p:strVal val="visible"/>
                                       </p:to>
                                     </p:set>
-                                  </p:childTnLst>
-                                </p:cTn>
-                              </p:par>
-                              <p:par>
-                                <p:cTn id="9" presetID="1" presetClass="entr" presetSubtype="0" fill="hold" grpId="0" nodeType="withEffect">
-                                  <p:stCondLst>
-                                    <p:cond delay="0"/>
-                                  </p:stCondLst>
-                                  <p:childTnLst>
-                                    <p:set>
+                                    <p:animEffect transition="in" filter="fade">
                                       <p:cBhvr>
-                                        <p:cTn id="10" dur="1" fill="hold">
-                                          <p:stCondLst>
-                                            <p:cond delay="0"/>
-                                          </p:stCondLst>
-                                        </p:cTn>
+                                        <p:cTn id="12" dur="500"/>
                                         <p:tgtEl>
-                                          <p:spTgt spid="3">
-                                            <p:txEl>
-                                              <p:pRg st="2" end="2"/>
-                                            </p:txEl>
+                                          <p:spTgt spid="5">
+                                            <p:graphicEl>
+                                              <a:dgm id="{159B5546-62A5-4FE3-B845-9AAAA944F9D3}"/>
+                                            </p:graphicEl>
                                           </p:spTgt>
                                         </p:tgtEl>
-                                        <p:attrNameLst>
-                                          <p:attrName>style.visibility</p:attrName>
-                                        </p:attrNameLst>
                                       </p:cBhvr>
-                                      <p:to>
-                                        <p:strVal val="visible"/>
-                                      </p:to>
-                                    </p:set>
+                                    </p:animEffect>
                                   </p:childTnLst>
                                 </p:cTn>
                               </p:par>
@@ -33291,50 +40178,19 @@
                     </p:cTn>
                   </p:par>
                   <p:par>
-                    <p:cTn id="11" fill="hold">
+                    <p:cTn id="13" fill="hold">
                       <p:stCondLst>
                         <p:cond delay="indefinite"/>
                       </p:stCondLst>
                       <p:childTnLst>
                         <p:par>
-                          <p:cTn id="12" fill="hold">
+                          <p:cTn id="14" fill="hold">
                             <p:stCondLst>
                               <p:cond delay="0"/>
                             </p:stCondLst>
                             <p:childTnLst>
                               <p:par>
-                                <p:cTn id="13" presetID="1" presetClass="entr" presetSubtype="0" fill="hold" grpId="0" nodeType="clickEffect">
-                                  <p:stCondLst>
-                                    <p:cond delay="0"/>
-                                  </p:stCondLst>
-                                  <p:childTnLst>
-                                    <p:set>
-                                      <p:cBhvr>
-                                        <p:cTn id="14" dur="1" fill="hold">
-                                          <p:stCondLst>
-                                            <p:cond delay="0"/>
-                                          </p:stCondLst>
-                                        </p:cTn>
-                                        <p:tgtEl>
-                                          <p:spTgt spid="3">
-                                            <p:txEl>
-                                              <p:pRg st="3" end="3"/>
-                                            </p:txEl>
-                                          </p:spTgt>
-                                        </p:tgtEl>
-                                        <p:attrNameLst>
-                                          <p:attrName>style.visibility</p:attrName>
-                                        </p:attrNameLst>
-                                      </p:cBhvr>
-                                      <p:to>
-                                        <p:strVal val="visible"/>
-                                      </p:to>
-                                    </p:set>
-                                  </p:childTnLst>
-                                </p:cTn>
-                              </p:par>
-                              <p:par>
-                                <p:cTn id="15" presetID="1" presetClass="entr" presetSubtype="0" fill="hold" grpId="0" nodeType="withEffect">
+                                <p:cTn id="15" presetID="10" presetClass="entr" presetSubtype="0" fill="hold" grpId="0" nodeType="clickEffect">
                                   <p:stCondLst>
                                     <p:cond delay="0"/>
                                   </p:stCondLst>
@@ -33347,10 +40203,10 @@
                                           </p:stCondLst>
                                         </p:cTn>
                                         <p:tgtEl>
-                                          <p:spTgt spid="3">
-                                            <p:txEl>
-                                              <p:pRg st="4" end="4"/>
-                                            </p:txEl>
+                                          <p:spTgt spid="5">
+                                            <p:graphicEl>
+                                              <a:dgm id="{05ADA281-ACDC-41CF-98C5-25415EAE08AA}"/>
+                                            </p:graphicEl>
                                           </p:spTgt>
                                         </p:tgtEl>
                                         <p:attrNameLst>
@@ -33361,6 +40217,18 @@
                                         <p:strVal val="visible"/>
                                       </p:to>
                                     </p:set>
+                                    <p:animEffect transition="in" filter="fade">
+                                      <p:cBhvr>
+                                        <p:cTn id="17" dur="500"/>
+                                        <p:tgtEl>
+                                          <p:spTgt spid="5">
+                                            <p:graphicEl>
+                                              <a:dgm id="{05ADA281-ACDC-41CF-98C5-25415EAE08AA}"/>
+                                            </p:graphicEl>
+                                          </p:spTgt>
+                                        </p:tgtEl>
+                                      </p:cBhvr>
+                                    </p:animEffect>
                                   </p:childTnLst>
                                 </p:cTn>
                               </p:par>
@@ -33371,35 +40239,35 @@
                     </p:cTn>
                   </p:par>
                   <p:par>
-                    <p:cTn id="17" fill="hold">
+                    <p:cTn id="18" fill="hold">
                       <p:stCondLst>
                         <p:cond delay="indefinite"/>
                       </p:stCondLst>
                       <p:childTnLst>
                         <p:par>
-                          <p:cTn id="18" fill="hold">
+                          <p:cTn id="19" fill="hold">
                             <p:stCondLst>
                               <p:cond delay="0"/>
                             </p:stCondLst>
                             <p:childTnLst>
                               <p:par>
-                                <p:cTn id="19" presetID="1" presetClass="entr" presetSubtype="0" fill="hold" grpId="0" nodeType="clickEffect">
+                                <p:cTn id="20" presetID="10" presetClass="entr" presetSubtype="0" fill="hold" grpId="0" nodeType="clickEffect">
                                   <p:stCondLst>
                                     <p:cond delay="0"/>
                                   </p:stCondLst>
                                   <p:childTnLst>
                                     <p:set>
                                       <p:cBhvr>
-                                        <p:cTn id="20" dur="1" fill="hold">
+                                        <p:cTn id="21" dur="1" fill="hold">
                                           <p:stCondLst>
                                             <p:cond delay="0"/>
                                           </p:stCondLst>
                                         </p:cTn>
                                         <p:tgtEl>
-                                          <p:spTgt spid="3">
-                                            <p:txEl>
-                                              <p:pRg st="5" end="5"/>
-                                            </p:txEl>
+                                          <p:spTgt spid="5">
+                                            <p:graphicEl>
+                                              <a:dgm id="{604FC939-5187-4253-9CFC-1C4EC79CF82D}"/>
+                                            </p:graphicEl>
                                           </p:spTgt>
                                         </p:tgtEl>
                                         <p:attrNameLst>
@@ -33410,37 +40278,18 @@
                                         <p:strVal val="visible"/>
                                       </p:to>
                                     </p:set>
-                                  </p:childTnLst>
-                                </p:cTn>
-                              </p:par>
-                              <p:par>
-                                <p:cTn id="21" presetID="1" presetClass="entr" presetSubtype="0" fill="hold" grpId="0" nodeType="withEffect">
-                                  <p:stCondLst>
-                                    <p:cond delay="0"/>
-                                  </p:stCondLst>
-                                  <p:childTnLst>
-                                    <p:set>
+                                    <p:animEffect transition="in" filter="fade">
                                       <p:cBhvr>
-                                        <p:cTn id="22" dur="1" fill="hold">
-                                          <p:stCondLst>
-                                            <p:cond delay="0"/>
-                                          </p:stCondLst>
-                                        </p:cTn>
+                                        <p:cTn id="22" dur="500"/>
                                         <p:tgtEl>
-                                          <p:spTgt spid="3">
-                                            <p:txEl>
-                                              <p:pRg st="6" end="6"/>
-                                            </p:txEl>
+                                          <p:spTgt spid="5">
+                                            <p:graphicEl>
+                                              <a:dgm id="{604FC939-5187-4253-9CFC-1C4EC79CF82D}"/>
+                                            </p:graphicEl>
                                           </p:spTgt>
                                         </p:tgtEl>
-                                        <p:attrNameLst>
-                                          <p:attrName>style.visibility</p:attrName>
-                                        </p:attrNameLst>
                                       </p:cBhvr>
-                                      <p:to>
-                                        <p:strVal val="visible"/>
-                                      </p:to>
-                                    </p:set>
+                                    </p:animEffect>
                                   </p:childTnLst>
                                 </p:cTn>
                               </p:par>
@@ -33463,7 +40312,7 @@
                             </p:stCondLst>
                             <p:childTnLst>
                               <p:par>
-                                <p:cTn id="25" presetID="1" presetClass="entr" presetSubtype="0" fill="hold" grpId="0" nodeType="clickEffect">
+                                <p:cTn id="25" presetID="10" presetClass="entr" presetSubtype="0" fill="hold" grpId="0" nodeType="clickEffect">
                                   <p:stCondLst>
                                     <p:cond delay="0"/>
                                   </p:stCondLst>
@@ -33476,10 +40325,10 @@
                                           </p:stCondLst>
                                         </p:cTn>
                                         <p:tgtEl>
-                                          <p:spTgt spid="3">
-                                            <p:txEl>
-                                              <p:pRg st="7" end="7"/>
-                                            </p:txEl>
+                                          <p:spTgt spid="5">
+                                            <p:graphicEl>
+                                              <a:dgm id="{3A7D8DD4-A91A-4F11-BF2E-E582B89A6333}"/>
+                                            </p:graphicEl>
                                           </p:spTgt>
                                         </p:tgtEl>
                                         <p:attrNameLst>
@@ -33490,27 +40339,57 @@
                                         <p:strVal val="visible"/>
                                       </p:to>
                                     </p:set>
+                                    <p:animEffect transition="in" filter="fade">
+                                      <p:cBhvr>
+                                        <p:cTn id="27" dur="500"/>
+                                        <p:tgtEl>
+                                          <p:spTgt spid="5">
+                                            <p:graphicEl>
+                                              <a:dgm id="{3A7D8DD4-A91A-4F11-BF2E-E582B89A6333}"/>
+                                            </p:graphicEl>
+                                          </p:spTgt>
+                                        </p:tgtEl>
+                                      </p:cBhvr>
+                                    </p:animEffect>
                                   </p:childTnLst>
                                 </p:cTn>
                               </p:par>
+                            </p:childTnLst>
+                          </p:cTn>
+                        </p:par>
+                      </p:childTnLst>
+                    </p:cTn>
+                  </p:par>
+                  <p:par>
+                    <p:cTn id="28" fill="hold">
+                      <p:stCondLst>
+                        <p:cond delay="indefinite"/>
+                      </p:stCondLst>
+                      <p:childTnLst>
+                        <p:par>
+                          <p:cTn id="29" fill="hold">
+                            <p:stCondLst>
+                              <p:cond delay="0"/>
+                            </p:stCondLst>
+                            <p:childTnLst>
                               <p:par>
-                                <p:cTn id="27" presetID="1" presetClass="entr" presetSubtype="0" fill="hold" grpId="0" nodeType="withEffect">
+                                <p:cTn id="30" presetID="10" presetClass="entr" presetSubtype="0" fill="hold" grpId="0" nodeType="clickEffect">
                                   <p:stCondLst>
                                     <p:cond delay="0"/>
                                   </p:stCondLst>
                                   <p:childTnLst>
                                     <p:set>
                                       <p:cBhvr>
-                                        <p:cTn id="28" dur="1" fill="hold">
+                                        <p:cTn id="31" dur="1" fill="hold">
                                           <p:stCondLst>
                                             <p:cond delay="0"/>
                                           </p:stCondLst>
                                         </p:cTn>
                                         <p:tgtEl>
-                                          <p:spTgt spid="3">
-                                            <p:txEl>
-                                              <p:pRg st="8" end="8"/>
-                                            </p:txEl>
+                                          <p:spTgt spid="5">
+                                            <p:graphicEl>
+                                              <a:dgm id="{A4CE18D3-AF5C-476E-8A28-73375BC16082}"/>
+                                            </p:graphicEl>
                                           </p:spTgt>
                                         </p:tgtEl>
                                         <p:attrNameLst>
@@ -33521,6 +40400,384 @@
                                         <p:strVal val="visible"/>
                                       </p:to>
                                     </p:set>
+                                    <p:animEffect transition="in" filter="fade">
+                                      <p:cBhvr>
+                                        <p:cTn id="32" dur="500"/>
+                                        <p:tgtEl>
+                                          <p:spTgt spid="5">
+                                            <p:graphicEl>
+                                              <a:dgm id="{A4CE18D3-AF5C-476E-8A28-73375BC16082}"/>
+                                            </p:graphicEl>
+                                          </p:spTgt>
+                                        </p:tgtEl>
+                                      </p:cBhvr>
+                                    </p:animEffect>
+                                  </p:childTnLst>
+                                </p:cTn>
+                              </p:par>
+                            </p:childTnLst>
+                          </p:cTn>
+                        </p:par>
+                      </p:childTnLst>
+                    </p:cTn>
+                  </p:par>
+                  <p:par>
+                    <p:cTn id="33" fill="hold">
+                      <p:stCondLst>
+                        <p:cond delay="indefinite"/>
+                      </p:stCondLst>
+                      <p:childTnLst>
+                        <p:par>
+                          <p:cTn id="34" fill="hold">
+                            <p:stCondLst>
+                              <p:cond delay="0"/>
+                            </p:stCondLst>
+                            <p:childTnLst>
+                              <p:par>
+                                <p:cTn id="35" presetID="10" presetClass="entr" presetSubtype="0" fill="hold" grpId="0" nodeType="clickEffect">
+                                  <p:stCondLst>
+                                    <p:cond delay="0"/>
+                                  </p:stCondLst>
+                                  <p:childTnLst>
+                                    <p:set>
+                                      <p:cBhvr>
+                                        <p:cTn id="36" dur="1" fill="hold">
+                                          <p:stCondLst>
+                                            <p:cond delay="0"/>
+                                          </p:stCondLst>
+                                        </p:cTn>
+                                        <p:tgtEl>
+                                          <p:spTgt spid="5">
+                                            <p:graphicEl>
+                                              <a:dgm id="{1C6FE90A-08B8-4721-9641-3A5F3DF1D8BF}"/>
+                                            </p:graphicEl>
+                                          </p:spTgt>
+                                        </p:tgtEl>
+                                        <p:attrNameLst>
+                                          <p:attrName>style.visibility</p:attrName>
+                                        </p:attrNameLst>
+                                      </p:cBhvr>
+                                      <p:to>
+                                        <p:strVal val="visible"/>
+                                      </p:to>
+                                    </p:set>
+                                    <p:animEffect transition="in" filter="fade">
+                                      <p:cBhvr>
+                                        <p:cTn id="37" dur="500"/>
+                                        <p:tgtEl>
+                                          <p:spTgt spid="5">
+                                            <p:graphicEl>
+                                              <a:dgm id="{1C6FE90A-08B8-4721-9641-3A5F3DF1D8BF}"/>
+                                            </p:graphicEl>
+                                          </p:spTgt>
+                                        </p:tgtEl>
+                                      </p:cBhvr>
+                                    </p:animEffect>
+                                  </p:childTnLst>
+                                </p:cTn>
+                              </p:par>
+                            </p:childTnLst>
+                          </p:cTn>
+                        </p:par>
+                      </p:childTnLst>
+                    </p:cTn>
+                  </p:par>
+                  <p:par>
+                    <p:cTn id="38" fill="hold">
+                      <p:stCondLst>
+                        <p:cond delay="indefinite"/>
+                      </p:stCondLst>
+                      <p:childTnLst>
+                        <p:par>
+                          <p:cTn id="39" fill="hold">
+                            <p:stCondLst>
+                              <p:cond delay="0"/>
+                            </p:stCondLst>
+                            <p:childTnLst>
+                              <p:par>
+                                <p:cTn id="40" presetID="10" presetClass="entr" presetSubtype="0" fill="hold" grpId="0" nodeType="clickEffect">
+                                  <p:stCondLst>
+                                    <p:cond delay="0"/>
+                                  </p:stCondLst>
+                                  <p:childTnLst>
+                                    <p:set>
+                                      <p:cBhvr>
+                                        <p:cTn id="41" dur="1" fill="hold">
+                                          <p:stCondLst>
+                                            <p:cond delay="0"/>
+                                          </p:stCondLst>
+                                        </p:cTn>
+                                        <p:tgtEl>
+                                          <p:spTgt spid="5">
+                                            <p:graphicEl>
+                                              <a:dgm id="{42F17969-FDE7-44A1-8BFE-E69E255738D4}"/>
+                                            </p:graphicEl>
+                                          </p:spTgt>
+                                        </p:tgtEl>
+                                        <p:attrNameLst>
+                                          <p:attrName>style.visibility</p:attrName>
+                                        </p:attrNameLst>
+                                      </p:cBhvr>
+                                      <p:to>
+                                        <p:strVal val="visible"/>
+                                      </p:to>
+                                    </p:set>
+                                    <p:animEffect transition="in" filter="fade">
+                                      <p:cBhvr>
+                                        <p:cTn id="42" dur="500"/>
+                                        <p:tgtEl>
+                                          <p:spTgt spid="5">
+                                            <p:graphicEl>
+                                              <a:dgm id="{42F17969-FDE7-44A1-8BFE-E69E255738D4}"/>
+                                            </p:graphicEl>
+                                          </p:spTgt>
+                                        </p:tgtEl>
+                                      </p:cBhvr>
+                                    </p:animEffect>
+                                  </p:childTnLst>
+                                </p:cTn>
+                              </p:par>
+                            </p:childTnLst>
+                          </p:cTn>
+                        </p:par>
+                      </p:childTnLst>
+                    </p:cTn>
+                  </p:par>
+                  <p:par>
+                    <p:cTn id="43" fill="hold">
+                      <p:stCondLst>
+                        <p:cond delay="indefinite"/>
+                      </p:stCondLst>
+                      <p:childTnLst>
+                        <p:par>
+                          <p:cTn id="44" fill="hold">
+                            <p:stCondLst>
+                              <p:cond delay="0"/>
+                            </p:stCondLst>
+                            <p:childTnLst>
+                              <p:par>
+                                <p:cTn id="45" presetID="10" presetClass="entr" presetSubtype="0" fill="hold" grpId="0" nodeType="clickEffect">
+                                  <p:stCondLst>
+                                    <p:cond delay="0"/>
+                                  </p:stCondLst>
+                                  <p:childTnLst>
+                                    <p:set>
+                                      <p:cBhvr>
+                                        <p:cTn id="46" dur="1" fill="hold">
+                                          <p:stCondLst>
+                                            <p:cond delay="0"/>
+                                          </p:stCondLst>
+                                        </p:cTn>
+                                        <p:tgtEl>
+                                          <p:spTgt spid="5">
+                                            <p:graphicEl>
+                                              <a:dgm id="{7272C1E8-2025-4395-9FEE-E335B833576D}"/>
+                                            </p:graphicEl>
+                                          </p:spTgt>
+                                        </p:tgtEl>
+                                        <p:attrNameLst>
+                                          <p:attrName>style.visibility</p:attrName>
+                                        </p:attrNameLst>
+                                      </p:cBhvr>
+                                      <p:to>
+                                        <p:strVal val="visible"/>
+                                      </p:to>
+                                    </p:set>
+                                    <p:animEffect transition="in" filter="fade">
+                                      <p:cBhvr>
+                                        <p:cTn id="47" dur="500"/>
+                                        <p:tgtEl>
+                                          <p:spTgt spid="5">
+                                            <p:graphicEl>
+                                              <a:dgm id="{7272C1E8-2025-4395-9FEE-E335B833576D}"/>
+                                            </p:graphicEl>
+                                          </p:spTgt>
+                                        </p:tgtEl>
+                                      </p:cBhvr>
+                                    </p:animEffect>
+                                  </p:childTnLst>
+                                </p:cTn>
+                              </p:par>
+                            </p:childTnLst>
+                          </p:cTn>
+                        </p:par>
+                      </p:childTnLst>
+                    </p:cTn>
+                  </p:par>
+                  <p:par>
+                    <p:cTn id="48" fill="hold">
+                      <p:stCondLst>
+                        <p:cond delay="indefinite"/>
+                      </p:stCondLst>
+                      <p:childTnLst>
+                        <p:par>
+                          <p:cTn id="49" fill="hold">
+                            <p:stCondLst>
+                              <p:cond delay="0"/>
+                            </p:stCondLst>
+                            <p:childTnLst>
+                              <p:par>
+                                <p:cTn id="50" presetID="10" presetClass="entr" presetSubtype="0" fill="hold" grpId="0" nodeType="clickEffect">
+                                  <p:stCondLst>
+                                    <p:cond delay="0"/>
+                                  </p:stCondLst>
+                                  <p:childTnLst>
+                                    <p:set>
+                                      <p:cBhvr>
+                                        <p:cTn id="51" dur="1" fill="hold">
+                                          <p:stCondLst>
+                                            <p:cond delay="0"/>
+                                          </p:stCondLst>
+                                        </p:cTn>
+                                        <p:tgtEl>
+                                          <p:spTgt spid="5">
+                                            <p:graphicEl>
+                                              <a:dgm id="{47919C39-8165-491C-AFA9-3F9C18E494B3}"/>
+                                            </p:graphicEl>
+                                          </p:spTgt>
+                                        </p:tgtEl>
+                                        <p:attrNameLst>
+                                          <p:attrName>style.visibility</p:attrName>
+                                        </p:attrNameLst>
+                                      </p:cBhvr>
+                                      <p:to>
+                                        <p:strVal val="visible"/>
+                                      </p:to>
+                                    </p:set>
+                                    <p:animEffect transition="in" filter="fade">
+                                      <p:cBhvr>
+                                        <p:cTn id="52" dur="500"/>
+                                        <p:tgtEl>
+                                          <p:spTgt spid="5">
+                                            <p:graphicEl>
+                                              <a:dgm id="{47919C39-8165-491C-AFA9-3F9C18E494B3}"/>
+                                            </p:graphicEl>
+                                          </p:spTgt>
+                                        </p:tgtEl>
+                                      </p:cBhvr>
+                                    </p:animEffect>
+                                  </p:childTnLst>
+                                </p:cTn>
+                              </p:par>
+                            </p:childTnLst>
+                          </p:cTn>
+                        </p:par>
+                      </p:childTnLst>
+                    </p:cTn>
+                  </p:par>
+                  <p:par>
+                    <p:cTn id="53" fill="hold">
+                      <p:stCondLst>
+                        <p:cond delay="indefinite"/>
+                      </p:stCondLst>
+                      <p:childTnLst>
+                        <p:par>
+                          <p:cTn id="54" fill="hold">
+                            <p:stCondLst>
+                              <p:cond delay="0"/>
+                            </p:stCondLst>
+                            <p:childTnLst>
+                              <p:par>
+                                <p:cTn id="55" presetID="10" presetClass="entr" presetSubtype="0" fill="hold" grpId="0" nodeType="clickEffect">
+                                  <p:stCondLst>
+                                    <p:cond delay="0"/>
+                                  </p:stCondLst>
+                                  <p:childTnLst>
+                                    <p:set>
+                                      <p:cBhvr>
+                                        <p:cTn id="56" dur="1" fill="hold">
+                                          <p:stCondLst>
+                                            <p:cond delay="0"/>
+                                          </p:stCondLst>
+                                        </p:cTn>
+                                        <p:tgtEl>
+                                          <p:spTgt spid="5">
+                                            <p:graphicEl>
+                                              <a:dgm id="{D02BE73A-54F5-491B-B84D-BE20C451DE43}"/>
+                                            </p:graphicEl>
+                                          </p:spTgt>
+                                        </p:tgtEl>
+                                        <p:attrNameLst>
+                                          <p:attrName>style.visibility</p:attrName>
+                                        </p:attrNameLst>
+                                      </p:cBhvr>
+                                      <p:to>
+                                        <p:strVal val="visible"/>
+                                      </p:to>
+                                    </p:set>
+                                    <p:animEffect transition="in" filter="fade">
+                                      <p:cBhvr>
+                                        <p:cTn id="57" dur="500"/>
+                                        <p:tgtEl>
+                                          <p:spTgt spid="5">
+                                            <p:graphicEl>
+                                              <a:dgm id="{D02BE73A-54F5-491B-B84D-BE20C451DE43}"/>
+                                            </p:graphicEl>
+                                          </p:spTgt>
+                                        </p:tgtEl>
+                                      </p:cBhvr>
+                                    </p:animEffect>
+                                  </p:childTnLst>
+                                </p:cTn>
+                              </p:par>
+                            </p:childTnLst>
+                          </p:cTn>
+                        </p:par>
+                      </p:childTnLst>
+                    </p:cTn>
+                  </p:par>
+                  <p:par>
+                    <p:cTn id="58" fill="hold">
+                      <p:stCondLst>
+                        <p:cond delay="indefinite"/>
+                      </p:stCondLst>
+                      <p:childTnLst>
+                        <p:par>
+                          <p:cTn id="59" fill="hold">
+                            <p:stCondLst>
+                              <p:cond delay="0"/>
+                            </p:stCondLst>
+                            <p:childTnLst>
+                              <p:par>
+                                <p:cTn id="60" presetID="10" presetClass="entr" presetSubtype="0" fill="hold" grpId="0" nodeType="clickEffect">
+                                  <p:stCondLst>
+                                    <p:cond delay="0"/>
+                                  </p:stCondLst>
+                                  <p:childTnLst>
+                                    <p:set>
+                                      <p:cBhvr>
+                                        <p:cTn id="61" dur="1" fill="hold">
+                                          <p:stCondLst>
+                                            <p:cond delay="0"/>
+                                          </p:stCondLst>
+                                        </p:cTn>
+                                        <p:tgtEl>
+                                          <p:spTgt spid="5">
+                                            <p:graphicEl>
+                                              <a:dgm id="{88DAF8F5-C3A7-4664-81B3-F3F5AF30F8CF}"/>
+                                            </p:graphicEl>
+                                          </p:spTgt>
+                                        </p:tgtEl>
+                                        <p:attrNameLst>
+                                          <p:attrName>style.visibility</p:attrName>
+                                        </p:attrNameLst>
+                                      </p:cBhvr>
+                                      <p:to>
+                                        <p:strVal val="visible"/>
+                                      </p:to>
+                                    </p:set>
+                                    <p:animEffect transition="in" filter="fade">
+                                      <p:cBhvr>
+                                        <p:cTn id="62" dur="500"/>
+                                        <p:tgtEl>
+                                          <p:spTgt spid="5">
+                                            <p:graphicEl>
+                                              <a:dgm id="{88DAF8F5-C3A7-4664-81B3-F3F5AF30F8CF}"/>
+                                            </p:graphicEl>
+                                          </p:spTgt>
+                                        </p:tgtEl>
+                                      </p:cBhvr>
+                                    </p:animEffect>
                                   </p:childTnLst>
                                 </p:cTn>
                               </p:par>
@@ -33552,7 +40809,11 @@
       </p:par>
     </p:tnLst>
     <p:bldLst>
-      <p:bldP spid="3" grpId="0" build="p"/>
+      <p:bldGraphic spid="5" grpId="0">
+        <p:bldSub>
+          <a:bldDgm bld="one"/>
+        </p:bldSub>
+      </p:bldGraphic>
     </p:bldLst>
   </p:timing>
 </p:sld>
@@ -33580,7 +40841,7 @@
           <p:cNvPr id="2" name="Título 1">
             <a:extLst>
               <a:ext uri="{FF2B5EF4-FFF2-40B4-BE49-F238E27FC236}">
-                <a16:creationId xmlns:a16="http://schemas.microsoft.com/office/drawing/2014/main" id="{1DA6A9F8-B69B-DDC6-9028-021F2721B9CE}"/>
+                <a16:creationId xmlns:a16="http://schemas.microsoft.com/office/drawing/2014/main" id="{EE2AC57C-D8CA-27C8-F473-6109E2A11A36}"/>
               </a:ext>
             </a:extLst>
           </p:cNvPr>
@@ -33598,95 +40859,46 @@
           <a:p>
             <a:r>
               <a:rPr lang="pt-BR" dirty="0"/>
-              <a:t>Abordagem educativa por tema</a:t>
+              <a:t>Práticas por tema</a:t>
             </a:r>
           </a:p>
         </p:txBody>
       </p:sp>
-      <p:sp>
-        <p:nvSpPr>
-          <p:cNvPr id="3" name="Espaço Reservado para Conteúdo 2">
+      <p:graphicFrame>
+        <p:nvGraphicFramePr>
+          <p:cNvPr id="5" name="Espaço Reservado para Conteúdo 4">
             <a:extLst>
               <a:ext uri="{FF2B5EF4-FFF2-40B4-BE49-F238E27FC236}">
-                <a16:creationId xmlns:a16="http://schemas.microsoft.com/office/drawing/2014/main" id="{6F923DA6-972F-7358-39A6-E5F7ABB6B4E1}"/>
+                <a16:creationId xmlns:a16="http://schemas.microsoft.com/office/drawing/2014/main" id="{4C7897AE-5CBE-CA1E-8D20-2F9E6FB9E854}"/>
               </a:ext>
             </a:extLst>
           </p:cNvPr>
-          <p:cNvSpPr>
-            <a:spLocks noGrp="1"/>
-          </p:cNvSpPr>
+          <p:cNvGraphicFramePr>
+            <a:graphicFrameLocks noGrp="1"/>
+          </p:cNvGraphicFramePr>
           <p:nvPr>
             <p:ph idx="1"/>
+            <p:extLst>
+              <p:ext uri="{D42A27DB-BD31-4B8C-83A1-F6EECF244321}">
+                <p14:modId xmlns:p14="http://schemas.microsoft.com/office/powerpoint/2010/main" val="3732236423"/>
+              </p:ext>
+            </p:extLst>
           </p:nvPr>
-        </p:nvSpPr>
-        <p:spPr/>
-        <p:txBody>
-          <a:bodyPr>
-            <a:normAutofit/>
-          </a:bodyPr>
-          <a:lstStyle/>
-          <a:p>
-            <a:pPr marL="0" indent="0">
-              <a:buNone/>
-            </a:pPr>
-            <a:endParaRPr lang="pt-BR" sz="2800" dirty="0"/>
-          </a:p>
-          <a:p>
-            <a:r>
-              <a:rPr lang="pt-BR" sz="2800" dirty="0"/>
-              <a:t>Saúde sexual e reprodutiva e prevenção do HIV/IST</a:t>
-            </a:r>
-          </a:p>
-          <a:p>
-            <a:pPr lvl="1"/>
-            <a:r>
-              <a:rPr lang="pt-BR" dirty="0"/>
-              <a:t>abordagem educativa sobre saúde sexual, prevenção de infecções sexualmente transmissíveis e prevenção da gravidez na adolescência</a:t>
-            </a:r>
-          </a:p>
-          <a:p>
-            <a:r>
-              <a:rPr lang="pt-BR" sz="2800" dirty="0"/>
-              <a:t>Prevenção ao uso de álcool, tabaco e outras drogas</a:t>
-            </a:r>
-          </a:p>
-          <a:p>
-            <a:pPr lvl="1"/>
-            <a:r>
-              <a:rPr lang="pt-BR" dirty="0"/>
-              <a:t>abordagem educativa sobre os riscos e danos do uso de álcool, tabaco e outras drogas</a:t>
-            </a:r>
-          </a:p>
-          <a:p>
-            <a:pPr marL="0" indent="0">
-              <a:buNone/>
-            </a:pPr>
-            <a:endParaRPr lang="pt-BR" sz="2800" dirty="0"/>
-          </a:p>
-          <a:p>
-            <a:endParaRPr lang="pt-BR" sz="2800" dirty="0"/>
-          </a:p>
-          <a:p>
-            <a:endParaRPr lang="pt-BR" sz="2800" dirty="0"/>
-          </a:p>
-          <a:p>
-            <a:pPr marL="0" indent="0">
-              <a:buNone/>
-            </a:pPr>
-            <a:endParaRPr lang="pt-BR" sz="2800" dirty="0"/>
-          </a:p>
-          <a:p>
-            <a:endParaRPr lang="pt-BR" sz="2800" dirty="0"/>
-          </a:p>
-          <a:p>
-            <a:endParaRPr lang="pt-BR" dirty="0"/>
-          </a:p>
-        </p:txBody>
-      </p:sp>
+        </p:nvGraphicFramePr>
+        <p:xfrm>
+          <a:off x="274638" y="1271588"/>
+          <a:ext cx="11626850" cy="4754562"/>
+        </p:xfrm>
+        <a:graphic>
+          <a:graphicData uri="http://schemas.openxmlformats.org/drawingml/2006/diagram">
+            <dgm:relIds xmlns:dgm="http://schemas.openxmlformats.org/drawingml/2006/diagram" xmlns:r="http://schemas.openxmlformats.org/officeDocument/2006/relationships" r:dm="rId2" r:lo="rId3" r:qs="rId4" r:cs="rId5"/>
+          </a:graphicData>
+        </a:graphic>
+      </p:graphicFrame>
     </p:spTree>
     <p:extLst>
       <p:ext uri="{BB962C8B-B14F-4D97-AF65-F5344CB8AC3E}">
-        <p14:creationId xmlns:p14="http://schemas.microsoft.com/office/powerpoint/2010/main" val="518682208"/>
+        <p14:creationId xmlns:p14="http://schemas.microsoft.com/office/powerpoint/2010/main" val="1026583237"/>
       </p:ext>
     </p:extLst>
   </p:cSld>
@@ -33714,7 +40926,7 @@
                             </p:stCondLst>
                             <p:childTnLst>
                               <p:par>
-                                <p:cTn id="5" presetID="1" presetClass="entr" presetSubtype="0" fill="hold" grpId="0" nodeType="clickEffect">
+                                <p:cTn id="5" presetID="10" presetClass="entr" presetSubtype="0" fill="hold" grpId="0" nodeType="clickEffect">
                                   <p:stCondLst>
                                     <p:cond delay="0"/>
                                   </p:stCondLst>
@@ -33727,10 +40939,10 @@
                                           </p:stCondLst>
                                         </p:cTn>
                                         <p:tgtEl>
-                                          <p:spTgt spid="3">
-                                            <p:txEl>
-                                              <p:pRg st="1" end="1"/>
-                                            </p:txEl>
+                                          <p:spTgt spid="5">
+                                            <p:graphicEl>
+                                              <a:dgm id="{14DADBB0-4BF4-4841-8DF2-909C9A058CD2}"/>
+                                            </p:graphicEl>
                                           </p:spTgt>
                                         </p:tgtEl>
                                         <p:attrNameLst>
@@ -33741,27 +40953,57 @@
                                         <p:strVal val="visible"/>
                                       </p:to>
                                     </p:set>
+                                    <p:animEffect transition="in" filter="fade">
+                                      <p:cBhvr>
+                                        <p:cTn id="7" dur="500"/>
+                                        <p:tgtEl>
+                                          <p:spTgt spid="5">
+                                            <p:graphicEl>
+                                              <a:dgm id="{14DADBB0-4BF4-4841-8DF2-909C9A058CD2}"/>
+                                            </p:graphicEl>
+                                          </p:spTgt>
+                                        </p:tgtEl>
+                                      </p:cBhvr>
+                                    </p:animEffect>
                                   </p:childTnLst>
                                 </p:cTn>
                               </p:par>
+                            </p:childTnLst>
+                          </p:cTn>
+                        </p:par>
+                      </p:childTnLst>
+                    </p:cTn>
+                  </p:par>
+                  <p:par>
+                    <p:cTn id="8" fill="hold">
+                      <p:stCondLst>
+                        <p:cond delay="indefinite"/>
+                      </p:stCondLst>
+                      <p:childTnLst>
+                        <p:par>
+                          <p:cTn id="9" fill="hold">
+                            <p:stCondLst>
+                              <p:cond delay="0"/>
+                            </p:stCondLst>
+                            <p:childTnLst>
                               <p:par>
-                                <p:cTn id="7" presetID="1" presetClass="entr" presetSubtype="0" fill="hold" grpId="0" nodeType="withEffect">
+                                <p:cTn id="10" presetID="10" presetClass="entr" presetSubtype="0" fill="hold" grpId="0" nodeType="clickEffect">
                                   <p:stCondLst>
                                     <p:cond delay="0"/>
                                   </p:stCondLst>
                                   <p:childTnLst>
                                     <p:set>
                                       <p:cBhvr>
-                                        <p:cTn id="8" dur="1" fill="hold">
+                                        <p:cTn id="11" dur="1" fill="hold">
                                           <p:stCondLst>
                                             <p:cond delay="0"/>
                                           </p:stCondLst>
                                         </p:cTn>
                                         <p:tgtEl>
-                                          <p:spTgt spid="3">
-                                            <p:txEl>
-                                              <p:pRg st="2" end="2"/>
-                                            </p:txEl>
+                                          <p:spTgt spid="5">
+                                            <p:graphicEl>
+                                              <a:dgm id="{9833BBFD-D5F2-400E-8143-83D6307EEC21}"/>
+                                            </p:graphicEl>
                                           </p:spTgt>
                                         </p:tgtEl>
                                         <p:attrNameLst>
@@ -33772,6 +41014,18 @@
                                         <p:strVal val="visible"/>
                                       </p:to>
                                     </p:set>
+                                    <p:animEffect transition="in" filter="fade">
+                                      <p:cBhvr>
+                                        <p:cTn id="12" dur="500"/>
+                                        <p:tgtEl>
+                                          <p:spTgt spid="5">
+                                            <p:graphicEl>
+                                              <a:dgm id="{9833BBFD-D5F2-400E-8143-83D6307EEC21}"/>
+                                            </p:graphicEl>
+                                          </p:spTgt>
+                                        </p:tgtEl>
+                                      </p:cBhvr>
+                                    </p:animEffect>
                                   </p:childTnLst>
                                 </p:cTn>
                               </p:par>
@@ -33782,35 +41036,35 @@
                     </p:cTn>
                   </p:par>
                   <p:par>
-                    <p:cTn id="9" fill="hold">
+                    <p:cTn id="13" fill="hold">
                       <p:stCondLst>
                         <p:cond delay="indefinite"/>
                       </p:stCondLst>
                       <p:childTnLst>
                         <p:par>
-                          <p:cTn id="10" fill="hold">
+                          <p:cTn id="14" fill="hold">
                             <p:stCondLst>
                               <p:cond delay="0"/>
                             </p:stCondLst>
                             <p:childTnLst>
                               <p:par>
-                                <p:cTn id="11" presetID="1" presetClass="entr" presetSubtype="0" fill="hold" grpId="0" nodeType="clickEffect">
+                                <p:cTn id="15" presetID="10" presetClass="entr" presetSubtype="0" fill="hold" grpId="0" nodeType="clickEffect">
                                   <p:stCondLst>
                                     <p:cond delay="0"/>
                                   </p:stCondLst>
                                   <p:childTnLst>
                                     <p:set>
                                       <p:cBhvr>
-                                        <p:cTn id="12" dur="1" fill="hold">
+                                        <p:cTn id="16" dur="1" fill="hold">
                                           <p:stCondLst>
                                             <p:cond delay="0"/>
                                           </p:stCondLst>
                                         </p:cTn>
                                         <p:tgtEl>
-                                          <p:spTgt spid="3">
-                                            <p:txEl>
-                                              <p:pRg st="3" end="3"/>
-                                            </p:txEl>
+                                          <p:spTgt spid="5">
+                                            <p:graphicEl>
+                                              <a:dgm id="{D3FBFF21-FE33-47C1-93E9-7FB611CBA396}"/>
+                                            </p:graphicEl>
                                           </p:spTgt>
                                         </p:tgtEl>
                                         <p:attrNameLst>
@@ -33821,27 +41075,57 @@
                                         <p:strVal val="visible"/>
                                       </p:to>
                                     </p:set>
+                                    <p:animEffect transition="in" filter="fade">
+                                      <p:cBhvr>
+                                        <p:cTn id="17" dur="500"/>
+                                        <p:tgtEl>
+                                          <p:spTgt spid="5">
+                                            <p:graphicEl>
+                                              <a:dgm id="{D3FBFF21-FE33-47C1-93E9-7FB611CBA396}"/>
+                                            </p:graphicEl>
+                                          </p:spTgt>
+                                        </p:tgtEl>
+                                      </p:cBhvr>
+                                    </p:animEffect>
                                   </p:childTnLst>
                                 </p:cTn>
                               </p:par>
+                            </p:childTnLst>
+                          </p:cTn>
+                        </p:par>
+                      </p:childTnLst>
+                    </p:cTn>
+                  </p:par>
+                  <p:par>
+                    <p:cTn id="18" fill="hold">
+                      <p:stCondLst>
+                        <p:cond delay="indefinite"/>
+                      </p:stCondLst>
+                      <p:childTnLst>
+                        <p:par>
+                          <p:cTn id="19" fill="hold">
+                            <p:stCondLst>
+                              <p:cond delay="0"/>
+                            </p:stCondLst>
+                            <p:childTnLst>
                               <p:par>
-                                <p:cTn id="13" presetID="1" presetClass="entr" presetSubtype="0" fill="hold" grpId="0" nodeType="withEffect">
+                                <p:cTn id="20" presetID="10" presetClass="entr" presetSubtype="0" fill="hold" grpId="0" nodeType="clickEffect">
                                   <p:stCondLst>
                                     <p:cond delay="0"/>
                                   </p:stCondLst>
                                   <p:childTnLst>
                                     <p:set>
                                       <p:cBhvr>
-                                        <p:cTn id="14" dur="1" fill="hold">
+                                        <p:cTn id="21" dur="1" fill="hold">
                                           <p:stCondLst>
                                             <p:cond delay="0"/>
                                           </p:stCondLst>
                                         </p:cTn>
                                         <p:tgtEl>
-                                          <p:spTgt spid="3">
-                                            <p:txEl>
-                                              <p:pRg st="4" end="4"/>
-                                            </p:txEl>
+                                          <p:spTgt spid="5">
+                                            <p:graphicEl>
+                                              <a:dgm id="{2623C3E7-7505-4707-B5B6-C6648F182916}"/>
+                                            </p:graphicEl>
                                           </p:spTgt>
                                         </p:tgtEl>
                                         <p:attrNameLst>
@@ -33852,6 +41136,506 @@
                                         <p:strVal val="visible"/>
                                       </p:to>
                                     </p:set>
+                                    <p:animEffect transition="in" filter="fade">
+                                      <p:cBhvr>
+                                        <p:cTn id="22" dur="500"/>
+                                        <p:tgtEl>
+                                          <p:spTgt spid="5">
+                                            <p:graphicEl>
+                                              <a:dgm id="{2623C3E7-7505-4707-B5B6-C6648F182916}"/>
+                                            </p:graphicEl>
+                                          </p:spTgt>
+                                        </p:tgtEl>
+                                      </p:cBhvr>
+                                    </p:animEffect>
+                                  </p:childTnLst>
+                                </p:cTn>
+                              </p:par>
+                            </p:childTnLst>
+                          </p:cTn>
+                        </p:par>
+                      </p:childTnLst>
+                    </p:cTn>
+                  </p:par>
+                  <p:par>
+                    <p:cTn id="23" fill="hold">
+                      <p:stCondLst>
+                        <p:cond delay="indefinite"/>
+                      </p:stCondLst>
+                      <p:childTnLst>
+                        <p:par>
+                          <p:cTn id="24" fill="hold">
+                            <p:stCondLst>
+                              <p:cond delay="0"/>
+                            </p:stCondLst>
+                            <p:childTnLst>
+                              <p:par>
+                                <p:cTn id="25" presetID="10" presetClass="entr" presetSubtype="0" fill="hold" grpId="0" nodeType="clickEffect">
+                                  <p:stCondLst>
+                                    <p:cond delay="0"/>
+                                  </p:stCondLst>
+                                  <p:childTnLst>
+                                    <p:set>
+                                      <p:cBhvr>
+                                        <p:cTn id="26" dur="1" fill="hold">
+                                          <p:stCondLst>
+                                            <p:cond delay="0"/>
+                                          </p:stCondLst>
+                                        </p:cTn>
+                                        <p:tgtEl>
+                                          <p:spTgt spid="5">
+                                            <p:graphicEl>
+                                              <a:dgm id="{31AD23BB-F88A-49C1-8285-420685973214}"/>
+                                            </p:graphicEl>
+                                          </p:spTgt>
+                                        </p:tgtEl>
+                                        <p:attrNameLst>
+                                          <p:attrName>style.visibility</p:attrName>
+                                        </p:attrNameLst>
+                                      </p:cBhvr>
+                                      <p:to>
+                                        <p:strVal val="visible"/>
+                                      </p:to>
+                                    </p:set>
+                                    <p:animEffect transition="in" filter="fade">
+                                      <p:cBhvr>
+                                        <p:cTn id="27" dur="500"/>
+                                        <p:tgtEl>
+                                          <p:spTgt spid="5">
+                                            <p:graphicEl>
+                                              <a:dgm id="{31AD23BB-F88A-49C1-8285-420685973214}"/>
+                                            </p:graphicEl>
+                                          </p:spTgt>
+                                        </p:tgtEl>
+                                      </p:cBhvr>
+                                    </p:animEffect>
+                                  </p:childTnLst>
+                                </p:cTn>
+                              </p:par>
+                            </p:childTnLst>
+                          </p:cTn>
+                        </p:par>
+                      </p:childTnLst>
+                    </p:cTn>
+                  </p:par>
+                  <p:par>
+                    <p:cTn id="28" fill="hold">
+                      <p:stCondLst>
+                        <p:cond delay="indefinite"/>
+                      </p:stCondLst>
+                      <p:childTnLst>
+                        <p:par>
+                          <p:cTn id="29" fill="hold">
+                            <p:stCondLst>
+                              <p:cond delay="0"/>
+                            </p:stCondLst>
+                            <p:childTnLst>
+                              <p:par>
+                                <p:cTn id="30" presetID="10" presetClass="entr" presetSubtype="0" fill="hold" grpId="0" nodeType="clickEffect">
+                                  <p:stCondLst>
+                                    <p:cond delay="0"/>
+                                  </p:stCondLst>
+                                  <p:childTnLst>
+                                    <p:set>
+                                      <p:cBhvr>
+                                        <p:cTn id="31" dur="1" fill="hold">
+                                          <p:stCondLst>
+                                            <p:cond delay="0"/>
+                                          </p:stCondLst>
+                                        </p:cTn>
+                                        <p:tgtEl>
+                                          <p:spTgt spid="5">
+                                            <p:graphicEl>
+                                              <a:dgm id="{5ADF8ED4-EF99-421B-940E-A7E667BD4E77}"/>
+                                            </p:graphicEl>
+                                          </p:spTgt>
+                                        </p:tgtEl>
+                                        <p:attrNameLst>
+                                          <p:attrName>style.visibility</p:attrName>
+                                        </p:attrNameLst>
+                                      </p:cBhvr>
+                                      <p:to>
+                                        <p:strVal val="visible"/>
+                                      </p:to>
+                                    </p:set>
+                                    <p:animEffect transition="in" filter="fade">
+                                      <p:cBhvr>
+                                        <p:cTn id="32" dur="500"/>
+                                        <p:tgtEl>
+                                          <p:spTgt spid="5">
+                                            <p:graphicEl>
+                                              <a:dgm id="{5ADF8ED4-EF99-421B-940E-A7E667BD4E77}"/>
+                                            </p:graphicEl>
+                                          </p:spTgt>
+                                        </p:tgtEl>
+                                      </p:cBhvr>
+                                    </p:animEffect>
+                                  </p:childTnLst>
+                                </p:cTn>
+                              </p:par>
+                            </p:childTnLst>
+                          </p:cTn>
+                        </p:par>
+                      </p:childTnLst>
+                    </p:cTn>
+                  </p:par>
+                  <p:par>
+                    <p:cTn id="33" fill="hold">
+                      <p:stCondLst>
+                        <p:cond delay="indefinite"/>
+                      </p:stCondLst>
+                      <p:childTnLst>
+                        <p:par>
+                          <p:cTn id="34" fill="hold">
+                            <p:stCondLst>
+                              <p:cond delay="0"/>
+                            </p:stCondLst>
+                            <p:childTnLst>
+                              <p:par>
+                                <p:cTn id="35" presetID="10" presetClass="entr" presetSubtype="0" fill="hold" grpId="0" nodeType="clickEffect">
+                                  <p:stCondLst>
+                                    <p:cond delay="0"/>
+                                  </p:stCondLst>
+                                  <p:childTnLst>
+                                    <p:set>
+                                      <p:cBhvr>
+                                        <p:cTn id="36" dur="1" fill="hold">
+                                          <p:stCondLst>
+                                            <p:cond delay="0"/>
+                                          </p:stCondLst>
+                                        </p:cTn>
+                                        <p:tgtEl>
+                                          <p:spTgt spid="5">
+                                            <p:graphicEl>
+                                              <a:dgm id="{A9BB17F2-E411-4B16-AA60-A47ED70206AF}"/>
+                                            </p:graphicEl>
+                                          </p:spTgt>
+                                        </p:tgtEl>
+                                        <p:attrNameLst>
+                                          <p:attrName>style.visibility</p:attrName>
+                                        </p:attrNameLst>
+                                      </p:cBhvr>
+                                      <p:to>
+                                        <p:strVal val="visible"/>
+                                      </p:to>
+                                    </p:set>
+                                    <p:animEffect transition="in" filter="fade">
+                                      <p:cBhvr>
+                                        <p:cTn id="37" dur="500"/>
+                                        <p:tgtEl>
+                                          <p:spTgt spid="5">
+                                            <p:graphicEl>
+                                              <a:dgm id="{A9BB17F2-E411-4B16-AA60-A47ED70206AF}"/>
+                                            </p:graphicEl>
+                                          </p:spTgt>
+                                        </p:tgtEl>
+                                      </p:cBhvr>
+                                    </p:animEffect>
+                                  </p:childTnLst>
+                                </p:cTn>
+                              </p:par>
+                            </p:childTnLst>
+                          </p:cTn>
+                        </p:par>
+                      </p:childTnLst>
+                    </p:cTn>
+                  </p:par>
+                  <p:par>
+                    <p:cTn id="38" fill="hold">
+                      <p:stCondLst>
+                        <p:cond delay="indefinite"/>
+                      </p:stCondLst>
+                      <p:childTnLst>
+                        <p:par>
+                          <p:cTn id="39" fill="hold">
+                            <p:stCondLst>
+                              <p:cond delay="0"/>
+                            </p:stCondLst>
+                            <p:childTnLst>
+                              <p:par>
+                                <p:cTn id="40" presetID="10" presetClass="entr" presetSubtype="0" fill="hold" grpId="0" nodeType="clickEffect">
+                                  <p:stCondLst>
+                                    <p:cond delay="0"/>
+                                  </p:stCondLst>
+                                  <p:childTnLst>
+                                    <p:set>
+                                      <p:cBhvr>
+                                        <p:cTn id="41" dur="1" fill="hold">
+                                          <p:stCondLst>
+                                            <p:cond delay="0"/>
+                                          </p:stCondLst>
+                                        </p:cTn>
+                                        <p:tgtEl>
+                                          <p:spTgt spid="5">
+                                            <p:graphicEl>
+                                              <a:dgm id="{9EBA61B4-2D14-4408-B6B2-B50547D5A5B0}"/>
+                                            </p:graphicEl>
+                                          </p:spTgt>
+                                        </p:tgtEl>
+                                        <p:attrNameLst>
+                                          <p:attrName>style.visibility</p:attrName>
+                                        </p:attrNameLst>
+                                      </p:cBhvr>
+                                      <p:to>
+                                        <p:strVal val="visible"/>
+                                      </p:to>
+                                    </p:set>
+                                    <p:animEffect transition="in" filter="fade">
+                                      <p:cBhvr>
+                                        <p:cTn id="42" dur="500"/>
+                                        <p:tgtEl>
+                                          <p:spTgt spid="5">
+                                            <p:graphicEl>
+                                              <a:dgm id="{9EBA61B4-2D14-4408-B6B2-B50547D5A5B0}"/>
+                                            </p:graphicEl>
+                                          </p:spTgt>
+                                        </p:tgtEl>
+                                      </p:cBhvr>
+                                    </p:animEffect>
+                                  </p:childTnLst>
+                                </p:cTn>
+                              </p:par>
+                            </p:childTnLst>
+                          </p:cTn>
+                        </p:par>
+                      </p:childTnLst>
+                    </p:cTn>
+                  </p:par>
+                  <p:par>
+                    <p:cTn id="43" fill="hold">
+                      <p:stCondLst>
+                        <p:cond delay="indefinite"/>
+                      </p:stCondLst>
+                      <p:childTnLst>
+                        <p:par>
+                          <p:cTn id="44" fill="hold">
+                            <p:stCondLst>
+                              <p:cond delay="0"/>
+                            </p:stCondLst>
+                            <p:childTnLst>
+                              <p:par>
+                                <p:cTn id="45" presetID="10" presetClass="entr" presetSubtype="0" fill="hold" grpId="0" nodeType="clickEffect">
+                                  <p:stCondLst>
+                                    <p:cond delay="0"/>
+                                  </p:stCondLst>
+                                  <p:childTnLst>
+                                    <p:set>
+                                      <p:cBhvr>
+                                        <p:cTn id="46" dur="1" fill="hold">
+                                          <p:stCondLst>
+                                            <p:cond delay="0"/>
+                                          </p:stCondLst>
+                                        </p:cTn>
+                                        <p:tgtEl>
+                                          <p:spTgt spid="5">
+                                            <p:graphicEl>
+                                              <a:dgm id="{81CCF7B7-4CBB-44C7-962C-330B960D2C15}"/>
+                                            </p:graphicEl>
+                                          </p:spTgt>
+                                        </p:tgtEl>
+                                        <p:attrNameLst>
+                                          <p:attrName>style.visibility</p:attrName>
+                                        </p:attrNameLst>
+                                      </p:cBhvr>
+                                      <p:to>
+                                        <p:strVal val="visible"/>
+                                      </p:to>
+                                    </p:set>
+                                    <p:animEffect transition="in" filter="fade">
+                                      <p:cBhvr>
+                                        <p:cTn id="47" dur="500"/>
+                                        <p:tgtEl>
+                                          <p:spTgt spid="5">
+                                            <p:graphicEl>
+                                              <a:dgm id="{81CCF7B7-4CBB-44C7-962C-330B960D2C15}"/>
+                                            </p:graphicEl>
+                                          </p:spTgt>
+                                        </p:tgtEl>
+                                      </p:cBhvr>
+                                    </p:animEffect>
+                                  </p:childTnLst>
+                                </p:cTn>
+                              </p:par>
+                            </p:childTnLst>
+                          </p:cTn>
+                        </p:par>
+                      </p:childTnLst>
+                    </p:cTn>
+                  </p:par>
+                  <p:par>
+                    <p:cTn id="48" fill="hold">
+                      <p:stCondLst>
+                        <p:cond delay="indefinite"/>
+                      </p:stCondLst>
+                      <p:childTnLst>
+                        <p:par>
+                          <p:cTn id="49" fill="hold">
+                            <p:stCondLst>
+                              <p:cond delay="0"/>
+                            </p:stCondLst>
+                            <p:childTnLst>
+                              <p:par>
+                                <p:cTn id="50" presetID="10" presetClass="entr" presetSubtype="0" fill="hold" grpId="0" nodeType="clickEffect">
+                                  <p:stCondLst>
+                                    <p:cond delay="0"/>
+                                  </p:stCondLst>
+                                  <p:childTnLst>
+                                    <p:set>
+                                      <p:cBhvr>
+                                        <p:cTn id="51" dur="1" fill="hold">
+                                          <p:stCondLst>
+                                            <p:cond delay="0"/>
+                                          </p:stCondLst>
+                                        </p:cTn>
+                                        <p:tgtEl>
+                                          <p:spTgt spid="5">
+                                            <p:graphicEl>
+                                              <a:dgm id="{5458CFD3-AB96-4504-9B5A-E8FD2BBBD50C}"/>
+                                            </p:graphicEl>
+                                          </p:spTgt>
+                                        </p:tgtEl>
+                                        <p:attrNameLst>
+                                          <p:attrName>style.visibility</p:attrName>
+                                        </p:attrNameLst>
+                                      </p:cBhvr>
+                                      <p:to>
+                                        <p:strVal val="visible"/>
+                                      </p:to>
+                                    </p:set>
+                                    <p:animEffect transition="in" filter="fade">
+                                      <p:cBhvr>
+                                        <p:cTn id="52" dur="500"/>
+                                        <p:tgtEl>
+                                          <p:spTgt spid="5">
+                                            <p:graphicEl>
+                                              <a:dgm id="{5458CFD3-AB96-4504-9B5A-E8FD2BBBD50C}"/>
+                                            </p:graphicEl>
+                                          </p:spTgt>
+                                        </p:tgtEl>
+                                      </p:cBhvr>
+                                    </p:animEffect>
+                                  </p:childTnLst>
+                                </p:cTn>
+                              </p:par>
+                            </p:childTnLst>
+                          </p:cTn>
+                        </p:par>
+                      </p:childTnLst>
+                    </p:cTn>
+                  </p:par>
+                  <p:par>
+                    <p:cTn id="53" fill="hold">
+                      <p:stCondLst>
+                        <p:cond delay="indefinite"/>
+                      </p:stCondLst>
+                      <p:childTnLst>
+                        <p:par>
+                          <p:cTn id="54" fill="hold">
+                            <p:stCondLst>
+                              <p:cond delay="0"/>
+                            </p:stCondLst>
+                            <p:childTnLst>
+                              <p:par>
+                                <p:cTn id="55" presetID="10" presetClass="entr" presetSubtype="0" fill="hold" grpId="0" nodeType="clickEffect">
+                                  <p:stCondLst>
+                                    <p:cond delay="0"/>
+                                  </p:stCondLst>
+                                  <p:childTnLst>
+                                    <p:set>
+                                      <p:cBhvr>
+                                        <p:cTn id="56" dur="1" fill="hold">
+                                          <p:stCondLst>
+                                            <p:cond delay="0"/>
+                                          </p:stCondLst>
+                                        </p:cTn>
+                                        <p:tgtEl>
+                                          <p:spTgt spid="5">
+                                            <p:graphicEl>
+                                              <a:dgm id="{70B0023E-A9AB-42CF-84A1-4C9E1F855401}"/>
+                                            </p:graphicEl>
+                                          </p:spTgt>
+                                        </p:tgtEl>
+                                        <p:attrNameLst>
+                                          <p:attrName>style.visibility</p:attrName>
+                                        </p:attrNameLst>
+                                      </p:cBhvr>
+                                      <p:to>
+                                        <p:strVal val="visible"/>
+                                      </p:to>
+                                    </p:set>
+                                    <p:animEffect transition="in" filter="fade">
+                                      <p:cBhvr>
+                                        <p:cTn id="57" dur="500"/>
+                                        <p:tgtEl>
+                                          <p:spTgt spid="5">
+                                            <p:graphicEl>
+                                              <a:dgm id="{70B0023E-A9AB-42CF-84A1-4C9E1F855401}"/>
+                                            </p:graphicEl>
+                                          </p:spTgt>
+                                        </p:tgtEl>
+                                      </p:cBhvr>
+                                    </p:animEffect>
+                                  </p:childTnLst>
+                                </p:cTn>
+                              </p:par>
+                            </p:childTnLst>
+                          </p:cTn>
+                        </p:par>
+                      </p:childTnLst>
+                    </p:cTn>
+                  </p:par>
+                  <p:par>
+                    <p:cTn id="58" fill="hold">
+                      <p:stCondLst>
+                        <p:cond delay="indefinite"/>
+                      </p:stCondLst>
+                      <p:childTnLst>
+                        <p:par>
+                          <p:cTn id="59" fill="hold">
+                            <p:stCondLst>
+                              <p:cond delay="0"/>
+                            </p:stCondLst>
+                            <p:childTnLst>
+                              <p:par>
+                                <p:cTn id="60" presetID="10" presetClass="entr" presetSubtype="0" fill="hold" grpId="0" nodeType="clickEffect">
+                                  <p:stCondLst>
+                                    <p:cond delay="0"/>
+                                  </p:stCondLst>
+                                  <p:childTnLst>
+                                    <p:set>
+                                      <p:cBhvr>
+                                        <p:cTn id="61" dur="1" fill="hold">
+                                          <p:stCondLst>
+                                            <p:cond delay="0"/>
+                                          </p:stCondLst>
+                                        </p:cTn>
+                                        <p:tgtEl>
+                                          <p:spTgt spid="5">
+                                            <p:graphicEl>
+                                              <a:dgm id="{E442E09C-3B6E-4953-AEAD-644BF8E976EB}"/>
+                                            </p:graphicEl>
+                                          </p:spTgt>
+                                        </p:tgtEl>
+                                        <p:attrNameLst>
+                                          <p:attrName>style.visibility</p:attrName>
+                                        </p:attrNameLst>
+                                      </p:cBhvr>
+                                      <p:to>
+                                        <p:strVal val="visible"/>
+                                      </p:to>
+                                    </p:set>
+                                    <p:animEffect transition="in" filter="fade">
+                                      <p:cBhvr>
+                                        <p:cTn id="62" dur="500"/>
+                                        <p:tgtEl>
+                                          <p:spTgt spid="5">
+                                            <p:graphicEl>
+                                              <a:dgm id="{E442E09C-3B6E-4953-AEAD-644BF8E976EB}"/>
+                                            </p:graphicEl>
+                                          </p:spTgt>
+                                        </p:tgtEl>
+                                      </p:cBhvr>
+                                    </p:animEffect>
                                   </p:childTnLst>
                                 </p:cTn>
                               </p:par>
@@ -33883,744 +41667,11 @@
       </p:par>
     </p:tnLst>
     <p:bldLst>
-      <p:bldP spid="3" grpId="0" build="p"/>
-    </p:bldLst>
-  </p:timing>
-</p:sld>
-</file>
-
-<file path=ppt/slides/slide23.xml><?xml version="1.0" encoding="utf-8"?>
-<p:sld xmlns:a="http://schemas.openxmlformats.org/drawingml/2006/main" xmlns:r="http://schemas.openxmlformats.org/officeDocument/2006/relationships" xmlns:p="http://schemas.openxmlformats.org/presentationml/2006/main">
-  <p:cSld>
-    <p:spTree>
-      <p:nvGrpSpPr>
-        <p:cNvPr id="1" name=""/>
-        <p:cNvGrpSpPr/>
-        <p:nvPr/>
-      </p:nvGrpSpPr>
-      <p:grpSpPr>
-        <a:xfrm>
-          <a:off x="0" y="0"/>
-          <a:ext cx="0" cy="0"/>
-          <a:chOff x="0" y="0"/>
-          <a:chExt cx="0" cy="0"/>
-        </a:xfrm>
-      </p:grpSpPr>
-      <p:sp>
-        <p:nvSpPr>
-          <p:cNvPr id="2" name="Título 1">
-            <a:extLst>
-              <a:ext uri="{FF2B5EF4-FFF2-40B4-BE49-F238E27FC236}">
-                <a16:creationId xmlns:a16="http://schemas.microsoft.com/office/drawing/2014/main" id="{1DA6A9F8-B69B-DDC6-9028-021F2721B9CE}"/>
-              </a:ext>
-            </a:extLst>
-          </p:cNvPr>
-          <p:cNvSpPr>
-            <a:spLocks noGrp="1"/>
-          </p:cNvSpPr>
-          <p:nvPr>
-            <p:ph type="title"/>
-          </p:nvPr>
-        </p:nvSpPr>
-        <p:spPr/>
-        <p:txBody>
-          <a:bodyPr/>
-          <a:lstStyle/>
-          <a:p>
-            <a:r>
-              <a:rPr lang="pt-BR" dirty="0"/>
-              <a:t>Práticas por tema</a:t>
-            </a:r>
-          </a:p>
-        </p:txBody>
-      </p:sp>
-      <p:sp>
-        <p:nvSpPr>
-          <p:cNvPr id="3" name="Espaço Reservado para Conteúdo 2">
-            <a:extLst>
-              <a:ext uri="{FF2B5EF4-FFF2-40B4-BE49-F238E27FC236}">
-                <a16:creationId xmlns:a16="http://schemas.microsoft.com/office/drawing/2014/main" id="{6F923DA6-972F-7358-39A6-E5F7ABB6B4E1}"/>
-              </a:ext>
-            </a:extLst>
-          </p:cNvPr>
-          <p:cNvSpPr>
-            <a:spLocks noGrp="1"/>
-          </p:cNvSpPr>
-          <p:nvPr>
-            <p:ph idx="1"/>
-          </p:nvPr>
-        </p:nvSpPr>
-        <p:spPr>
-          <a:xfrm>
-            <a:off x="274321" y="1007165"/>
-            <a:ext cx="11626947" cy="5018830"/>
-          </a:xfrm>
-        </p:spPr>
-        <p:txBody>
-          <a:bodyPr>
-            <a:normAutofit fontScale="85000" lnSpcReduction="20000"/>
-          </a:bodyPr>
-          <a:lstStyle/>
-          <a:p>
-            <a:pPr marL="0" indent="0">
-              <a:buNone/>
-            </a:pPr>
-            <a:endParaRPr lang="pt-BR" dirty="0"/>
-          </a:p>
-          <a:p>
-            <a:r>
-              <a:rPr lang="pt-BR" dirty="0"/>
-              <a:t>Saúde bucal</a:t>
-            </a:r>
-          </a:p>
-          <a:p>
-            <a:pPr lvl="1"/>
-            <a:r>
-              <a:rPr lang="pt-BR" dirty="0"/>
-              <a:t>avaliação do estado de saúde bucal e aplicação tópica de flúor</a:t>
-            </a:r>
-          </a:p>
-          <a:p>
-            <a:pPr lvl="1"/>
-            <a:r>
-              <a:rPr lang="pt-BR" dirty="0"/>
-              <a:t>avaliação do estado de saúde bucal e escovação dental supervisionada</a:t>
-            </a:r>
-          </a:p>
-          <a:p>
-            <a:r>
-              <a:rPr lang="pt-BR" sz="2800" dirty="0"/>
-              <a:t>Promoção da atividade física</a:t>
-            </a:r>
-          </a:p>
-          <a:p>
-            <a:pPr lvl="1"/>
-            <a:r>
-              <a:rPr lang="pt-BR" dirty="0"/>
-              <a:t>realização de práticas de atividade física orientadas</a:t>
-            </a:r>
-          </a:p>
-          <a:p>
-            <a:r>
-              <a:rPr lang="pt-BR" sz="2800" dirty="0"/>
-              <a:t>Saúde auditiva</a:t>
-            </a:r>
-          </a:p>
-          <a:p>
-            <a:pPr lvl="1"/>
-            <a:r>
-              <a:rPr lang="pt-BR" dirty="0"/>
-              <a:t>avaliação da acuidade auditiva</a:t>
-            </a:r>
-          </a:p>
-          <a:p>
-            <a:r>
-              <a:rPr lang="pt-BR" sz="2800" dirty="0"/>
-              <a:t>Saúde ocular</a:t>
-            </a:r>
-          </a:p>
-          <a:p>
-            <a:pPr lvl="1"/>
-            <a:r>
-              <a:rPr lang="pt-BR" dirty="0"/>
-              <a:t>avaliação da acuidade visual</a:t>
-            </a:r>
-          </a:p>
-          <a:p>
-            <a:r>
-              <a:rPr lang="pt-BR" sz="2800" dirty="0"/>
-              <a:t>Verificação da situação vacinal</a:t>
-            </a:r>
-          </a:p>
-          <a:p>
-            <a:pPr lvl="1"/>
-            <a:r>
-              <a:rPr lang="pt-BR" dirty="0"/>
-              <a:t>avaliação da situação vacina</a:t>
-            </a:r>
-          </a:p>
-          <a:p>
-            <a:r>
-              <a:rPr lang="pt-BR" sz="2800" dirty="0"/>
-              <a:t>Prevenção à covid-19</a:t>
-            </a:r>
-          </a:p>
-          <a:p>
-            <a:pPr lvl="1"/>
-            <a:r>
-              <a:rPr lang="pt-BR" dirty="0"/>
-              <a:t>Este campo deve ser utilizado, excepcionalmente, para o registro das ações de prevenção à covid-19 nas escolas, o código SIGTAP </a:t>
-            </a:r>
-            <a:r>
-              <a:rPr lang="pt-BR" dirty="0" err="1"/>
-              <a:t>n.°</a:t>
-            </a:r>
-            <a:r>
-              <a:rPr lang="pt-BR" dirty="0"/>
-              <a:t> 01.01.01.009-5 (exemplo: abordagem educativa sobre prevenção à covid-19).</a:t>
-            </a:r>
-          </a:p>
-          <a:p>
-            <a:pPr lvl="1"/>
-            <a:endParaRPr lang="pt-BR" dirty="0"/>
-          </a:p>
-          <a:p>
-            <a:endParaRPr lang="pt-BR" dirty="0"/>
-          </a:p>
-        </p:txBody>
-      </p:sp>
-    </p:spTree>
-    <p:extLst>
-      <p:ext uri="{BB962C8B-B14F-4D97-AF65-F5344CB8AC3E}">
-        <p14:creationId xmlns:p14="http://schemas.microsoft.com/office/powerpoint/2010/main" val="3557594405"/>
-      </p:ext>
-    </p:extLst>
-  </p:cSld>
-  <p:clrMapOvr>
-    <a:masterClrMapping/>
-  </p:clrMapOvr>
-  <p:timing>
-    <p:tnLst>
-      <p:par>
-        <p:cTn id="1" dur="indefinite" restart="never" nodeType="tmRoot">
-          <p:childTnLst>
-            <p:seq concurrent="1" nextAc="seek">
-              <p:cTn id="2" dur="indefinite" nodeType="mainSeq">
-                <p:childTnLst>
-                  <p:par>
-                    <p:cTn id="3" fill="hold">
-                      <p:stCondLst>
-                        <p:cond delay="indefinite"/>
-                      </p:stCondLst>
-                      <p:childTnLst>
-                        <p:par>
-                          <p:cTn id="4" fill="hold">
-                            <p:stCondLst>
-                              <p:cond delay="0"/>
-                            </p:stCondLst>
-                            <p:childTnLst>
-                              <p:par>
-                                <p:cTn id="5" presetID="1" presetClass="entr" presetSubtype="0" fill="hold" grpId="0" nodeType="clickEffect">
-                                  <p:stCondLst>
-                                    <p:cond delay="0"/>
-                                  </p:stCondLst>
-                                  <p:childTnLst>
-                                    <p:set>
-                                      <p:cBhvr>
-                                        <p:cTn id="6" dur="1" fill="hold">
-                                          <p:stCondLst>
-                                            <p:cond delay="0"/>
-                                          </p:stCondLst>
-                                        </p:cTn>
-                                        <p:tgtEl>
-                                          <p:spTgt spid="3">
-                                            <p:txEl>
-                                              <p:pRg st="1" end="1"/>
-                                            </p:txEl>
-                                          </p:spTgt>
-                                        </p:tgtEl>
-                                        <p:attrNameLst>
-                                          <p:attrName>style.visibility</p:attrName>
-                                        </p:attrNameLst>
-                                      </p:cBhvr>
-                                      <p:to>
-                                        <p:strVal val="visible"/>
-                                      </p:to>
-                                    </p:set>
-                                  </p:childTnLst>
-                                </p:cTn>
-                              </p:par>
-                              <p:par>
-                                <p:cTn id="7" presetID="1" presetClass="entr" presetSubtype="0" fill="hold" grpId="0" nodeType="withEffect">
-                                  <p:stCondLst>
-                                    <p:cond delay="0"/>
-                                  </p:stCondLst>
-                                  <p:childTnLst>
-                                    <p:set>
-                                      <p:cBhvr>
-                                        <p:cTn id="8" dur="1" fill="hold">
-                                          <p:stCondLst>
-                                            <p:cond delay="0"/>
-                                          </p:stCondLst>
-                                        </p:cTn>
-                                        <p:tgtEl>
-                                          <p:spTgt spid="3">
-                                            <p:txEl>
-                                              <p:pRg st="2" end="2"/>
-                                            </p:txEl>
-                                          </p:spTgt>
-                                        </p:tgtEl>
-                                        <p:attrNameLst>
-                                          <p:attrName>style.visibility</p:attrName>
-                                        </p:attrNameLst>
-                                      </p:cBhvr>
-                                      <p:to>
-                                        <p:strVal val="visible"/>
-                                      </p:to>
-                                    </p:set>
-                                  </p:childTnLst>
-                                </p:cTn>
-                              </p:par>
-                              <p:par>
-                                <p:cTn id="9" presetID="1" presetClass="entr" presetSubtype="0" fill="hold" grpId="0" nodeType="withEffect">
-                                  <p:stCondLst>
-                                    <p:cond delay="0"/>
-                                  </p:stCondLst>
-                                  <p:childTnLst>
-                                    <p:set>
-                                      <p:cBhvr>
-                                        <p:cTn id="10" dur="1" fill="hold">
-                                          <p:stCondLst>
-                                            <p:cond delay="0"/>
-                                          </p:stCondLst>
-                                        </p:cTn>
-                                        <p:tgtEl>
-                                          <p:spTgt spid="3">
-                                            <p:txEl>
-                                              <p:pRg st="3" end="3"/>
-                                            </p:txEl>
-                                          </p:spTgt>
-                                        </p:tgtEl>
-                                        <p:attrNameLst>
-                                          <p:attrName>style.visibility</p:attrName>
-                                        </p:attrNameLst>
-                                      </p:cBhvr>
-                                      <p:to>
-                                        <p:strVal val="visible"/>
-                                      </p:to>
-                                    </p:set>
-                                  </p:childTnLst>
-                                </p:cTn>
-                              </p:par>
-                            </p:childTnLst>
-                          </p:cTn>
-                        </p:par>
-                      </p:childTnLst>
-                    </p:cTn>
-                  </p:par>
-                  <p:par>
-                    <p:cTn id="11" fill="hold">
-                      <p:stCondLst>
-                        <p:cond delay="indefinite"/>
-                      </p:stCondLst>
-                      <p:childTnLst>
-                        <p:par>
-                          <p:cTn id="12" fill="hold">
-                            <p:stCondLst>
-                              <p:cond delay="0"/>
-                            </p:stCondLst>
-                            <p:childTnLst>
-                              <p:par>
-                                <p:cTn id="13" presetID="1" presetClass="entr" presetSubtype="0" fill="hold" grpId="0" nodeType="clickEffect">
-                                  <p:stCondLst>
-                                    <p:cond delay="0"/>
-                                  </p:stCondLst>
-                                  <p:childTnLst>
-                                    <p:set>
-                                      <p:cBhvr>
-                                        <p:cTn id="14" dur="1" fill="hold">
-                                          <p:stCondLst>
-                                            <p:cond delay="0"/>
-                                          </p:stCondLst>
-                                        </p:cTn>
-                                        <p:tgtEl>
-                                          <p:spTgt spid="3">
-                                            <p:txEl>
-                                              <p:pRg st="4" end="4"/>
-                                            </p:txEl>
-                                          </p:spTgt>
-                                        </p:tgtEl>
-                                        <p:attrNameLst>
-                                          <p:attrName>style.visibility</p:attrName>
-                                        </p:attrNameLst>
-                                      </p:cBhvr>
-                                      <p:to>
-                                        <p:strVal val="visible"/>
-                                      </p:to>
-                                    </p:set>
-                                  </p:childTnLst>
-                                </p:cTn>
-                              </p:par>
-                              <p:par>
-                                <p:cTn id="15" presetID="1" presetClass="entr" presetSubtype="0" fill="hold" grpId="0" nodeType="withEffect">
-                                  <p:stCondLst>
-                                    <p:cond delay="0"/>
-                                  </p:stCondLst>
-                                  <p:childTnLst>
-                                    <p:set>
-                                      <p:cBhvr>
-                                        <p:cTn id="16" dur="1" fill="hold">
-                                          <p:stCondLst>
-                                            <p:cond delay="0"/>
-                                          </p:stCondLst>
-                                        </p:cTn>
-                                        <p:tgtEl>
-                                          <p:spTgt spid="3">
-                                            <p:txEl>
-                                              <p:pRg st="5" end="5"/>
-                                            </p:txEl>
-                                          </p:spTgt>
-                                        </p:tgtEl>
-                                        <p:attrNameLst>
-                                          <p:attrName>style.visibility</p:attrName>
-                                        </p:attrNameLst>
-                                      </p:cBhvr>
-                                      <p:to>
-                                        <p:strVal val="visible"/>
-                                      </p:to>
-                                    </p:set>
-                                  </p:childTnLst>
-                                </p:cTn>
-                              </p:par>
-                            </p:childTnLst>
-                          </p:cTn>
-                        </p:par>
-                      </p:childTnLst>
-                    </p:cTn>
-                  </p:par>
-                  <p:par>
-                    <p:cTn id="17" fill="hold">
-                      <p:stCondLst>
-                        <p:cond delay="indefinite"/>
-                      </p:stCondLst>
-                      <p:childTnLst>
-                        <p:par>
-                          <p:cTn id="18" fill="hold">
-                            <p:stCondLst>
-                              <p:cond delay="0"/>
-                            </p:stCondLst>
-                            <p:childTnLst>
-                              <p:par>
-                                <p:cTn id="19" presetID="1" presetClass="entr" presetSubtype="0" fill="hold" grpId="0" nodeType="clickEffect">
-                                  <p:stCondLst>
-                                    <p:cond delay="0"/>
-                                  </p:stCondLst>
-                                  <p:childTnLst>
-                                    <p:set>
-                                      <p:cBhvr>
-                                        <p:cTn id="20" dur="1" fill="hold">
-                                          <p:stCondLst>
-                                            <p:cond delay="0"/>
-                                          </p:stCondLst>
-                                        </p:cTn>
-                                        <p:tgtEl>
-                                          <p:spTgt spid="3">
-                                            <p:txEl>
-                                              <p:pRg st="6" end="6"/>
-                                            </p:txEl>
-                                          </p:spTgt>
-                                        </p:tgtEl>
-                                        <p:attrNameLst>
-                                          <p:attrName>style.visibility</p:attrName>
-                                        </p:attrNameLst>
-                                      </p:cBhvr>
-                                      <p:to>
-                                        <p:strVal val="visible"/>
-                                      </p:to>
-                                    </p:set>
-                                  </p:childTnLst>
-                                </p:cTn>
-                              </p:par>
-                              <p:par>
-                                <p:cTn id="21" presetID="1" presetClass="entr" presetSubtype="0" fill="hold" grpId="0" nodeType="withEffect">
-                                  <p:stCondLst>
-                                    <p:cond delay="0"/>
-                                  </p:stCondLst>
-                                  <p:childTnLst>
-                                    <p:set>
-                                      <p:cBhvr>
-                                        <p:cTn id="22" dur="1" fill="hold">
-                                          <p:stCondLst>
-                                            <p:cond delay="0"/>
-                                          </p:stCondLst>
-                                        </p:cTn>
-                                        <p:tgtEl>
-                                          <p:spTgt spid="3">
-                                            <p:txEl>
-                                              <p:pRg st="7" end="7"/>
-                                            </p:txEl>
-                                          </p:spTgt>
-                                        </p:tgtEl>
-                                        <p:attrNameLst>
-                                          <p:attrName>style.visibility</p:attrName>
-                                        </p:attrNameLst>
-                                      </p:cBhvr>
-                                      <p:to>
-                                        <p:strVal val="visible"/>
-                                      </p:to>
-                                    </p:set>
-                                  </p:childTnLst>
-                                </p:cTn>
-                              </p:par>
-                            </p:childTnLst>
-                          </p:cTn>
-                        </p:par>
-                      </p:childTnLst>
-                    </p:cTn>
-                  </p:par>
-                  <p:par>
-                    <p:cTn id="23" fill="hold">
-                      <p:stCondLst>
-                        <p:cond delay="indefinite"/>
-                      </p:stCondLst>
-                      <p:childTnLst>
-                        <p:par>
-                          <p:cTn id="24" fill="hold">
-                            <p:stCondLst>
-                              <p:cond delay="0"/>
-                            </p:stCondLst>
-                            <p:childTnLst>
-                              <p:par>
-                                <p:cTn id="25" presetID="1" presetClass="entr" presetSubtype="0" fill="hold" grpId="0" nodeType="clickEffect">
-                                  <p:stCondLst>
-                                    <p:cond delay="0"/>
-                                  </p:stCondLst>
-                                  <p:childTnLst>
-                                    <p:set>
-                                      <p:cBhvr>
-                                        <p:cTn id="26" dur="1" fill="hold">
-                                          <p:stCondLst>
-                                            <p:cond delay="0"/>
-                                          </p:stCondLst>
-                                        </p:cTn>
-                                        <p:tgtEl>
-                                          <p:spTgt spid="3">
-                                            <p:txEl>
-                                              <p:pRg st="8" end="8"/>
-                                            </p:txEl>
-                                          </p:spTgt>
-                                        </p:tgtEl>
-                                        <p:attrNameLst>
-                                          <p:attrName>style.visibility</p:attrName>
-                                        </p:attrNameLst>
-                                      </p:cBhvr>
-                                      <p:to>
-                                        <p:strVal val="visible"/>
-                                      </p:to>
-                                    </p:set>
-                                  </p:childTnLst>
-                                </p:cTn>
-                              </p:par>
-                              <p:par>
-                                <p:cTn id="27" presetID="1" presetClass="entr" presetSubtype="0" fill="hold" grpId="0" nodeType="withEffect">
-                                  <p:stCondLst>
-                                    <p:cond delay="0"/>
-                                  </p:stCondLst>
-                                  <p:childTnLst>
-                                    <p:set>
-                                      <p:cBhvr>
-                                        <p:cTn id="28" dur="1" fill="hold">
-                                          <p:stCondLst>
-                                            <p:cond delay="0"/>
-                                          </p:stCondLst>
-                                        </p:cTn>
-                                        <p:tgtEl>
-                                          <p:spTgt spid="3">
-                                            <p:txEl>
-                                              <p:pRg st="9" end="9"/>
-                                            </p:txEl>
-                                          </p:spTgt>
-                                        </p:tgtEl>
-                                        <p:attrNameLst>
-                                          <p:attrName>style.visibility</p:attrName>
-                                        </p:attrNameLst>
-                                      </p:cBhvr>
-                                      <p:to>
-                                        <p:strVal val="visible"/>
-                                      </p:to>
-                                    </p:set>
-                                  </p:childTnLst>
-                                </p:cTn>
-                              </p:par>
-                            </p:childTnLst>
-                          </p:cTn>
-                        </p:par>
-                      </p:childTnLst>
-                    </p:cTn>
-                  </p:par>
-                  <p:par>
-                    <p:cTn id="29" fill="hold">
-                      <p:stCondLst>
-                        <p:cond delay="indefinite"/>
-                      </p:stCondLst>
-                      <p:childTnLst>
-                        <p:par>
-                          <p:cTn id="30" fill="hold">
-                            <p:stCondLst>
-                              <p:cond delay="0"/>
-                            </p:stCondLst>
-                            <p:childTnLst>
-                              <p:par>
-                                <p:cTn id="31" presetID="1" presetClass="entr" presetSubtype="0" fill="hold" grpId="0" nodeType="clickEffect">
-                                  <p:stCondLst>
-                                    <p:cond delay="0"/>
-                                  </p:stCondLst>
-                                  <p:childTnLst>
-                                    <p:set>
-                                      <p:cBhvr>
-                                        <p:cTn id="32" dur="1" fill="hold">
-                                          <p:stCondLst>
-                                            <p:cond delay="0"/>
-                                          </p:stCondLst>
-                                        </p:cTn>
-                                        <p:tgtEl>
-                                          <p:spTgt spid="3">
-                                            <p:txEl>
-                                              <p:pRg st="10" end="10"/>
-                                            </p:txEl>
-                                          </p:spTgt>
-                                        </p:tgtEl>
-                                        <p:attrNameLst>
-                                          <p:attrName>style.visibility</p:attrName>
-                                        </p:attrNameLst>
-                                      </p:cBhvr>
-                                      <p:to>
-                                        <p:strVal val="visible"/>
-                                      </p:to>
-                                    </p:set>
-                                  </p:childTnLst>
-                                </p:cTn>
-                              </p:par>
-                              <p:par>
-                                <p:cTn id="33" presetID="1" presetClass="entr" presetSubtype="0" fill="hold" grpId="0" nodeType="withEffect">
-                                  <p:stCondLst>
-                                    <p:cond delay="0"/>
-                                  </p:stCondLst>
-                                  <p:childTnLst>
-                                    <p:set>
-                                      <p:cBhvr>
-                                        <p:cTn id="34" dur="1" fill="hold">
-                                          <p:stCondLst>
-                                            <p:cond delay="0"/>
-                                          </p:stCondLst>
-                                        </p:cTn>
-                                        <p:tgtEl>
-                                          <p:spTgt spid="3">
-                                            <p:txEl>
-                                              <p:pRg st="11" end="11"/>
-                                            </p:txEl>
-                                          </p:spTgt>
-                                        </p:tgtEl>
-                                        <p:attrNameLst>
-                                          <p:attrName>style.visibility</p:attrName>
-                                        </p:attrNameLst>
-                                      </p:cBhvr>
-                                      <p:to>
-                                        <p:strVal val="visible"/>
-                                      </p:to>
-                                    </p:set>
-                                  </p:childTnLst>
-                                </p:cTn>
-                              </p:par>
-                            </p:childTnLst>
-                          </p:cTn>
-                        </p:par>
-                      </p:childTnLst>
-                    </p:cTn>
-                  </p:par>
-                  <p:par>
-                    <p:cTn id="35" fill="hold">
-                      <p:stCondLst>
-                        <p:cond delay="indefinite"/>
-                      </p:stCondLst>
-                      <p:childTnLst>
-                        <p:par>
-                          <p:cTn id="36" fill="hold">
-                            <p:stCondLst>
-                              <p:cond delay="0"/>
-                            </p:stCondLst>
-                            <p:childTnLst>
-                              <p:par>
-                                <p:cTn id="37" presetID="1" presetClass="entr" presetSubtype="0" fill="hold" grpId="0" nodeType="clickEffect">
-                                  <p:stCondLst>
-                                    <p:cond delay="0"/>
-                                  </p:stCondLst>
-                                  <p:childTnLst>
-                                    <p:set>
-                                      <p:cBhvr>
-                                        <p:cTn id="38" dur="1" fill="hold">
-                                          <p:stCondLst>
-                                            <p:cond delay="0"/>
-                                          </p:stCondLst>
-                                        </p:cTn>
-                                        <p:tgtEl>
-                                          <p:spTgt spid="3">
-                                            <p:txEl>
-                                              <p:pRg st="12" end="12"/>
-                                            </p:txEl>
-                                          </p:spTgt>
-                                        </p:tgtEl>
-                                        <p:attrNameLst>
-                                          <p:attrName>style.visibility</p:attrName>
-                                        </p:attrNameLst>
-                                      </p:cBhvr>
-                                      <p:to>
-                                        <p:strVal val="visible"/>
-                                      </p:to>
-                                    </p:set>
-                                  </p:childTnLst>
-                                </p:cTn>
-                              </p:par>
-                              <p:par>
-                                <p:cTn id="39" presetID="1" presetClass="entr" presetSubtype="0" fill="hold" grpId="0" nodeType="withEffect">
-                                  <p:stCondLst>
-                                    <p:cond delay="0"/>
-                                  </p:stCondLst>
-                                  <p:childTnLst>
-                                    <p:set>
-                                      <p:cBhvr>
-                                        <p:cTn id="40" dur="1" fill="hold">
-                                          <p:stCondLst>
-                                            <p:cond delay="0"/>
-                                          </p:stCondLst>
-                                        </p:cTn>
-                                        <p:tgtEl>
-                                          <p:spTgt spid="3">
-                                            <p:txEl>
-                                              <p:pRg st="13" end="13"/>
-                                            </p:txEl>
-                                          </p:spTgt>
-                                        </p:tgtEl>
-                                        <p:attrNameLst>
-                                          <p:attrName>style.visibility</p:attrName>
-                                        </p:attrNameLst>
-                                      </p:cBhvr>
-                                      <p:to>
-                                        <p:strVal val="visible"/>
-                                      </p:to>
-                                    </p:set>
-                                  </p:childTnLst>
-                                </p:cTn>
-                              </p:par>
-                            </p:childTnLst>
-                          </p:cTn>
-                        </p:par>
-                      </p:childTnLst>
-                    </p:cTn>
-                  </p:par>
-                </p:childTnLst>
-              </p:cTn>
-              <p:prevCondLst>
-                <p:cond evt="onPrev" delay="0">
-                  <p:tgtEl>
-                    <p:sldTgt/>
-                  </p:tgtEl>
-                </p:cond>
-              </p:prevCondLst>
-              <p:nextCondLst>
-                <p:cond evt="onNext" delay="0">
-                  <p:tgtEl>
-                    <p:sldTgt/>
-                  </p:tgtEl>
-                </p:cond>
-              </p:nextCondLst>
-            </p:seq>
-          </p:childTnLst>
-        </p:cTn>
-      </p:par>
-    </p:tnLst>
-    <p:bldLst>
-      <p:bldP spid="3" grpId="0" build="p"/>
+      <p:bldGraphic spid="5" grpId="0">
+        <p:bldSub>
+          <a:bldDgm bld="one"/>
+        </p:bldSub>
+      </p:bldGraphic>
     </p:bldLst>
   </p:timing>
 </p:sld>
